--- a/Дипломная работа/Консультации Хоменко/Презентация v3.0.pptx
+++ b/Дипломная работа/Консультации Хоменко/Презентация v3.0.pptx
@@ -5,7 +5,7 @@
     <p:sldMasterId id="2147484049" r:id="rId1"/>
   </p:sldMasterIdLst>
   <p:notesMasterIdLst>
-    <p:notesMasterId r:id="rId20"/>
+    <p:notesMasterId r:id="rId22"/>
   </p:notesMasterIdLst>
   <p:sldIdLst>
     <p:sldId id="256" r:id="rId2"/>
@@ -20,12 +20,14 @@
     <p:sldId id="271" r:id="rId11"/>
     <p:sldId id="285" r:id="rId12"/>
     <p:sldId id="302" r:id="rId13"/>
-    <p:sldId id="309" r:id="rId14"/>
-    <p:sldId id="286" r:id="rId15"/>
-    <p:sldId id="289" r:id="rId16"/>
-    <p:sldId id="274" r:id="rId17"/>
-    <p:sldId id="287" r:id="rId18"/>
-    <p:sldId id="288" r:id="rId19"/>
+    <p:sldId id="311" r:id="rId14"/>
+    <p:sldId id="309" r:id="rId15"/>
+    <p:sldId id="286" r:id="rId16"/>
+    <p:sldId id="289" r:id="rId17"/>
+    <p:sldId id="313" r:id="rId18"/>
+    <p:sldId id="274" r:id="rId19"/>
+    <p:sldId id="287" r:id="rId20"/>
+    <p:sldId id="288" r:id="rId21"/>
   </p:sldIdLst>
   <p:sldSz cx="12192000" cy="6858000"/>
   <p:notesSz cx="6858000" cy="9144000"/>
@@ -525,6 +527,42 @@
           <a:bodyPr/>
           <a:lstStyle/>
           <a:p>
+            <a:r>
+              <a:rPr lang="ru-RU" sz="1200" kern="1200" dirty="0">
+                <a:solidFill>
+                  <a:schemeClr val="tx1"/>
+                </a:solidFill>
+                <a:effectLst/>
+                <a:latin typeface="+mn-lt"/>
+                <a:ea typeface="+mn-ea"/>
+                <a:cs typeface="+mn-cs"/>
+              </a:rPr>
+              <a:t>Здравствуйте, уважаемая комиссия. Представляю вашему вниманию выпускную квалификационную работу «Автоматизация сопровождения образовательного процесса в организации Региональный школьный технопарк». Выполнил: обучающийся гр. ДИНРБ-41 </a:t>
+            </a:r>
+            <a:r>
+              <a:rPr lang="ru-RU" sz="1200" kern="1200" dirty="0" err="1">
+                <a:solidFill>
+                  <a:schemeClr val="tx1"/>
+                </a:solidFill>
+                <a:effectLst/>
+                <a:latin typeface="+mn-lt"/>
+                <a:ea typeface="+mn-ea"/>
+                <a:cs typeface="+mn-cs"/>
+              </a:rPr>
+              <a:t>Кузургалиев</a:t>
+            </a:r>
+            <a:r>
+              <a:rPr lang="ru-RU" sz="1200" kern="1200" dirty="0">
+                <a:solidFill>
+                  <a:schemeClr val="tx1"/>
+                </a:solidFill>
+                <a:effectLst/>
+                <a:latin typeface="+mn-lt"/>
+                <a:ea typeface="+mn-ea"/>
+                <a:cs typeface="+mn-cs"/>
+              </a:rPr>
+              <a:t> Радмир Алексеевич Руководитель: К.т.н., доцент Лаптев Валерий Викторович.</a:t>
+            </a:r>
             <a:endParaRPr lang="ru-RU" dirty="0"/>
           </a:p>
         </p:txBody>
@@ -546,7 +584,738 @@
           <a:p>
             <a:fld id="{52F07621-6DF5-40C9-BD08-EFBFABC0EBA5}" type="slidenum">
               <a:rPr lang="ru-RU" smtClean="0"/>
+              <a:t>1</a:t>
+            </a:fld>
+            <a:endParaRPr lang="ru-RU"/>
+          </a:p>
+        </p:txBody>
+      </p:sp>
+    </p:spTree>
+    <p:extLst>
+      <p:ext uri="{BB962C8B-B14F-4D97-AF65-F5344CB8AC3E}">
+        <p14:creationId xmlns:p14="http://schemas.microsoft.com/office/powerpoint/2010/main" val="143017179"/>
+      </p:ext>
+    </p:extLst>
+  </p:cSld>
+  <p:clrMapOvr>
+    <a:masterClrMapping/>
+  </p:clrMapOvr>
+</p:notes>
+</file>
+
+<file path=ppt/notesSlides/notesSlide10.xml><?xml version="1.0" encoding="utf-8"?>
+<p:notes xmlns:a="http://schemas.openxmlformats.org/drawingml/2006/main" xmlns:r="http://schemas.openxmlformats.org/officeDocument/2006/relationships" xmlns:p="http://schemas.openxmlformats.org/presentationml/2006/main">
+  <p:cSld>
+    <p:spTree>
+      <p:nvGrpSpPr>
+        <p:cNvPr id="1" name=""/>
+        <p:cNvGrpSpPr/>
+        <p:nvPr/>
+      </p:nvGrpSpPr>
+      <p:grpSpPr>
+        <a:xfrm>
+          <a:off x="0" y="0"/>
+          <a:ext cx="0" cy="0"/>
+          <a:chOff x="0" y="0"/>
+          <a:chExt cx="0" cy="0"/>
+        </a:xfrm>
+      </p:grpSpPr>
+      <p:sp>
+        <p:nvSpPr>
+          <p:cNvPr id="2" name="Образ слайда 1"/>
+          <p:cNvSpPr>
+            <a:spLocks noGrp="1" noRot="1" noChangeAspect="1"/>
+          </p:cNvSpPr>
+          <p:nvPr>
+            <p:ph type="sldImg"/>
+          </p:nvPr>
+        </p:nvSpPr>
+        <p:spPr/>
+      </p:sp>
+      <p:sp>
+        <p:nvSpPr>
+          <p:cNvPr id="3" name="Заметки 2"/>
+          <p:cNvSpPr>
+            <a:spLocks noGrp="1"/>
+          </p:cNvSpPr>
+          <p:nvPr>
+            <p:ph type="body" idx="1"/>
+          </p:nvPr>
+        </p:nvSpPr>
+        <p:spPr/>
+        <p:txBody>
+          <a:bodyPr/>
+          <a:lstStyle/>
+          <a:p>
+            <a:r>
+              <a:rPr lang="ru-RU" sz="1200" kern="1200" dirty="0">
+                <a:solidFill>
+                  <a:schemeClr val="tx1"/>
+                </a:solidFill>
+                <a:effectLst/>
+                <a:latin typeface="+mn-lt"/>
+                <a:ea typeface="+mn-ea"/>
+                <a:cs typeface="+mn-cs"/>
+              </a:rPr>
+              <a:t>Были определены следующие возможности пользователя Администратор: </a:t>
+            </a:r>
+          </a:p>
+          <a:p>
+            <a:pPr lvl="0"/>
+            <a:r>
+              <a:rPr lang="ru-RU" sz="1200" kern="1200" dirty="0">
+                <a:solidFill>
+                  <a:schemeClr val="tx1"/>
+                </a:solidFill>
+                <a:effectLst/>
+                <a:latin typeface="+mn-lt"/>
+                <a:ea typeface="+mn-ea"/>
+                <a:cs typeface="+mn-cs"/>
+              </a:rPr>
+              <a:t>Просмотр/редактирование/удаление приказов.</a:t>
+            </a:r>
+          </a:p>
+          <a:p>
+            <a:pPr lvl="0"/>
+            <a:r>
+              <a:rPr lang="ru-RU" sz="1200" kern="1200" dirty="0">
+                <a:solidFill>
+                  <a:schemeClr val="tx1"/>
+                </a:solidFill>
+                <a:effectLst/>
+                <a:latin typeface="+mn-lt"/>
+                <a:ea typeface="+mn-ea"/>
+                <a:cs typeface="+mn-cs"/>
+              </a:rPr>
+              <a:t>Просмотр/редактирование/удаление документации.</a:t>
+            </a:r>
+          </a:p>
+          <a:p>
+            <a:pPr lvl="0"/>
+            <a:r>
+              <a:rPr lang="ru-RU" sz="1200" kern="1200" dirty="0">
+                <a:solidFill>
+                  <a:schemeClr val="tx1"/>
+                </a:solidFill>
+                <a:effectLst/>
+                <a:latin typeface="+mn-lt"/>
+                <a:ea typeface="+mn-ea"/>
+                <a:cs typeface="+mn-cs"/>
+              </a:rPr>
+              <a:t>Просмотр/редактирование/удаление учебных групп, участников, явок.</a:t>
+            </a:r>
+          </a:p>
+          <a:p>
+            <a:pPr lvl="0"/>
+            <a:r>
+              <a:rPr lang="ru-RU" sz="1200" kern="1200" dirty="0">
+                <a:solidFill>
+                  <a:schemeClr val="tx1"/>
+                </a:solidFill>
+                <a:effectLst/>
+                <a:latin typeface="+mn-lt"/>
+                <a:ea typeface="+mn-ea"/>
+                <a:cs typeface="+mn-cs"/>
+              </a:rPr>
+              <a:t>Просмотр/редактирование/удаление пользователей и их прав.</a:t>
+            </a:r>
+          </a:p>
+          <a:p>
+            <a:pPr lvl="0"/>
+            <a:r>
+              <a:rPr lang="ru-RU" sz="1200" kern="1200" dirty="0">
+                <a:solidFill>
+                  <a:schemeClr val="tx1"/>
+                </a:solidFill>
+                <a:effectLst/>
+                <a:latin typeface="+mn-lt"/>
+                <a:ea typeface="+mn-ea"/>
+                <a:cs typeface="+mn-cs"/>
+              </a:rPr>
+              <a:t>Просмотр/редактирование/удаление учебных планов.</a:t>
+            </a:r>
+          </a:p>
+          <a:p>
+            <a:r>
+              <a:rPr lang="ru-RU" sz="1200" kern="1200" dirty="0">
+                <a:solidFill>
+                  <a:schemeClr val="tx1"/>
+                </a:solidFill>
+                <a:effectLst/>
+                <a:latin typeface="+mn-lt"/>
+                <a:ea typeface="+mn-ea"/>
+                <a:cs typeface="+mn-cs"/>
+              </a:rPr>
+              <a:t>Просмотр/редактирование/удаление мероприятий и актов участия</a:t>
+            </a:r>
+            <a:endParaRPr lang="ru-RU" dirty="0"/>
+          </a:p>
+        </p:txBody>
+      </p:sp>
+      <p:sp>
+        <p:nvSpPr>
+          <p:cNvPr id="4" name="Номер слайда 3"/>
+          <p:cNvSpPr>
+            <a:spLocks noGrp="1"/>
+          </p:cNvSpPr>
+          <p:nvPr>
+            <p:ph type="sldNum" sz="quarter" idx="5"/>
+          </p:nvPr>
+        </p:nvSpPr>
+        <p:spPr/>
+        <p:txBody>
+          <a:bodyPr/>
+          <a:lstStyle/>
+          <a:p>
+            <a:fld id="{52F07621-6DF5-40C9-BD08-EFBFABC0EBA5}" type="slidenum">
+              <a:rPr lang="ru-RU" smtClean="0"/>
+              <a:t>11</a:t>
+            </a:fld>
+            <a:endParaRPr lang="ru-RU"/>
+          </a:p>
+        </p:txBody>
+      </p:sp>
+    </p:spTree>
+    <p:extLst>
+      <p:ext uri="{BB962C8B-B14F-4D97-AF65-F5344CB8AC3E}">
+        <p14:creationId xmlns:p14="http://schemas.microsoft.com/office/powerpoint/2010/main" val="2764155510"/>
+      </p:ext>
+    </p:extLst>
+  </p:cSld>
+  <p:clrMapOvr>
+    <a:masterClrMapping/>
+  </p:clrMapOvr>
+</p:notes>
+</file>
+
+<file path=ppt/notesSlides/notesSlide11.xml><?xml version="1.0" encoding="utf-8"?>
+<p:notes xmlns:a="http://schemas.openxmlformats.org/drawingml/2006/main" xmlns:r="http://schemas.openxmlformats.org/officeDocument/2006/relationships" xmlns:p="http://schemas.openxmlformats.org/presentationml/2006/main">
+  <p:cSld>
+    <p:spTree>
+      <p:nvGrpSpPr>
+        <p:cNvPr id="1" name=""/>
+        <p:cNvGrpSpPr/>
+        <p:nvPr/>
+      </p:nvGrpSpPr>
+      <p:grpSpPr>
+        <a:xfrm>
+          <a:off x="0" y="0"/>
+          <a:ext cx="0" cy="0"/>
+          <a:chOff x="0" y="0"/>
+          <a:chExt cx="0" cy="0"/>
+        </a:xfrm>
+      </p:grpSpPr>
+      <p:sp>
+        <p:nvSpPr>
+          <p:cNvPr id="2" name="Образ слайда 1"/>
+          <p:cNvSpPr>
+            <a:spLocks noGrp="1" noRot="1" noChangeAspect="1"/>
+          </p:cNvSpPr>
+          <p:nvPr>
+            <p:ph type="sldImg"/>
+          </p:nvPr>
+        </p:nvSpPr>
+        <p:spPr/>
+      </p:sp>
+      <p:sp>
+        <p:nvSpPr>
+          <p:cNvPr id="3" name="Заметки 2"/>
+          <p:cNvSpPr>
+            <a:spLocks noGrp="1"/>
+          </p:cNvSpPr>
+          <p:nvPr>
+            <p:ph type="body" idx="1"/>
+          </p:nvPr>
+        </p:nvSpPr>
+        <p:spPr/>
+        <p:txBody>
+          <a:bodyPr/>
+          <a:lstStyle/>
+          <a:p>
+            <a:r>
+              <a:rPr lang="ru-RU" sz="1200" kern="1200" dirty="0">
+                <a:solidFill>
+                  <a:schemeClr val="tx1"/>
+                </a:solidFill>
+                <a:effectLst/>
+                <a:latin typeface="+mn-lt"/>
+                <a:ea typeface="+mn-ea"/>
+                <a:cs typeface="+mn-cs"/>
+              </a:rPr>
+              <a:t>На данном слайде изображена инфологическая модель основных классов системы.</a:t>
+            </a:r>
+            <a:r>
+              <a:rPr lang="ru-RU" sz="1200" b="1" kern="1200" dirty="0">
+                <a:solidFill>
+                  <a:schemeClr val="tx1"/>
+                </a:solidFill>
+                <a:effectLst/>
+                <a:latin typeface="+mn-lt"/>
+                <a:ea typeface="+mn-ea"/>
+                <a:cs typeface="+mn-cs"/>
+              </a:rPr>
+              <a:t> </a:t>
+            </a:r>
+            <a:endParaRPr lang="ru-RU" dirty="0"/>
+          </a:p>
+        </p:txBody>
+      </p:sp>
+      <p:sp>
+        <p:nvSpPr>
+          <p:cNvPr id="4" name="Номер слайда 3"/>
+          <p:cNvSpPr>
+            <a:spLocks noGrp="1"/>
+          </p:cNvSpPr>
+          <p:nvPr>
+            <p:ph type="sldNum" sz="quarter" idx="5"/>
+          </p:nvPr>
+        </p:nvSpPr>
+        <p:spPr/>
+        <p:txBody>
+          <a:bodyPr/>
+          <a:lstStyle/>
+          <a:p>
+            <a:fld id="{52F07621-6DF5-40C9-BD08-EFBFABC0EBA5}" type="slidenum">
+              <a:rPr lang="ru-RU" smtClean="0"/>
+              <a:t>12</a:t>
+            </a:fld>
+            <a:endParaRPr lang="ru-RU"/>
+          </a:p>
+        </p:txBody>
+      </p:sp>
+    </p:spTree>
+    <p:extLst>
+      <p:ext uri="{BB962C8B-B14F-4D97-AF65-F5344CB8AC3E}">
+        <p14:creationId xmlns:p14="http://schemas.microsoft.com/office/powerpoint/2010/main" val="395808428"/>
+      </p:ext>
+    </p:extLst>
+  </p:cSld>
+  <p:clrMapOvr>
+    <a:masterClrMapping/>
+  </p:clrMapOvr>
+</p:notes>
+</file>
+
+<file path=ppt/notesSlides/notesSlide12.xml><?xml version="1.0" encoding="utf-8"?>
+<p:notes xmlns:a="http://schemas.openxmlformats.org/drawingml/2006/main" xmlns:r="http://schemas.openxmlformats.org/officeDocument/2006/relationships" xmlns:p="http://schemas.openxmlformats.org/presentationml/2006/main">
+  <p:cSld>
+    <p:spTree>
+      <p:nvGrpSpPr>
+        <p:cNvPr id="1" name=""/>
+        <p:cNvGrpSpPr/>
+        <p:nvPr/>
+      </p:nvGrpSpPr>
+      <p:grpSpPr>
+        <a:xfrm>
+          <a:off x="0" y="0"/>
+          <a:ext cx="0" cy="0"/>
+          <a:chOff x="0" y="0"/>
+          <a:chExt cx="0" cy="0"/>
+        </a:xfrm>
+      </p:grpSpPr>
+      <p:sp>
+        <p:nvSpPr>
+          <p:cNvPr id="2" name="Образ слайда 1"/>
+          <p:cNvSpPr>
+            <a:spLocks noGrp="1" noRot="1" noChangeAspect="1"/>
+          </p:cNvSpPr>
+          <p:nvPr>
+            <p:ph type="sldImg"/>
+          </p:nvPr>
+        </p:nvSpPr>
+        <p:spPr/>
+      </p:sp>
+      <p:sp>
+        <p:nvSpPr>
+          <p:cNvPr id="3" name="Заметки 2"/>
+          <p:cNvSpPr>
+            <a:spLocks noGrp="1"/>
+          </p:cNvSpPr>
+          <p:nvPr>
+            <p:ph type="body" idx="1"/>
+          </p:nvPr>
+        </p:nvSpPr>
+        <p:spPr/>
+        <p:txBody>
+          <a:bodyPr/>
+          <a:lstStyle/>
+          <a:p>
+            <a:pPr marL="0" marR="0" lvl="0" indent="0" algn="l" defTabSz="914400" rtl="0" eaLnBrk="1" fontAlgn="auto" latinLnBrk="0" hangingPunct="1">
+              <a:lnSpc>
+                <a:spcPct val="100000"/>
+              </a:lnSpc>
+              <a:spcBef>
+                <a:spcPts val="0"/>
+              </a:spcBef>
+              <a:spcAft>
+                <a:spcPts val="0"/>
+              </a:spcAft>
+              <a:buClrTx/>
+              <a:buSzTx/>
+              <a:buFontTx/>
+              <a:buNone/>
+              <a:tabLst/>
+              <a:defRPr/>
+            </a:pPr>
+            <a:r>
+              <a:rPr lang="ru-RU" sz="1200" kern="1200" dirty="0">
+                <a:solidFill>
+                  <a:schemeClr val="tx1"/>
+                </a:solidFill>
+                <a:effectLst/>
+                <a:latin typeface="+mn-lt"/>
+                <a:ea typeface="+mn-ea"/>
+                <a:cs typeface="+mn-cs"/>
+              </a:rPr>
+              <a:t>на данном слайде отображены основные шаблоны генерируемых документов.</a:t>
+            </a:r>
+          </a:p>
+          <a:p>
+            <a:endParaRPr lang="ru-RU" dirty="0"/>
+          </a:p>
+        </p:txBody>
+      </p:sp>
+      <p:sp>
+        <p:nvSpPr>
+          <p:cNvPr id="4" name="Номер слайда 3"/>
+          <p:cNvSpPr>
+            <a:spLocks noGrp="1"/>
+          </p:cNvSpPr>
+          <p:nvPr>
+            <p:ph type="sldNum" sz="quarter" idx="5"/>
+          </p:nvPr>
+        </p:nvSpPr>
+        <p:spPr/>
+        <p:txBody>
+          <a:bodyPr/>
+          <a:lstStyle/>
+          <a:p>
+            <a:fld id="{52F07621-6DF5-40C9-BD08-EFBFABC0EBA5}" type="slidenum">
+              <a:rPr lang="ru-RU" smtClean="0"/>
+              <a:t>13</a:t>
+            </a:fld>
+            <a:endParaRPr lang="ru-RU"/>
+          </a:p>
+        </p:txBody>
+      </p:sp>
+    </p:spTree>
+    <p:extLst>
+      <p:ext uri="{BB962C8B-B14F-4D97-AF65-F5344CB8AC3E}">
+        <p14:creationId xmlns:p14="http://schemas.microsoft.com/office/powerpoint/2010/main" val="4049961270"/>
+      </p:ext>
+    </p:extLst>
+  </p:cSld>
+  <p:clrMapOvr>
+    <a:masterClrMapping/>
+  </p:clrMapOvr>
+</p:notes>
+</file>
+
+<file path=ppt/notesSlides/notesSlide13.xml><?xml version="1.0" encoding="utf-8"?>
+<p:notes xmlns:a="http://schemas.openxmlformats.org/drawingml/2006/main" xmlns:r="http://schemas.openxmlformats.org/officeDocument/2006/relationships" xmlns:p="http://schemas.openxmlformats.org/presentationml/2006/main">
+  <p:cSld>
+    <p:spTree>
+      <p:nvGrpSpPr>
+        <p:cNvPr id="1" name=""/>
+        <p:cNvGrpSpPr/>
+        <p:nvPr/>
+      </p:nvGrpSpPr>
+      <p:grpSpPr>
+        <a:xfrm>
+          <a:off x="0" y="0"/>
+          <a:ext cx="0" cy="0"/>
+          <a:chOff x="0" y="0"/>
+          <a:chExt cx="0" cy="0"/>
+        </a:xfrm>
+      </p:grpSpPr>
+      <p:sp>
+        <p:nvSpPr>
+          <p:cNvPr id="2" name="Образ слайда 1"/>
+          <p:cNvSpPr>
+            <a:spLocks noGrp="1" noRot="1" noChangeAspect="1"/>
+          </p:cNvSpPr>
+          <p:nvPr>
+            <p:ph type="sldImg"/>
+          </p:nvPr>
+        </p:nvSpPr>
+        <p:spPr/>
+      </p:sp>
+      <p:sp>
+        <p:nvSpPr>
+          <p:cNvPr id="3" name="Заметки 2"/>
+          <p:cNvSpPr>
+            <a:spLocks noGrp="1"/>
+          </p:cNvSpPr>
+          <p:nvPr>
+            <p:ph type="body" idx="1"/>
+          </p:nvPr>
+        </p:nvSpPr>
+        <p:spPr/>
+        <p:txBody>
+          <a:bodyPr/>
+          <a:lstStyle/>
+          <a:p>
+            <a:pPr marL="0" marR="0" lvl="0" indent="0" algn="l" defTabSz="914400" rtl="0" eaLnBrk="1" fontAlgn="auto" latinLnBrk="0" hangingPunct="1">
+              <a:lnSpc>
+                <a:spcPct val="100000"/>
+              </a:lnSpc>
+              <a:spcBef>
+                <a:spcPts val="0"/>
+              </a:spcBef>
+              <a:spcAft>
+                <a:spcPts val="0"/>
+              </a:spcAft>
+              <a:buClrTx/>
+              <a:buSzTx/>
+              <a:buFontTx/>
+              <a:buNone/>
+              <a:tabLst/>
+              <a:defRPr/>
+            </a:pPr>
+            <a:r>
+              <a:rPr lang="ru-RU" sz="1200" kern="1200" dirty="0">
+                <a:solidFill>
+                  <a:schemeClr val="tx1"/>
+                </a:solidFill>
+                <a:effectLst/>
+                <a:latin typeface="+mn-lt"/>
+                <a:ea typeface="+mn-ea"/>
+                <a:cs typeface="+mn-cs"/>
+              </a:rPr>
+              <a:t>на данном слайде отображены основные разработанные интерфейсы системы.</a:t>
+            </a:r>
+          </a:p>
+          <a:p>
+            <a:endParaRPr lang="ru-RU" dirty="0"/>
+          </a:p>
+        </p:txBody>
+      </p:sp>
+      <p:sp>
+        <p:nvSpPr>
+          <p:cNvPr id="4" name="Номер слайда 3"/>
+          <p:cNvSpPr>
+            <a:spLocks noGrp="1"/>
+          </p:cNvSpPr>
+          <p:nvPr>
+            <p:ph type="sldNum" sz="quarter" idx="5"/>
+          </p:nvPr>
+        </p:nvSpPr>
+        <p:spPr/>
+        <p:txBody>
+          <a:bodyPr/>
+          <a:lstStyle/>
+          <a:p>
+            <a:fld id="{52F07621-6DF5-40C9-BD08-EFBFABC0EBA5}" type="slidenum">
+              <a:rPr lang="ru-RU" smtClean="0"/>
               <a:t>14</a:t>
+            </a:fld>
+            <a:endParaRPr lang="ru-RU"/>
+          </a:p>
+        </p:txBody>
+      </p:sp>
+    </p:spTree>
+    <p:extLst>
+      <p:ext uri="{BB962C8B-B14F-4D97-AF65-F5344CB8AC3E}">
+        <p14:creationId xmlns:p14="http://schemas.microsoft.com/office/powerpoint/2010/main" val="2145265479"/>
+      </p:ext>
+    </p:extLst>
+  </p:cSld>
+  <p:clrMapOvr>
+    <a:masterClrMapping/>
+  </p:clrMapOvr>
+</p:notes>
+</file>
+
+<file path=ppt/notesSlides/notesSlide14.xml><?xml version="1.0" encoding="utf-8"?>
+<p:notes xmlns:a="http://schemas.openxmlformats.org/drawingml/2006/main" xmlns:r="http://schemas.openxmlformats.org/officeDocument/2006/relationships" xmlns:p="http://schemas.openxmlformats.org/presentationml/2006/main">
+  <p:cSld>
+    <p:spTree>
+      <p:nvGrpSpPr>
+        <p:cNvPr id="1" name=""/>
+        <p:cNvGrpSpPr/>
+        <p:nvPr/>
+      </p:nvGrpSpPr>
+      <p:grpSpPr>
+        <a:xfrm>
+          <a:off x="0" y="0"/>
+          <a:ext cx="0" cy="0"/>
+          <a:chOff x="0" y="0"/>
+          <a:chExt cx="0" cy="0"/>
+        </a:xfrm>
+      </p:grpSpPr>
+      <p:sp>
+        <p:nvSpPr>
+          <p:cNvPr id="2" name="Образ слайда 1"/>
+          <p:cNvSpPr>
+            <a:spLocks noGrp="1" noRot="1" noChangeAspect="1"/>
+          </p:cNvSpPr>
+          <p:nvPr>
+            <p:ph type="sldImg"/>
+          </p:nvPr>
+        </p:nvSpPr>
+        <p:spPr/>
+      </p:sp>
+      <p:sp>
+        <p:nvSpPr>
+          <p:cNvPr id="3" name="Заметки 2"/>
+          <p:cNvSpPr>
+            <a:spLocks noGrp="1"/>
+          </p:cNvSpPr>
+          <p:nvPr>
+            <p:ph type="body" idx="1"/>
+          </p:nvPr>
+        </p:nvSpPr>
+        <p:spPr/>
+        <p:txBody>
+          <a:bodyPr/>
+          <a:lstStyle/>
+          <a:p>
+            <a:pPr marL="0" marR="0" lvl="0" indent="0" algn="l" defTabSz="914400" rtl="0" eaLnBrk="1" fontAlgn="auto" latinLnBrk="0" hangingPunct="1">
+              <a:lnSpc>
+                <a:spcPct val="100000"/>
+              </a:lnSpc>
+              <a:spcBef>
+                <a:spcPts val="0"/>
+              </a:spcBef>
+              <a:spcAft>
+                <a:spcPts val="0"/>
+              </a:spcAft>
+              <a:buClrTx/>
+              <a:buSzTx/>
+              <a:buFontTx/>
+              <a:buNone/>
+              <a:tabLst/>
+              <a:defRPr/>
+            </a:pPr>
+            <a:r>
+              <a:rPr lang="ru-RU" sz="1200" kern="1200" dirty="0">
+                <a:solidFill>
+                  <a:schemeClr val="tx1"/>
+                </a:solidFill>
+                <a:effectLst/>
+                <a:latin typeface="+mn-lt"/>
+                <a:ea typeface="+mn-ea"/>
+                <a:cs typeface="+mn-cs"/>
+              </a:rPr>
+              <a:t>на данном слайде отображена архитектура разрабатываемого приложения. Обмен между клиентом и сервером происходит по протоколу </a:t>
+            </a:r>
+            <a:r>
+              <a:rPr lang="en-US" sz="1200" kern="1200" dirty="0">
+                <a:solidFill>
+                  <a:schemeClr val="tx1"/>
+                </a:solidFill>
+                <a:effectLst/>
+                <a:latin typeface="+mn-lt"/>
+                <a:ea typeface="+mn-ea"/>
+                <a:cs typeface="+mn-cs"/>
+              </a:rPr>
+              <a:t>HTTPs</a:t>
+            </a:r>
+            <a:r>
+              <a:rPr lang="ru-RU" sz="1200" kern="1200" dirty="0">
+                <a:solidFill>
+                  <a:schemeClr val="tx1"/>
+                </a:solidFill>
+                <a:effectLst/>
+                <a:latin typeface="+mn-lt"/>
+                <a:ea typeface="+mn-ea"/>
+                <a:cs typeface="+mn-cs"/>
+              </a:rPr>
+              <a:t>. Доступ к архивным файлам, находящимся на Яндекс Диске проходит через </a:t>
+            </a:r>
+            <a:r>
+              <a:rPr lang="en-US" sz="1200" kern="1200" dirty="0">
+                <a:solidFill>
+                  <a:schemeClr val="tx1"/>
+                </a:solidFill>
+                <a:effectLst/>
+                <a:latin typeface="+mn-lt"/>
+                <a:ea typeface="+mn-ea"/>
+                <a:cs typeface="+mn-cs"/>
+              </a:rPr>
+              <a:t>API</a:t>
+            </a:r>
+            <a:r>
+              <a:rPr lang="ru-RU" sz="1200" kern="1200" dirty="0">
+                <a:solidFill>
+                  <a:schemeClr val="tx1"/>
+                </a:solidFill>
+                <a:effectLst/>
+                <a:latin typeface="+mn-lt"/>
+                <a:ea typeface="+mn-ea"/>
+                <a:cs typeface="+mn-cs"/>
+              </a:rPr>
+              <a:t> и брокер сообщений </a:t>
+            </a:r>
+            <a:r>
+              <a:rPr lang="en-US" sz="1200" kern="1200" dirty="0">
+                <a:solidFill>
+                  <a:schemeClr val="tx1"/>
+                </a:solidFill>
+                <a:effectLst/>
+                <a:latin typeface="+mn-lt"/>
+                <a:ea typeface="+mn-ea"/>
+                <a:cs typeface="+mn-cs"/>
+              </a:rPr>
+              <a:t>RabbitMQ</a:t>
+            </a:r>
+            <a:r>
+              <a:rPr lang="ru-RU" sz="1200" kern="1200" dirty="0">
+                <a:solidFill>
+                  <a:schemeClr val="tx1"/>
+                </a:solidFill>
+                <a:effectLst/>
+                <a:latin typeface="+mn-lt"/>
+                <a:ea typeface="+mn-ea"/>
+                <a:cs typeface="+mn-cs"/>
+              </a:rPr>
+              <a:t>. Актуальные файлы хранятся непосредственно на сервере для быстрого доступа к ним.</a:t>
+            </a:r>
+            <a:r>
+              <a:rPr lang="ru-RU" sz="1200" b="1" kern="1200" dirty="0">
+                <a:solidFill>
+                  <a:schemeClr val="tx1"/>
+                </a:solidFill>
+                <a:effectLst/>
+                <a:latin typeface="+mn-lt"/>
+                <a:ea typeface="+mn-ea"/>
+                <a:cs typeface="+mn-cs"/>
+              </a:rPr>
+              <a:t>  </a:t>
+            </a:r>
+            <a:endParaRPr lang="ru-RU" sz="1200" kern="1200" dirty="0">
+              <a:solidFill>
+                <a:schemeClr val="tx1"/>
+              </a:solidFill>
+              <a:effectLst/>
+              <a:latin typeface="+mn-lt"/>
+              <a:ea typeface="+mn-ea"/>
+              <a:cs typeface="+mn-cs"/>
+            </a:endParaRPr>
+          </a:p>
+          <a:p>
+            <a:endParaRPr lang="ru-RU" dirty="0"/>
+          </a:p>
+        </p:txBody>
+      </p:sp>
+      <p:sp>
+        <p:nvSpPr>
+          <p:cNvPr id="4" name="Номер слайда 3"/>
+          <p:cNvSpPr>
+            <a:spLocks noGrp="1"/>
+          </p:cNvSpPr>
+          <p:nvPr>
+            <p:ph type="sldNum" sz="quarter" idx="5"/>
+          </p:nvPr>
+        </p:nvSpPr>
+        <p:spPr/>
+        <p:txBody>
+          <a:bodyPr/>
+          <a:lstStyle/>
+          <a:p>
+            <a:fld id="{52F07621-6DF5-40C9-BD08-EFBFABC0EBA5}" type="slidenum">
+              <a:rPr lang="ru-RU" smtClean="0"/>
+              <a:t>15</a:t>
             </a:fld>
             <a:endParaRPr lang="ru-RU"/>
           </a:p>
@@ -556,6 +1325,1817 @@
     <p:extLst>
       <p:ext uri="{BB962C8B-B14F-4D97-AF65-F5344CB8AC3E}">
         <p14:creationId xmlns:p14="http://schemas.microsoft.com/office/powerpoint/2010/main" val="2106793825"/>
+      </p:ext>
+    </p:extLst>
+  </p:cSld>
+  <p:clrMapOvr>
+    <a:masterClrMapping/>
+  </p:clrMapOvr>
+</p:notes>
+</file>
+
+<file path=ppt/notesSlides/notesSlide15.xml><?xml version="1.0" encoding="utf-8"?>
+<p:notes xmlns:a="http://schemas.openxmlformats.org/drawingml/2006/main" xmlns:r="http://schemas.openxmlformats.org/officeDocument/2006/relationships" xmlns:p="http://schemas.openxmlformats.org/presentationml/2006/main">
+  <p:cSld>
+    <p:spTree>
+      <p:nvGrpSpPr>
+        <p:cNvPr id="1" name=""/>
+        <p:cNvGrpSpPr/>
+        <p:nvPr/>
+      </p:nvGrpSpPr>
+      <p:grpSpPr>
+        <a:xfrm>
+          <a:off x="0" y="0"/>
+          <a:ext cx="0" cy="0"/>
+          <a:chOff x="0" y="0"/>
+          <a:chExt cx="0" cy="0"/>
+        </a:xfrm>
+      </p:grpSpPr>
+      <p:sp>
+        <p:nvSpPr>
+          <p:cNvPr id="2" name="Образ слайда 1"/>
+          <p:cNvSpPr>
+            <a:spLocks noGrp="1" noRot="1" noChangeAspect="1"/>
+          </p:cNvSpPr>
+          <p:nvPr>
+            <p:ph type="sldImg"/>
+          </p:nvPr>
+        </p:nvSpPr>
+        <p:spPr/>
+      </p:sp>
+      <p:sp>
+        <p:nvSpPr>
+          <p:cNvPr id="3" name="Заметки 2"/>
+          <p:cNvSpPr>
+            <a:spLocks noGrp="1"/>
+          </p:cNvSpPr>
+          <p:nvPr>
+            <p:ph type="body" idx="1"/>
+          </p:nvPr>
+        </p:nvSpPr>
+        <p:spPr/>
+        <p:txBody>
+          <a:bodyPr/>
+          <a:lstStyle/>
+          <a:p>
+            <a:pPr marL="0" marR="0" lvl="0" indent="0" algn="l" defTabSz="914400" rtl="0" eaLnBrk="1" fontAlgn="auto" latinLnBrk="0" hangingPunct="1">
+              <a:lnSpc>
+                <a:spcPct val="100000"/>
+              </a:lnSpc>
+              <a:spcBef>
+                <a:spcPts val="0"/>
+              </a:spcBef>
+              <a:spcAft>
+                <a:spcPts val="0"/>
+              </a:spcAft>
+              <a:buClrTx/>
+              <a:buSzTx/>
+              <a:buFontTx/>
+              <a:buNone/>
+              <a:tabLst/>
+              <a:defRPr/>
+            </a:pPr>
+            <a:r>
+              <a:rPr lang="ru-RU" sz="1200" kern="1200" dirty="0">
+                <a:solidFill>
+                  <a:schemeClr val="tx1"/>
+                </a:solidFill>
+                <a:effectLst/>
+                <a:latin typeface="+mn-lt"/>
+                <a:ea typeface="+mn-ea"/>
+                <a:cs typeface="+mn-cs"/>
+              </a:rPr>
+              <a:t>На данном слайде отображены основные сведения о разработанном программном продукте и средствах разработки. </a:t>
+            </a:r>
+          </a:p>
+          <a:p>
+            <a:endParaRPr lang="ru-RU" dirty="0"/>
+          </a:p>
+        </p:txBody>
+      </p:sp>
+      <p:sp>
+        <p:nvSpPr>
+          <p:cNvPr id="4" name="Номер слайда 3"/>
+          <p:cNvSpPr>
+            <a:spLocks noGrp="1"/>
+          </p:cNvSpPr>
+          <p:nvPr>
+            <p:ph type="sldNum" sz="quarter" idx="5"/>
+          </p:nvPr>
+        </p:nvSpPr>
+        <p:spPr/>
+        <p:txBody>
+          <a:bodyPr/>
+          <a:lstStyle/>
+          <a:p>
+            <a:fld id="{52F07621-6DF5-40C9-BD08-EFBFABC0EBA5}" type="slidenum">
+              <a:rPr lang="ru-RU" smtClean="0"/>
+              <a:t>16</a:t>
+            </a:fld>
+            <a:endParaRPr lang="ru-RU"/>
+          </a:p>
+        </p:txBody>
+      </p:sp>
+    </p:spTree>
+    <p:extLst>
+      <p:ext uri="{BB962C8B-B14F-4D97-AF65-F5344CB8AC3E}">
+        <p14:creationId xmlns:p14="http://schemas.microsoft.com/office/powerpoint/2010/main" val="2309492035"/>
+      </p:ext>
+    </p:extLst>
+  </p:cSld>
+  <p:clrMapOvr>
+    <a:masterClrMapping/>
+  </p:clrMapOvr>
+</p:notes>
+</file>
+
+<file path=ppt/notesSlides/notesSlide16.xml><?xml version="1.0" encoding="utf-8"?>
+<p:notes xmlns:a="http://schemas.openxmlformats.org/drawingml/2006/main" xmlns:r="http://schemas.openxmlformats.org/officeDocument/2006/relationships" xmlns:p="http://schemas.openxmlformats.org/presentationml/2006/main">
+  <p:cSld>
+    <p:spTree>
+      <p:nvGrpSpPr>
+        <p:cNvPr id="1" name=""/>
+        <p:cNvGrpSpPr/>
+        <p:nvPr/>
+      </p:nvGrpSpPr>
+      <p:grpSpPr>
+        <a:xfrm>
+          <a:off x="0" y="0"/>
+          <a:ext cx="0" cy="0"/>
+          <a:chOff x="0" y="0"/>
+          <a:chExt cx="0" cy="0"/>
+        </a:xfrm>
+      </p:grpSpPr>
+      <p:sp>
+        <p:nvSpPr>
+          <p:cNvPr id="2" name="Образ слайда 1"/>
+          <p:cNvSpPr>
+            <a:spLocks noGrp="1" noRot="1" noChangeAspect="1"/>
+          </p:cNvSpPr>
+          <p:nvPr>
+            <p:ph type="sldImg"/>
+          </p:nvPr>
+        </p:nvSpPr>
+        <p:spPr/>
+      </p:sp>
+      <p:sp>
+        <p:nvSpPr>
+          <p:cNvPr id="3" name="Заметки 2"/>
+          <p:cNvSpPr>
+            <a:spLocks noGrp="1"/>
+          </p:cNvSpPr>
+          <p:nvPr>
+            <p:ph type="body" idx="1"/>
+          </p:nvPr>
+        </p:nvSpPr>
+        <p:spPr/>
+        <p:txBody>
+          <a:bodyPr/>
+          <a:lstStyle/>
+          <a:p>
+            <a:pPr marL="0" marR="0" lvl="0" indent="0" algn="l" defTabSz="914400" rtl="0" eaLnBrk="1" fontAlgn="auto" latinLnBrk="0" hangingPunct="1">
+              <a:lnSpc>
+                <a:spcPct val="100000"/>
+              </a:lnSpc>
+              <a:spcBef>
+                <a:spcPts val="0"/>
+              </a:spcBef>
+              <a:spcAft>
+                <a:spcPts val="0"/>
+              </a:spcAft>
+              <a:buClrTx/>
+              <a:buSzTx/>
+              <a:buFontTx/>
+              <a:buNone/>
+              <a:tabLst/>
+              <a:defRPr/>
+            </a:pPr>
+            <a:r>
+              <a:rPr lang="ru-RU" sz="1200" kern="1200" dirty="0">
+                <a:solidFill>
+                  <a:schemeClr val="tx1"/>
+                </a:solidFill>
+                <a:effectLst/>
+                <a:latin typeface="+mn-lt"/>
+                <a:ea typeface="+mn-ea"/>
+                <a:cs typeface="+mn-cs"/>
+              </a:rPr>
+              <a:t>На данном слайде отображены системные требования к серверу и клиенту.</a:t>
+            </a:r>
+          </a:p>
+          <a:p>
+            <a:endParaRPr lang="ru-RU" dirty="0"/>
+          </a:p>
+        </p:txBody>
+      </p:sp>
+      <p:sp>
+        <p:nvSpPr>
+          <p:cNvPr id="4" name="Номер слайда 3"/>
+          <p:cNvSpPr>
+            <a:spLocks noGrp="1"/>
+          </p:cNvSpPr>
+          <p:nvPr>
+            <p:ph type="sldNum" sz="quarter" idx="5"/>
+          </p:nvPr>
+        </p:nvSpPr>
+        <p:spPr/>
+        <p:txBody>
+          <a:bodyPr/>
+          <a:lstStyle/>
+          <a:p>
+            <a:fld id="{52F07621-6DF5-40C9-BD08-EFBFABC0EBA5}" type="slidenum">
+              <a:rPr lang="ru-RU" smtClean="0"/>
+              <a:t>17</a:t>
+            </a:fld>
+            <a:endParaRPr lang="ru-RU"/>
+          </a:p>
+        </p:txBody>
+      </p:sp>
+    </p:spTree>
+    <p:extLst>
+      <p:ext uri="{BB962C8B-B14F-4D97-AF65-F5344CB8AC3E}">
+        <p14:creationId xmlns:p14="http://schemas.microsoft.com/office/powerpoint/2010/main" val="263670119"/>
+      </p:ext>
+    </p:extLst>
+  </p:cSld>
+  <p:clrMapOvr>
+    <a:masterClrMapping/>
+  </p:clrMapOvr>
+</p:notes>
+</file>
+
+<file path=ppt/notesSlides/notesSlide17.xml><?xml version="1.0" encoding="utf-8"?>
+<p:notes xmlns:a="http://schemas.openxmlformats.org/drawingml/2006/main" xmlns:r="http://schemas.openxmlformats.org/officeDocument/2006/relationships" xmlns:p="http://schemas.openxmlformats.org/presentationml/2006/main">
+  <p:cSld>
+    <p:spTree>
+      <p:nvGrpSpPr>
+        <p:cNvPr id="1" name=""/>
+        <p:cNvGrpSpPr/>
+        <p:nvPr/>
+      </p:nvGrpSpPr>
+      <p:grpSpPr>
+        <a:xfrm>
+          <a:off x="0" y="0"/>
+          <a:ext cx="0" cy="0"/>
+          <a:chOff x="0" y="0"/>
+          <a:chExt cx="0" cy="0"/>
+        </a:xfrm>
+      </p:grpSpPr>
+      <p:sp>
+        <p:nvSpPr>
+          <p:cNvPr id="2" name="Образ слайда 1"/>
+          <p:cNvSpPr>
+            <a:spLocks noGrp="1" noRot="1" noChangeAspect="1"/>
+          </p:cNvSpPr>
+          <p:nvPr>
+            <p:ph type="sldImg"/>
+          </p:nvPr>
+        </p:nvSpPr>
+        <p:spPr/>
+      </p:sp>
+      <p:sp>
+        <p:nvSpPr>
+          <p:cNvPr id="3" name="Заметки 2"/>
+          <p:cNvSpPr>
+            <a:spLocks noGrp="1"/>
+          </p:cNvSpPr>
+          <p:nvPr>
+            <p:ph type="body" idx="1"/>
+          </p:nvPr>
+        </p:nvSpPr>
+        <p:spPr/>
+        <p:txBody>
+          <a:bodyPr/>
+          <a:lstStyle/>
+          <a:p>
+            <a:r>
+              <a:rPr lang="ru-RU" sz="1200" kern="1200" dirty="0">
+                <a:solidFill>
+                  <a:schemeClr val="tx1"/>
+                </a:solidFill>
+                <a:effectLst/>
+                <a:latin typeface="+mn-lt"/>
+                <a:ea typeface="+mn-ea"/>
+                <a:cs typeface="+mn-cs"/>
+              </a:rPr>
+              <a:t>В результате выполнения ВКР была спроектирована и разработана система, которая:</a:t>
+            </a:r>
+          </a:p>
+          <a:p>
+            <a:pPr lvl="0"/>
+            <a:r>
+              <a:rPr lang="ru-RU" sz="1200" kern="1200" dirty="0">
+                <a:solidFill>
+                  <a:schemeClr val="tx1"/>
+                </a:solidFill>
+                <a:effectLst/>
+                <a:latin typeface="+mn-lt"/>
+                <a:ea typeface="+mn-ea"/>
+                <a:cs typeface="+mn-cs"/>
+              </a:rPr>
+              <a:t>обеспечивает сопровождение и учёт образовательного процесса;</a:t>
+            </a:r>
+          </a:p>
+          <a:p>
+            <a:pPr lvl="0"/>
+            <a:r>
+              <a:rPr lang="ru-RU" sz="1200" kern="1200" dirty="0">
+                <a:solidFill>
+                  <a:schemeClr val="tx1"/>
+                </a:solidFill>
+                <a:effectLst/>
+                <a:latin typeface="+mn-lt"/>
+                <a:ea typeface="+mn-ea"/>
+                <a:cs typeface="+mn-cs"/>
+              </a:rPr>
+              <a:t>обеспечивает аналитику образовательной деятельности.</a:t>
+            </a:r>
+          </a:p>
+          <a:p>
+            <a:r>
+              <a:rPr lang="ru-RU" sz="1200" kern="1200" dirty="0">
+                <a:solidFill>
+                  <a:schemeClr val="tx1"/>
+                </a:solidFill>
+                <a:effectLst/>
+                <a:latin typeface="+mn-lt"/>
+                <a:ea typeface="+mn-ea"/>
+                <a:cs typeface="+mn-cs"/>
+              </a:rPr>
+              <a:t>В результате внедрения системы в эксплуатацию удалось повысить эффективность сопровождения образовательного процесса более чем на 1800 человеко-часов в год.</a:t>
+            </a:r>
+          </a:p>
+          <a:p>
+            <a:endParaRPr lang="ru-RU" dirty="0"/>
+          </a:p>
+        </p:txBody>
+      </p:sp>
+      <p:sp>
+        <p:nvSpPr>
+          <p:cNvPr id="4" name="Номер слайда 3"/>
+          <p:cNvSpPr>
+            <a:spLocks noGrp="1"/>
+          </p:cNvSpPr>
+          <p:nvPr>
+            <p:ph type="sldNum" sz="quarter" idx="5"/>
+          </p:nvPr>
+        </p:nvSpPr>
+        <p:spPr/>
+        <p:txBody>
+          <a:bodyPr/>
+          <a:lstStyle/>
+          <a:p>
+            <a:fld id="{52F07621-6DF5-40C9-BD08-EFBFABC0EBA5}" type="slidenum">
+              <a:rPr lang="ru-RU" smtClean="0"/>
+              <a:t>18</a:t>
+            </a:fld>
+            <a:endParaRPr lang="ru-RU"/>
+          </a:p>
+        </p:txBody>
+      </p:sp>
+    </p:spTree>
+    <p:extLst>
+      <p:ext uri="{BB962C8B-B14F-4D97-AF65-F5344CB8AC3E}">
+        <p14:creationId xmlns:p14="http://schemas.microsoft.com/office/powerpoint/2010/main" val="3261577908"/>
+      </p:ext>
+    </p:extLst>
+  </p:cSld>
+  <p:clrMapOvr>
+    <a:masterClrMapping/>
+  </p:clrMapOvr>
+</p:notes>
+</file>
+
+<file path=ppt/notesSlides/notesSlide18.xml><?xml version="1.0" encoding="utf-8"?>
+<p:notes xmlns:a="http://schemas.openxmlformats.org/drawingml/2006/main" xmlns:r="http://schemas.openxmlformats.org/officeDocument/2006/relationships" xmlns:p="http://schemas.openxmlformats.org/presentationml/2006/main">
+  <p:cSld>
+    <p:spTree>
+      <p:nvGrpSpPr>
+        <p:cNvPr id="1" name=""/>
+        <p:cNvGrpSpPr/>
+        <p:nvPr/>
+      </p:nvGrpSpPr>
+      <p:grpSpPr>
+        <a:xfrm>
+          <a:off x="0" y="0"/>
+          <a:ext cx="0" cy="0"/>
+          <a:chOff x="0" y="0"/>
+          <a:chExt cx="0" cy="0"/>
+        </a:xfrm>
+      </p:grpSpPr>
+      <p:sp>
+        <p:nvSpPr>
+          <p:cNvPr id="2" name="Образ слайда 1"/>
+          <p:cNvSpPr>
+            <a:spLocks noGrp="1" noRot="1" noChangeAspect="1"/>
+          </p:cNvSpPr>
+          <p:nvPr>
+            <p:ph type="sldImg"/>
+          </p:nvPr>
+        </p:nvSpPr>
+        <p:spPr/>
+      </p:sp>
+      <p:sp>
+        <p:nvSpPr>
+          <p:cNvPr id="3" name="Заметки 2"/>
+          <p:cNvSpPr>
+            <a:spLocks noGrp="1"/>
+          </p:cNvSpPr>
+          <p:nvPr>
+            <p:ph type="body" idx="1"/>
+          </p:nvPr>
+        </p:nvSpPr>
+        <p:spPr/>
+        <p:txBody>
+          <a:bodyPr/>
+          <a:lstStyle/>
+          <a:p>
+            <a:pPr marL="0" marR="0" lvl="0" indent="0" algn="l" defTabSz="914400" rtl="0" eaLnBrk="1" fontAlgn="auto" latinLnBrk="0" hangingPunct="1">
+              <a:lnSpc>
+                <a:spcPct val="100000"/>
+              </a:lnSpc>
+              <a:spcBef>
+                <a:spcPts val="0"/>
+              </a:spcBef>
+              <a:spcAft>
+                <a:spcPts val="0"/>
+              </a:spcAft>
+              <a:buClrTx/>
+              <a:buSzTx/>
+              <a:buFontTx/>
+              <a:buNone/>
+              <a:tabLst/>
+              <a:defRPr/>
+            </a:pPr>
+            <a:r>
+              <a:rPr lang="ru-RU" sz="1200" kern="1200" dirty="0">
+                <a:solidFill>
+                  <a:schemeClr val="tx1"/>
+                </a:solidFill>
+                <a:effectLst/>
+                <a:latin typeface="+mn-lt"/>
+                <a:ea typeface="+mn-ea"/>
+                <a:cs typeface="+mn-cs"/>
+              </a:rPr>
+              <a:t>Система была внедрена в «Региональный школьный технопарк» 14 апреля 2025 года. Соответствующий акт о внедрении представлен на слайде.</a:t>
+            </a:r>
+          </a:p>
+          <a:p>
+            <a:endParaRPr lang="ru-RU" dirty="0"/>
+          </a:p>
+        </p:txBody>
+      </p:sp>
+      <p:sp>
+        <p:nvSpPr>
+          <p:cNvPr id="4" name="Номер слайда 3"/>
+          <p:cNvSpPr>
+            <a:spLocks noGrp="1"/>
+          </p:cNvSpPr>
+          <p:nvPr>
+            <p:ph type="sldNum" sz="quarter" idx="5"/>
+          </p:nvPr>
+        </p:nvSpPr>
+        <p:spPr/>
+        <p:txBody>
+          <a:bodyPr/>
+          <a:lstStyle/>
+          <a:p>
+            <a:fld id="{52F07621-6DF5-40C9-BD08-EFBFABC0EBA5}" type="slidenum">
+              <a:rPr lang="ru-RU" smtClean="0"/>
+              <a:t>19</a:t>
+            </a:fld>
+            <a:endParaRPr lang="ru-RU"/>
+          </a:p>
+        </p:txBody>
+      </p:sp>
+    </p:spTree>
+    <p:extLst>
+      <p:ext uri="{BB962C8B-B14F-4D97-AF65-F5344CB8AC3E}">
+        <p14:creationId xmlns:p14="http://schemas.microsoft.com/office/powerpoint/2010/main" val="2033317011"/>
+      </p:ext>
+    </p:extLst>
+  </p:cSld>
+  <p:clrMapOvr>
+    <a:masterClrMapping/>
+  </p:clrMapOvr>
+</p:notes>
+</file>
+
+<file path=ppt/notesSlides/notesSlide19.xml><?xml version="1.0" encoding="utf-8"?>
+<p:notes xmlns:a="http://schemas.openxmlformats.org/drawingml/2006/main" xmlns:r="http://schemas.openxmlformats.org/officeDocument/2006/relationships" xmlns:p="http://schemas.openxmlformats.org/presentationml/2006/main">
+  <p:cSld>
+    <p:spTree>
+      <p:nvGrpSpPr>
+        <p:cNvPr id="1" name=""/>
+        <p:cNvGrpSpPr/>
+        <p:nvPr/>
+      </p:nvGrpSpPr>
+      <p:grpSpPr>
+        <a:xfrm>
+          <a:off x="0" y="0"/>
+          <a:ext cx="0" cy="0"/>
+          <a:chOff x="0" y="0"/>
+          <a:chExt cx="0" cy="0"/>
+        </a:xfrm>
+      </p:grpSpPr>
+      <p:sp>
+        <p:nvSpPr>
+          <p:cNvPr id="2" name="Образ слайда 1"/>
+          <p:cNvSpPr>
+            <a:spLocks noGrp="1" noRot="1" noChangeAspect="1"/>
+          </p:cNvSpPr>
+          <p:nvPr>
+            <p:ph type="sldImg"/>
+          </p:nvPr>
+        </p:nvSpPr>
+        <p:spPr/>
+      </p:sp>
+      <p:sp>
+        <p:nvSpPr>
+          <p:cNvPr id="3" name="Заметки 2"/>
+          <p:cNvSpPr>
+            <a:spLocks noGrp="1"/>
+          </p:cNvSpPr>
+          <p:nvPr>
+            <p:ph type="body" idx="1"/>
+          </p:nvPr>
+        </p:nvSpPr>
+        <p:spPr/>
+        <p:txBody>
+          <a:bodyPr/>
+          <a:lstStyle/>
+          <a:p>
+            <a:r>
+              <a:rPr lang="ru-RU" sz="1200" kern="1200" dirty="0">
+                <a:solidFill>
+                  <a:schemeClr val="tx1"/>
+                </a:solidFill>
+                <a:effectLst/>
+                <a:latin typeface="+mn-lt"/>
+                <a:ea typeface="+mn-ea"/>
+                <a:cs typeface="+mn-cs"/>
+              </a:rPr>
+              <a:t>Спасибо за внимание! Доклад окончен!</a:t>
+            </a:r>
+            <a:endParaRPr lang="ru-RU" dirty="0"/>
+          </a:p>
+        </p:txBody>
+      </p:sp>
+      <p:sp>
+        <p:nvSpPr>
+          <p:cNvPr id="4" name="Номер слайда 3"/>
+          <p:cNvSpPr>
+            <a:spLocks noGrp="1"/>
+          </p:cNvSpPr>
+          <p:nvPr>
+            <p:ph type="sldNum" sz="quarter" idx="5"/>
+          </p:nvPr>
+        </p:nvSpPr>
+        <p:spPr/>
+        <p:txBody>
+          <a:bodyPr/>
+          <a:lstStyle/>
+          <a:p>
+            <a:fld id="{52F07621-6DF5-40C9-BD08-EFBFABC0EBA5}" type="slidenum">
+              <a:rPr lang="ru-RU" smtClean="0"/>
+              <a:t>20</a:t>
+            </a:fld>
+            <a:endParaRPr lang="ru-RU"/>
+          </a:p>
+        </p:txBody>
+      </p:sp>
+    </p:spTree>
+    <p:extLst>
+      <p:ext uri="{BB962C8B-B14F-4D97-AF65-F5344CB8AC3E}">
+        <p14:creationId xmlns:p14="http://schemas.microsoft.com/office/powerpoint/2010/main" val="3187073237"/>
+      </p:ext>
+    </p:extLst>
+  </p:cSld>
+  <p:clrMapOvr>
+    <a:masterClrMapping/>
+  </p:clrMapOvr>
+</p:notes>
+</file>
+
+<file path=ppt/notesSlides/notesSlide2.xml><?xml version="1.0" encoding="utf-8"?>
+<p:notes xmlns:a="http://schemas.openxmlformats.org/drawingml/2006/main" xmlns:r="http://schemas.openxmlformats.org/officeDocument/2006/relationships" xmlns:p="http://schemas.openxmlformats.org/presentationml/2006/main">
+  <p:cSld>
+    <p:spTree>
+      <p:nvGrpSpPr>
+        <p:cNvPr id="1" name=""/>
+        <p:cNvGrpSpPr/>
+        <p:nvPr/>
+      </p:nvGrpSpPr>
+      <p:grpSpPr>
+        <a:xfrm>
+          <a:off x="0" y="0"/>
+          <a:ext cx="0" cy="0"/>
+          <a:chOff x="0" y="0"/>
+          <a:chExt cx="0" cy="0"/>
+        </a:xfrm>
+      </p:grpSpPr>
+      <p:sp>
+        <p:nvSpPr>
+          <p:cNvPr id="2" name="Образ слайда 1"/>
+          <p:cNvSpPr>
+            <a:spLocks noGrp="1" noRot="1" noChangeAspect="1"/>
+          </p:cNvSpPr>
+          <p:nvPr>
+            <p:ph type="sldImg"/>
+          </p:nvPr>
+        </p:nvSpPr>
+        <p:spPr/>
+      </p:sp>
+      <p:sp>
+        <p:nvSpPr>
+          <p:cNvPr id="3" name="Заметки 2"/>
+          <p:cNvSpPr>
+            <a:spLocks noGrp="1"/>
+          </p:cNvSpPr>
+          <p:nvPr>
+            <p:ph type="body" idx="1"/>
+          </p:nvPr>
+        </p:nvSpPr>
+        <p:spPr/>
+        <p:txBody>
+          <a:bodyPr/>
+          <a:lstStyle/>
+          <a:p>
+            <a:r>
+              <a:rPr lang="ru-RU" sz="1200" kern="1200" dirty="0">
+                <a:solidFill>
+                  <a:schemeClr val="tx1"/>
+                </a:solidFill>
+                <a:effectLst/>
+                <a:latin typeface="+mn-lt"/>
+                <a:ea typeface="+mn-ea"/>
+                <a:cs typeface="+mn-cs"/>
+              </a:rPr>
+              <a:t>Данная работа была выполнена по запросу «Регионального школьного технопарка». Региональный школьный технопарк (РШТ) — это образовательная организация, подчиняющаяся Министерству образования Астраханской области. В состав «РШТ» входят:</a:t>
+            </a:r>
+          </a:p>
+          <a:p>
+            <a:pPr lvl="0"/>
+            <a:r>
+              <a:rPr lang="ru-RU" sz="1200" kern="1200" dirty="0">
+                <a:solidFill>
+                  <a:schemeClr val="tx1"/>
+                </a:solidFill>
+                <a:effectLst/>
+                <a:latin typeface="+mn-lt"/>
+                <a:ea typeface="+mn-ea"/>
+                <a:cs typeface="+mn-cs"/>
+              </a:rPr>
+              <a:t>Технопарк — подразделение, где проводится инновационные образовательные программы.</a:t>
+            </a:r>
+          </a:p>
+          <a:p>
+            <a:pPr lvl="0"/>
+            <a:r>
+              <a:rPr lang="ru-RU" sz="1200" kern="1200" dirty="0" err="1">
+                <a:solidFill>
+                  <a:schemeClr val="tx1"/>
+                </a:solidFill>
+                <a:effectLst/>
+                <a:latin typeface="+mn-lt"/>
+                <a:ea typeface="+mn-ea"/>
+                <a:cs typeface="+mn-cs"/>
+              </a:rPr>
+              <a:t>Кванториум</a:t>
+            </a:r>
+            <a:r>
+              <a:rPr lang="ru-RU" sz="1200" kern="1200" dirty="0">
+                <a:solidFill>
+                  <a:schemeClr val="tx1"/>
+                </a:solidFill>
+                <a:effectLst/>
+                <a:latin typeface="+mn-lt"/>
+                <a:ea typeface="+mn-ea"/>
+                <a:cs typeface="+mn-cs"/>
+              </a:rPr>
+              <a:t> — подразделение, ориентированное на изучение инженерных дисциплин.</a:t>
+            </a:r>
+          </a:p>
+          <a:p>
+            <a:pPr lvl="0"/>
+            <a:r>
+              <a:rPr lang="ru-RU" sz="1200" kern="1200" dirty="0">
+                <a:solidFill>
+                  <a:schemeClr val="tx1"/>
+                </a:solidFill>
+                <a:effectLst/>
+                <a:latin typeface="+mn-lt"/>
+                <a:ea typeface="+mn-ea"/>
+                <a:cs typeface="+mn-cs"/>
+              </a:rPr>
+              <a:t>Центр одарённых детей (ЦОД) — отдел, специализирующееся на работе с талантливыми детьми.</a:t>
+            </a:r>
+          </a:p>
+          <a:p>
+            <a:pPr lvl="0"/>
+            <a:r>
+              <a:rPr lang="ru-RU" sz="1200" kern="1200" dirty="0">
+                <a:solidFill>
+                  <a:schemeClr val="tx1"/>
+                </a:solidFill>
+                <a:effectLst/>
+                <a:latin typeface="+mn-lt"/>
+                <a:ea typeface="+mn-ea"/>
+                <a:cs typeface="+mn-cs"/>
+              </a:rPr>
+              <a:t>Центр детского научно-технического творчества — площадка, где дети занимаются прикладным творчеством.</a:t>
+            </a:r>
+          </a:p>
+          <a:p>
+            <a:r>
+              <a:rPr lang="ru-RU" sz="1200" kern="1200" dirty="0">
+                <a:solidFill>
+                  <a:schemeClr val="tx1"/>
+                </a:solidFill>
+                <a:effectLst/>
+                <a:latin typeface="+mn-lt"/>
+                <a:ea typeface="+mn-ea"/>
+                <a:cs typeface="+mn-cs"/>
+              </a:rPr>
+              <a:t>Миссия РШТ заключается в создании условий для погружения детей в мир инженерных профессий и развития их творческого потенциала.</a:t>
+            </a:r>
+          </a:p>
+          <a:p>
+            <a:endParaRPr lang="ru-RU" dirty="0"/>
+          </a:p>
+        </p:txBody>
+      </p:sp>
+      <p:sp>
+        <p:nvSpPr>
+          <p:cNvPr id="4" name="Номер слайда 3"/>
+          <p:cNvSpPr>
+            <a:spLocks noGrp="1"/>
+          </p:cNvSpPr>
+          <p:nvPr>
+            <p:ph type="sldNum" sz="quarter" idx="5"/>
+          </p:nvPr>
+        </p:nvSpPr>
+        <p:spPr/>
+        <p:txBody>
+          <a:bodyPr/>
+          <a:lstStyle/>
+          <a:p>
+            <a:fld id="{52F07621-6DF5-40C9-BD08-EFBFABC0EBA5}" type="slidenum">
+              <a:rPr lang="ru-RU" smtClean="0"/>
+              <a:t>2</a:t>
+            </a:fld>
+            <a:endParaRPr lang="ru-RU"/>
+          </a:p>
+        </p:txBody>
+      </p:sp>
+    </p:spTree>
+    <p:extLst>
+      <p:ext uri="{BB962C8B-B14F-4D97-AF65-F5344CB8AC3E}">
+        <p14:creationId xmlns:p14="http://schemas.microsoft.com/office/powerpoint/2010/main" val="2765727629"/>
+      </p:ext>
+    </p:extLst>
+  </p:cSld>
+  <p:clrMapOvr>
+    <a:masterClrMapping/>
+  </p:clrMapOvr>
+</p:notes>
+</file>
+
+<file path=ppt/notesSlides/notesSlide3.xml><?xml version="1.0" encoding="utf-8"?>
+<p:notes xmlns:a="http://schemas.openxmlformats.org/drawingml/2006/main" xmlns:r="http://schemas.openxmlformats.org/officeDocument/2006/relationships" xmlns:p="http://schemas.openxmlformats.org/presentationml/2006/main">
+  <p:cSld>
+    <p:spTree>
+      <p:nvGrpSpPr>
+        <p:cNvPr id="1" name=""/>
+        <p:cNvGrpSpPr/>
+        <p:nvPr/>
+      </p:nvGrpSpPr>
+      <p:grpSpPr>
+        <a:xfrm>
+          <a:off x="0" y="0"/>
+          <a:ext cx="0" cy="0"/>
+          <a:chOff x="0" y="0"/>
+          <a:chExt cx="0" cy="0"/>
+        </a:xfrm>
+      </p:grpSpPr>
+      <p:sp>
+        <p:nvSpPr>
+          <p:cNvPr id="2" name="Образ слайда 1"/>
+          <p:cNvSpPr>
+            <a:spLocks noGrp="1" noRot="1" noChangeAspect="1"/>
+          </p:cNvSpPr>
+          <p:nvPr>
+            <p:ph type="sldImg"/>
+          </p:nvPr>
+        </p:nvSpPr>
+        <p:spPr/>
+      </p:sp>
+      <p:sp>
+        <p:nvSpPr>
+          <p:cNvPr id="3" name="Заметки 2"/>
+          <p:cNvSpPr>
+            <a:spLocks noGrp="1"/>
+          </p:cNvSpPr>
+          <p:nvPr>
+            <p:ph type="body" idx="1"/>
+          </p:nvPr>
+        </p:nvSpPr>
+        <p:spPr/>
+        <p:txBody>
+          <a:bodyPr/>
+          <a:lstStyle/>
+          <a:p>
+            <a:pPr marL="0" marR="0" lvl="0" indent="0" algn="l" defTabSz="914400" rtl="0" eaLnBrk="1" fontAlgn="auto" latinLnBrk="0" hangingPunct="1">
+              <a:lnSpc>
+                <a:spcPct val="100000"/>
+              </a:lnSpc>
+              <a:spcBef>
+                <a:spcPts val="0"/>
+              </a:spcBef>
+              <a:spcAft>
+                <a:spcPts val="0"/>
+              </a:spcAft>
+              <a:buClrTx/>
+              <a:buSzTx/>
+              <a:buFontTx/>
+              <a:buNone/>
+              <a:tabLst/>
+              <a:defRPr/>
+            </a:pPr>
+            <a:r>
+              <a:rPr lang="ru-RU" sz="1200" kern="1200" dirty="0">
+                <a:solidFill>
+                  <a:schemeClr val="tx1"/>
+                </a:solidFill>
+                <a:effectLst/>
+                <a:latin typeface="+mn-lt"/>
+                <a:ea typeface="+mn-ea"/>
+                <a:cs typeface="+mn-cs"/>
+              </a:rPr>
+              <a:t>РШТ взаимодействует с другими организациями, например, Министерство образования АО. Так в рамках взаимодействия, министерство может приказать провести обучение детей по определённой тематике (например, естественные науки), после получения соответствующего распоряжения Директор инициирует набор и создание учебных групп путем создания приказа об образовательной деятельности. В ходе проведений занятий педагог отмечает явки обучающихся (формируется журнал посещаемости и КУГ), а после успешного завершения обучения ученик получает сертификат. </a:t>
+            </a:r>
+            <a:br>
+              <a:rPr lang="ru-RU" sz="1200" kern="1200" dirty="0">
+                <a:solidFill>
+                  <a:schemeClr val="tx1"/>
+                </a:solidFill>
+                <a:effectLst/>
+                <a:latin typeface="+mn-lt"/>
+                <a:ea typeface="+mn-ea"/>
+                <a:cs typeface="+mn-cs"/>
+              </a:rPr>
+            </a:br>
+            <a:r>
+              <a:rPr lang="ru-RU" sz="1200" kern="1200" dirty="0">
+                <a:solidFill>
+                  <a:schemeClr val="tx1"/>
+                </a:solidFill>
+                <a:effectLst/>
+                <a:latin typeface="+mn-lt"/>
+                <a:ea typeface="+mn-ea"/>
+                <a:cs typeface="+mn-cs"/>
+              </a:rPr>
+              <a:t>Также министерство может инициировать проведение мероприятий, в которых ученики РШТ принимают участие, регламентировать которое направлен приказ об участии в мероприятии.</a:t>
+            </a:r>
+          </a:p>
+          <a:p>
+            <a:endParaRPr lang="ru-RU" dirty="0"/>
+          </a:p>
+        </p:txBody>
+      </p:sp>
+      <p:sp>
+        <p:nvSpPr>
+          <p:cNvPr id="4" name="Номер слайда 3"/>
+          <p:cNvSpPr>
+            <a:spLocks noGrp="1"/>
+          </p:cNvSpPr>
+          <p:nvPr>
+            <p:ph type="sldNum" sz="quarter" idx="5"/>
+          </p:nvPr>
+        </p:nvSpPr>
+        <p:spPr/>
+        <p:txBody>
+          <a:bodyPr/>
+          <a:lstStyle/>
+          <a:p>
+            <a:fld id="{52F07621-6DF5-40C9-BD08-EFBFABC0EBA5}" type="slidenum">
+              <a:rPr lang="ru-RU" smtClean="0"/>
+              <a:t>3</a:t>
+            </a:fld>
+            <a:endParaRPr lang="ru-RU"/>
+          </a:p>
+        </p:txBody>
+      </p:sp>
+    </p:spTree>
+    <p:extLst>
+      <p:ext uri="{BB962C8B-B14F-4D97-AF65-F5344CB8AC3E}">
+        <p14:creationId xmlns:p14="http://schemas.microsoft.com/office/powerpoint/2010/main" val="411066383"/>
+      </p:ext>
+    </p:extLst>
+  </p:cSld>
+  <p:clrMapOvr>
+    <a:masterClrMapping/>
+  </p:clrMapOvr>
+</p:notes>
+</file>
+
+<file path=ppt/notesSlides/notesSlide4.xml><?xml version="1.0" encoding="utf-8"?>
+<p:notes xmlns:a="http://schemas.openxmlformats.org/drawingml/2006/main" xmlns:r="http://schemas.openxmlformats.org/officeDocument/2006/relationships" xmlns:p="http://schemas.openxmlformats.org/presentationml/2006/main">
+  <p:cSld>
+    <p:spTree>
+      <p:nvGrpSpPr>
+        <p:cNvPr id="1" name=""/>
+        <p:cNvGrpSpPr/>
+        <p:nvPr/>
+      </p:nvGrpSpPr>
+      <p:grpSpPr>
+        <a:xfrm>
+          <a:off x="0" y="0"/>
+          <a:ext cx="0" cy="0"/>
+          <a:chOff x="0" y="0"/>
+          <a:chExt cx="0" cy="0"/>
+        </a:xfrm>
+      </p:grpSpPr>
+      <p:sp>
+        <p:nvSpPr>
+          <p:cNvPr id="2" name="Образ слайда 1"/>
+          <p:cNvSpPr>
+            <a:spLocks noGrp="1" noRot="1" noChangeAspect="1"/>
+          </p:cNvSpPr>
+          <p:nvPr>
+            <p:ph type="sldImg"/>
+          </p:nvPr>
+        </p:nvSpPr>
+        <p:spPr/>
+      </p:sp>
+      <p:sp>
+        <p:nvSpPr>
+          <p:cNvPr id="3" name="Заметки 2"/>
+          <p:cNvSpPr>
+            <a:spLocks noGrp="1"/>
+          </p:cNvSpPr>
+          <p:nvPr>
+            <p:ph type="body" idx="1"/>
+          </p:nvPr>
+        </p:nvSpPr>
+        <p:spPr/>
+        <p:txBody>
+          <a:bodyPr/>
+          <a:lstStyle/>
+          <a:p>
+            <a:r>
+              <a:rPr lang="ru-RU" sz="1200" kern="1200" dirty="0">
+                <a:solidFill>
+                  <a:schemeClr val="tx1"/>
+                </a:solidFill>
+                <a:effectLst/>
+                <a:latin typeface="+mn-lt"/>
+                <a:ea typeface="+mn-ea"/>
+                <a:cs typeface="+mn-cs"/>
+              </a:rPr>
+              <a:t>На слайде отображен процесс формирования документа в рамках текущей деятельности организации в нотации </a:t>
+            </a:r>
+            <a:r>
+              <a:rPr lang="en-US" sz="1200" kern="1200" dirty="0" err="1">
+                <a:solidFill>
+                  <a:schemeClr val="tx1"/>
+                </a:solidFill>
+                <a:effectLst/>
+                <a:latin typeface="+mn-lt"/>
+                <a:ea typeface="+mn-ea"/>
+                <a:cs typeface="+mn-cs"/>
+              </a:rPr>
+              <a:t>bpmn</a:t>
+            </a:r>
+            <a:r>
+              <a:rPr lang="ru-RU" sz="1200" kern="1200" dirty="0">
+                <a:solidFill>
+                  <a:schemeClr val="tx1"/>
+                </a:solidFill>
+                <a:effectLst/>
+                <a:latin typeface="+mn-lt"/>
+                <a:ea typeface="+mn-ea"/>
+                <a:cs typeface="+mn-cs"/>
+              </a:rPr>
+              <a:t>. На данный момент приказы, графики, журналы и сертификаты создаются вручную.</a:t>
+            </a:r>
+            <a:r>
+              <a:rPr lang="ru-RU" sz="1200" b="1" kern="1200" dirty="0">
+                <a:solidFill>
+                  <a:schemeClr val="tx1"/>
+                </a:solidFill>
+                <a:effectLst/>
+                <a:latin typeface="+mn-lt"/>
+                <a:ea typeface="+mn-ea"/>
+                <a:cs typeface="+mn-cs"/>
+              </a:rPr>
+              <a:t> </a:t>
+            </a:r>
+            <a:r>
+              <a:rPr lang="en-US" sz="1200" kern="1200" dirty="0">
+                <a:solidFill>
+                  <a:schemeClr val="tx1"/>
+                </a:solidFill>
+                <a:effectLst/>
+                <a:latin typeface="+mn-lt"/>
+                <a:ea typeface="+mn-ea"/>
+                <a:cs typeface="+mn-cs"/>
+              </a:rPr>
+              <a:t>C</a:t>
+            </a:r>
+            <a:r>
+              <a:rPr lang="ru-RU" sz="1200" kern="1200" dirty="0" err="1">
+                <a:solidFill>
+                  <a:schemeClr val="tx1"/>
+                </a:solidFill>
+                <a:effectLst/>
+                <a:latin typeface="+mn-lt"/>
+                <a:ea typeface="+mn-ea"/>
+                <a:cs typeface="+mn-cs"/>
+              </a:rPr>
+              <a:t>итуация</a:t>
+            </a:r>
+            <a:r>
+              <a:rPr lang="ru-RU" sz="1200" kern="1200" dirty="0">
+                <a:solidFill>
+                  <a:schemeClr val="tx1"/>
+                </a:solidFill>
+                <a:effectLst/>
+                <a:latin typeface="+mn-lt"/>
+                <a:ea typeface="+mn-ea"/>
+                <a:cs typeface="+mn-cs"/>
+              </a:rPr>
+              <a:t> усугубляется большим объёмом данным (статистика приведена на слайде)</a:t>
+            </a:r>
+            <a:endParaRPr lang="ru-RU" dirty="0"/>
+          </a:p>
+        </p:txBody>
+      </p:sp>
+      <p:sp>
+        <p:nvSpPr>
+          <p:cNvPr id="4" name="Номер слайда 3"/>
+          <p:cNvSpPr>
+            <a:spLocks noGrp="1"/>
+          </p:cNvSpPr>
+          <p:nvPr>
+            <p:ph type="sldNum" sz="quarter" idx="5"/>
+          </p:nvPr>
+        </p:nvSpPr>
+        <p:spPr/>
+        <p:txBody>
+          <a:bodyPr/>
+          <a:lstStyle/>
+          <a:p>
+            <a:fld id="{52F07621-6DF5-40C9-BD08-EFBFABC0EBA5}" type="slidenum">
+              <a:rPr lang="ru-RU" smtClean="0"/>
+              <a:t>4</a:t>
+            </a:fld>
+            <a:endParaRPr lang="ru-RU"/>
+          </a:p>
+        </p:txBody>
+      </p:sp>
+    </p:spTree>
+    <p:extLst>
+      <p:ext uri="{BB962C8B-B14F-4D97-AF65-F5344CB8AC3E}">
+        <p14:creationId xmlns:p14="http://schemas.microsoft.com/office/powerpoint/2010/main" val="2087242891"/>
+      </p:ext>
+    </p:extLst>
+  </p:cSld>
+  <p:clrMapOvr>
+    <a:masterClrMapping/>
+  </p:clrMapOvr>
+</p:notes>
+</file>
+
+<file path=ppt/notesSlides/notesSlide5.xml><?xml version="1.0" encoding="utf-8"?>
+<p:notes xmlns:a="http://schemas.openxmlformats.org/drawingml/2006/main" xmlns:r="http://schemas.openxmlformats.org/officeDocument/2006/relationships" xmlns:p="http://schemas.openxmlformats.org/presentationml/2006/main">
+  <p:cSld>
+    <p:spTree>
+      <p:nvGrpSpPr>
+        <p:cNvPr id="1" name=""/>
+        <p:cNvGrpSpPr/>
+        <p:nvPr/>
+      </p:nvGrpSpPr>
+      <p:grpSpPr>
+        <a:xfrm>
+          <a:off x="0" y="0"/>
+          <a:ext cx="0" cy="0"/>
+          <a:chOff x="0" y="0"/>
+          <a:chExt cx="0" cy="0"/>
+        </a:xfrm>
+      </p:grpSpPr>
+      <p:sp>
+        <p:nvSpPr>
+          <p:cNvPr id="2" name="Образ слайда 1"/>
+          <p:cNvSpPr>
+            <a:spLocks noGrp="1" noRot="1" noChangeAspect="1"/>
+          </p:cNvSpPr>
+          <p:nvPr>
+            <p:ph type="sldImg"/>
+          </p:nvPr>
+        </p:nvSpPr>
+        <p:spPr/>
+      </p:sp>
+      <p:sp>
+        <p:nvSpPr>
+          <p:cNvPr id="3" name="Заметки 2"/>
+          <p:cNvSpPr>
+            <a:spLocks noGrp="1"/>
+          </p:cNvSpPr>
+          <p:nvPr>
+            <p:ph type="body" idx="1"/>
+          </p:nvPr>
+        </p:nvSpPr>
+        <p:spPr/>
+        <p:txBody>
+          <a:bodyPr/>
+          <a:lstStyle/>
+          <a:p>
+            <a:r>
+              <a:rPr lang="ru-RU" sz="1200" kern="1200" dirty="0">
+                <a:solidFill>
+                  <a:schemeClr val="tx1"/>
+                </a:solidFill>
+                <a:effectLst/>
+                <a:latin typeface="+mn-lt"/>
+                <a:ea typeface="+mn-ea"/>
+                <a:cs typeface="+mn-cs"/>
+              </a:rPr>
+              <a:t>На слайде отображен процесс формирования документа в рамках текущей деятельности организации.</a:t>
+            </a:r>
+            <a:r>
+              <a:rPr lang="ru-RU" sz="1200" b="1" kern="1200" dirty="0">
+                <a:solidFill>
+                  <a:schemeClr val="tx1"/>
+                </a:solidFill>
+                <a:effectLst/>
+                <a:latin typeface="+mn-lt"/>
+                <a:ea typeface="+mn-ea"/>
+                <a:cs typeface="+mn-cs"/>
+              </a:rPr>
+              <a:t> </a:t>
+            </a:r>
+            <a:r>
+              <a:rPr lang="ru-RU" sz="1200" kern="1200" dirty="0">
+                <a:solidFill>
+                  <a:schemeClr val="tx1"/>
+                </a:solidFill>
+                <a:effectLst/>
+                <a:latin typeface="+mn-lt"/>
+                <a:ea typeface="+mn-ea"/>
+                <a:cs typeface="+mn-cs"/>
+              </a:rPr>
+              <a:t>Задача сводится к упрощению процесса «Подготовка шаблона к использованию» и ручного создания файлов на основе шаблона.</a:t>
+            </a:r>
+            <a:endParaRPr lang="ru-RU" dirty="0"/>
+          </a:p>
+        </p:txBody>
+      </p:sp>
+      <p:sp>
+        <p:nvSpPr>
+          <p:cNvPr id="4" name="Номер слайда 3"/>
+          <p:cNvSpPr>
+            <a:spLocks noGrp="1"/>
+          </p:cNvSpPr>
+          <p:nvPr>
+            <p:ph type="sldNum" sz="quarter" idx="5"/>
+          </p:nvPr>
+        </p:nvSpPr>
+        <p:spPr/>
+        <p:txBody>
+          <a:bodyPr/>
+          <a:lstStyle/>
+          <a:p>
+            <a:fld id="{52F07621-6DF5-40C9-BD08-EFBFABC0EBA5}" type="slidenum">
+              <a:rPr lang="ru-RU" smtClean="0"/>
+              <a:t>6</a:t>
+            </a:fld>
+            <a:endParaRPr lang="ru-RU"/>
+          </a:p>
+        </p:txBody>
+      </p:sp>
+    </p:spTree>
+    <p:extLst>
+      <p:ext uri="{BB962C8B-B14F-4D97-AF65-F5344CB8AC3E}">
+        <p14:creationId xmlns:p14="http://schemas.microsoft.com/office/powerpoint/2010/main" val="1279468526"/>
+      </p:ext>
+    </p:extLst>
+  </p:cSld>
+  <p:clrMapOvr>
+    <a:masterClrMapping/>
+  </p:clrMapOvr>
+</p:notes>
+</file>
+
+<file path=ppt/notesSlides/notesSlide6.xml><?xml version="1.0" encoding="utf-8"?>
+<p:notes xmlns:a="http://schemas.openxmlformats.org/drawingml/2006/main" xmlns:r="http://schemas.openxmlformats.org/officeDocument/2006/relationships" xmlns:p="http://schemas.openxmlformats.org/presentationml/2006/main">
+  <p:cSld>
+    <p:spTree>
+      <p:nvGrpSpPr>
+        <p:cNvPr id="1" name=""/>
+        <p:cNvGrpSpPr/>
+        <p:nvPr/>
+      </p:nvGrpSpPr>
+      <p:grpSpPr>
+        <a:xfrm>
+          <a:off x="0" y="0"/>
+          <a:ext cx="0" cy="0"/>
+          <a:chOff x="0" y="0"/>
+          <a:chExt cx="0" cy="0"/>
+        </a:xfrm>
+      </p:grpSpPr>
+      <p:sp>
+        <p:nvSpPr>
+          <p:cNvPr id="2" name="Образ слайда 1"/>
+          <p:cNvSpPr>
+            <a:spLocks noGrp="1" noRot="1" noChangeAspect="1"/>
+          </p:cNvSpPr>
+          <p:nvPr>
+            <p:ph type="sldImg"/>
+          </p:nvPr>
+        </p:nvSpPr>
+        <p:spPr/>
+      </p:sp>
+      <p:sp>
+        <p:nvSpPr>
+          <p:cNvPr id="3" name="Заметки 2"/>
+          <p:cNvSpPr>
+            <a:spLocks noGrp="1"/>
+          </p:cNvSpPr>
+          <p:nvPr>
+            <p:ph type="body" idx="1"/>
+          </p:nvPr>
+        </p:nvSpPr>
+        <p:spPr/>
+        <p:txBody>
+          <a:bodyPr/>
+          <a:lstStyle/>
+          <a:p>
+            <a:pPr marL="0" marR="0" lvl="0" indent="0" algn="l" defTabSz="914400" rtl="0" eaLnBrk="1" fontAlgn="auto" latinLnBrk="0" hangingPunct="1">
+              <a:lnSpc>
+                <a:spcPct val="100000"/>
+              </a:lnSpc>
+              <a:spcBef>
+                <a:spcPts val="0"/>
+              </a:spcBef>
+              <a:spcAft>
+                <a:spcPts val="0"/>
+              </a:spcAft>
+              <a:buClrTx/>
+              <a:buSzTx/>
+              <a:buFontTx/>
+              <a:buNone/>
+              <a:tabLst/>
+              <a:defRPr/>
+            </a:pPr>
+            <a:r>
+              <a:rPr lang="ru-RU" sz="1200" kern="1200" dirty="0">
+                <a:solidFill>
+                  <a:schemeClr val="tx1"/>
+                </a:solidFill>
+                <a:effectLst/>
+                <a:latin typeface="+mn-lt"/>
+                <a:ea typeface="+mn-ea"/>
+                <a:cs typeface="+mn-cs"/>
+              </a:rPr>
+              <a:t>в ходе анализа предметной области были определены основные программные продукты, которые потенциально могли бы автоматизировать обр. процесс в РШТ. Исходя из демонстрируемой таблицы становится очевидным, что ни одна из рассмотренных систем не может полностью подойти под нужды организации.</a:t>
+            </a:r>
+          </a:p>
+          <a:p>
+            <a:endParaRPr lang="ru-RU" dirty="0"/>
+          </a:p>
+        </p:txBody>
+      </p:sp>
+      <p:sp>
+        <p:nvSpPr>
+          <p:cNvPr id="4" name="Номер слайда 3"/>
+          <p:cNvSpPr>
+            <a:spLocks noGrp="1"/>
+          </p:cNvSpPr>
+          <p:nvPr>
+            <p:ph type="sldNum" sz="quarter" idx="5"/>
+          </p:nvPr>
+        </p:nvSpPr>
+        <p:spPr/>
+        <p:txBody>
+          <a:bodyPr/>
+          <a:lstStyle/>
+          <a:p>
+            <a:fld id="{52F07621-6DF5-40C9-BD08-EFBFABC0EBA5}" type="slidenum">
+              <a:rPr lang="ru-RU" smtClean="0"/>
+              <a:t>7</a:t>
+            </a:fld>
+            <a:endParaRPr lang="ru-RU"/>
+          </a:p>
+        </p:txBody>
+      </p:sp>
+    </p:spTree>
+    <p:extLst>
+      <p:ext uri="{BB962C8B-B14F-4D97-AF65-F5344CB8AC3E}">
+        <p14:creationId xmlns:p14="http://schemas.microsoft.com/office/powerpoint/2010/main" val="2523203587"/>
+      </p:ext>
+    </p:extLst>
+  </p:cSld>
+  <p:clrMapOvr>
+    <a:masterClrMapping/>
+  </p:clrMapOvr>
+</p:notes>
+</file>
+
+<file path=ppt/notesSlides/notesSlide7.xml><?xml version="1.0" encoding="utf-8"?>
+<p:notes xmlns:a="http://schemas.openxmlformats.org/drawingml/2006/main" xmlns:r="http://schemas.openxmlformats.org/officeDocument/2006/relationships" xmlns:p="http://schemas.openxmlformats.org/presentationml/2006/main">
+  <p:cSld>
+    <p:spTree>
+      <p:nvGrpSpPr>
+        <p:cNvPr id="1" name=""/>
+        <p:cNvGrpSpPr/>
+        <p:nvPr/>
+      </p:nvGrpSpPr>
+      <p:grpSpPr>
+        <a:xfrm>
+          <a:off x="0" y="0"/>
+          <a:ext cx="0" cy="0"/>
+          <a:chOff x="0" y="0"/>
+          <a:chExt cx="0" cy="0"/>
+        </a:xfrm>
+      </p:grpSpPr>
+      <p:sp>
+        <p:nvSpPr>
+          <p:cNvPr id="2" name="Образ слайда 1"/>
+          <p:cNvSpPr>
+            <a:spLocks noGrp="1" noRot="1" noChangeAspect="1"/>
+          </p:cNvSpPr>
+          <p:nvPr>
+            <p:ph type="sldImg"/>
+          </p:nvPr>
+        </p:nvSpPr>
+        <p:spPr/>
+      </p:sp>
+      <p:sp>
+        <p:nvSpPr>
+          <p:cNvPr id="3" name="Заметки 2"/>
+          <p:cNvSpPr>
+            <a:spLocks noGrp="1"/>
+          </p:cNvSpPr>
+          <p:nvPr>
+            <p:ph type="body" idx="1"/>
+          </p:nvPr>
+        </p:nvSpPr>
+        <p:spPr/>
+        <p:txBody>
+          <a:bodyPr/>
+          <a:lstStyle/>
+          <a:p>
+            <a:r>
+              <a:rPr lang="ru-RU" sz="1200" kern="1200" dirty="0">
+                <a:solidFill>
+                  <a:schemeClr val="tx1"/>
+                </a:solidFill>
+                <a:effectLst/>
+                <a:latin typeface="+mn-lt"/>
+                <a:ea typeface="+mn-ea"/>
+                <a:cs typeface="+mn-cs"/>
+              </a:rPr>
+              <a:t>в ходе анализа предметной области были определены цели и задачи. Цель выпускной квалификационной работы - повысить эффективность деятельности документооборота, обеспечивающего сопровождение образовательного процесса в организации «Региональный школьный технопарк».</a:t>
+            </a:r>
+          </a:p>
+          <a:p>
+            <a:r>
+              <a:rPr lang="ru-RU" sz="1200" kern="1200" dirty="0">
+                <a:solidFill>
+                  <a:schemeClr val="tx1"/>
+                </a:solidFill>
+                <a:effectLst/>
+                <a:latin typeface="+mn-lt"/>
+                <a:ea typeface="+mn-ea"/>
+                <a:cs typeface="+mn-cs"/>
+              </a:rPr>
+              <a:t>Достижение данной цели сопровождается следующими задачами:</a:t>
+            </a:r>
+          </a:p>
+          <a:p>
+            <a:pPr lvl="0"/>
+            <a:r>
+              <a:rPr lang="ru-RU" sz="1200" kern="1200" dirty="0">
+                <a:solidFill>
+                  <a:schemeClr val="tx1"/>
+                </a:solidFill>
+                <a:effectLst/>
+                <a:latin typeface="+mn-lt"/>
+                <a:ea typeface="+mn-ea"/>
+                <a:cs typeface="+mn-cs"/>
+              </a:rPr>
+              <a:t>анализ предметной области;</a:t>
+            </a:r>
+          </a:p>
+          <a:p>
+            <a:pPr lvl="0"/>
+            <a:r>
+              <a:rPr lang="ru-RU" sz="1200" kern="1200" dirty="0">
+                <a:solidFill>
+                  <a:schemeClr val="tx1"/>
+                </a:solidFill>
+                <a:effectLst/>
+                <a:latin typeface="+mn-lt"/>
+                <a:ea typeface="+mn-ea"/>
+                <a:cs typeface="+mn-cs"/>
+              </a:rPr>
+              <a:t>проектирование базы данных;</a:t>
+            </a:r>
+          </a:p>
+          <a:p>
+            <a:pPr lvl="0"/>
+            <a:r>
+              <a:rPr lang="ru-RU" sz="1200" kern="1200" dirty="0">
+                <a:solidFill>
+                  <a:schemeClr val="tx1"/>
+                </a:solidFill>
+                <a:effectLst/>
+                <a:latin typeface="+mn-lt"/>
+                <a:ea typeface="+mn-ea"/>
+                <a:cs typeface="+mn-cs"/>
+              </a:rPr>
+              <a:t>разработка программного продукта;</a:t>
+            </a:r>
+          </a:p>
+          <a:p>
+            <a:pPr lvl="0"/>
+            <a:r>
+              <a:rPr lang="ru-RU" sz="1200" kern="1200" dirty="0">
+                <a:solidFill>
+                  <a:schemeClr val="tx1"/>
+                </a:solidFill>
+                <a:effectLst/>
+                <a:latin typeface="+mn-lt"/>
+                <a:ea typeface="+mn-ea"/>
+                <a:cs typeface="+mn-cs"/>
+              </a:rPr>
+              <a:t>тестирование полученной системы;</a:t>
+            </a:r>
+          </a:p>
+          <a:p>
+            <a:pPr lvl="0"/>
+            <a:r>
+              <a:rPr lang="ru-RU" sz="1200" kern="1200" dirty="0">
+                <a:solidFill>
+                  <a:schemeClr val="tx1"/>
+                </a:solidFill>
+                <a:effectLst/>
+                <a:latin typeface="+mn-lt"/>
+                <a:ea typeface="+mn-ea"/>
+                <a:cs typeface="+mn-cs"/>
+              </a:rPr>
+              <a:t>внедрение информационной системы в организации.</a:t>
+            </a:r>
+          </a:p>
+          <a:p>
+            <a:endParaRPr lang="ru-RU" dirty="0"/>
+          </a:p>
+        </p:txBody>
+      </p:sp>
+      <p:sp>
+        <p:nvSpPr>
+          <p:cNvPr id="4" name="Номер слайда 3"/>
+          <p:cNvSpPr>
+            <a:spLocks noGrp="1"/>
+          </p:cNvSpPr>
+          <p:nvPr>
+            <p:ph type="sldNum" sz="quarter" idx="5"/>
+          </p:nvPr>
+        </p:nvSpPr>
+        <p:spPr/>
+        <p:txBody>
+          <a:bodyPr/>
+          <a:lstStyle/>
+          <a:p>
+            <a:fld id="{52F07621-6DF5-40C9-BD08-EFBFABC0EBA5}" type="slidenum">
+              <a:rPr lang="ru-RU" smtClean="0"/>
+              <a:t>8</a:t>
+            </a:fld>
+            <a:endParaRPr lang="ru-RU"/>
+          </a:p>
+        </p:txBody>
+      </p:sp>
+    </p:spTree>
+    <p:extLst>
+      <p:ext uri="{BB962C8B-B14F-4D97-AF65-F5344CB8AC3E}">
+        <p14:creationId xmlns:p14="http://schemas.microsoft.com/office/powerpoint/2010/main" val="3579791398"/>
+      </p:ext>
+    </p:extLst>
+  </p:cSld>
+  <p:clrMapOvr>
+    <a:masterClrMapping/>
+  </p:clrMapOvr>
+</p:notes>
+</file>
+
+<file path=ppt/notesSlides/notesSlide8.xml><?xml version="1.0" encoding="utf-8"?>
+<p:notes xmlns:a="http://schemas.openxmlformats.org/drawingml/2006/main" xmlns:r="http://schemas.openxmlformats.org/officeDocument/2006/relationships" xmlns:p="http://schemas.openxmlformats.org/presentationml/2006/main">
+  <p:cSld>
+    <p:spTree>
+      <p:nvGrpSpPr>
+        <p:cNvPr id="1" name=""/>
+        <p:cNvGrpSpPr/>
+        <p:nvPr/>
+      </p:nvGrpSpPr>
+      <p:grpSpPr>
+        <a:xfrm>
+          <a:off x="0" y="0"/>
+          <a:ext cx="0" cy="0"/>
+          <a:chOff x="0" y="0"/>
+          <a:chExt cx="0" cy="0"/>
+        </a:xfrm>
+      </p:grpSpPr>
+      <p:sp>
+        <p:nvSpPr>
+          <p:cNvPr id="2" name="Образ слайда 1"/>
+          <p:cNvSpPr>
+            <a:spLocks noGrp="1" noRot="1" noChangeAspect="1"/>
+          </p:cNvSpPr>
+          <p:nvPr>
+            <p:ph type="sldImg"/>
+          </p:nvPr>
+        </p:nvSpPr>
+        <p:spPr/>
+      </p:sp>
+      <p:sp>
+        <p:nvSpPr>
+          <p:cNvPr id="3" name="Заметки 2"/>
+          <p:cNvSpPr>
+            <a:spLocks noGrp="1"/>
+          </p:cNvSpPr>
+          <p:nvPr>
+            <p:ph type="body" idx="1"/>
+          </p:nvPr>
+        </p:nvSpPr>
+        <p:spPr/>
+        <p:txBody>
+          <a:bodyPr/>
+          <a:lstStyle/>
+          <a:p>
+            <a:pPr marL="0" marR="0" lvl="0" indent="0" algn="l" defTabSz="914400" rtl="0" eaLnBrk="1" fontAlgn="auto" latinLnBrk="0" hangingPunct="1">
+              <a:lnSpc>
+                <a:spcPct val="100000"/>
+              </a:lnSpc>
+              <a:spcBef>
+                <a:spcPts val="0"/>
+              </a:spcBef>
+              <a:spcAft>
+                <a:spcPts val="0"/>
+              </a:spcAft>
+              <a:buClrTx/>
+              <a:buSzTx/>
+              <a:buFontTx/>
+              <a:buNone/>
+              <a:tabLst/>
+              <a:defRPr/>
+            </a:pPr>
+            <a:r>
+              <a:rPr lang="ru-RU" sz="1200" kern="1200" dirty="0">
+                <a:solidFill>
+                  <a:schemeClr val="tx1"/>
+                </a:solidFill>
+                <a:effectLst/>
+                <a:latin typeface="+mn-lt"/>
+                <a:ea typeface="+mn-ea"/>
+                <a:cs typeface="+mn-cs"/>
+              </a:rPr>
+              <a:t>На слайде изображена контекстная диаграмма разрабатываемой системы с входными и выходными данными. Система должна работать в рамках Федеральных законов №152 и №273 о персональных данных и образовании, а также Устава РШТ, и других внутренних документах РШТ. </a:t>
+            </a:r>
+          </a:p>
+          <a:p>
+            <a:endParaRPr lang="ru-RU" dirty="0"/>
+          </a:p>
+        </p:txBody>
+      </p:sp>
+      <p:sp>
+        <p:nvSpPr>
+          <p:cNvPr id="4" name="Номер слайда 3"/>
+          <p:cNvSpPr>
+            <a:spLocks noGrp="1"/>
+          </p:cNvSpPr>
+          <p:nvPr>
+            <p:ph type="sldNum" sz="quarter" idx="5"/>
+          </p:nvPr>
+        </p:nvSpPr>
+        <p:spPr/>
+        <p:txBody>
+          <a:bodyPr/>
+          <a:lstStyle/>
+          <a:p>
+            <a:fld id="{52F07621-6DF5-40C9-BD08-EFBFABC0EBA5}" type="slidenum">
+              <a:rPr lang="ru-RU" smtClean="0"/>
+              <a:t>9</a:t>
+            </a:fld>
+            <a:endParaRPr lang="ru-RU"/>
+          </a:p>
+        </p:txBody>
+      </p:sp>
+    </p:spTree>
+    <p:extLst>
+      <p:ext uri="{BB962C8B-B14F-4D97-AF65-F5344CB8AC3E}">
+        <p14:creationId xmlns:p14="http://schemas.microsoft.com/office/powerpoint/2010/main" val="1511547348"/>
+      </p:ext>
+    </p:extLst>
+  </p:cSld>
+  <p:clrMapOvr>
+    <a:masterClrMapping/>
+  </p:clrMapOvr>
+</p:notes>
+</file>
+
+<file path=ppt/notesSlides/notesSlide9.xml><?xml version="1.0" encoding="utf-8"?>
+<p:notes xmlns:a="http://schemas.openxmlformats.org/drawingml/2006/main" xmlns:r="http://schemas.openxmlformats.org/officeDocument/2006/relationships" xmlns:p="http://schemas.openxmlformats.org/presentationml/2006/main">
+  <p:cSld>
+    <p:spTree>
+      <p:nvGrpSpPr>
+        <p:cNvPr id="1" name=""/>
+        <p:cNvGrpSpPr/>
+        <p:nvPr/>
+      </p:nvGrpSpPr>
+      <p:grpSpPr>
+        <a:xfrm>
+          <a:off x="0" y="0"/>
+          <a:ext cx="0" cy="0"/>
+          <a:chOff x="0" y="0"/>
+          <a:chExt cx="0" cy="0"/>
+        </a:xfrm>
+      </p:grpSpPr>
+      <p:sp>
+        <p:nvSpPr>
+          <p:cNvPr id="2" name="Образ слайда 1"/>
+          <p:cNvSpPr>
+            <a:spLocks noGrp="1" noRot="1" noChangeAspect="1"/>
+          </p:cNvSpPr>
+          <p:nvPr>
+            <p:ph type="sldImg"/>
+          </p:nvPr>
+        </p:nvSpPr>
+        <p:spPr/>
+      </p:sp>
+      <p:sp>
+        <p:nvSpPr>
+          <p:cNvPr id="3" name="Заметки 2"/>
+          <p:cNvSpPr>
+            <a:spLocks noGrp="1"/>
+          </p:cNvSpPr>
+          <p:nvPr>
+            <p:ph type="body" idx="1"/>
+          </p:nvPr>
+        </p:nvSpPr>
+        <p:spPr/>
+        <p:txBody>
+          <a:bodyPr/>
+          <a:lstStyle/>
+          <a:p>
+            <a:r>
+              <a:rPr lang="ru-RU" sz="1200" kern="1200" dirty="0">
+                <a:solidFill>
+                  <a:schemeClr val="tx1"/>
+                </a:solidFill>
+                <a:effectLst/>
+                <a:latin typeface="+mn-lt"/>
+                <a:ea typeface="+mn-ea"/>
+                <a:cs typeface="+mn-cs"/>
+              </a:rPr>
+              <a:t>Были определены следующие роли пользователей в системе</a:t>
+            </a:r>
+          </a:p>
+          <a:p>
+            <a:r>
+              <a:rPr lang="ru-RU" sz="1200" kern="1200" dirty="0">
+                <a:solidFill>
+                  <a:schemeClr val="tx1"/>
+                </a:solidFill>
+                <a:effectLst/>
+                <a:latin typeface="+mn-lt"/>
+                <a:ea typeface="+mn-ea"/>
+                <a:cs typeface="+mn-cs"/>
+              </a:rPr>
+              <a:t>Педагог и администратор:</a:t>
+            </a:r>
+          </a:p>
+          <a:p>
+            <a:r>
+              <a:rPr lang="ru-RU" sz="1200" kern="1200" dirty="0">
+                <a:solidFill>
+                  <a:schemeClr val="tx1"/>
+                </a:solidFill>
+                <a:effectLst/>
+                <a:latin typeface="+mn-lt"/>
+                <a:ea typeface="+mn-ea"/>
+                <a:cs typeface="+mn-cs"/>
+              </a:rPr>
+              <a:t>Были определены следующие возможности пользователя Педагог: </a:t>
+            </a:r>
+          </a:p>
+          <a:p>
+            <a:pPr lvl="0"/>
+            <a:r>
+              <a:rPr lang="ru-RU" sz="1200" kern="1200" dirty="0">
+                <a:solidFill>
+                  <a:schemeClr val="tx1"/>
+                </a:solidFill>
+                <a:effectLst/>
+                <a:latin typeface="+mn-lt"/>
+                <a:ea typeface="+mn-ea"/>
+                <a:cs typeface="+mn-cs"/>
+              </a:rPr>
+              <a:t>Просмотр приказов об обр. деятельности.</a:t>
+            </a:r>
+          </a:p>
+          <a:p>
+            <a:pPr lvl="0"/>
+            <a:r>
+              <a:rPr lang="ru-RU" sz="1200" kern="1200" dirty="0">
+                <a:solidFill>
+                  <a:schemeClr val="tx1"/>
+                </a:solidFill>
+                <a:effectLst/>
+                <a:latin typeface="+mn-lt"/>
+                <a:ea typeface="+mn-ea"/>
+                <a:cs typeface="+mn-cs"/>
+              </a:rPr>
+              <a:t>Просмотр своих учебных групп/явок учащихся.</a:t>
+            </a:r>
+          </a:p>
+          <a:p>
+            <a:pPr lvl="0"/>
+            <a:r>
+              <a:rPr lang="ru-RU" sz="1200" kern="1200" dirty="0">
+                <a:solidFill>
+                  <a:schemeClr val="tx1"/>
+                </a:solidFill>
+                <a:effectLst/>
+                <a:latin typeface="+mn-lt"/>
+                <a:ea typeface="+mn-ea"/>
+                <a:cs typeface="+mn-cs"/>
+              </a:rPr>
+              <a:t>Редактирование своих учебных групп/явок учащихся.</a:t>
+            </a:r>
+          </a:p>
+          <a:p>
+            <a:pPr lvl="0"/>
+            <a:r>
+              <a:rPr lang="ru-RU" sz="1200" kern="1200" dirty="0">
+                <a:solidFill>
+                  <a:schemeClr val="tx1"/>
+                </a:solidFill>
+                <a:effectLst/>
+                <a:latin typeface="+mn-lt"/>
+                <a:ea typeface="+mn-ea"/>
+                <a:cs typeface="+mn-cs"/>
+              </a:rPr>
+              <a:t>Просмотр учебных планов, загрузка КУГ и журналов.</a:t>
+            </a:r>
+          </a:p>
+          <a:p>
+            <a:pPr lvl="0"/>
+            <a:r>
+              <a:rPr lang="ru-RU" sz="1200" kern="1200" dirty="0">
+                <a:solidFill>
+                  <a:schemeClr val="tx1"/>
+                </a:solidFill>
+                <a:effectLst/>
+                <a:latin typeface="+mn-lt"/>
+                <a:ea typeface="+mn-ea"/>
+                <a:cs typeface="+mn-cs"/>
+              </a:rPr>
+              <a:t>Получение уведомлений об ошибках в своих группах.</a:t>
+            </a:r>
+          </a:p>
+          <a:p>
+            <a:endParaRPr lang="ru-RU" dirty="0"/>
+          </a:p>
+        </p:txBody>
+      </p:sp>
+      <p:sp>
+        <p:nvSpPr>
+          <p:cNvPr id="4" name="Номер слайда 3"/>
+          <p:cNvSpPr>
+            <a:spLocks noGrp="1"/>
+          </p:cNvSpPr>
+          <p:nvPr>
+            <p:ph type="sldNum" sz="quarter" idx="5"/>
+          </p:nvPr>
+        </p:nvSpPr>
+        <p:spPr/>
+        <p:txBody>
+          <a:bodyPr/>
+          <a:lstStyle/>
+          <a:p>
+            <a:fld id="{52F07621-6DF5-40C9-BD08-EFBFABC0EBA5}" type="slidenum">
+              <a:rPr lang="ru-RU" smtClean="0"/>
+              <a:t>10</a:t>
+            </a:fld>
+            <a:endParaRPr lang="ru-RU"/>
+          </a:p>
+        </p:txBody>
+      </p:sp>
+    </p:spTree>
+    <p:extLst>
+      <p:ext uri="{BB962C8B-B14F-4D97-AF65-F5344CB8AC3E}">
+        <p14:creationId xmlns:p14="http://schemas.microsoft.com/office/powerpoint/2010/main" val="3560250767"/>
       </p:ext>
     </p:extLst>
   </p:cSld>
@@ -6813,11 +9393,11 @@
           <p:nvPr/>
         </p:nvPicPr>
         <p:blipFill>
-          <a:blip r:embed="rId2">
+          <a:blip r:embed="rId3">
             <a:extLst>
               <a:ext uri="{BEBA8EAE-BF5A-486C-A8C5-ECC9F3942E4B}">
                 <a14:imgProps xmlns:a14="http://schemas.microsoft.com/office/drawing/2010/main">
-                  <a14:imgLayer r:embed="rId3">
+                  <a14:imgLayer r:embed="rId4">
                     <a14:imgEffect>
                       <a14:backgroundRemoval t="10000" b="90000" l="10000" r="90000"/>
                     </a14:imgEffect>
@@ -7689,11 +10269,11 @@
           <p:nvPr/>
         </p:nvPicPr>
         <p:blipFill>
-          <a:blip r:embed="rId2">
+          <a:blip r:embed="rId3">
             <a:extLst>
               <a:ext uri="{BEBA8EAE-BF5A-486C-A8C5-ECC9F3942E4B}">
                 <a14:imgProps xmlns:a14="http://schemas.microsoft.com/office/drawing/2010/main">
-                  <a14:imgLayer r:embed="rId3">
+                  <a14:imgLayer r:embed="rId4">
                     <a14:imgEffect>
                       <a14:backgroundRemoval t="10000" b="90000" l="10000" r="90000"/>
                     </a14:imgEffect>
@@ -8802,7 +11382,7 @@
           <p:nvPr/>
         </p:nvPicPr>
         <p:blipFill>
-          <a:blip r:embed="rId2"/>
+          <a:blip r:embed="rId3"/>
           <a:stretch>
             <a:fillRect/>
           </a:stretch>
@@ -8893,7 +11473,7 @@
                 <a:latin typeface="Times New Roman" panose="02020603050405020304" pitchFamily="18" charset="0"/>
                 <a:cs typeface="Times New Roman" panose="02020603050405020304" pitchFamily="18" charset="0"/>
               </a:rPr>
-              <a:t>РАЗРАБОТАННЫЕ ИНТЕРФЕЙСЫ</a:t>
+              <a:t>ШАБЛОНЫ ДОКУМЕНТОВ</a:t>
             </a:r>
             <a:endParaRPr lang="ru-RU" dirty="0">
               <a:solidFill>
@@ -9047,40 +11627,10 @@
       </p:sp>
       <p:pic>
         <p:nvPicPr>
-          <p:cNvPr id="4" name="Рисунок 3">
+          <p:cNvPr id="2" name="Рисунок 1">
             <a:extLst>
               <a:ext uri="{FF2B5EF4-FFF2-40B4-BE49-F238E27FC236}">
-                <a16:creationId xmlns:a16="http://schemas.microsoft.com/office/drawing/2014/main" id="{ED7E34A2-3FE4-50FE-E4A5-DA1F47C71AF9}"/>
-              </a:ext>
-            </a:extLst>
-          </p:cNvPr>
-          <p:cNvPicPr>
-            <a:picLocks noChangeAspect="1"/>
-          </p:cNvPicPr>
-          <p:nvPr/>
-        </p:nvPicPr>
-        <p:blipFill>
-          <a:blip r:embed="rId2"/>
-          <a:stretch>
-            <a:fillRect/>
-          </a:stretch>
-        </p:blipFill>
-        <p:spPr>
-          <a:xfrm>
-            <a:off x="0" y="499784"/>
-            <a:ext cx="6260841" cy="3275079"/>
-          </a:xfrm>
-          <a:prstGeom prst="rect">
-            <a:avLst/>
-          </a:prstGeom>
-        </p:spPr>
-      </p:pic>
-      <p:pic>
-        <p:nvPicPr>
-          <p:cNvPr id="6" name="Рисунок 5">
-            <a:extLst>
-              <a:ext uri="{FF2B5EF4-FFF2-40B4-BE49-F238E27FC236}">
-                <a16:creationId xmlns:a16="http://schemas.microsoft.com/office/drawing/2014/main" id="{13417EE5-FD0B-8E04-7955-D30E5F30F25A}"/>
+                <a16:creationId xmlns:a16="http://schemas.microsoft.com/office/drawing/2014/main" id="{3595A2B9-5525-44A9-B2C2-4B66D2B1C678}"/>
               </a:ext>
             </a:extLst>
           </p:cNvPr>
@@ -9097,8 +11647,8 @@
         </p:blipFill>
         <p:spPr>
           <a:xfrm>
-            <a:off x="5838889" y="499784"/>
-            <a:ext cx="6353109" cy="5244117"/>
+            <a:off x="0" y="733142"/>
+            <a:ext cx="6986588" cy="4907934"/>
           </a:xfrm>
           <a:prstGeom prst="rect">
             <a:avLst/>
@@ -9107,10 +11657,10 @@
       </p:pic>
       <p:pic>
         <p:nvPicPr>
-          <p:cNvPr id="9" name="Рисунок 8">
+          <p:cNvPr id="3" name="Рисунок 2">
             <a:extLst>
               <a:ext uri="{FF2B5EF4-FFF2-40B4-BE49-F238E27FC236}">
-                <a16:creationId xmlns:a16="http://schemas.microsoft.com/office/drawing/2014/main" id="{06228E07-24D2-5E4D-8A13-B0D1E5D44F06}"/>
+                <a16:creationId xmlns:a16="http://schemas.microsoft.com/office/drawing/2014/main" id="{F19EA75D-49FE-4668-AF6E-A1A6A5475F05}"/>
               </a:ext>
             </a:extLst>
           </p:cNvPr>
@@ -9127,8 +11677,8 @@
         </p:blipFill>
         <p:spPr>
           <a:xfrm>
-            <a:off x="-17325" y="1379255"/>
-            <a:ext cx="6651389" cy="5478745"/>
+            <a:off x="5915025" y="733142"/>
+            <a:ext cx="6276975" cy="6124858"/>
           </a:xfrm>
           <a:prstGeom prst="rect">
             <a:avLst/>
@@ -9137,10 +11687,10 @@
       </p:pic>
       <p:pic>
         <p:nvPicPr>
-          <p:cNvPr id="11" name="Рисунок 10">
+          <p:cNvPr id="5" name="Рисунок 4">
             <a:extLst>
               <a:ext uri="{FF2B5EF4-FFF2-40B4-BE49-F238E27FC236}">
-                <a16:creationId xmlns:a16="http://schemas.microsoft.com/office/drawing/2014/main" id="{3A2600B0-24F4-21E9-F6CD-174AA3C35AEE}"/>
+                <a16:creationId xmlns:a16="http://schemas.microsoft.com/office/drawing/2014/main" id="{FCFD1320-6529-40C5-86D9-474C552A5FF4}"/>
               </a:ext>
             </a:extLst>
           </p:cNvPr>
@@ -9151,6 +11701,626 @@
         </p:nvPicPr>
         <p:blipFill>
           <a:blip r:embed="rId5"/>
+          <a:stretch>
+            <a:fillRect/>
+          </a:stretch>
+        </p:blipFill>
+        <p:spPr>
+          <a:xfrm>
+            <a:off x="1" y="1811612"/>
+            <a:ext cx="6986588" cy="5046387"/>
+          </a:xfrm>
+          <a:prstGeom prst="rect">
+            <a:avLst/>
+          </a:prstGeom>
+        </p:spPr>
+      </p:pic>
+      <p:pic>
+        <p:nvPicPr>
+          <p:cNvPr id="8" name="Рисунок 7">
+            <a:extLst>
+              <a:ext uri="{FF2B5EF4-FFF2-40B4-BE49-F238E27FC236}">
+                <a16:creationId xmlns:a16="http://schemas.microsoft.com/office/drawing/2014/main" id="{44F428C2-6385-49C6-B63E-3B1E36F0A4D7}"/>
+              </a:ext>
+            </a:extLst>
+          </p:cNvPr>
+          <p:cNvPicPr>
+            <a:picLocks noChangeAspect="1"/>
+          </p:cNvPicPr>
+          <p:nvPr/>
+        </p:nvPicPr>
+        <p:blipFill>
+          <a:blip r:embed="rId6"/>
+          <a:stretch>
+            <a:fillRect/>
+          </a:stretch>
+        </p:blipFill>
+        <p:spPr>
+          <a:xfrm>
+            <a:off x="2970965" y="733140"/>
+            <a:ext cx="6250069" cy="6124859"/>
+          </a:xfrm>
+          <a:prstGeom prst="rect">
+            <a:avLst/>
+          </a:prstGeom>
+        </p:spPr>
+      </p:pic>
+    </p:spTree>
+    <p:extLst>
+      <p:ext uri="{BB962C8B-B14F-4D97-AF65-F5344CB8AC3E}">
+        <p14:creationId xmlns:p14="http://schemas.microsoft.com/office/powerpoint/2010/main" val="59767653"/>
+      </p:ext>
+    </p:extLst>
+  </p:cSld>
+  <p:clrMapOvr>
+    <a:masterClrMapping/>
+  </p:clrMapOvr>
+  <mc:AlternateContent xmlns:mc="http://schemas.openxmlformats.org/markup-compatibility/2006" xmlns:p14="http://schemas.microsoft.com/office/powerpoint/2010/main">
+    <mc:Choice Requires="p14">
+      <p:transition spd="med" p14:dur="700">
+        <p:fade/>
+      </p:transition>
+    </mc:Choice>
+    <mc:Fallback xmlns="">
+      <p:transition spd="med">
+        <p:fade/>
+      </p:transition>
+    </mc:Fallback>
+  </mc:AlternateContent>
+  <p:timing>
+    <p:tnLst>
+      <p:par>
+        <p:cTn id="1" dur="indefinite" restart="never" nodeType="tmRoot">
+          <p:childTnLst>
+            <p:seq concurrent="1" nextAc="seek">
+              <p:cTn id="2" dur="indefinite" nodeType="mainSeq">
+                <p:childTnLst>
+                  <p:par>
+                    <p:cTn id="3" fill="hold">
+                      <p:stCondLst>
+                        <p:cond delay="indefinite"/>
+                      </p:stCondLst>
+                      <p:childTnLst>
+                        <p:par>
+                          <p:cTn id="4" fill="hold">
+                            <p:stCondLst>
+                              <p:cond delay="0"/>
+                            </p:stCondLst>
+                            <p:childTnLst>
+                              <p:par>
+                                <p:cTn id="5" presetID="10" presetClass="entr" presetSubtype="0" fill="hold" nodeType="clickEffect">
+                                  <p:stCondLst>
+                                    <p:cond delay="0"/>
+                                  </p:stCondLst>
+                                  <p:childTnLst>
+                                    <p:set>
+                                      <p:cBhvr>
+                                        <p:cTn id="6" dur="1" fill="hold">
+                                          <p:stCondLst>
+                                            <p:cond delay="0"/>
+                                          </p:stCondLst>
+                                        </p:cTn>
+                                        <p:tgtEl>
+                                          <p:spTgt spid="2"/>
+                                        </p:tgtEl>
+                                        <p:attrNameLst>
+                                          <p:attrName>style.visibility</p:attrName>
+                                        </p:attrNameLst>
+                                      </p:cBhvr>
+                                      <p:to>
+                                        <p:strVal val="visible"/>
+                                      </p:to>
+                                    </p:set>
+                                    <p:animEffect transition="in" filter="fade">
+                                      <p:cBhvr>
+                                        <p:cTn id="7" dur="500"/>
+                                        <p:tgtEl>
+                                          <p:spTgt spid="2"/>
+                                        </p:tgtEl>
+                                      </p:cBhvr>
+                                    </p:animEffect>
+                                  </p:childTnLst>
+                                </p:cTn>
+                              </p:par>
+                            </p:childTnLst>
+                          </p:cTn>
+                        </p:par>
+                      </p:childTnLst>
+                    </p:cTn>
+                  </p:par>
+                  <p:par>
+                    <p:cTn id="8" fill="hold">
+                      <p:stCondLst>
+                        <p:cond delay="indefinite"/>
+                      </p:stCondLst>
+                      <p:childTnLst>
+                        <p:par>
+                          <p:cTn id="9" fill="hold">
+                            <p:stCondLst>
+                              <p:cond delay="0"/>
+                            </p:stCondLst>
+                            <p:childTnLst>
+                              <p:par>
+                                <p:cTn id="10" presetID="10" presetClass="entr" presetSubtype="0" fill="hold" nodeType="clickEffect">
+                                  <p:stCondLst>
+                                    <p:cond delay="0"/>
+                                  </p:stCondLst>
+                                  <p:childTnLst>
+                                    <p:set>
+                                      <p:cBhvr>
+                                        <p:cTn id="11" dur="1" fill="hold">
+                                          <p:stCondLst>
+                                            <p:cond delay="0"/>
+                                          </p:stCondLst>
+                                        </p:cTn>
+                                        <p:tgtEl>
+                                          <p:spTgt spid="8"/>
+                                        </p:tgtEl>
+                                        <p:attrNameLst>
+                                          <p:attrName>style.visibility</p:attrName>
+                                        </p:attrNameLst>
+                                      </p:cBhvr>
+                                      <p:to>
+                                        <p:strVal val="visible"/>
+                                      </p:to>
+                                    </p:set>
+                                    <p:animEffect transition="in" filter="fade">
+                                      <p:cBhvr>
+                                        <p:cTn id="12" dur="500"/>
+                                        <p:tgtEl>
+                                          <p:spTgt spid="8"/>
+                                        </p:tgtEl>
+                                      </p:cBhvr>
+                                    </p:animEffect>
+                                  </p:childTnLst>
+                                </p:cTn>
+                              </p:par>
+                            </p:childTnLst>
+                          </p:cTn>
+                        </p:par>
+                      </p:childTnLst>
+                    </p:cTn>
+                  </p:par>
+                  <p:par>
+                    <p:cTn id="13" fill="hold">
+                      <p:stCondLst>
+                        <p:cond delay="indefinite"/>
+                      </p:stCondLst>
+                      <p:childTnLst>
+                        <p:par>
+                          <p:cTn id="14" fill="hold">
+                            <p:stCondLst>
+                              <p:cond delay="0"/>
+                            </p:stCondLst>
+                            <p:childTnLst>
+                              <p:par>
+                                <p:cTn id="15" presetID="10" presetClass="entr" presetSubtype="0" fill="hold" nodeType="clickEffect">
+                                  <p:stCondLst>
+                                    <p:cond delay="0"/>
+                                  </p:stCondLst>
+                                  <p:childTnLst>
+                                    <p:set>
+                                      <p:cBhvr>
+                                        <p:cTn id="16" dur="1" fill="hold">
+                                          <p:stCondLst>
+                                            <p:cond delay="0"/>
+                                          </p:stCondLst>
+                                        </p:cTn>
+                                        <p:tgtEl>
+                                          <p:spTgt spid="5"/>
+                                        </p:tgtEl>
+                                        <p:attrNameLst>
+                                          <p:attrName>style.visibility</p:attrName>
+                                        </p:attrNameLst>
+                                      </p:cBhvr>
+                                      <p:to>
+                                        <p:strVal val="visible"/>
+                                      </p:to>
+                                    </p:set>
+                                    <p:animEffect transition="in" filter="fade">
+                                      <p:cBhvr>
+                                        <p:cTn id="17" dur="500"/>
+                                        <p:tgtEl>
+                                          <p:spTgt spid="5"/>
+                                        </p:tgtEl>
+                                      </p:cBhvr>
+                                    </p:animEffect>
+                                  </p:childTnLst>
+                                </p:cTn>
+                              </p:par>
+                            </p:childTnLst>
+                          </p:cTn>
+                        </p:par>
+                      </p:childTnLst>
+                    </p:cTn>
+                  </p:par>
+                  <p:par>
+                    <p:cTn id="18" fill="hold">
+                      <p:stCondLst>
+                        <p:cond delay="indefinite"/>
+                      </p:stCondLst>
+                      <p:childTnLst>
+                        <p:par>
+                          <p:cTn id="19" fill="hold">
+                            <p:stCondLst>
+                              <p:cond delay="0"/>
+                            </p:stCondLst>
+                            <p:childTnLst>
+                              <p:par>
+                                <p:cTn id="20" presetID="10" presetClass="entr" presetSubtype="0" fill="hold" nodeType="clickEffect">
+                                  <p:stCondLst>
+                                    <p:cond delay="0"/>
+                                  </p:stCondLst>
+                                  <p:childTnLst>
+                                    <p:set>
+                                      <p:cBhvr>
+                                        <p:cTn id="21" dur="1" fill="hold">
+                                          <p:stCondLst>
+                                            <p:cond delay="0"/>
+                                          </p:stCondLst>
+                                        </p:cTn>
+                                        <p:tgtEl>
+                                          <p:spTgt spid="3"/>
+                                        </p:tgtEl>
+                                        <p:attrNameLst>
+                                          <p:attrName>style.visibility</p:attrName>
+                                        </p:attrNameLst>
+                                      </p:cBhvr>
+                                      <p:to>
+                                        <p:strVal val="visible"/>
+                                      </p:to>
+                                    </p:set>
+                                    <p:animEffect transition="in" filter="fade">
+                                      <p:cBhvr>
+                                        <p:cTn id="22" dur="500"/>
+                                        <p:tgtEl>
+                                          <p:spTgt spid="3"/>
+                                        </p:tgtEl>
+                                      </p:cBhvr>
+                                    </p:animEffect>
+                                  </p:childTnLst>
+                                </p:cTn>
+                              </p:par>
+                            </p:childTnLst>
+                          </p:cTn>
+                        </p:par>
+                      </p:childTnLst>
+                    </p:cTn>
+                  </p:par>
+                </p:childTnLst>
+              </p:cTn>
+              <p:prevCondLst>
+                <p:cond evt="onPrev" delay="0">
+                  <p:tgtEl>
+                    <p:sldTgt/>
+                  </p:tgtEl>
+                </p:cond>
+              </p:prevCondLst>
+              <p:nextCondLst>
+                <p:cond evt="onNext" delay="0">
+                  <p:tgtEl>
+                    <p:sldTgt/>
+                  </p:tgtEl>
+                </p:cond>
+              </p:nextCondLst>
+            </p:seq>
+          </p:childTnLst>
+        </p:cTn>
+      </p:par>
+    </p:tnLst>
+  </p:timing>
+</p:sld>
+</file>
+
+<file path=ppt/slides/slide14.xml><?xml version="1.0" encoding="utf-8"?>
+<p:sld xmlns:a="http://schemas.openxmlformats.org/drawingml/2006/main" xmlns:r="http://schemas.openxmlformats.org/officeDocument/2006/relationships" xmlns:p="http://schemas.openxmlformats.org/presentationml/2006/main">
+  <p:cSld>
+    <p:spTree>
+      <p:nvGrpSpPr>
+        <p:cNvPr id="1" name=""/>
+        <p:cNvGrpSpPr/>
+        <p:nvPr/>
+      </p:nvGrpSpPr>
+      <p:grpSpPr>
+        <a:xfrm>
+          <a:off x="0" y="0"/>
+          <a:ext cx="0" cy="0"/>
+          <a:chOff x="0" y="0"/>
+          <a:chExt cx="0" cy="0"/>
+        </a:xfrm>
+      </p:grpSpPr>
+      <p:sp>
+        <p:nvSpPr>
+          <p:cNvPr id="7" name="Заголовок 1">
+            <a:extLst>
+              <a:ext uri="{FF2B5EF4-FFF2-40B4-BE49-F238E27FC236}">
+                <a16:creationId xmlns:a16="http://schemas.microsoft.com/office/drawing/2014/main" id="{0AC31A72-5FA3-A939-1D1C-E89299BFE294}"/>
+              </a:ext>
+            </a:extLst>
+          </p:cNvPr>
+          <p:cNvSpPr>
+            <a:spLocks noGrp="1"/>
+          </p:cNvSpPr>
+          <p:nvPr>
+            <p:ph type="title"/>
+          </p:nvPr>
+        </p:nvSpPr>
+        <p:spPr>
+          <a:xfrm>
+            <a:off x="-1" y="0"/>
+            <a:ext cx="12191999" cy="600076"/>
+          </a:xfrm>
+        </p:spPr>
+        <p:txBody>
+          <a:bodyPr>
+            <a:noAutofit/>
+          </a:bodyPr>
+          <a:lstStyle/>
+          <a:p>
+            <a:pPr algn="ctr"/>
+            <a:r>
+              <a:rPr lang="ru-RU" dirty="0">
+                <a:latin typeface="Times New Roman" panose="02020603050405020304" pitchFamily="18" charset="0"/>
+                <a:cs typeface="Times New Roman" panose="02020603050405020304" pitchFamily="18" charset="0"/>
+              </a:rPr>
+              <a:t>РАЗРАБОТАННЫЕ ИНТЕРФЕЙСЫ</a:t>
+            </a:r>
+            <a:endParaRPr lang="ru-RU" dirty="0">
+              <a:solidFill>
+                <a:schemeClr val="tx1"/>
+              </a:solidFill>
+              <a:latin typeface="Times New Roman" panose="02020603050405020304" pitchFamily="18" charset="0"/>
+              <a:cs typeface="Times New Roman" panose="02020603050405020304" pitchFamily="18" charset="0"/>
+            </a:endParaRPr>
+          </a:p>
+        </p:txBody>
+      </p:sp>
+      <p:sp>
+        <p:nvSpPr>
+          <p:cNvPr id="14" name="Номер слайда 4">
+            <a:extLst>
+              <a:ext uri="{FF2B5EF4-FFF2-40B4-BE49-F238E27FC236}">
+                <a16:creationId xmlns:a16="http://schemas.microsoft.com/office/drawing/2014/main" id="{DB47AF26-AF92-C82B-7102-0AE934D6853A}"/>
+              </a:ext>
+            </a:extLst>
+          </p:cNvPr>
+          <p:cNvSpPr txBox="1">
+            <a:spLocks/>
+          </p:cNvSpPr>
+          <p:nvPr/>
+        </p:nvSpPr>
+        <p:spPr>
+          <a:xfrm>
+            <a:off x="11290040" y="0"/>
+            <a:ext cx="901959" cy="600076"/>
+          </a:xfrm>
+          <a:prstGeom prst="rect">
+            <a:avLst/>
+          </a:prstGeom>
+        </p:spPr>
+        <p:txBody>
+          <a:bodyPr vert="horz" lIns="91440" tIns="45720" rIns="91440" bIns="45720" rtlCol="0" anchor="ctr"/>
+          <a:lstStyle>
+            <a:defPPr>
+              <a:defRPr lang="en-US"/>
+            </a:defPPr>
+            <a:lvl1pPr marL="0" algn="r" defTabSz="457200" rtl="0" eaLnBrk="1" latinLnBrk="0" hangingPunct="1">
+              <a:defRPr sz="1000" b="0" i="0" kern="1200">
+                <a:solidFill>
+                  <a:schemeClr val="tx1"/>
+                </a:solidFill>
+                <a:effectLst/>
+                <a:latin typeface="+mn-lt"/>
+                <a:ea typeface="+mn-ea"/>
+                <a:cs typeface="+mn-cs"/>
+              </a:defRPr>
+            </a:lvl1pPr>
+            <a:lvl2pPr marL="457200" algn="l" defTabSz="457200" rtl="0" eaLnBrk="1" latinLnBrk="0" hangingPunct="1">
+              <a:defRPr sz="1800" kern="1200">
+                <a:solidFill>
+                  <a:schemeClr val="tx1"/>
+                </a:solidFill>
+                <a:latin typeface="+mn-lt"/>
+                <a:ea typeface="+mn-ea"/>
+                <a:cs typeface="+mn-cs"/>
+              </a:defRPr>
+            </a:lvl2pPr>
+            <a:lvl3pPr marL="914400" algn="l" defTabSz="457200" rtl="0" eaLnBrk="1" latinLnBrk="0" hangingPunct="1">
+              <a:defRPr sz="1800" kern="1200">
+                <a:solidFill>
+                  <a:schemeClr val="tx1"/>
+                </a:solidFill>
+                <a:latin typeface="+mn-lt"/>
+                <a:ea typeface="+mn-ea"/>
+                <a:cs typeface="+mn-cs"/>
+              </a:defRPr>
+            </a:lvl3pPr>
+            <a:lvl4pPr marL="1371600" algn="l" defTabSz="457200" rtl="0" eaLnBrk="1" latinLnBrk="0" hangingPunct="1">
+              <a:defRPr sz="1800" kern="1200">
+                <a:solidFill>
+                  <a:schemeClr val="tx1"/>
+                </a:solidFill>
+                <a:latin typeface="+mn-lt"/>
+                <a:ea typeface="+mn-ea"/>
+                <a:cs typeface="+mn-cs"/>
+              </a:defRPr>
+            </a:lvl4pPr>
+            <a:lvl5pPr marL="1828800" algn="l" defTabSz="457200" rtl="0" eaLnBrk="1" latinLnBrk="0" hangingPunct="1">
+              <a:defRPr sz="1800" kern="1200">
+                <a:solidFill>
+                  <a:schemeClr val="tx1"/>
+                </a:solidFill>
+                <a:latin typeface="+mn-lt"/>
+                <a:ea typeface="+mn-ea"/>
+                <a:cs typeface="+mn-cs"/>
+              </a:defRPr>
+            </a:lvl5pPr>
+            <a:lvl6pPr marL="2286000" algn="l" defTabSz="457200" rtl="0" eaLnBrk="1" latinLnBrk="0" hangingPunct="1">
+              <a:defRPr sz="1800" kern="1200">
+                <a:solidFill>
+                  <a:schemeClr val="tx1"/>
+                </a:solidFill>
+                <a:latin typeface="+mn-lt"/>
+                <a:ea typeface="+mn-ea"/>
+                <a:cs typeface="+mn-cs"/>
+              </a:defRPr>
+            </a:lvl6pPr>
+            <a:lvl7pPr marL="2743200" algn="l" defTabSz="457200" rtl="0" eaLnBrk="1" latinLnBrk="0" hangingPunct="1">
+              <a:defRPr sz="1800" kern="1200">
+                <a:solidFill>
+                  <a:schemeClr val="tx1"/>
+                </a:solidFill>
+                <a:latin typeface="+mn-lt"/>
+                <a:ea typeface="+mn-ea"/>
+                <a:cs typeface="+mn-cs"/>
+              </a:defRPr>
+            </a:lvl7pPr>
+            <a:lvl8pPr marL="3200400" algn="l" defTabSz="457200" rtl="0" eaLnBrk="1" latinLnBrk="0" hangingPunct="1">
+              <a:defRPr sz="1800" kern="1200">
+                <a:solidFill>
+                  <a:schemeClr val="tx1"/>
+                </a:solidFill>
+                <a:latin typeface="+mn-lt"/>
+                <a:ea typeface="+mn-ea"/>
+                <a:cs typeface="+mn-cs"/>
+              </a:defRPr>
+            </a:lvl8pPr>
+            <a:lvl9pPr marL="3657600" algn="l" defTabSz="457200" rtl="0" eaLnBrk="1" latinLnBrk="0" hangingPunct="1">
+              <a:defRPr sz="1800" kern="1200">
+                <a:solidFill>
+                  <a:schemeClr val="tx1"/>
+                </a:solidFill>
+                <a:latin typeface="+mn-lt"/>
+                <a:ea typeface="+mn-ea"/>
+                <a:cs typeface="+mn-cs"/>
+              </a:defRPr>
+            </a:lvl9pPr>
+          </a:lstStyle>
+          <a:p>
+            <a:pPr algn="ctr"/>
+            <a:fld id="{E674C0A0-8DE9-4942-9F1B-2332F349D007}" type="slidenum">
+              <a:rPr lang="ru-RU" sz="2200" smtClean="0">
+                <a:latin typeface="Tahoma" panose="020B0604030504040204" pitchFamily="34" charset="0"/>
+                <a:ea typeface="Tahoma" panose="020B0604030504040204" pitchFamily="34" charset="0"/>
+                <a:cs typeface="Tahoma" panose="020B0604030504040204" pitchFamily="34" charset="0"/>
+              </a:rPr>
+              <a:pPr algn="ctr"/>
+              <a:t>14</a:t>
+            </a:fld>
+            <a:endParaRPr lang="ru-RU" sz="2200" dirty="0">
+              <a:latin typeface="Tahoma" panose="020B0604030504040204" pitchFamily="34" charset="0"/>
+              <a:ea typeface="Tahoma" panose="020B0604030504040204" pitchFamily="34" charset="0"/>
+              <a:cs typeface="Tahoma" panose="020B0604030504040204" pitchFamily="34" charset="0"/>
+            </a:endParaRPr>
+          </a:p>
+        </p:txBody>
+      </p:sp>
+      <p:pic>
+        <p:nvPicPr>
+          <p:cNvPr id="4" name="Рисунок 3">
+            <a:extLst>
+              <a:ext uri="{FF2B5EF4-FFF2-40B4-BE49-F238E27FC236}">
+                <a16:creationId xmlns:a16="http://schemas.microsoft.com/office/drawing/2014/main" id="{ED7E34A2-3FE4-50FE-E4A5-DA1F47C71AF9}"/>
+              </a:ext>
+            </a:extLst>
+          </p:cNvPr>
+          <p:cNvPicPr>
+            <a:picLocks noChangeAspect="1"/>
+          </p:cNvPicPr>
+          <p:nvPr/>
+        </p:nvPicPr>
+        <p:blipFill>
+          <a:blip r:embed="rId3"/>
+          <a:stretch>
+            <a:fillRect/>
+          </a:stretch>
+        </p:blipFill>
+        <p:spPr>
+          <a:xfrm>
+            <a:off x="0" y="499784"/>
+            <a:ext cx="6260841" cy="3275079"/>
+          </a:xfrm>
+          <a:prstGeom prst="rect">
+            <a:avLst/>
+          </a:prstGeom>
+        </p:spPr>
+      </p:pic>
+      <p:pic>
+        <p:nvPicPr>
+          <p:cNvPr id="6" name="Рисунок 5">
+            <a:extLst>
+              <a:ext uri="{FF2B5EF4-FFF2-40B4-BE49-F238E27FC236}">
+                <a16:creationId xmlns:a16="http://schemas.microsoft.com/office/drawing/2014/main" id="{13417EE5-FD0B-8E04-7955-D30E5F30F25A}"/>
+              </a:ext>
+            </a:extLst>
+          </p:cNvPr>
+          <p:cNvPicPr>
+            <a:picLocks noChangeAspect="1"/>
+          </p:cNvPicPr>
+          <p:nvPr/>
+        </p:nvPicPr>
+        <p:blipFill>
+          <a:blip r:embed="rId4"/>
+          <a:stretch>
+            <a:fillRect/>
+          </a:stretch>
+        </p:blipFill>
+        <p:spPr>
+          <a:xfrm>
+            <a:off x="5838889" y="499784"/>
+            <a:ext cx="6353109" cy="5244117"/>
+          </a:xfrm>
+          <a:prstGeom prst="rect">
+            <a:avLst/>
+          </a:prstGeom>
+        </p:spPr>
+      </p:pic>
+      <p:pic>
+        <p:nvPicPr>
+          <p:cNvPr id="9" name="Рисунок 8">
+            <a:extLst>
+              <a:ext uri="{FF2B5EF4-FFF2-40B4-BE49-F238E27FC236}">
+                <a16:creationId xmlns:a16="http://schemas.microsoft.com/office/drawing/2014/main" id="{06228E07-24D2-5E4D-8A13-B0D1E5D44F06}"/>
+              </a:ext>
+            </a:extLst>
+          </p:cNvPr>
+          <p:cNvPicPr>
+            <a:picLocks noChangeAspect="1"/>
+          </p:cNvPicPr>
+          <p:nvPr/>
+        </p:nvPicPr>
+        <p:blipFill>
+          <a:blip r:embed="rId5"/>
+          <a:stretch>
+            <a:fillRect/>
+          </a:stretch>
+        </p:blipFill>
+        <p:spPr>
+          <a:xfrm>
+            <a:off x="-17325" y="1379255"/>
+            <a:ext cx="6651389" cy="5478745"/>
+          </a:xfrm>
+          <a:prstGeom prst="rect">
+            <a:avLst/>
+          </a:prstGeom>
+        </p:spPr>
+      </p:pic>
+      <p:pic>
+        <p:nvPicPr>
+          <p:cNvPr id="11" name="Рисунок 10">
+            <a:extLst>
+              <a:ext uri="{FF2B5EF4-FFF2-40B4-BE49-F238E27FC236}">
+                <a16:creationId xmlns:a16="http://schemas.microsoft.com/office/drawing/2014/main" id="{3A2600B0-24F4-21E9-F6CD-174AA3C35AEE}"/>
+              </a:ext>
+            </a:extLst>
+          </p:cNvPr>
+          <p:cNvPicPr>
+            <a:picLocks noChangeAspect="1"/>
+          </p:cNvPicPr>
+          <p:nvPr/>
+        </p:nvPicPr>
+        <p:blipFill>
+          <a:blip r:embed="rId6"/>
           <a:stretch>
             <a:fillRect/>
           </a:stretch>
@@ -9400,7 +12570,7 @@
 </p:sld>
 </file>
 
-<file path=ppt/slides/slide14.xml><?xml version="1.0" encoding="utf-8"?>
+<file path=ppt/slides/slide15.xml><?xml version="1.0" encoding="utf-8"?>
 <p:sld xmlns:a="http://schemas.openxmlformats.org/drawingml/2006/main" xmlns:r="http://schemas.openxmlformats.org/officeDocument/2006/relationships" xmlns:p="http://schemas.openxmlformats.org/presentationml/2006/main">
   <p:cSld>
     <p:spTree>
@@ -9676,7 +12846,7 @@
                 <a:cs typeface="Tahoma" panose="020B0604030504040204" pitchFamily="34" charset="0"/>
               </a:rPr>
               <a:pPr algn="ctr"/>
-              <a:t>14</a:t>
+              <a:t>15</a:t>
             </a:fld>
             <a:endParaRPr lang="ru-RU" sz="2200" dirty="0">
               <a:latin typeface="Tahoma" panose="020B0604030504040204" pitchFamily="34" charset="0"/>
@@ -10894,807 +14064,6 @@
     <p:extLst>
       <p:ext uri="{BB962C8B-B14F-4D97-AF65-F5344CB8AC3E}">
         <p14:creationId xmlns:p14="http://schemas.microsoft.com/office/powerpoint/2010/main" val="2761564169"/>
-      </p:ext>
-    </p:extLst>
-  </p:cSld>
-  <p:clrMapOvr>
-    <a:masterClrMapping/>
-  </p:clrMapOvr>
-  <mc:AlternateContent xmlns:mc="http://schemas.openxmlformats.org/markup-compatibility/2006" xmlns:p14="http://schemas.microsoft.com/office/powerpoint/2010/main">
-    <mc:Choice Requires="p14">
-      <p:transition spd="med" p14:dur="700">
-        <p:fade/>
-      </p:transition>
-    </mc:Choice>
-    <mc:Fallback xmlns="">
-      <p:transition spd="med">
-        <p:fade/>
-      </p:transition>
-    </mc:Fallback>
-  </mc:AlternateContent>
-</p:sld>
-</file>
-
-<file path=ppt/slides/slide15.xml><?xml version="1.0" encoding="utf-8"?>
-<p:sld xmlns:a="http://schemas.openxmlformats.org/drawingml/2006/main" xmlns:r="http://schemas.openxmlformats.org/officeDocument/2006/relationships" xmlns:p="http://schemas.openxmlformats.org/presentationml/2006/main">
-  <p:cSld>
-    <p:spTree>
-      <p:nvGrpSpPr>
-        <p:cNvPr id="1" name=""/>
-        <p:cNvGrpSpPr/>
-        <p:nvPr/>
-      </p:nvGrpSpPr>
-      <p:grpSpPr>
-        <a:xfrm>
-          <a:off x="0" y="0"/>
-          <a:ext cx="0" cy="0"/>
-          <a:chOff x="0" y="0"/>
-          <a:chExt cx="0" cy="0"/>
-        </a:xfrm>
-      </p:grpSpPr>
-      <p:sp>
-        <p:nvSpPr>
-          <p:cNvPr id="2" name="Заголовок 1">
-            <a:extLst>
-              <a:ext uri="{FF2B5EF4-FFF2-40B4-BE49-F238E27FC236}">
-                <a16:creationId xmlns:a16="http://schemas.microsoft.com/office/drawing/2014/main" id="{6180C8AA-7561-F3BA-FC31-46C06530ED41}"/>
-              </a:ext>
-            </a:extLst>
-          </p:cNvPr>
-          <p:cNvSpPr>
-            <a:spLocks noGrp="1"/>
-          </p:cNvSpPr>
-          <p:nvPr>
-            <p:ph type="title"/>
-          </p:nvPr>
-        </p:nvSpPr>
-        <p:spPr>
-          <a:xfrm>
-            <a:off x="0" y="6096"/>
-            <a:ext cx="12191999" cy="688848"/>
-          </a:xfrm>
-        </p:spPr>
-        <p:txBody>
-          <a:bodyPr/>
-          <a:lstStyle/>
-          <a:p>
-            <a:pPr algn="ctr"/>
-            <a:r>
-              <a:rPr lang="ru-RU" dirty="0">
-                <a:latin typeface="Times New Roman" panose="02020603050405020304" pitchFamily="18" charset="0"/>
-                <a:cs typeface="Times New Roman" panose="02020603050405020304" pitchFamily="18" charset="0"/>
-              </a:rPr>
-              <a:t>СВЕДЕНИЯ О проекте</a:t>
-            </a:r>
-            <a:endParaRPr lang="ru-RU" dirty="0"/>
-          </a:p>
-        </p:txBody>
-      </p:sp>
-      <p:sp>
-        <p:nvSpPr>
-          <p:cNvPr id="5" name="TextBox 4">
-            <a:extLst>
-              <a:ext uri="{FF2B5EF4-FFF2-40B4-BE49-F238E27FC236}">
-                <a16:creationId xmlns:a16="http://schemas.microsoft.com/office/drawing/2014/main" id="{7D1D1E67-62A4-5E00-9B5C-F74D0DA5F37E}"/>
-              </a:ext>
-            </a:extLst>
-          </p:cNvPr>
-          <p:cNvSpPr txBox="1"/>
-          <p:nvPr/>
-        </p:nvSpPr>
-        <p:spPr>
-          <a:xfrm>
-            <a:off x="530351" y="899690"/>
-            <a:ext cx="5748528" cy="5683486"/>
-          </a:xfrm>
-          <a:prstGeom prst="rect">
-            <a:avLst/>
-          </a:prstGeom>
-          <a:noFill/>
-        </p:spPr>
-        <p:txBody>
-          <a:bodyPr wrap="square" rtlCol="0">
-            <a:noAutofit/>
-          </a:bodyPr>
-          <a:lstStyle/>
-          <a:p>
-            <a:pPr>
-              <a:lnSpc>
-                <a:spcPct val="125000"/>
-              </a:lnSpc>
-            </a:pPr>
-            <a:r>
-              <a:rPr lang="ru-RU" sz="2200" dirty="0">
-                <a:solidFill>
-                  <a:srgbClr val="FFFF00"/>
-                </a:solidFill>
-                <a:latin typeface="Tahoma" panose="020B0604030504040204" pitchFamily="34" charset="0"/>
-                <a:ea typeface="Tahoma" panose="020B0604030504040204" pitchFamily="34" charset="0"/>
-                <a:cs typeface="Tahoma" panose="020B0604030504040204" pitchFamily="34" charset="0"/>
-              </a:rPr>
-              <a:t>Средства разработки серверной части системы:</a:t>
-            </a:r>
-          </a:p>
-          <a:p>
-            <a:pPr marL="285750" indent="-285750">
-              <a:lnSpc>
-                <a:spcPct val="125000"/>
-              </a:lnSpc>
-              <a:buFont typeface="Arial" panose="020B0604020202020204" pitchFamily="34" charset="0"/>
-              <a:buChar char="•"/>
-            </a:pPr>
-            <a:r>
-              <a:rPr lang="ru-RU" sz="2200" dirty="0">
-                <a:latin typeface="Times New Roman" panose="02020603050405020304" pitchFamily="18" charset="0"/>
-                <a:cs typeface="Times New Roman" panose="02020603050405020304" pitchFamily="18" charset="0"/>
-              </a:rPr>
-              <a:t>Язык программирования </a:t>
-            </a:r>
-            <a:r>
-              <a:rPr lang="en-US" sz="2200" dirty="0">
-                <a:latin typeface="Times New Roman" panose="02020603050405020304" pitchFamily="18" charset="0"/>
-                <a:cs typeface="Times New Roman" panose="02020603050405020304" pitchFamily="18" charset="0"/>
-              </a:rPr>
-              <a:t>PHP </a:t>
-            </a:r>
-            <a:r>
-              <a:rPr lang="ru-RU" sz="2200" dirty="0">
-                <a:latin typeface="Times New Roman" panose="02020603050405020304" pitchFamily="18" charset="0"/>
-                <a:cs typeface="Times New Roman" panose="02020603050405020304" pitchFamily="18" charset="0"/>
-              </a:rPr>
-              <a:t>7.4</a:t>
-            </a:r>
-            <a:r>
-              <a:rPr lang="en-US" sz="2200" dirty="0">
-                <a:latin typeface="Times New Roman" panose="02020603050405020304" pitchFamily="18" charset="0"/>
-                <a:cs typeface="Times New Roman" panose="02020603050405020304" pitchFamily="18" charset="0"/>
-              </a:rPr>
-              <a:t>; </a:t>
-            </a:r>
-          </a:p>
-          <a:p>
-            <a:pPr marL="285750" indent="-285750">
-              <a:lnSpc>
-                <a:spcPct val="125000"/>
-              </a:lnSpc>
-              <a:buFont typeface="Arial" panose="020B0604020202020204" pitchFamily="34" charset="0"/>
-              <a:buChar char="•"/>
-            </a:pPr>
-            <a:r>
-              <a:rPr lang="en-US" sz="2200" dirty="0">
-                <a:latin typeface="Times New Roman" panose="02020603050405020304" pitchFamily="18" charset="0"/>
-                <a:cs typeface="Times New Roman" panose="02020603050405020304" pitchFamily="18" charset="0"/>
-              </a:rPr>
-              <a:t>Apache </a:t>
-            </a:r>
-            <a:r>
-              <a:rPr lang="ru-RU" sz="2200" dirty="0">
-                <a:latin typeface="Times New Roman" panose="02020603050405020304" pitchFamily="18" charset="0"/>
-                <a:cs typeface="Times New Roman" panose="02020603050405020304" pitchFamily="18" charset="0"/>
-              </a:rPr>
-              <a:t>2.4;</a:t>
-            </a:r>
-            <a:endParaRPr lang="en-US" sz="2200" dirty="0">
-              <a:latin typeface="Times New Roman" panose="02020603050405020304" pitchFamily="18" charset="0"/>
-              <a:cs typeface="Times New Roman" panose="02020603050405020304" pitchFamily="18" charset="0"/>
-            </a:endParaRPr>
-          </a:p>
-          <a:p>
-            <a:pPr marL="285750" indent="-285750">
-              <a:lnSpc>
-                <a:spcPct val="125000"/>
-              </a:lnSpc>
-              <a:buFont typeface="Arial" panose="020B0604020202020204" pitchFamily="34" charset="0"/>
-              <a:buChar char="•"/>
-            </a:pPr>
-            <a:r>
-              <a:rPr lang="en-US" sz="2200" dirty="0">
-                <a:latin typeface="Times New Roman" panose="02020603050405020304" pitchFamily="18" charset="0"/>
-                <a:cs typeface="Times New Roman" panose="02020603050405020304" pitchFamily="18" charset="0"/>
-              </a:rPr>
-              <a:t>Yii2 Advanced Framework;</a:t>
-            </a:r>
-          </a:p>
-          <a:p>
-            <a:pPr marL="285750" indent="-285750">
-              <a:lnSpc>
-                <a:spcPct val="125000"/>
-              </a:lnSpc>
-              <a:buFont typeface="Arial" panose="020B0604020202020204" pitchFamily="34" charset="0"/>
-              <a:buChar char="•"/>
-            </a:pPr>
-            <a:r>
-              <a:rPr lang="ru-RU" sz="2200" dirty="0">
-                <a:latin typeface="Times New Roman" panose="02020603050405020304" pitchFamily="18" charset="0"/>
-                <a:cs typeface="Times New Roman" panose="02020603050405020304" pitchFamily="18" charset="0"/>
-              </a:rPr>
-              <a:t>База данных </a:t>
-            </a:r>
-            <a:r>
-              <a:rPr lang="en-US" sz="2200" dirty="0">
-                <a:latin typeface="Times New Roman" panose="02020603050405020304" pitchFamily="18" charset="0"/>
-                <a:cs typeface="Times New Roman" panose="02020603050405020304" pitchFamily="18" charset="0"/>
-              </a:rPr>
-              <a:t>MariaDB 10.3;</a:t>
-            </a:r>
-          </a:p>
-          <a:p>
-            <a:pPr marL="285750" indent="-285750">
-              <a:lnSpc>
-                <a:spcPct val="125000"/>
-              </a:lnSpc>
-              <a:buFont typeface="Arial" panose="020B0604020202020204" pitchFamily="34" charset="0"/>
-              <a:buChar char="•"/>
-            </a:pPr>
-            <a:r>
-              <a:rPr lang="en-US" sz="2200" dirty="0">
-                <a:latin typeface="Times New Roman" panose="02020603050405020304" pitchFamily="18" charset="0"/>
-                <a:cs typeface="Times New Roman" panose="02020603050405020304" pitchFamily="18" charset="0"/>
-              </a:rPr>
-              <a:t>Redis 4.0;</a:t>
-            </a:r>
-            <a:endParaRPr lang="ru-RU" sz="2200" dirty="0">
-              <a:latin typeface="Times New Roman" panose="02020603050405020304" pitchFamily="18" charset="0"/>
-              <a:cs typeface="Times New Roman" panose="02020603050405020304" pitchFamily="18" charset="0"/>
-            </a:endParaRPr>
-          </a:p>
-          <a:p>
-            <a:pPr marL="285750" indent="-285750">
-              <a:lnSpc>
-                <a:spcPct val="125000"/>
-              </a:lnSpc>
-              <a:buFont typeface="Arial" panose="020B0604020202020204" pitchFamily="34" charset="0"/>
-              <a:buChar char="•"/>
-            </a:pPr>
-            <a:r>
-              <a:rPr lang="en-US" sz="2200" dirty="0">
-                <a:latin typeface="Times New Roman" panose="02020603050405020304" pitchFamily="18" charset="0"/>
-                <a:cs typeface="Times New Roman" panose="02020603050405020304" pitchFamily="18" charset="0"/>
-              </a:rPr>
-              <a:t>RabbitMQ 4.0.7. </a:t>
-            </a:r>
-          </a:p>
-        </p:txBody>
-      </p:sp>
-      <p:sp>
-        <p:nvSpPr>
-          <p:cNvPr id="7" name="TextBox 6">
-            <a:extLst>
-              <a:ext uri="{FF2B5EF4-FFF2-40B4-BE49-F238E27FC236}">
-                <a16:creationId xmlns:a16="http://schemas.microsoft.com/office/drawing/2014/main" id="{F1A3363C-C487-95C8-49A5-35BC64E08D03}"/>
-              </a:ext>
-            </a:extLst>
-          </p:cNvPr>
-          <p:cNvSpPr txBox="1"/>
-          <p:nvPr/>
-        </p:nvSpPr>
-        <p:spPr>
-          <a:xfrm>
-            <a:off x="6165342" y="799106"/>
-            <a:ext cx="5904738" cy="2570704"/>
-          </a:xfrm>
-          <a:prstGeom prst="rect">
-            <a:avLst/>
-          </a:prstGeom>
-          <a:noFill/>
-        </p:spPr>
-        <p:txBody>
-          <a:bodyPr wrap="square">
-            <a:spAutoFit/>
-          </a:bodyPr>
-          <a:lstStyle/>
-          <a:p>
-            <a:pPr>
-              <a:lnSpc>
-                <a:spcPct val="150000"/>
-              </a:lnSpc>
-            </a:pPr>
-            <a:r>
-              <a:rPr lang="ru-RU" sz="2200" dirty="0">
-                <a:solidFill>
-                  <a:srgbClr val="FFFF00"/>
-                </a:solidFill>
-                <a:latin typeface="Tahoma" panose="020B0604030504040204" pitchFamily="34" charset="0"/>
-                <a:ea typeface="Tahoma" panose="020B0604030504040204" pitchFamily="34" charset="0"/>
-                <a:cs typeface="Tahoma" panose="020B0604030504040204" pitchFamily="34" charset="0"/>
-              </a:rPr>
-              <a:t>Проект содержит:</a:t>
-            </a:r>
-          </a:p>
-          <a:p>
-            <a:pPr marL="285750" indent="-285750">
-              <a:lnSpc>
-                <a:spcPct val="150000"/>
-              </a:lnSpc>
-              <a:buFont typeface="Arial" panose="020B0604020202020204" pitchFamily="34" charset="0"/>
-              <a:buChar char="•"/>
-            </a:pPr>
-            <a:r>
-              <a:rPr lang="ru-RU" sz="2200" dirty="0">
-                <a:latin typeface="Times New Roman" panose="02020603050405020304" pitchFamily="18" charset="0"/>
-                <a:cs typeface="Times New Roman" panose="02020603050405020304" pitchFamily="18" charset="0"/>
-              </a:rPr>
-              <a:t>Более </a:t>
-            </a:r>
-            <a:r>
-              <a:rPr lang="en-US" sz="2200" dirty="0">
-                <a:latin typeface="Times New Roman" panose="02020603050405020304" pitchFamily="18" charset="0"/>
-                <a:cs typeface="Times New Roman" panose="02020603050405020304" pitchFamily="18" charset="0"/>
-              </a:rPr>
-              <a:t>30000</a:t>
-            </a:r>
-            <a:r>
-              <a:rPr lang="ru-RU" sz="2200" dirty="0">
-                <a:latin typeface="Times New Roman" panose="02020603050405020304" pitchFamily="18" charset="0"/>
-                <a:cs typeface="Times New Roman" panose="02020603050405020304" pitchFamily="18" charset="0"/>
-              </a:rPr>
-              <a:t> строк кода в проекте </a:t>
-            </a:r>
-            <a:endParaRPr lang="en-US" sz="2200" dirty="0">
-              <a:latin typeface="Times New Roman" panose="02020603050405020304" pitchFamily="18" charset="0"/>
-              <a:cs typeface="Times New Roman" panose="02020603050405020304" pitchFamily="18" charset="0"/>
-            </a:endParaRPr>
-          </a:p>
-          <a:p>
-            <a:pPr marL="285750" indent="-285750">
-              <a:lnSpc>
-                <a:spcPct val="150000"/>
-              </a:lnSpc>
-              <a:buFont typeface="Arial" panose="020B0604020202020204" pitchFamily="34" charset="0"/>
-              <a:buChar char="•"/>
-            </a:pPr>
-            <a:r>
-              <a:rPr lang="ru-RU" sz="2200" dirty="0">
-                <a:latin typeface="Times New Roman" panose="02020603050405020304" pitchFamily="18" charset="0"/>
-                <a:cs typeface="Times New Roman" panose="02020603050405020304" pitchFamily="18" charset="0"/>
-              </a:rPr>
-              <a:t>35 таблиц базы данных</a:t>
-            </a:r>
-          </a:p>
-          <a:p>
-            <a:pPr marL="285750" indent="-285750">
-              <a:lnSpc>
-                <a:spcPct val="150000"/>
-              </a:lnSpc>
-              <a:buFont typeface="Arial" panose="020B0604020202020204" pitchFamily="34" charset="0"/>
-              <a:buChar char="•"/>
-            </a:pPr>
-            <a:r>
-              <a:rPr lang="ru-RU" sz="2200" dirty="0">
-                <a:latin typeface="Times New Roman" panose="02020603050405020304" pitchFamily="18" charset="0"/>
-                <a:cs typeface="Times New Roman" panose="02020603050405020304" pitchFamily="18" charset="0"/>
-              </a:rPr>
-              <a:t>Более 75 классов (35 основных и более 40 служебных)</a:t>
-            </a:r>
-          </a:p>
-        </p:txBody>
-      </p:sp>
-      <p:sp>
-        <p:nvSpPr>
-          <p:cNvPr id="8" name="Номер слайда 4">
-            <a:extLst>
-              <a:ext uri="{FF2B5EF4-FFF2-40B4-BE49-F238E27FC236}">
-                <a16:creationId xmlns:a16="http://schemas.microsoft.com/office/drawing/2014/main" id="{C5B64F97-D6A0-FC0D-8E50-8227B356EE18}"/>
-              </a:ext>
-            </a:extLst>
-          </p:cNvPr>
-          <p:cNvSpPr txBox="1">
-            <a:spLocks/>
-          </p:cNvSpPr>
-          <p:nvPr/>
-        </p:nvSpPr>
-        <p:spPr>
-          <a:xfrm>
-            <a:off x="11171852" y="0"/>
-            <a:ext cx="1020148" cy="658368"/>
-          </a:xfrm>
-          <a:prstGeom prst="rect">
-            <a:avLst/>
-          </a:prstGeom>
-        </p:spPr>
-        <p:txBody>
-          <a:bodyPr vert="horz" lIns="91440" tIns="45720" rIns="91440" bIns="45720" rtlCol="0" anchor="ctr"/>
-          <a:lstStyle>
-            <a:defPPr>
-              <a:defRPr lang="en-US"/>
-            </a:defPPr>
-            <a:lvl1pPr marL="0" algn="r" defTabSz="457200" rtl="0" eaLnBrk="1" latinLnBrk="0" hangingPunct="1">
-              <a:defRPr sz="1000" b="0" i="0" kern="1200">
-                <a:solidFill>
-                  <a:schemeClr val="tx1"/>
-                </a:solidFill>
-                <a:effectLst/>
-                <a:latin typeface="+mn-lt"/>
-                <a:ea typeface="+mn-ea"/>
-                <a:cs typeface="+mn-cs"/>
-              </a:defRPr>
-            </a:lvl1pPr>
-            <a:lvl2pPr marL="457200" algn="l" defTabSz="457200" rtl="0" eaLnBrk="1" latinLnBrk="0" hangingPunct="1">
-              <a:defRPr sz="1800" kern="1200">
-                <a:solidFill>
-                  <a:schemeClr val="tx1"/>
-                </a:solidFill>
-                <a:latin typeface="+mn-lt"/>
-                <a:ea typeface="+mn-ea"/>
-                <a:cs typeface="+mn-cs"/>
-              </a:defRPr>
-            </a:lvl2pPr>
-            <a:lvl3pPr marL="914400" algn="l" defTabSz="457200" rtl="0" eaLnBrk="1" latinLnBrk="0" hangingPunct="1">
-              <a:defRPr sz="1800" kern="1200">
-                <a:solidFill>
-                  <a:schemeClr val="tx1"/>
-                </a:solidFill>
-                <a:latin typeface="+mn-lt"/>
-                <a:ea typeface="+mn-ea"/>
-                <a:cs typeface="+mn-cs"/>
-              </a:defRPr>
-            </a:lvl3pPr>
-            <a:lvl4pPr marL="1371600" algn="l" defTabSz="457200" rtl="0" eaLnBrk="1" latinLnBrk="0" hangingPunct="1">
-              <a:defRPr sz="1800" kern="1200">
-                <a:solidFill>
-                  <a:schemeClr val="tx1"/>
-                </a:solidFill>
-                <a:latin typeface="+mn-lt"/>
-                <a:ea typeface="+mn-ea"/>
-                <a:cs typeface="+mn-cs"/>
-              </a:defRPr>
-            </a:lvl4pPr>
-            <a:lvl5pPr marL="1828800" algn="l" defTabSz="457200" rtl="0" eaLnBrk="1" latinLnBrk="0" hangingPunct="1">
-              <a:defRPr sz="1800" kern="1200">
-                <a:solidFill>
-                  <a:schemeClr val="tx1"/>
-                </a:solidFill>
-                <a:latin typeface="+mn-lt"/>
-                <a:ea typeface="+mn-ea"/>
-                <a:cs typeface="+mn-cs"/>
-              </a:defRPr>
-            </a:lvl5pPr>
-            <a:lvl6pPr marL="2286000" algn="l" defTabSz="457200" rtl="0" eaLnBrk="1" latinLnBrk="0" hangingPunct="1">
-              <a:defRPr sz="1800" kern="1200">
-                <a:solidFill>
-                  <a:schemeClr val="tx1"/>
-                </a:solidFill>
-                <a:latin typeface="+mn-lt"/>
-                <a:ea typeface="+mn-ea"/>
-                <a:cs typeface="+mn-cs"/>
-              </a:defRPr>
-            </a:lvl6pPr>
-            <a:lvl7pPr marL="2743200" algn="l" defTabSz="457200" rtl="0" eaLnBrk="1" latinLnBrk="0" hangingPunct="1">
-              <a:defRPr sz="1800" kern="1200">
-                <a:solidFill>
-                  <a:schemeClr val="tx1"/>
-                </a:solidFill>
-                <a:latin typeface="+mn-lt"/>
-                <a:ea typeface="+mn-ea"/>
-                <a:cs typeface="+mn-cs"/>
-              </a:defRPr>
-            </a:lvl7pPr>
-            <a:lvl8pPr marL="3200400" algn="l" defTabSz="457200" rtl="0" eaLnBrk="1" latinLnBrk="0" hangingPunct="1">
-              <a:defRPr sz="1800" kern="1200">
-                <a:solidFill>
-                  <a:schemeClr val="tx1"/>
-                </a:solidFill>
-                <a:latin typeface="+mn-lt"/>
-                <a:ea typeface="+mn-ea"/>
-                <a:cs typeface="+mn-cs"/>
-              </a:defRPr>
-            </a:lvl8pPr>
-            <a:lvl9pPr marL="3657600" algn="l" defTabSz="457200" rtl="0" eaLnBrk="1" latinLnBrk="0" hangingPunct="1">
-              <a:defRPr sz="1800" kern="1200">
-                <a:solidFill>
-                  <a:schemeClr val="tx1"/>
-                </a:solidFill>
-                <a:latin typeface="+mn-lt"/>
-                <a:ea typeface="+mn-ea"/>
-                <a:cs typeface="+mn-cs"/>
-              </a:defRPr>
-            </a:lvl9pPr>
-          </a:lstStyle>
-          <a:p>
-            <a:pPr algn="ctr"/>
-            <a:fld id="{E674C0A0-8DE9-4942-9F1B-2332F349D007}" type="slidenum">
-              <a:rPr lang="ru-RU" sz="2200" smtClean="0">
-                <a:latin typeface="Tahoma" panose="020B0604030504040204" pitchFamily="34" charset="0"/>
-                <a:ea typeface="Tahoma" panose="020B0604030504040204" pitchFamily="34" charset="0"/>
-                <a:cs typeface="Tahoma" panose="020B0604030504040204" pitchFamily="34" charset="0"/>
-              </a:rPr>
-              <a:pPr algn="ctr"/>
-              <a:t>15</a:t>
-            </a:fld>
-            <a:endParaRPr lang="ru-RU" sz="2200" dirty="0">
-              <a:latin typeface="Tahoma" panose="020B0604030504040204" pitchFamily="34" charset="0"/>
-              <a:ea typeface="Tahoma" panose="020B0604030504040204" pitchFamily="34" charset="0"/>
-              <a:cs typeface="Tahoma" panose="020B0604030504040204" pitchFamily="34" charset="0"/>
-            </a:endParaRPr>
-          </a:p>
-        </p:txBody>
-      </p:sp>
-      <p:pic>
-        <p:nvPicPr>
-          <p:cNvPr id="1026" name="Picture 2" descr="PHP Hypertext Preprocessor - язык программирования - CNews">
-            <a:extLst>
-              <a:ext uri="{FF2B5EF4-FFF2-40B4-BE49-F238E27FC236}">
-                <a16:creationId xmlns:a16="http://schemas.microsoft.com/office/drawing/2014/main" id="{E24E1A06-6E63-A42B-1BCD-F23EDAE5647D}"/>
-              </a:ext>
-            </a:extLst>
-          </p:cNvPr>
-          <p:cNvPicPr>
-            <a:picLocks noChangeAspect="1" noChangeArrowheads="1"/>
-          </p:cNvPicPr>
-          <p:nvPr/>
-        </p:nvPicPr>
-        <p:blipFill>
-          <a:blip r:embed="rId2">
-            <a:extLst>
-              <a:ext uri="{28A0092B-C50C-407E-A947-70E740481C1C}">
-                <a14:useLocalDpi xmlns:a14="http://schemas.microsoft.com/office/drawing/2010/main" val="0"/>
-              </a:ext>
-            </a:extLst>
-          </a:blip>
-          <a:srcRect/>
-          <a:stretch>
-            <a:fillRect/>
-          </a:stretch>
-        </p:blipFill>
-        <p:spPr bwMode="auto">
-          <a:xfrm>
-            <a:off x="4961952" y="1856901"/>
-            <a:ext cx="563879" cy="295302"/>
-          </a:xfrm>
-          <a:prstGeom prst="rect">
-            <a:avLst/>
-          </a:prstGeom>
-          <a:noFill/>
-          <a:extLst>
-            <a:ext uri="{909E8E84-426E-40DD-AFC4-6F175D3DCCD1}">
-              <a14:hiddenFill xmlns:a14="http://schemas.microsoft.com/office/drawing/2010/main">
-                <a:solidFill>
-                  <a:srgbClr val="FFFFFF"/>
-                </a:solidFill>
-              </a14:hiddenFill>
-            </a:ext>
-          </a:extLst>
-        </p:spPr>
-      </p:pic>
-      <p:pic>
-        <p:nvPicPr>
-          <p:cNvPr id="1028" name="Picture 4">
-            <a:extLst>
-              <a:ext uri="{FF2B5EF4-FFF2-40B4-BE49-F238E27FC236}">
-                <a16:creationId xmlns:a16="http://schemas.microsoft.com/office/drawing/2014/main" id="{B88F704B-DF6A-120E-5BC2-E992B1C9C338}"/>
-              </a:ext>
-            </a:extLst>
-          </p:cNvPr>
-          <p:cNvPicPr>
-            <a:picLocks noChangeAspect="1" noChangeArrowheads="1"/>
-          </p:cNvPicPr>
-          <p:nvPr/>
-        </p:nvPicPr>
-        <p:blipFill>
-          <a:blip r:embed="rId3">
-            <a:extLst>
-              <a:ext uri="{28A0092B-C50C-407E-A947-70E740481C1C}">
-                <a14:useLocalDpi xmlns:a14="http://schemas.microsoft.com/office/drawing/2010/main" val="0"/>
-              </a:ext>
-            </a:extLst>
-          </a:blip>
-          <a:srcRect/>
-          <a:stretch>
-            <a:fillRect/>
-          </a:stretch>
-        </p:blipFill>
-        <p:spPr bwMode="auto">
-          <a:xfrm>
-            <a:off x="2326484" y="2278095"/>
-            <a:ext cx="797067" cy="304214"/>
-          </a:xfrm>
-          <a:prstGeom prst="rect">
-            <a:avLst/>
-          </a:prstGeom>
-          <a:noFill/>
-          <a:extLst>
-            <a:ext uri="{909E8E84-426E-40DD-AFC4-6F175D3DCCD1}">
-              <a14:hiddenFill xmlns:a14="http://schemas.microsoft.com/office/drawing/2010/main">
-                <a:solidFill>
-                  <a:srgbClr val="FFFFFF"/>
-                </a:solidFill>
-              </a14:hiddenFill>
-            </a:ext>
-          </a:extLst>
-        </p:spPr>
-      </p:pic>
-      <p:pic>
-        <p:nvPicPr>
-          <p:cNvPr id="1030" name="Picture 6" descr="Логотип программы Yii">
-            <a:extLst>
-              <a:ext uri="{FF2B5EF4-FFF2-40B4-BE49-F238E27FC236}">
-                <a16:creationId xmlns:a16="http://schemas.microsoft.com/office/drawing/2014/main" id="{0960D179-52C4-B4E8-9E2E-8B8BDDB42EC4}"/>
-              </a:ext>
-            </a:extLst>
-          </p:cNvPr>
-          <p:cNvPicPr>
-            <a:picLocks noChangeAspect="1" noChangeArrowheads="1"/>
-          </p:cNvPicPr>
-          <p:nvPr/>
-        </p:nvPicPr>
-        <p:blipFill>
-          <a:blip r:embed="rId4">
-            <a:extLst>
-              <a:ext uri="{28A0092B-C50C-407E-A947-70E740481C1C}">
-                <a14:useLocalDpi xmlns:a14="http://schemas.microsoft.com/office/drawing/2010/main" val="0"/>
-              </a:ext>
-            </a:extLst>
-          </a:blip>
-          <a:srcRect/>
-          <a:stretch>
-            <a:fillRect/>
-          </a:stretch>
-        </p:blipFill>
-        <p:spPr bwMode="auto">
-          <a:xfrm>
-            <a:off x="4098131" y="2725294"/>
-            <a:ext cx="1273874" cy="275787"/>
-          </a:xfrm>
-          <a:prstGeom prst="rect">
-            <a:avLst/>
-          </a:prstGeom>
-          <a:noFill/>
-          <a:extLst>
-            <a:ext uri="{909E8E84-426E-40DD-AFC4-6F175D3DCCD1}">
-              <a14:hiddenFill xmlns:a14="http://schemas.microsoft.com/office/drawing/2010/main">
-                <a:solidFill>
-                  <a:srgbClr val="FFFFFF"/>
-                </a:solidFill>
-              </a14:hiddenFill>
-            </a:ext>
-          </a:extLst>
-        </p:spPr>
-      </p:pic>
-      <p:pic>
-        <p:nvPicPr>
-          <p:cNvPr id="1032" name="Picture 8" descr="MariaDB · GitHub">
-            <a:extLst>
-              <a:ext uri="{FF2B5EF4-FFF2-40B4-BE49-F238E27FC236}">
-                <a16:creationId xmlns:a16="http://schemas.microsoft.com/office/drawing/2014/main" id="{2EDD169B-9E03-CE13-9CFD-9870D58C9634}"/>
-              </a:ext>
-            </a:extLst>
-          </p:cNvPr>
-          <p:cNvPicPr>
-            <a:picLocks noChangeAspect="1" noChangeArrowheads="1"/>
-          </p:cNvPicPr>
-          <p:nvPr/>
-        </p:nvPicPr>
-        <p:blipFill>
-          <a:blip r:embed="rId5">
-            <a:extLst>
-              <a:ext uri="{28A0092B-C50C-407E-A947-70E740481C1C}">
-                <a14:useLocalDpi xmlns:a14="http://schemas.microsoft.com/office/drawing/2010/main" val="0"/>
-              </a:ext>
-            </a:extLst>
-          </a:blip>
-          <a:srcRect/>
-          <a:stretch>
-            <a:fillRect/>
-          </a:stretch>
-        </p:blipFill>
-        <p:spPr bwMode="auto">
-          <a:xfrm>
-            <a:off x="4250422" y="3032993"/>
-            <a:ext cx="451309" cy="451309"/>
-          </a:xfrm>
-          <a:prstGeom prst="rect">
-            <a:avLst/>
-          </a:prstGeom>
-          <a:noFill/>
-          <a:extLst>
-            <a:ext uri="{909E8E84-426E-40DD-AFC4-6F175D3DCCD1}">
-              <a14:hiddenFill xmlns:a14="http://schemas.microsoft.com/office/drawing/2010/main">
-                <a:solidFill>
-                  <a:srgbClr val="FFFFFF"/>
-                </a:solidFill>
-              </a14:hiddenFill>
-            </a:ext>
-          </a:extLst>
-        </p:spPr>
-      </p:pic>
-      <p:pic>
-        <p:nvPicPr>
-          <p:cNvPr id="1034" name="Picture 10">
-            <a:extLst>
-              <a:ext uri="{FF2B5EF4-FFF2-40B4-BE49-F238E27FC236}">
-                <a16:creationId xmlns:a16="http://schemas.microsoft.com/office/drawing/2014/main" id="{0666067C-31E3-02F4-E9CA-D04EED38370F}"/>
-              </a:ext>
-            </a:extLst>
-          </p:cNvPr>
-          <p:cNvPicPr>
-            <a:picLocks noChangeAspect="1" noChangeArrowheads="1"/>
-          </p:cNvPicPr>
-          <p:nvPr/>
-        </p:nvPicPr>
-        <p:blipFill>
-          <a:blip r:embed="rId6">
-            <a:extLst>
-              <a:ext uri="{28A0092B-C50C-407E-A947-70E740481C1C}">
-                <a14:useLocalDpi xmlns:a14="http://schemas.microsoft.com/office/drawing/2010/main" val="0"/>
-              </a:ext>
-            </a:extLst>
-          </a:blip>
-          <a:srcRect/>
-          <a:stretch>
-            <a:fillRect/>
-          </a:stretch>
-        </p:blipFill>
-        <p:spPr bwMode="auto">
-          <a:xfrm>
-            <a:off x="2119104" y="3549237"/>
-            <a:ext cx="769621" cy="246279"/>
-          </a:xfrm>
-          <a:prstGeom prst="rect">
-            <a:avLst/>
-          </a:prstGeom>
-          <a:noFill/>
-          <a:extLst>
-            <a:ext uri="{909E8E84-426E-40DD-AFC4-6F175D3DCCD1}">
-              <a14:hiddenFill xmlns:a14="http://schemas.microsoft.com/office/drawing/2010/main">
-                <a:solidFill>
-                  <a:srgbClr val="FFFFFF"/>
-                </a:solidFill>
-              </a14:hiddenFill>
-            </a:ext>
-          </a:extLst>
-        </p:spPr>
-      </p:pic>
-      <p:pic>
-        <p:nvPicPr>
-          <p:cNvPr id="3" name="Picture 2" descr="Файл:RabbitMQ logo.svg — Википедия">
-            <a:extLst>
-              <a:ext uri="{FF2B5EF4-FFF2-40B4-BE49-F238E27FC236}">
-                <a16:creationId xmlns:a16="http://schemas.microsoft.com/office/drawing/2014/main" id="{DA9F81A4-F7D5-4314-984D-F41BA5AB50F6}"/>
-              </a:ext>
-            </a:extLst>
-          </p:cNvPr>
-          <p:cNvPicPr>
-            <a:picLocks noChangeAspect="1" noChangeArrowheads="1"/>
-          </p:cNvPicPr>
-          <p:nvPr/>
-        </p:nvPicPr>
-        <p:blipFill>
-          <a:blip r:embed="rId7">
-            <a:extLst>
-              <a:ext uri="{28A0092B-C50C-407E-A947-70E740481C1C}">
-                <a14:useLocalDpi xmlns:a14="http://schemas.microsoft.com/office/drawing/2010/main" val="0"/>
-              </a:ext>
-            </a:extLst>
-          </a:blip>
-          <a:srcRect/>
-          <a:stretch>
-            <a:fillRect/>
-          </a:stretch>
-        </p:blipFill>
-        <p:spPr bwMode="auto">
-          <a:xfrm>
-            <a:off x="2888725" y="3971801"/>
-            <a:ext cx="1614685" cy="253556"/>
-          </a:xfrm>
-          <a:prstGeom prst="rect">
-            <a:avLst/>
-          </a:prstGeom>
-          <a:noFill/>
-          <a:extLst>
-            <a:ext uri="{909E8E84-426E-40DD-AFC4-6F175D3DCCD1}">
-              <a14:hiddenFill xmlns:a14="http://schemas.microsoft.com/office/drawing/2010/main">
-                <a:solidFill>
-                  <a:srgbClr val="FFFFFF"/>
-                </a:solidFill>
-              </a14:hiddenFill>
-            </a:ext>
-          </a:extLst>
-        </p:spPr>
-      </p:pic>
-    </p:spTree>
-    <p:extLst>
-      <p:ext uri="{BB962C8B-B14F-4D97-AF65-F5344CB8AC3E}">
-        <p14:creationId xmlns:p14="http://schemas.microsoft.com/office/powerpoint/2010/main" val="3648442274"/>
       </p:ext>
     </p:extLst>
   </p:cSld>
@@ -11738,7 +14107,7 @@
           <p:cNvPr id="2" name="Заголовок 1">
             <a:extLst>
               <a:ext uri="{FF2B5EF4-FFF2-40B4-BE49-F238E27FC236}">
-                <a16:creationId xmlns:a16="http://schemas.microsoft.com/office/drawing/2014/main" id="{131AF62D-63AD-D33F-E646-0AF822E31EE6}"/>
+                <a16:creationId xmlns:a16="http://schemas.microsoft.com/office/drawing/2014/main" id="{6180C8AA-7561-F3BA-FC31-46C06530ED41}"/>
               </a:ext>
             </a:extLst>
           </p:cNvPr>
@@ -11751,8 +14120,8 @@
         </p:nvSpPr>
         <p:spPr>
           <a:xfrm>
-            <a:off x="0" y="1"/>
-            <a:ext cx="12191999" cy="749808"/>
+            <a:off x="0" y="6096"/>
+            <a:ext cx="12191999" cy="688848"/>
           </a:xfrm>
         </p:spPr>
         <p:txBody>
@@ -11765,62 +14134,245 @@
                 <a:latin typeface="Times New Roman" panose="02020603050405020304" pitchFamily="18" charset="0"/>
                 <a:cs typeface="Times New Roman" panose="02020603050405020304" pitchFamily="18" charset="0"/>
               </a:rPr>
-              <a:t>Заключение</a:t>
-            </a:r>
-          </a:p>
-        </p:txBody>
-      </p:sp>
-      <p:sp>
-        <p:nvSpPr>
-          <p:cNvPr id="3" name="Объект 2">
+              <a:t>СВЕДЕНИЯ О проекте</a:t>
+            </a:r>
+            <a:endParaRPr lang="ru-RU" dirty="0"/>
+          </a:p>
+        </p:txBody>
+      </p:sp>
+      <p:sp>
+        <p:nvSpPr>
+          <p:cNvPr id="5" name="TextBox 4">
             <a:extLst>
               <a:ext uri="{FF2B5EF4-FFF2-40B4-BE49-F238E27FC236}">
-                <a16:creationId xmlns:a16="http://schemas.microsoft.com/office/drawing/2014/main" id="{6493FAAC-FCD8-63EF-49A3-DDD17E49273B}"/>
+                <a16:creationId xmlns:a16="http://schemas.microsoft.com/office/drawing/2014/main" id="{7D1D1E67-62A4-5E00-9B5C-F74D0DA5F37E}"/>
               </a:ext>
             </a:extLst>
           </p:cNvPr>
-          <p:cNvSpPr>
-            <a:spLocks noGrp="1"/>
-          </p:cNvSpPr>
-          <p:nvPr>
-            <p:ph idx="1"/>
-          </p:nvPr>
-        </p:nvSpPr>
-        <p:spPr>
-          <a:xfrm>
-            <a:off x="1" y="1331259"/>
-            <a:ext cx="12192000" cy="5590749"/>
-          </a:xfrm>
-        </p:spPr>
-        <p:txBody>
-          <a:bodyPr anchor="t">
-            <a:normAutofit/>
+          <p:cNvSpPr txBox="1"/>
+          <p:nvPr/>
+        </p:nvSpPr>
+        <p:spPr>
+          <a:xfrm>
+            <a:off x="530351" y="899690"/>
+            <a:ext cx="5748528" cy="5683486"/>
+          </a:xfrm>
+          <a:prstGeom prst="rect">
+            <a:avLst/>
+          </a:prstGeom>
+          <a:noFill/>
+        </p:spPr>
+        <p:txBody>
+          <a:bodyPr wrap="square" rtlCol="0">
+            <a:noAutofit/>
           </a:bodyPr>
           <a:lstStyle/>
           <a:p>
-            <a:pPr marL="0" indent="0">
+            <a:pPr>
               <a:lnSpc>
-                <a:spcPct val="150000"/>
+                <a:spcPct val="125000"/>
               </a:lnSpc>
-              <a:buNone/>
             </a:pPr>
+            <a:r>
+              <a:rPr lang="ru-RU" sz="2200" dirty="0">
+                <a:solidFill>
+                  <a:srgbClr val="FFFF00"/>
+                </a:solidFill>
+                <a:latin typeface="Tahoma" panose="020B0604030504040204" pitchFamily="34" charset="0"/>
+                <a:ea typeface="Tahoma" panose="020B0604030504040204" pitchFamily="34" charset="0"/>
+                <a:cs typeface="Tahoma" panose="020B0604030504040204" pitchFamily="34" charset="0"/>
+              </a:rPr>
+              <a:t>Средства разработки серверной части системы:</a:t>
+            </a:r>
+          </a:p>
+          <a:p>
+            <a:pPr marL="285750" indent="-285750">
+              <a:lnSpc>
+                <a:spcPct val="125000"/>
+              </a:lnSpc>
+              <a:buFont typeface="Arial" panose="020B0604020202020204" pitchFamily="34" charset="0"/>
+              <a:buChar char="•"/>
+            </a:pPr>
+            <a:r>
+              <a:rPr lang="ru-RU" sz="2200" dirty="0">
+                <a:latin typeface="Times New Roman" panose="02020603050405020304" pitchFamily="18" charset="0"/>
+                <a:cs typeface="Times New Roman" panose="02020603050405020304" pitchFamily="18" charset="0"/>
+              </a:rPr>
+              <a:t>Язык программирования </a:t>
+            </a:r>
             <a:r>
               <a:rPr lang="en-US" sz="2200" dirty="0">
                 <a:latin typeface="Times New Roman" panose="02020603050405020304" pitchFamily="18" charset="0"/>
                 <a:cs typeface="Times New Roman" panose="02020603050405020304" pitchFamily="18" charset="0"/>
               </a:rPr>
-              <a:t>	</a:t>
+              <a:t>PHP </a:t>
             </a:r>
             <a:r>
               <a:rPr lang="ru-RU" sz="2200" dirty="0">
                 <a:latin typeface="Times New Roman" panose="02020603050405020304" pitchFamily="18" charset="0"/>
                 <a:cs typeface="Times New Roman" panose="02020603050405020304" pitchFamily="18" charset="0"/>
               </a:rPr>
-              <a:t>В результате выполнения ВКР была спроектирована и разработана система, которая:</a:t>
-            </a:r>
-          </a:p>
-          <a:p>
-            <a:pPr marL="800100" lvl="1" indent="-342900">
+              <a:t>7.4</a:t>
+            </a:r>
+            <a:r>
+              <a:rPr lang="en-US" sz="2200" dirty="0">
+                <a:latin typeface="Times New Roman" panose="02020603050405020304" pitchFamily="18" charset="0"/>
+                <a:cs typeface="Times New Roman" panose="02020603050405020304" pitchFamily="18" charset="0"/>
+              </a:rPr>
+              <a:t>; </a:t>
+            </a:r>
+          </a:p>
+          <a:p>
+            <a:pPr marL="285750" indent="-285750">
+              <a:lnSpc>
+                <a:spcPct val="125000"/>
+              </a:lnSpc>
+              <a:buFont typeface="Arial" panose="020B0604020202020204" pitchFamily="34" charset="0"/>
+              <a:buChar char="•"/>
+            </a:pPr>
+            <a:r>
+              <a:rPr lang="en-US" sz="2200" dirty="0">
+                <a:latin typeface="Times New Roman" panose="02020603050405020304" pitchFamily="18" charset="0"/>
+                <a:cs typeface="Times New Roman" panose="02020603050405020304" pitchFamily="18" charset="0"/>
+              </a:rPr>
+              <a:t>Apache </a:t>
+            </a:r>
+            <a:r>
+              <a:rPr lang="ru-RU" sz="2200" dirty="0">
+                <a:latin typeface="Times New Roman" panose="02020603050405020304" pitchFamily="18" charset="0"/>
+                <a:cs typeface="Times New Roman" panose="02020603050405020304" pitchFamily="18" charset="0"/>
+              </a:rPr>
+              <a:t>2.4;</a:t>
+            </a:r>
+            <a:endParaRPr lang="en-US" sz="2200" dirty="0">
+              <a:latin typeface="Times New Roman" panose="02020603050405020304" pitchFamily="18" charset="0"/>
+              <a:cs typeface="Times New Roman" panose="02020603050405020304" pitchFamily="18" charset="0"/>
+            </a:endParaRPr>
+          </a:p>
+          <a:p>
+            <a:pPr marL="285750" indent="-285750">
+              <a:lnSpc>
+                <a:spcPct val="125000"/>
+              </a:lnSpc>
+              <a:buFont typeface="Arial" panose="020B0604020202020204" pitchFamily="34" charset="0"/>
+              <a:buChar char="•"/>
+            </a:pPr>
+            <a:r>
+              <a:rPr lang="en-US" sz="2200" dirty="0">
+                <a:latin typeface="Times New Roman" panose="02020603050405020304" pitchFamily="18" charset="0"/>
+                <a:cs typeface="Times New Roman" panose="02020603050405020304" pitchFamily="18" charset="0"/>
+              </a:rPr>
+              <a:t>Yii2 Advanced Framework;</a:t>
+            </a:r>
+          </a:p>
+          <a:p>
+            <a:pPr marL="285750" indent="-285750">
+              <a:lnSpc>
+                <a:spcPct val="125000"/>
+              </a:lnSpc>
+              <a:buFont typeface="Arial" panose="020B0604020202020204" pitchFamily="34" charset="0"/>
+              <a:buChar char="•"/>
+            </a:pPr>
+            <a:r>
+              <a:rPr lang="ru-RU" sz="2200" dirty="0">
+                <a:latin typeface="Times New Roman" panose="02020603050405020304" pitchFamily="18" charset="0"/>
+                <a:cs typeface="Times New Roman" panose="02020603050405020304" pitchFamily="18" charset="0"/>
+              </a:rPr>
+              <a:t>База данных </a:t>
+            </a:r>
+            <a:r>
+              <a:rPr lang="en-US" sz="2200" dirty="0">
+                <a:latin typeface="Times New Roman" panose="02020603050405020304" pitchFamily="18" charset="0"/>
+                <a:cs typeface="Times New Roman" panose="02020603050405020304" pitchFamily="18" charset="0"/>
+              </a:rPr>
+              <a:t>MariaDB 10.3;</a:t>
+            </a:r>
+          </a:p>
+          <a:p>
+            <a:pPr marL="285750" indent="-285750">
+              <a:lnSpc>
+                <a:spcPct val="125000"/>
+              </a:lnSpc>
+              <a:buFont typeface="Arial" panose="020B0604020202020204" pitchFamily="34" charset="0"/>
+              <a:buChar char="•"/>
+            </a:pPr>
+            <a:r>
+              <a:rPr lang="en-US" sz="2200" dirty="0">
+                <a:latin typeface="Times New Roman" panose="02020603050405020304" pitchFamily="18" charset="0"/>
+                <a:cs typeface="Times New Roman" panose="02020603050405020304" pitchFamily="18" charset="0"/>
+              </a:rPr>
+              <a:t>Redis 4.0;</a:t>
+            </a:r>
+            <a:endParaRPr lang="ru-RU" sz="2200" dirty="0">
+              <a:latin typeface="Times New Roman" panose="02020603050405020304" pitchFamily="18" charset="0"/>
+              <a:cs typeface="Times New Roman" panose="02020603050405020304" pitchFamily="18" charset="0"/>
+            </a:endParaRPr>
+          </a:p>
+          <a:p>
+            <a:pPr marL="285750" indent="-285750">
+              <a:lnSpc>
+                <a:spcPct val="125000"/>
+              </a:lnSpc>
+              <a:buFont typeface="Arial" panose="020B0604020202020204" pitchFamily="34" charset="0"/>
+              <a:buChar char="•"/>
+            </a:pPr>
+            <a:r>
+              <a:rPr lang="en-US" sz="2200" dirty="0">
+                <a:latin typeface="Times New Roman" panose="02020603050405020304" pitchFamily="18" charset="0"/>
+                <a:cs typeface="Times New Roman" panose="02020603050405020304" pitchFamily="18" charset="0"/>
+              </a:rPr>
+              <a:t>RabbitMQ 4.0.7. </a:t>
+            </a:r>
+          </a:p>
+        </p:txBody>
+      </p:sp>
+      <p:sp>
+        <p:nvSpPr>
+          <p:cNvPr id="7" name="TextBox 6">
+            <a:extLst>
+              <a:ext uri="{FF2B5EF4-FFF2-40B4-BE49-F238E27FC236}">
+                <a16:creationId xmlns:a16="http://schemas.microsoft.com/office/drawing/2014/main" id="{F1A3363C-C487-95C8-49A5-35BC64E08D03}"/>
+              </a:ext>
+            </a:extLst>
+          </p:cNvPr>
+          <p:cNvSpPr txBox="1"/>
+          <p:nvPr/>
+        </p:nvSpPr>
+        <p:spPr>
+          <a:xfrm>
+            <a:off x="6165342" y="799106"/>
+            <a:ext cx="5904738" cy="2570704"/>
+          </a:xfrm>
+          <a:prstGeom prst="rect">
+            <a:avLst/>
+          </a:prstGeom>
+          <a:noFill/>
+        </p:spPr>
+        <p:txBody>
+          <a:bodyPr wrap="square">
+            <a:spAutoFit/>
+          </a:bodyPr>
+          <a:lstStyle/>
+          <a:p>
+            <a:pPr>
+              <a:lnSpc>
+                <a:spcPct val="150000"/>
+              </a:lnSpc>
+            </a:pPr>
+            <a:r>
+              <a:rPr lang="ru-RU" sz="2200" dirty="0">
+                <a:solidFill>
+                  <a:srgbClr val="FFFF00"/>
+                </a:solidFill>
+                <a:latin typeface="Tahoma" panose="020B0604030504040204" pitchFamily="34" charset="0"/>
+                <a:ea typeface="Tahoma" panose="020B0604030504040204" pitchFamily="34" charset="0"/>
+                <a:cs typeface="Tahoma" panose="020B0604030504040204" pitchFamily="34" charset="0"/>
+              </a:rPr>
+              <a:t>Проект содержит:</a:t>
+            </a:r>
+          </a:p>
+          <a:p>
+            <a:pPr marL="285750" indent="-285750">
               <a:lnSpc>
                 <a:spcPct val="150000"/>
               </a:lnSpc>
@@ -11832,11 +14384,29 @@
                 <a:latin typeface="Times New Roman" panose="02020603050405020304" pitchFamily="18" charset="0"/>
                 <a:cs typeface="Times New Roman" panose="02020603050405020304" pitchFamily="18" charset="0"/>
               </a:rPr>
-              <a:t>обеспечивает сопровождение и учёт образовательного процесса;</a:t>
-            </a:r>
-          </a:p>
-          <a:p>
-            <a:pPr marL="800100" lvl="1" indent="-342900">
+              <a:t>Более </a:t>
+            </a:r>
+            <a:r>
+              <a:rPr lang="en-US" sz="2200" dirty="0">
+                <a:latin typeface="Times New Roman" panose="02020603050405020304" pitchFamily="18" charset="0"/>
+                <a:cs typeface="Times New Roman" panose="02020603050405020304" pitchFamily="18" charset="0"/>
+              </a:rPr>
+              <a:t>30000</a:t>
+            </a:r>
+            <a:r>
+              <a:rPr lang="ru-RU" sz="2200" dirty="0">
+                <a:latin typeface="Times New Roman" panose="02020603050405020304" pitchFamily="18" charset="0"/>
+                <a:cs typeface="Times New Roman" panose="02020603050405020304" pitchFamily="18" charset="0"/>
+              </a:rPr>
+              <a:t> строк кода в проекте </a:t>
+            </a:r>
+            <a:endParaRPr lang="en-US" sz="2200" dirty="0">
+              <a:latin typeface="Times New Roman" panose="02020603050405020304" pitchFamily="18" charset="0"/>
+              <a:cs typeface="Times New Roman" panose="02020603050405020304" pitchFamily="18" charset="0"/>
+            </a:endParaRPr>
+          </a:p>
+          <a:p>
+            <a:pPr marL="285750" indent="-285750">
               <a:lnSpc>
                 <a:spcPct val="150000"/>
               </a:lnSpc>
@@ -11848,142 +14418,33 @@
                 <a:latin typeface="Times New Roman" panose="02020603050405020304" pitchFamily="18" charset="0"/>
                 <a:cs typeface="Times New Roman" panose="02020603050405020304" pitchFamily="18" charset="0"/>
               </a:rPr>
-              <a:t>обеспечивает аналитику образовательной деятельности.</a:t>
-            </a:r>
-          </a:p>
-          <a:p>
-            <a:pPr marL="457200" lvl="1" indent="0">
+              <a:t>35 таблиц базы данных</a:t>
+            </a:r>
+          </a:p>
+          <a:p>
+            <a:pPr marL="285750" indent="-285750">
               <a:lnSpc>
                 <a:spcPct val="150000"/>
               </a:lnSpc>
-              <a:buNone/>
+              <a:buFont typeface="Arial" panose="020B0604020202020204" pitchFamily="34" charset="0"/>
+              <a:buChar char="•"/>
             </a:pPr>
             <a:r>
               <a:rPr lang="ru-RU" sz="2200" dirty="0">
                 <a:latin typeface="Times New Roman" panose="02020603050405020304" pitchFamily="18" charset="0"/>
-                <a:ea typeface="Tahoma" panose="020B0604030504040204" pitchFamily="34" charset="0"/>
                 <a:cs typeface="Times New Roman" panose="02020603050405020304" pitchFamily="18" charset="0"/>
               </a:rPr>
-              <a:t>В результате </a:t>
-            </a:r>
-            <a:r>
-              <a:rPr lang="ru-RU" sz="2200" dirty="0">
-                <a:solidFill>
-                  <a:srgbClr val="FFFF00"/>
-                </a:solidFill>
-                <a:latin typeface="Tahoma" panose="020B0604030504040204" pitchFamily="34" charset="0"/>
-                <a:ea typeface="Tahoma" panose="020B0604030504040204" pitchFamily="34" charset="0"/>
-                <a:cs typeface="Tahoma" panose="020B0604030504040204" pitchFamily="34" charset="0"/>
-              </a:rPr>
-              <a:t>внедрения системы в эксплуатацию </a:t>
-            </a:r>
-            <a:r>
-              <a:rPr lang="ru-RU" sz="2200" dirty="0">
-                <a:latin typeface="Times New Roman" panose="02020603050405020304" pitchFamily="18" charset="0"/>
-                <a:ea typeface="Tahoma" panose="020B0604030504040204" pitchFamily="34" charset="0"/>
-                <a:cs typeface="Times New Roman" panose="02020603050405020304" pitchFamily="18" charset="0"/>
-              </a:rPr>
-              <a:t>удалось </a:t>
-            </a:r>
-            <a:r>
-              <a:rPr lang="ru-RU" sz="2200" dirty="0">
-                <a:solidFill>
-                  <a:srgbClr val="FFFF00"/>
-                </a:solidFill>
-                <a:latin typeface="Tahoma" panose="020B0604030504040204" pitchFamily="34" charset="0"/>
-                <a:ea typeface="Tahoma" panose="020B0604030504040204" pitchFamily="34" charset="0"/>
-                <a:cs typeface="Tahoma" panose="020B0604030504040204" pitchFamily="34" charset="0"/>
-              </a:rPr>
-              <a:t>повысить</a:t>
-            </a:r>
-            <a:r>
-              <a:rPr lang="ru-RU" sz="2200" dirty="0">
-                <a:latin typeface="Tahoma" panose="020B0604030504040204" pitchFamily="34" charset="0"/>
-                <a:ea typeface="Tahoma" panose="020B0604030504040204" pitchFamily="34" charset="0"/>
-                <a:cs typeface="Tahoma" panose="020B0604030504040204" pitchFamily="34" charset="0"/>
-              </a:rPr>
-              <a:t> </a:t>
-            </a:r>
-            <a:r>
-              <a:rPr lang="ru-RU" sz="2200" dirty="0">
-                <a:latin typeface="Times New Roman" panose="02020603050405020304" pitchFamily="18" charset="0"/>
-                <a:ea typeface="Tahoma" panose="020B0604030504040204" pitchFamily="34" charset="0"/>
-                <a:cs typeface="Times New Roman" panose="02020603050405020304" pitchFamily="18" charset="0"/>
-              </a:rPr>
-              <a:t>эффективность сопровождения образовательного процесса более чем </a:t>
-            </a:r>
-            <a:r>
-              <a:rPr lang="ru-RU" sz="2200" dirty="0">
-                <a:solidFill>
-                  <a:srgbClr val="FFFF00"/>
-                </a:solidFill>
-                <a:latin typeface="Tahoma" panose="020B0604030504040204" pitchFamily="34" charset="0"/>
-                <a:ea typeface="Tahoma" panose="020B0604030504040204" pitchFamily="34" charset="0"/>
-                <a:cs typeface="Tahoma" panose="020B0604030504040204" pitchFamily="34" charset="0"/>
-              </a:rPr>
-              <a:t>на </a:t>
-            </a:r>
-            <a:r>
-              <a:rPr lang="en-US" sz="2200" dirty="0">
-                <a:solidFill>
-                  <a:srgbClr val="FFFF00"/>
-                </a:solidFill>
-                <a:latin typeface="Tahoma" panose="020B0604030504040204" pitchFamily="34" charset="0"/>
-                <a:ea typeface="Tahoma" panose="020B0604030504040204" pitchFamily="34" charset="0"/>
-                <a:cs typeface="Tahoma" panose="020B0604030504040204" pitchFamily="34" charset="0"/>
-              </a:rPr>
-              <a:t>180</a:t>
-            </a:r>
-            <a:r>
-              <a:rPr lang="ru-RU" sz="2200" dirty="0">
-                <a:solidFill>
-                  <a:srgbClr val="FFFF00"/>
-                </a:solidFill>
-                <a:latin typeface="Tahoma" panose="020B0604030504040204" pitchFamily="34" charset="0"/>
-                <a:ea typeface="Tahoma" panose="020B0604030504040204" pitchFamily="34" charset="0"/>
-                <a:cs typeface="Tahoma" panose="020B0604030504040204" pitchFamily="34" charset="0"/>
-              </a:rPr>
-              <a:t>0</a:t>
-            </a:r>
-            <a:r>
-              <a:rPr lang="en-US" sz="2200" dirty="0">
-                <a:solidFill>
-                  <a:srgbClr val="FFFF00"/>
-                </a:solidFill>
-                <a:latin typeface="Tahoma" panose="020B0604030504040204" pitchFamily="34" charset="0"/>
-                <a:ea typeface="Tahoma" panose="020B0604030504040204" pitchFamily="34" charset="0"/>
-                <a:cs typeface="Tahoma" panose="020B0604030504040204" pitchFamily="34" charset="0"/>
-              </a:rPr>
-              <a:t> </a:t>
-            </a:r>
-            <a:r>
-              <a:rPr lang="ru-RU" sz="2200" dirty="0">
-                <a:solidFill>
-                  <a:srgbClr val="FFFF00"/>
-                </a:solidFill>
-                <a:latin typeface="Tahoma" panose="020B0604030504040204" pitchFamily="34" charset="0"/>
-                <a:ea typeface="Tahoma" panose="020B0604030504040204" pitchFamily="34" charset="0"/>
-                <a:cs typeface="Tahoma" panose="020B0604030504040204" pitchFamily="34" charset="0"/>
-              </a:rPr>
-              <a:t>человеко-часов в год</a:t>
-            </a:r>
-            <a:r>
-              <a:rPr lang="ru-RU" sz="2200" dirty="0">
-                <a:latin typeface="Times New Roman" panose="02020603050405020304" pitchFamily="18" charset="0"/>
-                <a:ea typeface="Tahoma" panose="020B0604030504040204" pitchFamily="34" charset="0"/>
-                <a:cs typeface="Times New Roman" panose="02020603050405020304" pitchFamily="18" charset="0"/>
-              </a:rPr>
-              <a:t>.</a:t>
-            </a:r>
-          </a:p>
-        </p:txBody>
-      </p:sp>
-      <p:sp>
-        <p:nvSpPr>
-          <p:cNvPr id="7" name="Номер слайда 4">
+              <a:t>Более 75 классов (35 основных и более 40 служебных)</a:t>
+            </a:r>
+          </a:p>
+        </p:txBody>
+      </p:sp>
+      <p:sp>
+        <p:nvSpPr>
+          <p:cNvPr id="8" name="Номер слайда 4">
             <a:extLst>
               <a:ext uri="{FF2B5EF4-FFF2-40B4-BE49-F238E27FC236}">
-                <a16:creationId xmlns:a16="http://schemas.microsoft.com/office/drawing/2014/main" id="{C687772F-C4EB-4F08-A450-22EA9070A70F}"/>
+                <a16:creationId xmlns:a16="http://schemas.microsoft.com/office/drawing/2014/main" id="{C5B64F97-D6A0-FC0D-8E50-8227B356EE18}"/>
               </a:ext>
             </a:extLst>
           </p:cNvPr>
@@ -12120,37 +14581,290 @@
       </p:sp>
       <p:pic>
         <p:nvPicPr>
-          <p:cNvPr id="5" name="Рисунок 4">
+          <p:cNvPr id="1026" name="Picture 2" descr="PHP Hypertext Preprocessor - язык программирования - CNews">
             <a:extLst>
               <a:ext uri="{FF2B5EF4-FFF2-40B4-BE49-F238E27FC236}">
-                <a16:creationId xmlns:a16="http://schemas.microsoft.com/office/drawing/2014/main" id="{F42D6EB3-DD69-CEB5-0982-A6F167D7B244}"/>
+                <a16:creationId xmlns:a16="http://schemas.microsoft.com/office/drawing/2014/main" id="{E24E1A06-6E63-A42B-1BCD-F23EDAE5647D}"/>
               </a:ext>
             </a:extLst>
           </p:cNvPr>
-          <p:cNvPicPr/>
+          <p:cNvPicPr>
+            <a:picLocks noChangeAspect="1" noChangeArrowheads="1"/>
+          </p:cNvPicPr>
           <p:nvPr/>
         </p:nvPicPr>
         <p:blipFill>
-          <a:blip r:embed="rId2"/>
-          <a:stretch/>
+          <a:blip r:embed="rId3">
+            <a:extLst>
+              <a:ext uri="{28A0092B-C50C-407E-A947-70E740481C1C}">
+                <a14:useLocalDpi xmlns:a14="http://schemas.microsoft.com/office/drawing/2010/main" val="0"/>
+              </a:ext>
+            </a:extLst>
+          </a:blip>
+          <a:srcRect/>
+          <a:stretch>
+            <a:fillRect/>
+          </a:stretch>
         </p:blipFill>
-        <p:spPr>
-          <a:xfrm rot="21596400">
-            <a:off x="2669432" y="4389279"/>
-            <a:ext cx="6853135" cy="2274924"/>
+        <p:spPr bwMode="auto">
+          <a:xfrm>
+            <a:off x="4961952" y="1856901"/>
+            <a:ext cx="563879" cy="295302"/>
           </a:xfrm>
           <a:prstGeom prst="rect">
             <a:avLst/>
           </a:prstGeom>
-          <a:ln w="0">
-            <a:noFill/>
-          </a:ln>
+          <a:noFill/>
+          <a:extLst>
+            <a:ext uri="{909E8E84-426E-40DD-AFC4-6F175D3DCCD1}">
+              <a14:hiddenFill xmlns:a14="http://schemas.microsoft.com/office/drawing/2010/main">
+                <a:solidFill>
+                  <a:srgbClr val="FFFFFF"/>
+                </a:solidFill>
+              </a14:hiddenFill>
+            </a:ext>
+          </a:extLst>
+        </p:spPr>
+      </p:pic>
+      <p:pic>
+        <p:nvPicPr>
+          <p:cNvPr id="1028" name="Picture 4">
+            <a:extLst>
+              <a:ext uri="{FF2B5EF4-FFF2-40B4-BE49-F238E27FC236}">
+                <a16:creationId xmlns:a16="http://schemas.microsoft.com/office/drawing/2014/main" id="{B88F704B-DF6A-120E-5BC2-E992B1C9C338}"/>
+              </a:ext>
+            </a:extLst>
+          </p:cNvPr>
+          <p:cNvPicPr>
+            <a:picLocks noChangeAspect="1" noChangeArrowheads="1"/>
+          </p:cNvPicPr>
+          <p:nvPr/>
+        </p:nvPicPr>
+        <p:blipFill>
+          <a:blip r:embed="rId4">
+            <a:extLst>
+              <a:ext uri="{28A0092B-C50C-407E-A947-70E740481C1C}">
+                <a14:useLocalDpi xmlns:a14="http://schemas.microsoft.com/office/drawing/2010/main" val="0"/>
+              </a:ext>
+            </a:extLst>
+          </a:blip>
+          <a:srcRect/>
+          <a:stretch>
+            <a:fillRect/>
+          </a:stretch>
+        </p:blipFill>
+        <p:spPr bwMode="auto">
+          <a:xfrm>
+            <a:off x="2326484" y="2278095"/>
+            <a:ext cx="797067" cy="304214"/>
+          </a:xfrm>
+          <a:prstGeom prst="rect">
+            <a:avLst/>
+          </a:prstGeom>
+          <a:noFill/>
+          <a:extLst>
+            <a:ext uri="{909E8E84-426E-40DD-AFC4-6F175D3DCCD1}">
+              <a14:hiddenFill xmlns:a14="http://schemas.microsoft.com/office/drawing/2010/main">
+                <a:solidFill>
+                  <a:srgbClr val="FFFFFF"/>
+                </a:solidFill>
+              </a14:hiddenFill>
+            </a:ext>
+          </a:extLst>
+        </p:spPr>
+      </p:pic>
+      <p:pic>
+        <p:nvPicPr>
+          <p:cNvPr id="1030" name="Picture 6" descr="Логотип программы Yii">
+            <a:extLst>
+              <a:ext uri="{FF2B5EF4-FFF2-40B4-BE49-F238E27FC236}">
+                <a16:creationId xmlns:a16="http://schemas.microsoft.com/office/drawing/2014/main" id="{0960D179-52C4-B4E8-9E2E-8B8BDDB42EC4}"/>
+              </a:ext>
+            </a:extLst>
+          </p:cNvPr>
+          <p:cNvPicPr>
+            <a:picLocks noChangeAspect="1" noChangeArrowheads="1"/>
+          </p:cNvPicPr>
+          <p:nvPr/>
+        </p:nvPicPr>
+        <p:blipFill>
+          <a:blip r:embed="rId5">
+            <a:extLst>
+              <a:ext uri="{28A0092B-C50C-407E-A947-70E740481C1C}">
+                <a14:useLocalDpi xmlns:a14="http://schemas.microsoft.com/office/drawing/2010/main" val="0"/>
+              </a:ext>
+            </a:extLst>
+          </a:blip>
+          <a:srcRect/>
+          <a:stretch>
+            <a:fillRect/>
+          </a:stretch>
+        </p:blipFill>
+        <p:spPr bwMode="auto">
+          <a:xfrm>
+            <a:off x="4098131" y="2725294"/>
+            <a:ext cx="1273874" cy="275787"/>
+          </a:xfrm>
+          <a:prstGeom prst="rect">
+            <a:avLst/>
+          </a:prstGeom>
+          <a:noFill/>
+          <a:extLst>
+            <a:ext uri="{909E8E84-426E-40DD-AFC4-6F175D3DCCD1}">
+              <a14:hiddenFill xmlns:a14="http://schemas.microsoft.com/office/drawing/2010/main">
+                <a:solidFill>
+                  <a:srgbClr val="FFFFFF"/>
+                </a:solidFill>
+              </a14:hiddenFill>
+            </a:ext>
+          </a:extLst>
+        </p:spPr>
+      </p:pic>
+      <p:pic>
+        <p:nvPicPr>
+          <p:cNvPr id="1032" name="Picture 8" descr="MariaDB · GitHub">
+            <a:extLst>
+              <a:ext uri="{FF2B5EF4-FFF2-40B4-BE49-F238E27FC236}">
+                <a16:creationId xmlns:a16="http://schemas.microsoft.com/office/drawing/2014/main" id="{2EDD169B-9E03-CE13-9CFD-9870D58C9634}"/>
+              </a:ext>
+            </a:extLst>
+          </p:cNvPr>
+          <p:cNvPicPr>
+            <a:picLocks noChangeAspect="1" noChangeArrowheads="1"/>
+          </p:cNvPicPr>
+          <p:nvPr/>
+        </p:nvPicPr>
+        <p:blipFill>
+          <a:blip r:embed="rId6">
+            <a:extLst>
+              <a:ext uri="{28A0092B-C50C-407E-A947-70E740481C1C}">
+                <a14:useLocalDpi xmlns:a14="http://schemas.microsoft.com/office/drawing/2010/main" val="0"/>
+              </a:ext>
+            </a:extLst>
+          </a:blip>
+          <a:srcRect/>
+          <a:stretch>
+            <a:fillRect/>
+          </a:stretch>
+        </p:blipFill>
+        <p:spPr bwMode="auto">
+          <a:xfrm>
+            <a:off x="4250422" y="3032993"/>
+            <a:ext cx="451309" cy="451309"/>
+          </a:xfrm>
+          <a:prstGeom prst="rect">
+            <a:avLst/>
+          </a:prstGeom>
+          <a:noFill/>
+          <a:extLst>
+            <a:ext uri="{909E8E84-426E-40DD-AFC4-6F175D3DCCD1}">
+              <a14:hiddenFill xmlns:a14="http://schemas.microsoft.com/office/drawing/2010/main">
+                <a:solidFill>
+                  <a:srgbClr val="FFFFFF"/>
+                </a:solidFill>
+              </a14:hiddenFill>
+            </a:ext>
+          </a:extLst>
+        </p:spPr>
+      </p:pic>
+      <p:pic>
+        <p:nvPicPr>
+          <p:cNvPr id="1034" name="Picture 10">
+            <a:extLst>
+              <a:ext uri="{FF2B5EF4-FFF2-40B4-BE49-F238E27FC236}">
+                <a16:creationId xmlns:a16="http://schemas.microsoft.com/office/drawing/2014/main" id="{0666067C-31E3-02F4-E9CA-D04EED38370F}"/>
+              </a:ext>
+            </a:extLst>
+          </p:cNvPr>
+          <p:cNvPicPr>
+            <a:picLocks noChangeAspect="1" noChangeArrowheads="1"/>
+          </p:cNvPicPr>
+          <p:nvPr/>
+        </p:nvPicPr>
+        <p:blipFill>
+          <a:blip r:embed="rId7">
+            <a:extLst>
+              <a:ext uri="{28A0092B-C50C-407E-A947-70E740481C1C}">
+                <a14:useLocalDpi xmlns:a14="http://schemas.microsoft.com/office/drawing/2010/main" val="0"/>
+              </a:ext>
+            </a:extLst>
+          </a:blip>
+          <a:srcRect/>
+          <a:stretch>
+            <a:fillRect/>
+          </a:stretch>
+        </p:blipFill>
+        <p:spPr bwMode="auto">
+          <a:xfrm>
+            <a:off x="2119104" y="3549237"/>
+            <a:ext cx="769621" cy="246279"/>
+          </a:xfrm>
+          <a:prstGeom prst="rect">
+            <a:avLst/>
+          </a:prstGeom>
+          <a:noFill/>
+          <a:extLst>
+            <a:ext uri="{909E8E84-426E-40DD-AFC4-6F175D3DCCD1}">
+              <a14:hiddenFill xmlns:a14="http://schemas.microsoft.com/office/drawing/2010/main">
+                <a:solidFill>
+                  <a:srgbClr val="FFFFFF"/>
+                </a:solidFill>
+              </a14:hiddenFill>
+            </a:ext>
+          </a:extLst>
+        </p:spPr>
+      </p:pic>
+      <p:pic>
+        <p:nvPicPr>
+          <p:cNvPr id="3" name="Picture 2" descr="Файл:RabbitMQ logo.svg — Википедия">
+            <a:extLst>
+              <a:ext uri="{FF2B5EF4-FFF2-40B4-BE49-F238E27FC236}">
+                <a16:creationId xmlns:a16="http://schemas.microsoft.com/office/drawing/2014/main" id="{DA9F81A4-F7D5-4314-984D-F41BA5AB50F6}"/>
+              </a:ext>
+            </a:extLst>
+          </p:cNvPr>
+          <p:cNvPicPr>
+            <a:picLocks noChangeAspect="1" noChangeArrowheads="1"/>
+          </p:cNvPicPr>
+          <p:nvPr/>
+        </p:nvPicPr>
+        <p:blipFill>
+          <a:blip r:embed="rId8">
+            <a:extLst>
+              <a:ext uri="{28A0092B-C50C-407E-A947-70E740481C1C}">
+                <a14:useLocalDpi xmlns:a14="http://schemas.microsoft.com/office/drawing/2010/main" val="0"/>
+              </a:ext>
+            </a:extLst>
+          </a:blip>
+          <a:srcRect/>
+          <a:stretch>
+            <a:fillRect/>
+          </a:stretch>
+        </p:blipFill>
+        <p:spPr bwMode="auto">
+          <a:xfrm>
+            <a:off x="2888725" y="3971801"/>
+            <a:ext cx="1614685" cy="253556"/>
+          </a:xfrm>
+          <a:prstGeom prst="rect">
+            <a:avLst/>
+          </a:prstGeom>
+          <a:noFill/>
+          <a:extLst>
+            <a:ext uri="{909E8E84-426E-40DD-AFC4-6F175D3DCCD1}">
+              <a14:hiddenFill xmlns:a14="http://schemas.microsoft.com/office/drawing/2010/main">
+                <a:solidFill>
+                  <a:srgbClr val="FFFFFF"/>
+                </a:solidFill>
+              </a14:hiddenFill>
+            </a:ext>
+          </a:extLst>
         </p:spPr>
       </p:pic>
     </p:spTree>
     <p:extLst>
       <p:ext uri="{BB962C8B-B14F-4D97-AF65-F5344CB8AC3E}">
-        <p14:creationId xmlns:p14="http://schemas.microsoft.com/office/powerpoint/2010/main" val="1581003504"/>
+        <p14:creationId xmlns:p14="http://schemas.microsoft.com/office/powerpoint/2010/main" val="3648442274"/>
       </p:ext>
     </p:extLst>
   </p:cSld>
@@ -12194,7 +14908,7 @@
           <p:cNvPr id="2" name="Заголовок 1">
             <a:extLst>
               <a:ext uri="{FF2B5EF4-FFF2-40B4-BE49-F238E27FC236}">
-                <a16:creationId xmlns:a16="http://schemas.microsoft.com/office/drawing/2014/main" id="{23799081-69DC-E5FF-6C44-EE26B275098A}"/>
+                <a16:creationId xmlns:a16="http://schemas.microsoft.com/office/drawing/2014/main" id="{6180C8AA-7561-F3BA-FC31-46C06530ED41}"/>
               </a:ext>
             </a:extLst>
           </p:cNvPr>
@@ -12207,14 +14921,12 @@
         </p:nvSpPr>
         <p:spPr>
           <a:xfrm>
-            <a:off x="1" y="9144"/>
-            <a:ext cx="12191999" cy="731520"/>
-          </a:xfrm>
-        </p:spPr>
-        <p:txBody>
-          <a:bodyPr>
-            <a:noAutofit/>
-          </a:bodyPr>
+            <a:off x="0" y="6096"/>
+            <a:ext cx="12191999" cy="688848"/>
+          </a:xfrm>
+        </p:spPr>
+        <p:txBody>
+          <a:bodyPr/>
           <a:lstStyle/>
           <a:p>
             <a:pPr algn="ctr"/>
@@ -12223,7 +14935,7 @@
                 <a:latin typeface="Times New Roman" panose="02020603050405020304" pitchFamily="18" charset="0"/>
                 <a:cs typeface="Times New Roman" panose="02020603050405020304" pitchFamily="18" charset="0"/>
               </a:rPr>
-              <a:t>акт внедрения</a:t>
+              <a:t>Системные требования</a:t>
             </a:r>
             <a:endParaRPr lang="ru-RU" dirty="0"/>
           </a:p>
@@ -12231,10 +14943,255 @@
       </p:sp>
       <p:sp>
         <p:nvSpPr>
-          <p:cNvPr id="5" name="Номер слайда 4">
+          <p:cNvPr id="5" name="TextBox 4">
             <a:extLst>
               <a:ext uri="{FF2B5EF4-FFF2-40B4-BE49-F238E27FC236}">
-                <a16:creationId xmlns:a16="http://schemas.microsoft.com/office/drawing/2014/main" id="{F9D77489-2275-14CA-926D-64F6E9FF9334}"/>
+                <a16:creationId xmlns:a16="http://schemas.microsoft.com/office/drawing/2014/main" id="{7D1D1E67-62A4-5E00-9B5C-F74D0DA5F37E}"/>
+              </a:ext>
+            </a:extLst>
+          </p:cNvPr>
+          <p:cNvSpPr txBox="1"/>
+          <p:nvPr/>
+        </p:nvSpPr>
+        <p:spPr>
+          <a:xfrm>
+            <a:off x="366226" y="1000125"/>
+            <a:ext cx="11315700" cy="5966079"/>
+          </a:xfrm>
+          <a:prstGeom prst="rect">
+            <a:avLst/>
+          </a:prstGeom>
+          <a:noFill/>
+        </p:spPr>
+        <p:txBody>
+          <a:bodyPr wrap="square" rtlCol="0">
+            <a:noAutofit/>
+          </a:bodyPr>
+          <a:lstStyle/>
+          <a:p>
+            <a:pPr>
+              <a:lnSpc>
+                <a:spcPct val="150000"/>
+              </a:lnSpc>
+            </a:pPr>
+            <a:r>
+              <a:rPr lang="ru-RU" sz="2200" dirty="0">
+                <a:solidFill>
+                  <a:srgbClr val="FFFF00"/>
+                </a:solidFill>
+                <a:latin typeface="Tahoma" panose="020B0604030504040204" pitchFamily="34" charset="0"/>
+                <a:ea typeface="Tahoma" panose="020B0604030504040204" pitchFamily="34" charset="0"/>
+                <a:cs typeface="Tahoma" panose="020B0604030504040204" pitchFamily="34" charset="0"/>
+              </a:rPr>
+              <a:t>Требования к клиенту:</a:t>
+            </a:r>
+          </a:p>
+          <a:p>
+            <a:pPr marL="800100" lvl="1" indent="-342900">
+              <a:lnSpc>
+                <a:spcPct val="150000"/>
+              </a:lnSpc>
+              <a:buFont typeface="Arial" panose="020B0604020202020204" pitchFamily="34" charset="0"/>
+              <a:buChar char="•"/>
+            </a:pPr>
+            <a:r>
+              <a:rPr lang="ru-RU" sz="2200" dirty="0">
+                <a:latin typeface="Times New Roman" panose="02020603050405020304" pitchFamily="18" charset="0"/>
+                <a:cs typeface="Times New Roman" panose="02020603050405020304" pitchFamily="18" charset="0"/>
+              </a:rPr>
+              <a:t>Браузер на основе </a:t>
+            </a:r>
+            <a:r>
+              <a:rPr lang="en-US" sz="2200" dirty="0">
+                <a:latin typeface="Times New Roman" panose="02020603050405020304" pitchFamily="18" charset="0"/>
+                <a:cs typeface="Times New Roman" panose="02020603050405020304" pitchFamily="18" charset="0"/>
+              </a:rPr>
+              <a:t>chromium.</a:t>
+            </a:r>
+            <a:endParaRPr lang="ru-RU" sz="2200" dirty="0">
+              <a:latin typeface="Times New Roman" panose="02020603050405020304" pitchFamily="18" charset="0"/>
+              <a:cs typeface="Times New Roman" panose="02020603050405020304" pitchFamily="18" charset="0"/>
+            </a:endParaRPr>
+          </a:p>
+          <a:p>
+            <a:pPr marL="800100" lvl="1" indent="-342900">
+              <a:lnSpc>
+                <a:spcPct val="150000"/>
+              </a:lnSpc>
+              <a:buFont typeface="Arial" panose="020B0604020202020204" pitchFamily="34" charset="0"/>
+              <a:buChar char="•"/>
+            </a:pPr>
+            <a:r>
+              <a:rPr lang="ru-RU" sz="2200" dirty="0">
+                <a:latin typeface="Times New Roman" panose="02020603050405020304" pitchFamily="18" charset="0"/>
+                <a:cs typeface="Times New Roman" panose="02020603050405020304" pitchFamily="18" charset="0"/>
+              </a:rPr>
+              <a:t>Соответствие минимальным характеристикам браузера</a:t>
+            </a:r>
+            <a:r>
+              <a:rPr lang="en-US" sz="2200" dirty="0">
+                <a:latin typeface="Times New Roman" panose="02020603050405020304" pitchFamily="18" charset="0"/>
+                <a:cs typeface="Times New Roman" panose="02020603050405020304" pitchFamily="18" charset="0"/>
+              </a:rPr>
+              <a:t>.</a:t>
+            </a:r>
+            <a:endParaRPr lang="ru-RU" sz="2200" dirty="0">
+              <a:latin typeface="Times New Roman" panose="02020603050405020304" pitchFamily="18" charset="0"/>
+              <a:cs typeface="Times New Roman" panose="02020603050405020304" pitchFamily="18" charset="0"/>
+            </a:endParaRPr>
+          </a:p>
+          <a:p>
+            <a:pPr>
+              <a:lnSpc>
+                <a:spcPct val="150000"/>
+              </a:lnSpc>
+            </a:pPr>
+            <a:r>
+              <a:rPr lang="ru-RU" sz="2200" dirty="0">
+                <a:solidFill>
+                  <a:srgbClr val="FFFF00"/>
+                </a:solidFill>
+                <a:latin typeface="Tahoma" panose="020B0604030504040204" pitchFamily="34" charset="0"/>
+                <a:ea typeface="Tahoma" panose="020B0604030504040204" pitchFamily="34" charset="0"/>
+                <a:cs typeface="Tahoma" panose="020B0604030504040204" pitchFamily="34" charset="0"/>
+              </a:rPr>
+              <a:t>Требования к серверу:</a:t>
+            </a:r>
+          </a:p>
+          <a:p>
+            <a:pPr marL="800100" lvl="1" indent="-342900">
+              <a:lnSpc>
+                <a:spcPct val="150000"/>
+              </a:lnSpc>
+              <a:buFont typeface="Arial" panose="020B0604020202020204" pitchFamily="34" charset="0"/>
+              <a:buChar char="•"/>
+            </a:pPr>
+            <a:r>
+              <a:rPr lang="ru-RU" sz="2200" dirty="0">
+                <a:latin typeface="Times New Roman" panose="02020603050405020304" pitchFamily="18" charset="0"/>
+                <a:cs typeface="Times New Roman" panose="02020603050405020304" pitchFamily="18" charset="0"/>
+              </a:rPr>
+              <a:t>ОС</a:t>
+            </a:r>
+            <a:r>
+              <a:rPr lang="en-US" sz="2200" dirty="0">
+                <a:latin typeface="Times New Roman" panose="02020603050405020304" pitchFamily="18" charset="0"/>
+                <a:cs typeface="Times New Roman" panose="02020603050405020304" pitchFamily="18" charset="0"/>
+              </a:rPr>
+              <a:t> – Cent OS 7 / Linux Debian 11.</a:t>
+            </a:r>
+            <a:endParaRPr lang="ru-RU" sz="2200" dirty="0">
+              <a:latin typeface="Times New Roman" panose="02020603050405020304" pitchFamily="18" charset="0"/>
+              <a:cs typeface="Times New Roman" panose="02020603050405020304" pitchFamily="18" charset="0"/>
+            </a:endParaRPr>
+          </a:p>
+          <a:p>
+            <a:pPr marL="800100" lvl="1" indent="-342900">
+              <a:lnSpc>
+                <a:spcPct val="150000"/>
+              </a:lnSpc>
+              <a:buFont typeface="Arial" panose="020B0604020202020204" pitchFamily="34" charset="0"/>
+              <a:buChar char="•"/>
+            </a:pPr>
+            <a:r>
+              <a:rPr lang="ru-RU" sz="2200" dirty="0">
+                <a:latin typeface="Times New Roman" panose="02020603050405020304" pitchFamily="18" charset="0"/>
+                <a:cs typeface="Times New Roman" panose="02020603050405020304" pitchFamily="18" charset="0"/>
+              </a:rPr>
+              <a:t>Процессор не ниже 2,6 ГГц</a:t>
+            </a:r>
+            <a:r>
+              <a:rPr lang="en-US" sz="2200" dirty="0">
+                <a:latin typeface="Times New Roman" panose="02020603050405020304" pitchFamily="18" charset="0"/>
+                <a:cs typeface="Times New Roman" panose="02020603050405020304" pitchFamily="18" charset="0"/>
+              </a:rPr>
+              <a:t>.</a:t>
+            </a:r>
+            <a:endParaRPr lang="ru-RU" sz="2200" dirty="0">
+              <a:latin typeface="Times New Roman" panose="02020603050405020304" pitchFamily="18" charset="0"/>
+              <a:cs typeface="Times New Roman" panose="02020603050405020304" pitchFamily="18" charset="0"/>
+            </a:endParaRPr>
+          </a:p>
+          <a:p>
+            <a:pPr marL="800100" lvl="1" indent="-342900">
+              <a:lnSpc>
+                <a:spcPct val="150000"/>
+              </a:lnSpc>
+              <a:buFont typeface="Arial" panose="020B0604020202020204" pitchFamily="34" charset="0"/>
+              <a:buChar char="•"/>
+            </a:pPr>
+            <a:r>
+              <a:rPr lang="ru-RU" sz="2200" dirty="0">
+                <a:latin typeface="Times New Roman" panose="02020603050405020304" pitchFamily="18" charset="0"/>
+                <a:cs typeface="Times New Roman" panose="02020603050405020304" pitchFamily="18" charset="0"/>
+              </a:rPr>
+              <a:t>ОЗУ не меньше 8 Гб</a:t>
+            </a:r>
+            <a:r>
+              <a:rPr lang="en-US" sz="2200" dirty="0">
+                <a:latin typeface="Times New Roman" panose="02020603050405020304" pitchFamily="18" charset="0"/>
+                <a:cs typeface="Times New Roman" panose="02020603050405020304" pitchFamily="18" charset="0"/>
+              </a:rPr>
+              <a:t>.</a:t>
+            </a:r>
+            <a:endParaRPr lang="ru-RU" sz="2200" dirty="0">
+              <a:latin typeface="Times New Roman" panose="02020603050405020304" pitchFamily="18" charset="0"/>
+              <a:cs typeface="Times New Roman" panose="02020603050405020304" pitchFamily="18" charset="0"/>
+            </a:endParaRPr>
+          </a:p>
+          <a:p>
+            <a:pPr marL="800100" lvl="1" indent="-342900">
+              <a:lnSpc>
+                <a:spcPct val="150000"/>
+              </a:lnSpc>
+              <a:buFont typeface="Arial" panose="020B0604020202020204" pitchFamily="34" charset="0"/>
+              <a:buChar char="•"/>
+            </a:pPr>
+            <a:r>
+              <a:rPr lang="en-US" sz="2200" dirty="0">
+                <a:latin typeface="Times New Roman" panose="02020603050405020304" pitchFamily="18" charset="0"/>
+                <a:cs typeface="Times New Roman" panose="02020603050405020304" pitchFamily="18" charset="0"/>
+              </a:rPr>
+              <a:t>HDD  200</a:t>
+            </a:r>
+            <a:r>
+              <a:rPr lang="ru-RU" sz="2200" dirty="0">
+                <a:latin typeface="Times New Roman" panose="02020603050405020304" pitchFamily="18" charset="0"/>
+                <a:cs typeface="Times New Roman" panose="02020603050405020304" pitchFamily="18" charset="0"/>
+              </a:rPr>
+              <a:t> Гб</a:t>
+            </a:r>
+            <a:r>
+              <a:rPr lang="en-US" sz="2200" dirty="0">
+                <a:latin typeface="Times New Roman" panose="02020603050405020304" pitchFamily="18" charset="0"/>
+                <a:cs typeface="Times New Roman" panose="02020603050405020304" pitchFamily="18" charset="0"/>
+              </a:rPr>
+              <a:t>.</a:t>
+            </a:r>
+            <a:endParaRPr lang="ru-RU" sz="2200" dirty="0">
+              <a:latin typeface="Times New Roman" panose="02020603050405020304" pitchFamily="18" charset="0"/>
+              <a:cs typeface="Times New Roman" panose="02020603050405020304" pitchFamily="18" charset="0"/>
+            </a:endParaRPr>
+          </a:p>
+          <a:p>
+            <a:pPr>
+              <a:lnSpc>
+                <a:spcPct val="125000"/>
+              </a:lnSpc>
+            </a:pPr>
+            <a:endParaRPr lang="en-US" sz="2200" dirty="0">
+              <a:latin typeface="Times New Roman" panose="02020603050405020304" pitchFamily="18" charset="0"/>
+              <a:cs typeface="Times New Roman" panose="02020603050405020304" pitchFamily="18" charset="0"/>
+            </a:endParaRPr>
+          </a:p>
+        </p:txBody>
+      </p:sp>
+      <p:sp>
+        <p:nvSpPr>
+          <p:cNvPr id="8" name="Номер слайда 4">
+            <a:extLst>
+              <a:ext uri="{FF2B5EF4-FFF2-40B4-BE49-F238E27FC236}">
+                <a16:creationId xmlns:a16="http://schemas.microsoft.com/office/drawing/2014/main" id="{C5B64F97-D6A0-FC0D-8E50-8227B356EE18}"/>
               </a:ext>
             </a:extLst>
           </p:cNvPr>
@@ -12369,40 +15326,10 @@
           </a:p>
         </p:txBody>
       </p:sp>
-      <p:pic>
-        <p:nvPicPr>
-          <p:cNvPr id="3" name="Рисунок 2">
-            <a:extLst>
-              <a:ext uri="{FF2B5EF4-FFF2-40B4-BE49-F238E27FC236}">
-                <a16:creationId xmlns:a16="http://schemas.microsoft.com/office/drawing/2014/main" id="{03921933-52A3-0F96-9FB0-AE9928E969F7}"/>
-              </a:ext>
-            </a:extLst>
-          </p:cNvPr>
-          <p:cNvPicPr>
-            <a:picLocks noChangeAspect="1"/>
-          </p:cNvPicPr>
-          <p:nvPr/>
-        </p:nvPicPr>
-        <p:blipFill>
-          <a:blip r:embed="rId2"/>
-          <a:stretch>
-            <a:fillRect/>
-          </a:stretch>
-        </p:blipFill>
-        <p:spPr>
-          <a:xfrm>
-            <a:off x="3494886" y="740664"/>
-            <a:ext cx="5202227" cy="6099048"/>
-          </a:xfrm>
-          <a:prstGeom prst="rect">
-            <a:avLst/>
-          </a:prstGeom>
-        </p:spPr>
-      </p:pic>
     </p:spTree>
     <p:extLst>
       <p:ext uri="{BB962C8B-B14F-4D97-AF65-F5344CB8AC3E}">
-        <p14:creationId xmlns:p14="http://schemas.microsoft.com/office/powerpoint/2010/main" val="4189832676"/>
+        <p14:creationId xmlns:p14="http://schemas.microsoft.com/office/powerpoint/2010/main" val="3612000258"/>
       </p:ext>
     </p:extLst>
   </p:cSld>
@@ -12446,7 +15373,7 @@
           <p:cNvPr id="2" name="Заголовок 1">
             <a:extLst>
               <a:ext uri="{FF2B5EF4-FFF2-40B4-BE49-F238E27FC236}">
-                <a16:creationId xmlns:a16="http://schemas.microsoft.com/office/drawing/2014/main" id="{DCDEF69C-C445-15ED-1AE7-519CE259E24E}"/>
+                <a16:creationId xmlns:a16="http://schemas.microsoft.com/office/drawing/2014/main" id="{131AF62D-63AD-D33F-E646-0AF822E31EE6}"/>
               </a:ext>
             </a:extLst>
           </p:cNvPr>
@@ -12459,8 +15386,817 @@
         </p:nvSpPr>
         <p:spPr>
           <a:xfrm>
-            <a:off x="1030287" y="2608411"/>
-            <a:ext cx="10131425" cy="1456267"/>
+            <a:off x="0" y="1"/>
+            <a:ext cx="12191999" cy="749808"/>
+          </a:xfrm>
+        </p:spPr>
+        <p:txBody>
+          <a:bodyPr/>
+          <a:lstStyle/>
+          <a:p>
+            <a:pPr algn="ctr"/>
+            <a:r>
+              <a:rPr lang="ru-RU" dirty="0">
+                <a:latin typeface="Times New Roman" panose="02020603050405020304" pitchFamily="18" charset="0"/>
+                <a:cs typeface="Times New Roman" panose="02020603050405020304" pitchFamily="18" charset="0"/>
+              </a:rPr>
+              <a:t>Заключение</a:t>
+            </a:r>
+          </a:p>
+        </p:txBody>
+      </p:sp>
+      <p:sp>
+        <p:nvSpPr>
+          <p:cNvPr id="3" name="Объект 2">
+            <a:extLst>
+              <a:ext uri="{FF2B5EF4-FFF2-40B4-BE49-F238E27FC236}">
+                <a16:creationId xmlns:a16="http://schemas.microsoft.com/office/drawing/2014/main" id="{6493FAAC-FCD8-63EF-49A3-DDD17E49273B}"/>
+              </a:ext>
+            </a:extLst>
+          </p:cNvPr>
+          <p:cNvSpPr>
+            <a:spLocks noGrp="1"/>
+          </p:cNvSpPr>
+          <p:nvPr>
+            <p:ph idx="1"/>
+          </p:nvPr>
+        </p:nvSpPr>
+        <p:spPr>
+          <a:xfrm>
+            <a:off x="0" y="658368"/>
+            <a:ext cx="12192000" cy="5590749"/>
+          </a:xfrm>
+        </p:spPr>
+        <p:txBody>
+          <a:bodyPr anchor="t">
+            <a:normAutofit/>
+          </a:bodyPr>
+          <a:lstStyle/>
+          <a:p>
+            <a:pPr marL="0" indent="0">
+              <a:lnSpc>
+                <a:spcPct val="150000"/>
+              </a:lnSpc>
+              <a:buNone/>
+            </a:pPr>
+            <a:r>
+              <a:rPr lang="en-US" sz="2200" dirty="0">
+                <a:latin typeface="Times New Roman" panose="02020603050405020304" pitchFamily="18" charset="0"/>
+                <a:cs typeface="Times New Roman" panose="02020603050405020304" pitchFamily="18" charset="0"/>
+              </a:rPr>
+              <a:t>	</a:t>
+            </a:r>
+            <a:r>
+              <a:rPr lang="ru-RU" sz="2200" dirty="0">
+                <a:latin typeface="Times New Roman" panose="02020603050405020304" pitchFamily="18" charset="0"/>
+                <a:cs typeface="Times New Roman" panose="02020603050405020304" pitchFamily="18" charset="0"/>
+              </a:rPr>
+              <a:t>В результате выполнения ВКР была спроектирована и разработана система, которая:</a:t>
+            </a:r>
+          </a:p>
+          <a:p>
+            <a:pPr marL="800100" lvl="1" indent="-342900">
+              <a:lnSpc>
+                <a:spcPct val="150000"/>
+              </a:lnSpc>
+              <a:buFont typeface="Arial" panose="020B0604020202020204" pitchFamily="34" charset="0"/>
+              <a:buChar char="•"/>
+            </a:pPr>
+            <a:r>
+              <a:rPr lang="ru-RU" sz="2200" dirty="0">
+                <a:latin typeface="Times New Roman" panose="02020603050405020304" pitchFamily="18" charset="0"/>
+                <a:cs typeface="Times New Roman" panose="02020603050405020304" pitchFamily="18" charset="0"/>
+              </a:rPr>
+              <a:t>обеспечивает сопровождение и учёт образовательного процесса;</a:t>
+            </a:r>
+          </a:p>
+          <a:p>
+            <a:pPr marL="800100" lvl="1" indent="-342900">
+              <a:lnSpc>
+                <a:spcPct val="150000"/>
+              </a:lnSpc>
+              <a:buFont typeface="Arial" panose="020B0604020202020204" pitchFamily="34" charset="0"/>
+              <a:buChar char="•"/>
+            </a:pPr>
+            <a:r>
+              <a:rPr lang="ru-RU" sz="2200" dirty="0">
+                <a:latin typeface="Times New Roman" panose="02020603050405020304" pitchFamily="18" charset="0"/>
+                <a:cs typeface="Times New Roman" panose="02020603050405020304" pitchFamily="18" charset="0"/>
+              </a:rPr>
+              <a:t>обеспечивает аналитику образовательной деятельности.</a:t>
+            </a:r>
+          </a:p>
+          <a:p>
+            <a:pPr marL="457200" lvl="1" indent="0">
+              <a:lnSpc>
+                <a:spcPct val="150000"/>
+              </a:lnSpc>
+              <a:buNone/>
+            </a:pPr>
+            <a:r>
+              <a:rPr lang="ru-RU" sz="2200" dirty="0">
+                <a:latin typeface="Times New Roman" panose="02020603050405020304" pitchFamily="18" charset="0"/>
+                <a:ea typeface="Tahoma" panose="020B0604030504040204" pitchFamily="34" charset="0"/>
+                <a:cs typeface="Times New Roman" panose="02020603050405020304" pitchFamily="18" charset="0"/>
+              </a:rPr>
+              <a:t>В результате </a:t>
+            </a:r>
+            <a:r>
+              <a:rPr lang="ru-RU" sz="2200" dirty="0">
+                <a:solidFill>
+                  <a:srgbClr val="FFFF00"/>
+                </a:solidFill>
+                <a:latin typeface="Tahoma" panose="020B0604030504040204" pitchFamily="34" charset="0"/>
+                <a:ea typeface="Tahoma" panose="020B0604030504040204" pitchFamily="34" charset="0"/>
+                <a:cs typeface="Tahoma" panose="020B0604030504040204" pitchFamily="34" charset="0"/>
+              </a:rPr>
+              <a:t>внедрения системы в эксплуатацию </a:t>
+            </a:r>
+            <a:r>
+              <a:rPr lang="ru-RU" sz="2200" dirty="0">
+                <a:latin typeface="Times New Roman" panose="02020603050405020304" pitchFamily="18" charset="0"/>
+                <a:ea typeface="Tahoma" panose="020B0604030504040204" pitchFamily="34" charset="0"/>
+                <a:cs typeface="Times New Roman" panose="02020603050405020304" pitchFamily="18" charset="0"/>
+              </a:rPr>
+              <a:t>удалось </a:t>
+            </a:r>
+            <a:r>
+              <a:rPr lang="ru-RU" sz="2200" dirty="0">
+                <a:solidFill>
+                  <a:srgbClr val="FFFF00"/>
+                </a:solidFill>
+                <a:latin typeface="Tahoma" panose="020B0604030504040204" pitchFamily="34" charset="0"/>
+                <a:ea typeface="Tahoma" panose="020B0604030504040204" pitchFamily="34" charset="0"/>
+                <a:cs typeface="Tahoma" panose="020B0604030504040204" pitchFamily="34" charset="0"/>
+              </a:rPr>
+              <a:t>повысить</a:t>
+            </a:r>
+            <a:r>
+              <a:rPr lang="ru-RU" sz="2200" dirty="0">
+                <a:latin typeface="Tahoma" panose="020B0604030504040204" pitchFamily="34" charset="0"/>
+                <a:ea typeface="Tahoma" panose="020B0604030504040204" pitchFamily="34" charset="0"/>
+                <a:cs typeface="Tahoma" panose="020B0604030504040204" pitchFamily="34" charset="0"/>
+              </a:rPr>
+              <a:t> </a:t>
+            </a:r>
+            <a:r>
+              <a:rPr lang="ru-RU" sz="2200" dirty="0">
+                <a:latin typeface="Times New Roman" panose="02020603050405020304" pitchFamily="18" charset="0"/>
+                <a:ea typeface="Tahoma" panose="020B0604030504040204" pitchFamily="34" charset="0"/>
+                <a:cs typeface="Times New Roman" panose="02020603050405020304" pitchFamily="18" charset="0"/>
+              </a:rPr>
+              <a:t>эффективность сопровождения образовательного процесса более чем </a:t>
+            </a:r>
+            <a:r>
+              <a:rPr lang="ru-RU" sz="2200" dirty="0">
+                <a:solidFill>
+                  <a:srgbClr val="FFFF00"/>
+                </a:solidFill>
+                <a:latin typeface="Tahoma" panose="020B0604030504040204" pitchFamily="34" charset="0"/>
+                <a:ea typeface="Tahoma" panose="020B0604030504040204" pitchFamily="34" charset="0"/>
+                <a:cs typeface="Tahoma" panose="020B0604030504040204" pitchFamily="34" charset="0"/>
+              </a:rPr>
+              <a:t>на </a:t>
+            </a:r>
+            <a:r>
+              <a:rPr lang="en-US" sz="2200" dirty="0">
+                <a:solidFill>
+                  <a:srgbClr val="FFFF00"/>
+                </a:solidFill>
+                <a:latin typeface="Tahoma" panose="020B0604030504040204" pitchFamily="34" charset="0"/>
+                <a:ea typeface="Tahoma" panose="020B0604030504040204" pitchFamily="34" charset="0"/>
+                <a:cs typeface="Tahoma" panose="020B0604030504040204" pitchFamily="34" charset="0"/>
+              </a:rPr>
+              <a:t>180</a:t>
+            </a:r>
+            <a:r>
+              <a:rPr lang="ru-RU" sz="2200" dirty="0">
+                <a:solidFill>
+                  <a:srgbClr val="FFFF00"/>
+                </a:solidFill>
+                <a:latin typeface="Tahoma" panose="020B0604030504040204" pitchFamily="34" charset="0"/>
+                <a:ea typeface="Tahoma" panose="020B0604030504040204" pitchFamily="34" charset="0"/>
+                <a:cs typeface="Tahoma" panose="020B0604030504040204" pitchFamily="34" charset="0"/>
+              </a:rPr>
+              <a:t>0</a:t>
+            </a:r>
+            <a:r>
+              <a:rPr lang="en-US" sz="2200" dirty="0">
+                <a:solidFill>
+                  <a:srgbClr val="FFFF00"/>
+                </a:solidFill>
+                <a:latin typeface="Tahoma" panose="020B0604030504040204" pitchFamily="34" charset="0"/>
+                <a:ea typeface="Tahoma" panose="020B0604030504040204" pitchFamily="34" charset="0"/>
+                <a:cs typeface="Tahoma" panose="020B0604030504040204" pitchFamily="34" charset="0"/>
+              </a:rPr>
+              <a:t> </a:t>
+            </a:r>
+            <a:r>
+              <a:rPr lang="ru-RU" sz="2200" dirty="0">
+                <a:solidFill>
+                  <a:srgbClr val="FFFF00"/>
+                </a:solidFill>
+                <a:latin typeface="Tahoma" panose="020B0604030504040204" pitchFamily="34" charset="0"/>
+                <a:ea typeface="Tahoma" panose="020B0604030504040204" pitchFamily="34" charset="0"/>
+                <a:cs typeface="Tahoma" panose="020B0604030504040204" pitchFamily="34" charset="0"/>
+              </a:rPr>
+              <a:t>человеко-часов в год</a:t>
+            </a:r>
+            <a:r>
+              <a:rPr lang="ru-RU" sz="2200" dirty="0">
+                <a:latin typeface="Times New Roman" panose="02020603050405020304" pitchFamily="18" charset="0"/>
+                <a:ea typeface="Tahoma" panose="020B0604030504040204" pitchFamily="34" charset="0"/>
+                <a:cs typeface="Times New Roman" panose="02020603050405020304" pitchFamily="18" charset="0"/>
+              </a:rPr>
+              <a:t>.</a:t>
+            </a:r>
+          </a:p>
+        </p:txBody>
+      </p:sp>
+      <p:sp>
+        <p:nvSpPr>
+          <p:cNvPr id="7" name="Номер слайда 4">
+            <a:extLst>
+              <a:ext uri="{FF2B5EF4-FFF2-40B4-BE49-F238E27FC236}">
+                <a16:creationId xmlns:a16="http://schemas.microsoft.com/office/drawing/2014/main" id="{C687772F-C4EB-4F08-A450-22EA9070A70F}"/>
+              </a:ext>
+            </a:extLst>
+          </p:cNvPr>
+          <p:cNvSpPr txBox="1">
+            <a:spLocks/>
+          </p:cNvSpPr>
+          <p:nvPr/>
+        </p:nvSpPr>
+        <p:spPr>
+          <a:xfrm>
+            <a:off x="11171852" y="0"/>
+            <a:ext cx="1020148" cy="658368"/>
+          </a:xfrm>
+          <a:prstGeom prst="rect">
+            <a:avLst/>
+          </a:prstGeom>
+        </p:spPr>
+        <p:txBody>
+          <a:bodyPr vert="horz" lIns="91440" tIns="45720" rIns="91440" bIns="45720" rtlCol="0" anchor="ctr"/>
+          <a:lstStyle>
+            <a:defPPr>
+              <a:defRPr lang="en-US"/>
+            </a:defPPr>
+            <a:lvl1pPr marL="0" algn="r" defTabSz="457200" rtl="0" eaLnBrk="1" latinLnBrk="0" hangingPunct="1">
+              <a:defRPr sz="1000" b="0" i="0" kern="1200">
+                <a:solidFill>
+                  <a:schemeClr val="tx1"/>
+                </a:solidFill>
+                <a:effectLst/>
+                <a:latin typeface="+mn-lt"/>
+                <a:ea typeface="+mn-ea"/>
+                <a:cs typeface="+mn-cs"/>
+              </a:defRPr>
+            </a:lvl1pPr>
+            <a:lvl2pPr marL="457200" algn="l" defTabSz="457200" rtl="0" eaLnBrk="1" latinLnBrk="0" hangingPunct="1">
+              <a:defRPr sz="1800" kern="1200">
+                <a:solidFill>
+                  <a:schemeClr val="tx1"/>
+                </a:solidFill>
+                <a:latin typeface="+mn-lt"/>
+                <a:ea typeface="+mn-ea"/>
+                <a:cs typeface="+mn-cs"/>
+              </a:defRPr>
+            </a:lvl2pPr>
+            <a:lvl3pPr marL="914400" algn="l" defTabSz="457200" rtl="0" eaLnBrk="1" latinLnBrk="0" hangingPunct="1">
+              <a:defRPr sz="1800" kern="1200">
+                <a:solidFill>
+                  <a:schemeClr val="tx1"/>
+                </a:solidFill>
+                <a:latin typeface="+mn-lt"/>
+                <a:ea typeface="+mn-ea"/>
+                <a:cs typeface="+mn-cs"/>
+              </a:defRPr>
+            </a:lvl3pPr>
+            <a:lvl4pPr marL="1371600" algn="l" defTabSz="457200" rtl="0" eaLnBrk="1" latinLnBrk="0" hangingPunct="1">
+              <a:defRPr sz="1800" kern="1200">
+                <a:solidFill>
+                  <a:schemeClr val="tx1"/>
+                </a:solidFill>
+                <a:latin typeface="+mn-lt"/>
+                <a:ea typeface="+mn-ea"/>
+                <a:cs typeface="+mn-cs"/>
+              </a:defRPr>
+            </a:lvl4pPr>
+            <a:lvl5pPr marL="1828800" algn="l" defTabSz="457200" rtl="0" eaLnBrk="1" latinLnBrk="0" hangingPunct="1">
+              <a:defRPr sz="1800" kern="1200">
+                <a:solidFill>
+                  <a:schemeClr val="tx1"/>
+                </a:solidFill>
+                <a:latin typeface="+mn-lt"/>
+                <a:ea typeface="+mn-ea"/>
+                <a:cs typeface="+mn-cs"/>
+              </a:defRPr>
+            </a:lvl5pPr>
+            <a:lvl6pPr marL="2286000" algn="l" defTabSz="457200" rtl="0" eaLnBrk="1" latinLnBrk="0" hangingPunct="1">
+              <a:defRPr sz="1800" kern="1200">
+                <a:solidFill>
+                  <a:schemeClr val="tx1"/>
+                </a:solidFill>
+                <a:latin typeface="+mn-lt"/>
+                <a:ea typeface="+mn-ea"/>
+                <a:cs typeface="+mn-cs"/>
+              </a:defRPr>
+            </a:lvl6pPr>
+            <a:lvl7pPr marL="2743200" algn="l" defTabSz="457200" rtl="0" eaLnBrk="1" latinLnBrk="0" hangingPunct="1">
+              <a:defRPr sz="1800" kern="1200">
+                <a:solidFill>
+                  <a:schemeClr val="tx1"/>
+                </a:solidFill>
+                <a:latin typeface="+mn-lt"/>
+                <a:ea typeface="+mn-ea"/>
+                <a:cs typeface="+mn-cs"/>
+              </a:defRPr>
+            </a:lvl7pPr>
+            <a:lvl8pPr marL="3200400" algn="l" defTabSz="457200" rtl="0" eaLnBrk="1" latinLnBrk="0" hangingPunct="1">
+              <a:defRPr sz="1800" kern="1200">
+                <a:solidFill>
+                  <a:schemeClr val="tx1"/>
+                </a:solidFill>
+                <a:latin typeface="+mn-lt"/>
+                <a:ea typeface="+mn-ea"/>
+                <a:cs typeface="+mn-cs"/>
+              </a:defRPr>
+            </a:lvl8pPr>
+            <a:lvl9pPr marL="3657600" algn="l" defTabSz="457200" rtl="0" eaLnBrk="1" latinLnBrk="0" hangingPunct="1">
+              <a:defRPr sz="1800" kern="1200">
+                <a:solidFill>
+                  <a:schemeClr val="tx1"/>
+                </a:solidFill>
+                <a:latin typeface="+mn-lt"/>
+                <a:ea typeface="+mn-ea"/>
+                <a:cs typeface="+mn-cs"/>
+              </a:defRPr>
+            </a:lvl9pPr>
+          </a:lstStyle>
+          <a:p>
+            <a:pPr algn="ctr"/>
+            <a:fld id="{E674C0A0-8DE9-4942-9F1B-2332F349D007}" type="slidenum">
+              <a:rPr lang="ru-RU" sz="2200" smtClean="0">
+                <a:latin typeface="Tahoma" panose="020B0604030504040204" pitchFamily="34" charset="0"/>
+                <a:ea typeface="Tahoma" panose="020B0604030504040204" pitchFamily="34" charset="0"/>
+                <a:cs typeface="Tahoma" panose="020B0604030504040204" pitchFamily="34" charset="0"/>
+              </a:rPr>
+              <a:pPr algn="ctr"/>
+              <a:t>18</a:t>
+            </a:fld>
+            <a:endParaRPr lang="ru-RU" sz="2200" dirty="0">
+              <a:latin typeface="Tahoma" panose="020B0604030504040204" pitchFamily="34" charset="0"/>
+              <a:ea typeface="Tahoma" panose="020B0604030504040204" pitchFamily="34" charset="0"/>
+              <a:cs typeface="Tahoma" panose="020B0604030504040204" pitchFamily="34" charset="0"/>
+            </a:endParaRPr>
+          </a:p>
+        </p:txBody>
+      </p:sp>
+      <p:pic>
+        <p:nvPicPr>
+          <p:cNvPr id="5" name="Рисунок 4">
+            <a:extLst>
+              <a:ext uri="{FF2B5EF4-FFF2-40B4-BE49-F238E27FC236}">
+                <a16:creationId xmlns:a16="http://schemas.microsoft.com/office/drawing/2014/main" id="{F42D6EB3-DD69-CEB5-0982-A6F167D7B244}"/>
+              </a:ext>
+            </a:extLst>
+          </p:cNvPr>
+          <p:cNvPicPr/>
+          <p:nvPr/>
+        </p:nvPicPr>
+        <p:blipFill>
+          <a:blip r:embed="rId3"/>
+          <a:stretch/>
+        </p:blipFill>
+        <p:spPr>
+          <a:xfrm rot="21596400">
+            <a:off x="9930361" y="5770966"/>
+            <a:ext cx="2261090" cy="1047767"/>
+          </a:xfrm>
+          <a:prstGeom prst="rect">
+            <a:avLst/>
+          </a:prstGeom>
+          <a:ln w="0">
+            <a:noFill/>
+          </a:ln>
+        </p:spPr>
+      </p:pic>
+      <p:graphicFrame>
+        <p:nvGraphicFramePr>
+          <p:cNvPr id="4" name="Таблица 3">
+            <a:extLst>
+              <a:ext uri="{FF2B5EF4-FFF2-40B4-BE49-F238E27FC236}">
+                <a16:creationId xmlns:a16="http://schemas.microsoft.com/office/drawing/2014/main" id="{C3FD2AD0-950A-4E52-B5BB-898BF29375D4}"/>
+              </a:ext>
+            </a:extLst>
+          </p:cNvPr>
+          <p:cNvGraphicFramePr>
+            <a:graphicFrameLocks noGrp="1"/>
+          </p:cNvGraphicFramePr>
+          <p:nvPr>
+            <p:extLst>
+              <p:ext uri="{D42A27DB-BD31-4B8C-83A1-F6EECF244321}">
+                <p14:modId xmlns:p14="http://schemas.microsoft.com/office/powerpoint/2010/main" val="2553373242"/>
+              </p:ext>
+            </p:extLst>
+          </p:nvPr>
+        </p:nvGraphicFramePr>
+        <p:xfrm>
+          <a:off x="1631950" y="3788649"/>
+          <a:ext cx="8169276" cy="2126375"/>
+        </p:xfrm>
+        <a:graphic>
+          <a:graphicData uri="http://schemas.openxmlformats.org/drawingml/2006/table">
+            <a:tbl>
+              <a:tblPr firstRow="1" bandRow="1">
+                <a:tableStyleId>{5C22544A-7EE6-4342-B048-85BDC9FD1C3A}</a:tableStyleId>
+              </a:tblPr>
+              <a:tblGrid>
+                <a:gridCol w="2723092">
+                  <a:extLst>
+                    <a:ext uri="{9D8B030D-6E8A-4147-A177-3AD203B41FA5}">
+                      <a16:colId xmlns:a16="http://schemas.microsoft.com/office/drawing/2014/main" val="3981311441"/>
+                    </a:ext>
+                  </a:extLst>
+                </a:gridCol>
+                <a:gridCol w="2723092">
+                  <a:extLst>
+                    <a:ext uri="{9D8B030D-6E8A-4147-A177-3AD203B41FA5}">
+                      <a16:colId xmlns:a16="http://schemas.microsoft.com/office/drawing/2014/main" val="1526139312"/>
+                    </a:ext>
+                  </a:extLst>
+                </a:gridCol>
+                <a:gridCol w="2723092">
+                  <a:extLst>
+                    <a:ext uri="{9D8B030D-6E8A-4147-A177-3AD203B41FA5}">
+                      <a16:colId xmlns:a16="http://schemas.microsoft.com/office/drawing/2014/main" val="3526557165"/>
+                    </a:ext>
+                  </a:extLst>
+                </a:gridCol>
+              </a:tblGrid>
+              <a:tr h="425275">
+                <a:tc>
+                  <a:txBody>
+                    <a:bodyPr/>
+                    <a:lstStyle/>
+                    <a:p>
+                      <a:endParaRPr lang="ru-RU" dirty="0">
+                        <a:latin typeface="Times New Roman" panose="02020603050405020304" pitchFamily="18" charset="0"/>
+                        <a:cs typeface="Times New Roman" panose="02020603050405020304" pitchFamily="18" charset="0"/>
+                      </a:endParaRPr>
+                    </a:p>
+                  </a:txBody>
+                  <a:tcPr/>
+                </a:tc>
+                <a:tc>
+                  <a:txBody>
+                    <a:bodyPr/>
+                    <a:lstStyle/>
+                    <a:p>
+                      <a:pPr algn="ctr"/>
+                      <a:r>
+                        <a:rPr lang="ru-RU" b="0" dirty="0">
+                          <a:latin typeface="Times New Roman" panose="02020603050405020304" pitchFamily="18" charset="0"/>
+                          <a:cs typeface="Times New Roman" panose="02020603050405020304" pitchFamily="18" charset="0"/>
+                        </a:rPr>
+                        <a:t>Было</a:t>
+                      </a:r>
+                    </a:p>
+                  </a:txBody>
+                  <a:tcPr/>
+                </a:tc>
+                <a:tc>
+                  <a:txBody>
+                    <a:bodyPr/>
+                    <a:lstStyle/>
+                    <a:p>
+                      <a:pPr algn="ctr"/>
+                      <a:r>
+                        <a:rPr lang="ru-RU" b="0" dirty="0">
+                          <a:latin typeface="Times New Roman" panose="02020603050405020304" pitchFamily="18" charset="0"/>
+                          <a:cs typeface="Times New Roman" panose="02020603050405020304" pitchFamily="18" charset="0"/>
+                        </a:rPr>
+                        <a:t>Стало</a:t>
+                      </a:r>
+                    </a:p>
+                  </a:txBody>
+                  <a:tcPr/>
+                </a:tc>
+                <a:extLst>
+                  <a:ext uri="{0D108BD9-81ED-4DB2-BD59-A6C34878D82A}">
+                    <a16:rowId xmlns:a16="http://schemas.microsoft.com/office/drawing/2014/main" val="3708297055"/>
+                  </a:ext>
+                </a:extLst>
+              </a:tr>
+              <a:tr h="425275">
+                <a:tc>
+                  <a:txBody>
+                    <a:bodyPr/>
+                    <a:lstStyle/>
+                    <a:p>
+                      <a:r>
+                        <a:rPr lang="ru-RU" dirty="0">
+                          <a:latin typeface="Times New Roman" panose="02020603050405020304" pitchFamily="18" charset="0"/>
+                          <a:cs typeface="Times New Roman" panose="02020603050405020304" pitchFamily="18" charset="0"/>
+                        </a:rPr>
+                        <a:t>Создание сертификата</a:t>
+                      </a:r>
+                    </a:p>
+                  </a:txBody>
+                  <a:tcPr/>
+                </a:tc>
+                <a:tc>
+                  <a:txBody>
+                    <a:bodyPr/>
+                    <a:lstStyle/>
+                    <a:p>
+                      <a:pPr algn="ctr"/>
+                      <a:r>
+                        <a:rPr lang="ru-RU" dirty="0">
+                          <a:latin typeface="Times New Roman" panose="02020603050405020304" pitchFamily="18" charset="0"/>
+                          <a:cs typeface="Times New Roman" panose="02020603050405020304" pitchFamily="18" charset="0"/>
+                        </a:rPr>
+                        <a:t>30 минут</a:t>
+                      </a:r>
+                    </a:p>
+                  </a:txBody>
+                  <a:tcPr/>
+                </a:tc>
+                <a:tc>
+                  <a:txBody>
+                    <a:bodyPr/>
+                    <a:lstStyle/>
+                    <a:p>
+                      <a:pPr algn="ctr"/>
+                      <a:r>
+                        <a:rPr lang="ru-RU" dirty="0">
+                          <a:latin typeface="Times New Roman" panose="02020603050405020304" pitchFamily="18" charset="0"/>
+                          <a:cs typeface="Times New Roman" panose="02020603050405020304" pitchFamily="18" charset="0"/>
+                        </a:rPr>
+                        <a:t>2 минуты</a:t>
+                      </a:r>
+                    </a:p>
+                  </a:txBody>
+                  <a:tcPr/>
+                </a:tc>
+                <a:extLst>
+                  <a:ext uri="{0D108BD9-81ED-4DB2-BD59-A6C34878D82A}">
+                    <a16:rowId xmlns:a16="http://schemas.microsoft.com/office/drawing/2014/main" val="2373852478"/>
+                  </a:ext>
+                </a:extLst>
+              </a:tr>
+              <a:tr h="425275">
+                <a:tc>
+                  <a:txBody>
+                    <a:bodyPr/>
+                    <a:lstStyle/>
+                    <a:p>
+                      <a:r>
+                        <a:rPr lang="ru-RU" dirty="0">
+                          <a:latin typeface="Times New Roman" panose="02020603050405020304" pitchFamily="18" charset="0"/>
+                          <a:cs typeface="Times New Roman" panose="02020603050405020304" pitchFamily="18" charset="0"/>
+                        </a:rPr>
+                        <a:t>Создание приказа</a:t>
+                      </a:r>
+                    </a:p>
+                  </a:txBody>
+                  <a:tcPr/>
+                </a:tc>
+                <a:tc>
+                  <a:txBody>
+                    <a:bodyPr/>
+                    <a:lstStyle/>
+                    <a:p>
+                      <a:pPr algn="ctr"/>
+                      <a:r>
+                        <a:rPr lang="en-US" dirty="0">
+                          <a:latin typeface="Times New Roman" panose="02020603050405020304" pitchFamily="18" charset="0"/>
+                          <a:cs typeface="Times New Roman" panose="02020603050405020304" pitchFamily="18" charset="0"/>
+                        </a:rPr>
+                        <a:t>&gt;</a:t>
+                      </a:r>
+                      <a:r>
+                        <a:rPr lang="ru-RU" dirty="0">
+                          <a:latin typeface="Times New Roman" panose="02020603050405020304" pitchFamily="18" charset="0"/>
+                          <a:cs typeface="Times New Roman" panose="02020603050405020304" pitchFamily="18" charset="0"/>
+                        </a:rPr>
+                        <a:t>30 минут</a:t>
+                      </a:r>
+                    </a:p>
+                  </a:txBody>
+                  <a:tcPr/>
+                </a:tc>
+                <a:tc>
+                  <a:txBody>
+                    <a:bodyPr/>
+                    <a:lstStyle/>
+                    <a:p>
+                      <a:pPr algn="ctr"/>
+                      <a:r>
+                        <a:rPr lang="ru-RU" dirty="0">
+                          <a:latin typeface="Times New Roman" panose="02020603050405020304" pitchFamily="18" charset="0"/>
+                          <a:cs typeface="Times New Roman" panose="02020603050405020304" pitchFamily="18" charset="0"/>
+                        </a:rPr>
+                        <a:t>10 минут</a:t>
+                      </a:r>
+                    </a:p>
+                  </a:txBody>
+                  <a:tcPr/>
+                </a:tc>
+                <a:extLst>
+                  <a:ext uri="{0D108BD9-81ED-4DB2-BD59-A6C34878D82A}">
+                    <a16:rowId xmlns:a16="http://schemas.microsoft.com/office/drawing/2014/main" val="167129919"/>
+                  </a:ext>
+                </a:extLst>
+              </a:tr>
+              <a:tr h="425275">
+                <a:tc>
+                  <a:txBody>
+                    <a:bodyPr/>
+                    <a:lstStyle/>
+                    <a:p>
+                      <a:r>
+                        <a:rPr lang="ru-RU" dirty="0">
+                          <a:latin typeface="Times New Roman" panose="02020603050405020304" pitchFamily="18" charset="0"/>
+                          <a:cs typeface="Times New Roman" panose="02020603050405020304" pitchFamily="18" charset="0"/>
+                        </a:rPr>
+                        <a:t>Создание КУГ</a:t>
+                      </a:r>
+                    </a:p>
+                  </a:txBody>
+                  <a:tcPr/>
+                </a:tc>
+                <a:tc>
+                  <a:txBody>
+                    <a:bodyPr/>
+                    <a:lstStyle/>
+                    <a:p>
+                      <a:pPr algn="ctr"/>
+                      <a:r>
+                        <a:rPr lang="en-US" dirty="0">
+                          <a:latin typeface="Times New Roman" panose="02020603050405020304" pitchFamily="18" charset="0"/>
+                          <a:cs typeface="Times New Roman" panose="02020603050405020304" pitchFamily="18" charset="0"/>
+                        </a:rPr>
+                        <a:t>20 </a:t>
+                      </a:r>
+                      <a:r>
+                        <a:rPr lang="ru-RU" dirty="0">
+                          <a:latin typeface="Times New Roman" panose="02020603050405020304" pitchFamily="18" charset="0"/>
+                          <a:cs typeface="Times New Roman" panose="02020603050405020304" pitchFamily="18" charset="0"/>
+                        </a:rPr>
+                        <a:t>минут</a:t>
+                      </a:r>
+                    </a:p>
+                  </a:txBody>
+                  <a:tcPr/>
+                </a:tc>
+                <a:tc>
+                  <a:txBody>
+                    <a:bodyPr/>
+                    <a:lstStyle/>
+                    <a:p>
+                      <a:pPr algn="ctr"/>
+                      <a:r>
+                        <a:rPr lang="ru-RU" dirty="0">
+                          <a:latin typeface="Times New Roman" panose="02020603050405020304" pitchFamily="18" charset="0"/>
+                          <a:cs typeface="Times New Roman" panose="02020603050405020304" pitchFamily="18" charset="0"/>
+                        </a:rPr>
+                        <a:t>5 минут</a:t>
+                      </a:r>
+                    </a:p>
+                  </a:txBody>
+                  <a:tcPr/>
+                </a:tc>
+                <a:extLst>
+                  <a:ext uri="{0D108BD9-81ED-4DB2-BD59-A6C34878D82A}">
+                    <a16:rowId xmlns:a16="http://schemas.microsoft.com/office/drawing/2014/main" val="3053415089"/>
+                  </a:ext>
+                </a:extLst>
+              </a:tr>
+              <a:tr h="425275">
+                <a:tc>
+                  <a:txBody>
+                    <a:bodyPr/>
+                    <a:lstStyle/>
+                    <a:p>
+                      <a:r>
+                        <a:rPr lang="ru-RU" dirty="0">
+                          <a:latin typeface="Times New Roman" panose="02020603050405020304" pitchFamily="18" charset="0"/>
+                          <a:cs typeface="Times New Roman" panose="02020603050405020304" pitchFamily="18" charset="0"/>
+                        </a:rPr>
+                        <a:t>Создание журнала</a:t>
+                      </a:r>
+                    </a:p>
+                  </a:txBody>
+                  <a:tcPr/>
+                </a:tc>
+                <a:tc>
+                  <a:txBody>
+                    <a:bodyPr/>
+                    <a:lstStyle/>
+                    <a:p>
+                      <a:pPr algn="ctr"/>
+                      <a:r>
+                        <a:rPr lang="ru-RU" dirty="0">
+                          <a:latin typeface="Times New Roman" panose="02020603050405020304" pitchFamily="18" charset="0"/>
+                          <a:cs typeface="Times New Roman" panose="02020603050405020304" pitchFamily="18" charset="0"/>
+                        </a:rPr>
+                        <a:t>30 минут</a:t>
+                      </a:r>
+                    </a:p>
+                  </a:txBody>
+                  <a:tcPr/>
+                </a:tc>
+                <a:tc>
+                  <a:txBody>
+                    <a:bodyPr/>
+                    <a:lstStyle/>
+                    <a:p>
+                      <a:pPr algn="ctr"/>
+                      <a:r>
+                        <a:rPr lang="ru-RU" dirty="0">
+                          <a:latin typeface="Times New Roman" panose="02020603050405020304" pitchFamily="18" charset="0"/>
+                          <a:cs typeface="Times New Roman" panose="02020603050405020304" pitchFamily="18" charset="0"/>
+                        </a:rPr>
+                        <a:t>5 минут</a:t>
+                      </a:r>
+                    </a:p>
+                  </a:txBody>
+                  <a:tcPr/>
+                </a:tc>
+                <a:extLst>
+                  <a:ext uri="{0D108BD9-81ED-4DB2-BD59-A6C34878D82A}">
+                    <a16:rowId xmlns:a16="http://schemas.microsoft.com/office/drawing/2014/main" val="2134772851"/>
+                  </a:ext>
+                </a:extLst>
+              </a:tr>
+            </a:tbl>
+          </a:graphicData>
+        </a:graphic>
+      </p:graphicFrame>
+    </p:spTree>
+    <p:extLst>
+      <p:ext uri="{BB962C8B-B14F-4D97-AF65-F5344CB8AC3E}">
+        <p14:creationId xmlns:p14="http://schemas.microsoft.com/office/powerpoint/2010/main" val="1581003504"/>
+      </p:ext>
+    </p:extLst>
+  </p:cSld>
+  <p:clrMapOvr>
+    <a:masterClrMapping/>
+  </p:clrMapOvr>
+  <mc:AlternateContent xmlns:mc="http://schemas.openxmlformats.org/markup-compatibility/2006" xmlns:p14="http://schemas.microsoft.com/office/powerpoint/2010/main">
+    <mc:Choice Requires="p14">
+      <p:transition spd="med" p14:dur="700">
+        <p:fade/>
+      </p:transition>
+    </mc:Choice>
+    <mc:Fallback xmlns="">
+      <p:transition spd="med">
+        <p:fade/>
+      </p:transition>
+    </mc:Fallback>
+  </mc:AlternateContent>
+</p:sld>
+</file>
+
+<file path=ppt/slides/slide19.xml><?xml version="1.0" encoding="utf-8"?>
+<p:sld xmlns:a="http://schemas.openxmlformats.org/drawingml/2006/main" xmlns:r="http://schemas.openxmlformats.org/officeDocument/2006/relationships" xmlns:p="http://schemas.openxmlformats.org/presentationml/2006/main">
+  <p:cSld>
+    <p:spTree>
+      <p:nvGrpSpPr>
+        <p:cNvPr id="1" name=""/>
+        <p:cNvGrpSpPr/>
+        <p:nvPr/>
+      </p:nvGrpSpPr>
+      <p:grpSpPr>
+        <a:xfrm>
+          <a:off x="0" y="0"/>
+          <a:ext cx="0" cy="0"/>
+          <a:chOff x="0" y="0"/>
+          <a:chExt cx="0" cy="0"/>
+        </a:xfrm>
+      </p:grpSpPr>
+      <p:sp>
+        <p:nvSpPr>
+          <p:cNvPr id="2" name="Заголовок 1">
+            <a:extLst>
+              <a:ext uri="{FF2B5EF4-FFF2-40B4-BE49-F238E27FC236}">
+                <a16:creationId xmlns:a16="http://schemas.microsoft.com/office/drawing/2014/main" id="{23799081-69DC-E5FF-6C44-EE26B275098A}"/>
+              </a:ext>
+            </a:extLst>
+          </p:cNvPr>
+          <p:cNvSpPr>
+            <a:spLocks noGrp="1"/>
+          </p:cNvSpPr>
+          <p:nvPr>
+            <p:ph type="title"/>
+          </p:nvPr>
+        </p:nvSpPr>
+        <p:spPr>
+          <a:xfrm>
+            <a:off x="1" y="9144"/>
+            <a:ext cx="12191999" cy="731520"/>
           </a:xfrm>
         </p:spPr>
         <p:txBody>
@@ -12471,33 +16207,190 @@
           <a:p>
             <a:pPr algn="ctr"/>
             <a:r>
-              <a:rPr lang="ru-RU" cap="all" dirty="0">
+              <a:rPr lang="ru-RU" dirty="0">
                 <a:latin typeface="Times New Roman" panose="02020603050405020304" pitchFamily="18" charset="0"/>
                 <a:cs typeface="Times New Roman" panose="02020603050405020304" pitchFamily="18" charset="0"/>
               </a:rPr>
-              <a:t>СПАСИБО ЗА ВНИМАНИЕ.</a:t>
-            </a:r>
-            <a:br>
-              <a:rPr lang="ru-RU" cap="all" dirty="0">
-                <a:latin typeface="Times New Roman" panose="02020603050405020304" pitchFamily="18" charset="0"/>
-                <a:cs typeface="Times New Roman" panose="02020603050405020304" pitchFamily="18" charset="0"/>
+              <a:t>акт внедрения</a:t>
+            </a:r>
+            <a:endParaRPr lang="ru-RU" dirty="0"/>
+          </a:p>
+        </p:txBody>
+      </p:sp>
+      <p:sp>
+        <p:nvSpPr>
+          <p:cNvPr id="5" name="Номер слайда 4">
+            <a:extLst>
+              <a:ext uri="{FF2B5EF4-FFF2-40B4-BE49-F238E27FC236}">
+                <a16:creationId xmlns:a16="http://schemas.microsoft.com/office/drawing/2014/main" id="{F9D77489-2275-14CA-926D-64F6E9FF9334}"/>
+              </a:ext>
+            </a:extLst>
+          </p:cNvPr>
+          <p:cNvSpPr txBox="1">
+            <a:spLocks/>
+          </p:cNvSpPr>
+          <p:nvPr/>
+        </p:nvSpPr>
+        <p:spPr>
+          <a:xfrm>
+            <a:off x="11171852" y="0"/>
+            <a:ext cx="1020148" cy="658368"/>
+          </a:xfrm>
+          <a:prstGeom prst="rect">
+            <a:avLst/>
+          </a:prstGeom>
+        </p:spPr>
+        <p:txBody>
+          <a:bodyPr vert="horz" lIns="91440" tIns="45720" rIns="91440" bIns="45720" rtlCol="0" anchor="ctr"/>
+          <a:lstStyle>
+            <a:defPPr>
+              <a:defRPr lang="en-US"/>
+            </a:defPPr>
+            <a:lvl1pPr marL="0" algn="r" defTabSz="457200" rtl="0" eaLnBrk="1" latinLnBrk="0" hangingPunct="1">
+              <a:defRPr sz="1000" b="0" i="0" kern="1200">
+                <a:solidFill>
+                  <a:schemeClr val="tx1"/>
+                </a:solidFill>
+                <a:effectLst/>
+                <a:latin typeface="+mn-lt"/>
+                <a:ea typeface="+mn-ea"/>
+                <a:cs typeface="+mn-cs"/>
+              </a:defRPr>
+            </a:lvl1pPr>
+            <a:lvl2pPr marL="457200" algn="l" defTabSz="457200" rtl="0" eaLnBrk="1" latinLnBrk="0" hangingPunct="1">
+              <a:defRPr sz="1800" kern="1200">
+                <a:solidFill>
+                  <a:schemeClr val="tx1"/>
+                </a:solidFill>
+                <a:latin typeface="+mn-lt"/>
+                <a:ea typeface="+mn-ea"/>
+                <a:cs typeface="+mn-cs"/>
+              </a:defRPr>
+            </a:lvl2pPr>
+            <a:lvl3pPr marL="914400" algn="l" defTabSz="457200" rtl="0" eaLnBrk="1" latinLnBrk="0" hangingPunct="1">
+              <a:defRPr sz="1800" kern="1200">
+                <a:solidFill>
+                  <a:schemeClr val="tx1"/>
+                </a:solidFill>
+                <a:latin typeface="+mn-lt"/>
+                <a:ea typeface="+mn-ea"/>
+                <a:cs typeface="+mn-cs"/>
+              </a:defRPr>
+            </a:lvl3pPr>
+            <a:lvl4pPr marL="1371600" algn="l" defTabSz="457200" rtl="0" eaLnBrk="1" latinLnBrk="0" hangingPunct="1">
+              <a:defRPr sz="1800" kern="1200">
+                <a:solidFill>
+                  <a:schemeClr val="tx1"/>
+                </a:solidFill>
+                <a:latin typeface="+mn-lt"/>
+                <a:ea typeface="+mn-ea"/>
+                <a:cs typeface="+mn-cs"/>
+              </a:defRPr>
+            </a:lvl4pPr>
+            <a:lvl5pPr marL="1828800" algn="l" defTabSz="457200" rtl="0" eaLnBrk="1" latinLnBrk="0" hangingPunct="1">
+              <a:defRPr sz="1800" kern="1200">
+                <a:solidFill>
+                  <a:schemeClr val="tx1"/>
+                </a:solidFill>
+                <a:latin typeface="+mn-lt"/>
+                <a:ea typeface="+mn-ea"/>
+                <a:cs typeface="+mn-cs"/>
+              </a:defRPr>
+            </a:lvl5pPr>
+            <a:lvl6pPr marL="2286000" algn="l" defTabSz="457200" rtl="0" eaLnBrk="1" latinLnBrk="0" hangingPunct="1">
+              <a:defRPr sz="1800" kern="1200">
+                <a:solidFill>
+                  <a:schemeClr val="tx1"/>
+                </a:solidFill>
+                <a:latin typeface="+mn-lt"/>
+                <a:ea typeface="+mn-ea"/>
+                <a:cs typeface="+mn-cs"/>
+              </a:defRPr>
+            </a:lvl6pPr>
+            <a:lvl7pPr marL="2743200" algn="l" defTabSz="457200" rtl="0" eaLnBrk="1" latinLnBrk="0" hangingPunct="1">
+              <a:defRPr sz="1800" kern="1200">
+                <a:solidFill>
+                  <a:schemeClr val="tx1"/>
+                </a:solidFill>
+                <a:latin typeface="+mn-lt"/>
+                <a:ea typeface="+mn-ea"/>
+                <a:cs typeface="+mn-cs"/>
+              </a:defRPr>
+            </a:lvl7pPr>
+            <a:lvl8pPr marL="3200400" algn="l" defTabSz="457200" rtl="0" eaLnBrk="1" latinLnBrk="0" hangingPunct="1">
+              <a:defRPr sz="1800" kern="1200">
+                <a:solidFill>
+                  <a:schemeClr val="tx1"/>
+                </a:solidFill>
+                <a:latin typeface="+mn-lt"/>
+                <a:ea typeface="+mn-ea"/>
+                <a:cs typeface="+mn-cs"/>
+              </a:defRPr>
+            </a:lvl8pPr>
+            <a:lvl9pPr marL="3657600" algn="l" defTabSz="457200" rtl="0" eaLnBrk="1" latinLnBrk="0" hangingPunct="1">
+              <a:defRPr sz="1800" kern="1200">
+                <a:solidFill>
+                  <a:schemeClr val="tx1"/>
+                </a:solidFill>
+                <a:latin typeface="+mn-lt"/>
+                <a:ea typeface="+mn-ea"/>
+                <a:cs typeface="+mn-cs"/>
+              </a:defRPr>
+            </a:lvl9pPr>
+          </a:lstStyle>
+          <a:p>
+            <a:pPr algn="ctr"/>
+            <a:fld id="{E674C0A0-8DE9-4942-9F1B-2332F349D007}" type="slidenum">
+              <a:rPr lang="ru-RU" sz="2200" smtClean="0">
+                <a:latin typeface="Tahoma" panose="020B0604030504040204" pitchFamily="34" charset="0"/>
+                <a:ea typeface="Tahoma" panose="020B0604030504040204" pitchFamily="34" charset="0"/>
+                <a:cs typeface="Tahoma" panose="020B0604030504040204" pitchFamily="34" charset="0"/>
               </a:rPr>
-            </a:br>
-            <a:r>
-              <a:rPr lang="ru-RU" cap="all" dirty="0">
-                <a:latin typeface="Times New Roman" panose="02020603050405020304" pitchFamily="18" charset="0"/>
-                <a:cs typeface="Times New Roman" panose="02020603050405020304" pitchFamily="18" charset="0"/>
-              </a:rPr>
-              <a:t>ДОКЛАД ОКОНЧЕН!</a:t>
-            </a:r>
-            <a:endParaRPr lang="ru-RU" dirty="0"/>
-          </a:p>
-        </p:txBody>
-      </p:sp>
+              <a:pPr algn="ctr"/>
+              <a:t>19</a:t>
+            </a:fld>
+            <a:endParaRPr lang="ru-RU" sz="2200" dirty="0">
+              <a:latin typeface="Tahoma" panose="020B0604030504040204" pitchFamily="34" charset="0"/>
+              <a:ea typeface="Tahoma" panose="020B0604030504040204" pitchFamily="34" charset="0"/>
+              <a:cs typeface="Tahoma" panose="020B0604030504040204" pitchFamily="34" charset="0"/>
+            </a:endParaRPr>
+          </a:p>
+        </p:txBody>
+      </p:sp>
+      <p:pic>
+        <p:nvPicPr>
+          <p:cNvPr id="3" name="Рисунок 2">
+            <a:extLst>
+              <a:ext uri="{FF2B5EF4-FFF2-40B4-BE49-F238E27FC236}">
+                <a16:creationId xmlns:a16="http://schemas.microsoft.com/office/drawing/2014/main" id="{03921933-52A3-0F96-9FB0-AE9928E969F7}"/>
+              </a:ext>
+            </a:extLst>
+          </p:cNvPr>
+          <p:cNvPicPr>
+            <a:picLocks noChangeAspect="1"/>
+          </p:cNvPicPr>
+          <p:nvPr/>
+        </p:nvPicPr>
+        <p:blipFill>
+          <a:blip r:embed="rId3"/>
+          <a:stretch>
+            <a:fillRect/>
+          </a:stretch>
+        </p:blipFill>
+        <p:spPr>
+          <a:xfrm>
+            <a:off x="3494886" y="740664"/>
+            <a:ext cx="5202227" cy="6099048"/>
+          </a:xfrm>
+          <a:prstGeom prst="rect">
+            <a:avLst/>
+          </a:prstGeom>
+        </p:spPr>
+      </p:pic>
     </p:spTree>
     <p:extLst>
       <p:ext uri="{BB962C8B-B14F-4D97-AF65-F5344CB8AC3E}">
-        <p14:creationId xmlns:p14="http://schemas.microsoft.com/office/powerpoint/2010/main" val="1250096644"/>
+        <p14:creationId xmlns:p14="http://schemas.microsoft.com/office/powerpoint/2010/main" val="4189832676"/>
       </p:ext>
     </p:extLst>
   </p:cSld>
@@ -12802,7 +16695,7 @@
           <p:nvPr/>
         </p:nvPicPr>
         <p:blipFill>
-          <a:blip r:embed="rId2"/>
+          <a:blip r:embed="rId3"/>
           <a:stretch/>
         </p:blipFill>
         <p:spPr>
@@ -12866,6 +16759,101 @@
     <p:extLst>
       <p:ext uri="{BB962C8B-B14F-4D97-AF65-F5344CB8AC3E}">
         <p14:creationId xmlns:p14="http://schemas.microsoft.com/office/powerpoint/2010/main" val="3308579488"/>
+      </p:ext>
+    </p:extLst>
+  </p:cSld>
+  <p:clrMapOvr>
+    <a:masterClrMapping/>
+  </p:clrMapOvr>
+  <mc:AlternateContent xmlns:mc="http://schemas.openxmlformats.org/markup-compatibility/2006" xmlns:p14="http://schemas.microsoft.com/office/powerpoint/2010/main">
+    <mc:Choice Requires="p14">
+      <p:transition spd="med" p14:dur="700">
+        <p:fade/>
+      </p:transition>
+    </mc:Choice>
+    <mc:Fallback xmlns="">
+      <p:transition spd="med">
+        <p:fade/>
+      </p:transition>
+    </mc:Fallback>
+  </mc:AlternateContent>
+</p:sld>
+</file>
+
+<file path=ppt/slides/slide20.xml><?xml version="1.0" encoding="utf-8"?>
+<p:sld xmlns:a="http://schemas.openxmlformats.org/drawingml/2006/main" xmlns:r="http://schemas.openxmlformats.org/officeDocument/2006/relationships" xmlns:p="http://schemas.openxmlformats.org/presentationml/2006/main">
+  <p:cSld>
+    <p:spTree>
+      <p:nvGrpSpPr>
+        <p:cNvPr id="1" name=""/>
+        <p:cNvGrpSpPr/>
+        <p:nvPr/>
+      </p:nvGrpSpPr>
+      <p:grpSpPr>
+        <a:xfrm>
+          <a:off x="0" y="0"/>
+          <a:ext cx="0" cy="0"/>
+          <a:chOff x="0" y="0"/>
+          <a:chExt cx="0" cy="0"/>
+        </a:xfrm>
+      </p:grpSpPr>
+      <p:sp>
+        <p:nvSpPr>
+          <p:cNvPr id="2" name="Заголовок 1">
+            <a:extLst>
+              <a:ext uri="{FF2B5EF4-FFF2-40B4-BE49-F238E27FC236}">
+                <a16:creationId xmlns:a16="http://schemas.microsoft.com/office/drawing/2014/main" id="{DCDEF69C-C445-15ED-1AE7-519CE259E24E}"/>
+              </a:ext>
+            </a:extLst>
+          </p:cNvPr>
+          <p:cNvSpPr>
+            <a:spLocks noGrp="1"/>
+          </p:cNvSpPr>
+          <p:nvPr>
+            <p:ph type="title"/>
+          </p:nvPr>
+        </p:nvSpPr>
+        <p:spPr>
+          <a:xfrm>
+            <a:off x="1030287" y="2608411"/>
+            <a:ext cx="10131425" cy="1456267"/>
+          </a:xfrm>
+        </p:spPr>
+        <p:txBody>
+          <a:bodyPr>
+            <a:noAutofit/>
+          </a:bodyPr>
+          <a:lstStyle/>
+          <a:p>
+            <a:pPr algn="ctr"/>
+            <a:r>
+              <a:rPr lang="ru-RU" cap="all" dirty="0">
+                <a:latin typeface="Times New Roman" panose="02020603050405020304" pitchFamily="18" charset="0"/>
+                <a:cs typeface="Times New Roman" panose="02020603050405020304" pitchFamily="18" charset="0"/>
+              </a:rPr>
+              <a:t>СПАСИБО ЗА ВНИМАНИЕ.</a:t>
+            </a:r>
+            <a:br>
+              <a:rPr lang="ru-RU" cap="all" dirty="0">
+                <a:latin typeface="Times New Roman" panose="02020603050405020304" pitchFamily="18" charset="0"/>
+                <a:cs typeface="Times New Roman" panose="02020603050405020304" pitchFamily="18" charset="0"/>
+              </a:rPr>
+            </a:br>
+            <a:r>
+              <a:rPr lang="ru-RU" cap="all" dirty="0">
+                <a:latin typeface="Times New Roman" panose="02020603050405020304" pitchFamily="18" charset="0"/>
+                <a:cs typeface="Times New Roman" panose="02020603050405020304" pitchFamily="18" charset="0"/>
+              </a:rPr>
+              <a:t>ДОКЛАД ОКОНЧЕН!</a:t>
+            </a:r>
+            <a:endParaRPr lang="ru-RU" dirty="0"/>
+          </a:p>
+        </p:txBody>
+      </p:sp>
+    </p:spTree>
+    <p:extLst>
+      <p:ext uri="{BB962C8B-B14F-4D97-AF65-F5344CB8AC3E}">
+        <p14:creationId xmlns:p14="http://schemas.microsoft.com/office/powerpoint/2010/main" val="1250096644"/>
       </p:ext>
     </p:extLst>
   </p:cSld>
@@ -13079,11 +17067,11 @@
           <p:nvPr/>
         </p:nvPicPr>
         <p:blipFill>
-          <a:blip r:embed="rId2">
+          <a:blip r:embed="rId3">
             <a:extLst>
               <a:ext uri="{BEBA8EAE-BF5A-486C-A8C5-ECC9F3942E4B}">
                 <a14:imgProps xmlns:a14="http://schemas.microsoft.com/office/drawing/2010/main">
-                  <a14:imgLayer r:embed="rId3">
+                  <a14:imgLayer r:embed="rId4">
                     <a14:imgEffect>
                       <a14:backgroundRemoval t="10000" b="90000" l="10000" r="90000"/>
                     </a14:imgEffect>
@@ -13387,7 +17375,7 @@
           <p:nvPr/>
         </p:nvPicPr>
         <p:blipFill>
-          <a:blip r:embed="rId4">
+          <a:blip r:embed="rId5">
             <a:extLst>
               <a:ext uri="{28A0092B-C50C-407E-A947-70E740481C1C}">
                 <a14:useLocalDpi xmlns:a14="http://schemas.microsoft.com/office/drawing/2010/main" val="0"/>
@@ -13469,11 +17457,11 @@
           <p:nvPr/>
         </p:nvPicPr>
         <p:blipFill>
-          <a:blip r:embed="rId2">
+          <a:blip r:embed="rId3">
             <a:extLst>
               <a:ext uri="{BEBA8EAE-BF5A-486C-A8C5-ECC9F3942E4B}">
                 <a14:imgProps xmlns:a14="http://schemas.microsoft.com/office/drawing/2010/main">
-                  <a14:imgLayer r:embed="rId3">
+                  <a14:imgLayer r:embed="rId4">
                     <a14:imgEffect>
                       <a14:backgroundRemoval t="10000" b="90000" l="10000" r="90000"/>
                     </a14:imgEffect>
@@ -13560,11 +17548,11 @@
           <p:nvPr/>
         </p:nvPicPr>
         <p:blipFill>
-          <a:blip r:embed="rId2">
+          <a:blip r:embed="rId3">
             <a:extLst>
               <a:ext uri="{BEBA8EAE-BF5A-486C-A8C5-ECC9F3942E4B}">
                 <a14:imgProps xmlns:a14="http://schemas.microsoft.com/office/drawing/2010/main">
-                  <a14:imgLayer r:embed="rId3">
+                  <a14:imgLayer r:embed="rId4">
                     <a14:imgEffect>
                       <a14:backgroundRemoval t="10000" b="90000" l="10000" r="90000"/>
                     </a14:imgEffect>
@@ -13701,7 +17689,7 @@
           <p:nvPr/>
         </p:nvPicPr>
         <p:blipFill>
-          <a:blip r:embed="rId5">
+          <a:blip r:embed="rId6">
             <a:extLst>
               <a:ext uri="{28A0092B-C50C-407E-A947-70E740481C1C}">
                 <a14:useLocalDpi xmlns:a14="http://schemas.microsoft.com/office/drawing/2010/main" val="0"/>
@@ -13787,7 +17775,7 @@
           <p:nvPr/>
         </p:nvPicPr>
         <p:blipFill>
-          <a:blip r:embed="rId6">
+          <a:blip r:embed="rId7">
             <a:extLst>
               <a:ext uri="{28A0092B-C50C-407E-A947-70E740481C1C}">
                 <a14:useLocalDpi xmlns:a14="http://schemas.microsoft.com/office/drawing/2010/main" val="0"/>
@@ -13981,11 +17969,11 @@
           <p:nvPr/>
         </p:nvPicPr>
         <p:blipFill>
-          <a:blip r:embed="rId2">
+          <a:blip r:embed="rId3">
             <a:extLst>
               <a:ext uri="{BEBA8EAE-BF5A-486C-A8C5-ECC9F3942E4B}">
                 <a14:imgProps xmlns:a14="http://schemas.microsoft.com/office/drawing/2010/main">
-                  <a14:imgLayer r:embed="rId3">
+                  <a14:imgLayer r:embed="rId4">
                     <a14:imgEffect>
                       <a14:backgroundRemoval t="10000" b="90000" l="10000" r="90000"/>
                     </a14:imgEffect>
@@ -14128,7 +18116,7 @@
           <p:nvPr/>
         </p:nvPicPr>
         <p:blipFill>
-          <a:blip r:embed="rId7">
+          <a:blip r:embed="rId8">
             <a:extLst>
               <a:ext uri="{28A0092B-C50C-407E-A947-70E740481C1C}">
                 <a14:useLocalDpi xmlns:a14="http://schemas.microsoft.com/office/drawing/2010/main" val="0"/>
@@ -14232,7 +18220,7 @@
           <p:nvPr/>
         </p:nvPicPr>
         <p:blipFill>
-          <a:blip r:embed="rId7">
+          <a:blip r:embed="rId8">
             <a:extLst>
               <a:ext uri="{28A0092B-C50C-407E-A947-70E740481C1C}">
                 <a14:useLocalDpi xmlns:a14="http://schemas.microsoft.com/office/drawing/2010/main" val="0"/>
@@ -14279,7 +18267,7 @@
           <p:nvPr/>
         </p:nvPicPr>
         <p:blipFill>
-          <a:blip r:embed="rId7">
+          <a:blip r:embed="rId8">
             <a:extLst>
               <a:ext uri="{28A0092B-C50C-407E-A947-70E740481C1C}">
                 <a14:useLocalDpi xmlns:a14="http://schemas.microsoft.com/office/drawing/2010/main" val="0"/>
@@ -14481,11 +18469,11 @@
           <p:nvPr/>
         </p:nvPicPr>
         <p:blipFill>
-          <a:blip r:embed="rId2">
+          <a:blip r:embed="rId3">
             <a:extLst>
               <a:ext uri="{BEBA8EAE-BF5A-486C-A8C5-ECC9F3942E4B}">
                 <a14:imgProps xmlns:a14="http://schemas.microsoft.com/office/drawing/2010/main">
-                  <a14:imgLayer r:embed="rId3">
+                  <a14:imgLayer r:embed="rId4">
                     <a14:imgEffect>
                       <a14:backgroundRemoval t="10000" b="90000" l="10000" r="90000"/>
                     </a14:imgEffect>
@@ -14537,11 +18525,11 @@
           <p:nvPr/>
         </p:nvPicPr>
         <p:blipFill>
-          <a:blip r:embed="rId2">
+          <a:blip r:embed="rId3">
             <a:extLst>
               <a:ext uri="{BEBA8EAE-BF5A-486C-A8C5-ECC9F3942E4B}">
                 <a14:imgProps xmlns:a14="http://schemas.microsoft.com/office/drawing/2010/main">
-                  <a14:imgLayer r:embed="rId3">
+                  <a14:imgLayer r:embed="rId4">
                     <a14:imgEffect>
                       <a14:backgroundRemoval t="10000" b="90000" l="10000" r="90000"/>
                     </a14:imgEffect>
@@ -14962,11 +18950,11 @@
             </a:r>
             <a:r>
               <a:rPr lang="en-US" dirty="0"/>
-              <a:t>≈</a:t>
+              <a:t>&gt;3</a:t>
             </a:r>
             <a:r>
               <a:rPr lang="ru-RU" dirty="0"/>
-              <a:t>20</a:t>
+              <a:t>0</a:t>
             </a:r>
             <a:r>
               <a:rPr lang="en-US" dirty="0"/>
@@ -15039,11 +19027,11 @@
             </a:r>
             <a:r>
               <a:rPr lang="en-US" dirty="0"/>
-              <a:t>≈</a:t>
+              <a:t>&gt;3</a:t>
             </a:r>
             <a:r>
               <a:rPr lang="ru-RU" dirty="0"/>
-              <a:t>25</a:t>
+              <a:t>0</a:t>
             </a:r>
             <a:r>
               <a:rPr lang="en-US" dirty="0"/>
@@ -15293,616 +19281,6 @@
               <a:rPr lang="ru-RU" dirty="0"/>
               <a:t>минут</a:t>
             </a:r>
-          </a:p>
-        </p:txBody>
-      </p:sp>
-      <p:sp>
-        <p:nvSpPr>
-          <p:cNvPr id="62" name="Прямоугольник: скругленные углы 61">
-            <a:extLst>
-              <a:ext uri="{FF2B5EF4-FFF2-40B4-BE49-F238E27FC236}">
-                <a16:creationId xmlns:a16="http://schemas.microsoft.com/office/drawing/2014/main" id="{E76BDF38-A626-4DFE-FB30-1949148A94A2}"/>
-              </a:ext>
-            </a:extLst>
-          </p:cNvPr>
-          <p:cNvSpPr/>
-          <p:nvPr/>
-        </p:nvSpPr>
-        <p:spPr>
-          <a:xfrm>
-            <a:off x="752187" y="600701"/>
-            <a:ext cx="10579276" cy="6008677"/>
-          </a:xfrm>
-          <a:prstGeom prst="roundRect">
-            <a:avLst/>
-          </a:prstGeom>
-          <a:solidFill>
-            <a:schemeClr val="tx1">
-              <a:lumMod val="75000"/>
-            </a:schemeClr>
-          </a:solidFill>
-          <a:ln w="127000">
-            <a:solidFill>
-              <a:srgbClr val="FF0000"/>
-            </a:solidFill>
-          </a:ln>
-        </p:spPr>
-        <p:style>
-          <a:lnRef idx="2">
-            <a:schemeClr val="accent1">
-              <a:shade val="15000"/>
-            </a:schemeClr>
-          </a:lnRef>
-          <a:fillRef idx="1">
-            <a:schemeClr val="accent1"/>
-          </a:fillRef>
-          <a:effectRef idx="0">
-            <a:schemeClr val="accent1"/>
-          </a:effectRef>
-          <a:fontRef idx="minor">
-            <a:schemeClr val="lt1"/>
-          </a:fontRef>
-        </p:style>
-        <p:txBody>
-          <a:bodyPr rtlCol="0" anchor="ctr"/>
-          <a:lstStyle/>
-          <a:p>
-            <a:pPr indent="0" algn="just">
-              <a:lnSpc>
-                <a:spcPct val="150000"/>
-              </a:lnSpc>
-              <a:buNone/>
-            </a:pPr>
-            <a:r>
-              <a:rPr lang="ru-RU" sz="2200" kern="100" dirty="0">
-                <a:solidFill>
-                  <a:schemeClr val="tx2">
-                    <a:lumMod val="10000"/>
-                  </a:schemeClr>
-                </a:solidFill>
-                <a:effectLst/>
-                <a:latin typeface="Times New Roman" panose="02020603050405020304" pitchFamily="18" charset="0"/>
-                <a:ea typeface="NSimSun" panose="02010609030101010101" pitchFamily="49" charset="-122"/>
-                <a:cs typeface="Times New Roman" panose="02020603050405020304" pitchFamily="18" charset="0"/>
-              </a:rPr>
-              <a:t>Со второй половины 2018 года по настоящий момент в «РШТ»:</a:t>
-            </a:r>
-          </a:p>
-          <a:p>
-            <a:pPr lvl="1" indent="-342900" algn="just">
-              <a:lnSpc>
-                <a:spcPct val="150000"/>
-              </a:lnSpc>
-              <a:buFont typeface="Symbol" panose="05050102010706020507" pitchFamily="18" charset="2"/>
-              <a:buChar char=""/>
-              <a:tabLst>
-                <a:tab pos="178435" algn="l"/>
-              </a:tabLst>
-            </a:pPr>
-            <a:r>
-              <a:rPr lang="ru-RU" sz="2200" kern="100" dirty="0">
-                <a:solidFill>
-                  <a:schemeClr val="tx2">
-                    <a:lumMod val="10000"/>
-                  </a:schemeClr>
-                </a:solidFill>
-                <a:effectLst/>
-                <a:latin typeface="Times New Roman" panose="02020603050405020304" pitchFamily="18" charset="0"/>
-                <a:ea typeface="NSimSun" panose="02010609030101010101" pitchFamily="49" charset="-122"/>
-                <a:cs typeface="Times New Roman" panose="02020603050405020304" pitchFamily="18" charset="0"/>
-              </a:rPr>
-              <a:t>было сформировано более </a:t>
-            </a:r>
-            <a:r>
-              <a:rPr lang="ru-RU" sz="2200" kern="100" dirty="0">
-                <a:solidFill>
-                  <a:srgbClr val="FF0000"/>
-                </a:solidFill>
-                <a:effectLst/>
-                <a:latin typeface="Times New Roman" panose="02020603050405020304" pitchFamily="18" charset="0"/>
-                <a:ea typeface="NSimSun" panose="02010609030101010101" pitchFamily="49" charset="-122"/>
-                <a:cs typeface="Times New Roman" panose="02020603050405020304" pitchFamily="18" charset="0"/>
-              </a:rPr>
-              <a:t>4000 приказов</a:t>
-            </a:r>
-            <a:r>
-              <a:rPr lang="ru-RU" sz="2200" kern="100" dirty="0">
-                <a:solidFill>
-                  <a:schemeClr val="tx2">
-                    <a:lumMod val="10000"/>
-                  </a:schemeClr>
-                </a:solidFill>
-                <a:effectLst/>
-                <a:latin typeface="Times New Roman" panose="02020603050405020304" pitchFamily="18" charset="0"/>
-                <a:ea typeface="NSimSun" panose="02010609030101010101" pitchFamily="49" charset="-122"/>
-                <a:cs typeface="Times New Roman" panose="02020603050405020304" pitchFamily="18" charset="0"/>
-              </a:rPr>
-              <a:t>;</a:t>
-            </a:r>
-          </a:p>
-          <a:p>
-            <a:pPr lvl="1" indent="-342900" algn="just">
-              <a:lnSpc>
-                <a:spcPct val="150000"/>
-              </a:lnSpc>
-              <a:buFont typeface="Symbol" panose="05050102010706020507" pitchFamily="18" charset="2"/>
-              <a:buChar char=""/>
-              <a:tabLst>
-                <a:tab pos="178435" algn="l"/>
-              </a:tabLst>
-            </a:pPr>
-            <a:r>
-              <a:rPr lang="ru-RU" sz="2200" kern="100" dirty="0">
-                <a:solidFill>
-                  <a:schemeClr val="tx2">
-                    <a:lumMod val="10000"/>
-                  </a:schemeClr>
-                </a:solidFill>
-                <a:latin typeface="Times New Roman" panose="02020603050405020304" pitchFamily="18" charset="0"/>
-                <a:ea typeface="NSimSun" panose="02010609030101010101" pitchFamily="49" charset="-122"/>
-                <a:cs typeface="Times New Roman" panose="02020603050405020304" pitchFamily="18" charset="0"/>
-              </a:rPr>
-              <a:t>обработано более </a:t>
-            </a:r>
-            <a:r>
-              <a:rPr lang="ru-RU" sz="2200" kern="100" dirty="0">
-                <a:solidFill>
-                  <a:srgbClr val="FF0000"/>
-                </a:solidFill>
-                <a:latin typeface="Times New Roman" panose="02020603050405020304" pitchFamily="18" charset="0"/>
-                <a:ea typeface="NSimSun" panose="02010609030101010101" pitchFamily="49" charset="-122"/>
-                <a:cs typeface="Times New Roman" panose="02020603050405020304" pitchFamily="18" charset="0"/>
-              </a:rPr>
-              <a:t>9000 документов</a:t>
-            </a:r>
-            <a:r>
-              <a:rPr lang="ru-RU" sz="2200" kern="100" dirty="0">
-                <a:solidFill>
-                  <a:schemeClr val="tx2">
-                    <a:lumMod val="10000"/>
-                  </a:schemeClr>
-                </a:solidFill>
-                <a:latin typeface="Times New Roman" panose="02020603050405020304" pitchFamily="18" charset="0"/>
-                <a:ea typeface="NSimSun" panose="02010609030101010101" pitchFamily="49" charset="-122"/>
-                <a:cs typeface="Times New Roman" panose="02020603050405020304" pitchFamily="18" charset="0"/>
-              </a:rPr>
-              <a:t>;</a:t>
-            </a:r>
-            <a:endParaRPr lang="ru-RU" sz="2200" kern="100" dirty="0">
-              <a:solidFill>
-                <a:schemeClr val="tx2">
-                  <a:lumMod val="10000"/>
-                </a:schemeClr>
-              </a:solidFill>
-              <a:effectLst/>
-              <a:latin typeface="Times New Roman" panose="02020603050405020304" pitchFamily="18" charset="0"/>
-              <a:ea typeface="NSimSun" panose="02010609030101010101" pitchFamily="49" charset="-122"/>
-              <a:cs typeface="Times New Roman" panose="02020603050405020304" pitchFamily="18" charset="0"/>
-            </a:endParaRPr>
-          </a:p>
-          <a:p>
-            <a:pPr lvl="1" indent="-342900" algn="just">
-              <a:lnSpc>
-                <a:spcPct val="150000"/>
-              </a:lnSpc>
-              <a:buFont typeface="Symbol" panose="05050102010706020507" pitchFamily="18" charset="2"/>
-              <a:buChar char=""/>
-              <a:tabLst>
-                <a:tab pos="178435" algn="l"/>
-              </a:tabLst>
-            </a:pPr>
-            <a:r>
-              <a:rPr lang="ru-RU" sz="2200" kern="100" dirty="0">
-                <a:solidFill>
-                  <a:schemeClr val="tx2">
-                    <a:lumMod val="10000"/>
-                  </a:schemeClr>
-                </a:solidFill>
-                <a:effectLst/>
-                <a:latin typeface="Times New Roman" panose="02020603050405020304" pitchFamily="18" charset="0"/>
-                <a:ea typeface="NSimSun" panose="02010609030101010101" pitchFamily="49" charset="-122"/>
-                <a:cs typeface="Times New Roman" panose="02020603050405020304" pitchFamily="18" charset="0"/>
-              </a:rPr>
-              <a:t>прошли обучение более </a:t>
-            </a:r>
-            <a:r>
-              <a:rPr lang="ru-RU" sz="2200" kern="100" dirty="0">
-                <a:solidFill>
-                  <a:srgbClr val="FF0000"/>
-                </a:solidFill>
-                <a:effectLst/>
-                <a:latin typeface="Times New Roman" panose="02020603050405020304" pitchFamily="18" charset="0"/>
-                <a:ea typeface="NSimSun" panose="02010609030101010101" pitchFamily="49" charset="-122"/>
-                <a:cs typeface="Times New Roman" panose="02020603050405020304" pitchFamily="18" charset="0"/>
-              </a:rPr>
-              <a:t>14000 учеников</a:t>
-            </a:r>
-            <a:r>
-              <a:rPr lang="ru-RU" sz="2200" kern="100" dirty="0">
-                <a:solidFill>
-                  <a:schemeClr val="tx2">
-                    <a:lumMod val="10000"/>
-                  </a:schemeClr>
-                </a:solidFill>
-                <a:effectLst/>
-                <a:latin typeface="Times New Roman" panose="02020603050405020304" pitchFamily="18" charset="0"/>
-                <a:ea typeface="NSimSun" panose="02010609030101010101" pitchFamily="49" charset="-122"/>
-                <a:cs typeface="Times New Roman" panose="02020603050405020304" pitchFamily="18" charset="0"/>
-              </a:rPr>
-              <a:t>;</a:t>
-            </a:r>
-          </a:p>
-          <a:p>
-            <a:pPr lvl="1" indent="-342900" algn="just">
-              <a:lnSpc>
-                <a:spcPct val="150000"/>
-              </a:lnSpc>
-              <a:buFont typeface="Symbol" panose="05050102010706020507" pitchFamily="18" charset="2"/>
-              <a:buChar char=""/>
-              <a:tabLst>
-                <a:tab pos="178435" algn="l"/>
-              </a:tabLst>
-            </a:pPr>
-            <a:r>
-              <a:rPr lang="ru-RU" sz="2200" kern="100" dirty="0">
-                <a:solidFill>
-                  <a:schemeClr val="tx2">
-                    <a:lumMod val="10000"/>
-                  </a:schemeClr>
-                </a:solidFill>
-                <a:effectLst/>
-                <a:latin typeface="Times New Roman" panose="02020603050405020304" pitchFamily="18" charset="0"/>
-                <a:ea typeface="NSimSun" panose="02010609030101010101" pitchFamily="49" charset="-122"/>
-                <a:cs typeface="Times New Roman" panose="02020603050405020304" pitchFamily="18" charset="0"/>
-              </a:rPr>
-              <a:t>обучающиеся были представлены на </a:t>
-            </a:r>
-            <a:r>
-              <a:rPr lang="ru-RU" sz="2200" kern="100" dirty="0">
-                <a:solidFill>
-                  <a:srgbClr val="FF0000"/>
-                </a:solidFill>
-                <a:effectLst/>
-                <a:latin typeface="Times New Roman" panose="02020603050405020304" pitchFamily="18" charset="0"/>
-                <a:ea typeface="NSimSun" panose="02010609030101010101" pitchFamily="49" charset="-122"/>
-                <a:cs typeface="Times New Roman" panose="02020603050405020304" pitchFamily="18" charset="0"/>
-              </a:rPr>
-              <a:t>657 мероприятиях </a:t>
-            </a:r>
-            <a:r>
-              <a:rPr lang="ru-RU" sz="2200" kern="100" dirty="0">
-                <a:solidFill>
-                  <a:schemeClr val="tx2">
-                    <a:lumMod val="10000"/>
-                  </a:schemeClr>
-                </a:solidFill>
-                <a:effectLst/>
-                <a:latin typeface="Times New Roman" panose="02020603050405020304" pitchFamily="18" charset="0"/>
-                <a:ea typeface="NSimSun" panose="02010609030101010101" pitchFamily="49" charset="-122"/>
-                <a:cs typeface="Times New Roman" panose="02020603050405020304" pitchFamily="18" charset="0"/>
-              </a:rPr>
-              <a:t>по всей России;</a:t>
-            </a:r>
-          </a:p>
-          <a:p>
-            <a:pPr lvl="1" indent="-342900" algn="just">
-              <a:lnSpc>
-                <a:spcPct val="150000"/>
-              </a:lnSpc>
-              <a:buFont typeface="Symbol" panose="05050102010706020507" pitchFamily="18" charset="2"/>
-              <a:buChar char=""/>
-              <a:tabLst>
-                <a:tab pos="178435" algn="l"/>
-              </a:tabLst>
-            </a:pPr>
-            <a:r>
-              <a:rPr lang="ru-RU" sz="2200" kern="100" dirty="0">
-                <a:solidFill>
-                  <a:schemeClr val="tx2">
-                    <a:lumMod val="10000"/>
-                  </a:schemeClr>
-                </a:solidFill>
-                <a:effectLst/>
-                <a:latin typeface="Times New Roman" panose="02020603050405020304" pitchFamily="18" charset="0"/>
-                <a:ea typeface="NSimSun" panose="02010609030101010101" pitchFamily="49" charset="-122"/>
-                <a:cs typeface="Times New Roman" panose="02020603050405020304" pitchFamily="18" charset="0"/>
-              </a:rPr>
-              <a:t>было получено более </a:t>
-            </a:r>
-            <a:r>
-              <a:rPr lang="ru-RU" sz="2200" kern="100" dirty="0">
-                <a:solidFill>
-                  <a:srgbClr val="FF0000"/>
-                </a:solidFill>
-                <a:effectLst/>
-                <a:latin typeface="Times New Roman" panose="02020603050405020304" pitchFamily="18" charset="0"/>
-                <a:ea typeface="NSimSun" panose="02010609030101010101" pitchFamily="49" charset="-122"/>
-                <a:cs typeface="Times New Roman" panose="02020603050405020304" pitchFamily="18" charset="0"/>
-              </a:rPr>
-              <a:t>10000 сертификат</a:t>
-            </a:r>
-            <a:r>
-              <a:rPr lang="ru-RU" sz="2200" kern="100" dirty="0">
-                <a:solidFill>
-                  <a:srgbClr val="FF0000"/>
-                </a:solidFill>
-                <a:latin typeface="Times New Roman" panose="02020603050405020304" pitchFamily="18" charset="0"/>
-                <a:ea typeface="NSimSun" panose="02010609030101010101" pitchFamily="49" charset="-122"/>
-                <a:cs typeface="Times New Roman" panose="02020603050405020304" pitchFamily="18" charset="0"/>
-              </a:rPr>
-              <a:t>ов</a:t>
-            </a:r>
-            <a:r>
-              <a:rPr lang="ru-RU" sz="2200" kern="100" dirty="0">
-                <a:solidFill>
-                  <a:schemeClr val="tx2">
-                    <a:lumMod val="10000"/>
-                  </a:schemeClr>
-                </a:solidFill>
-                <a:effectLst/>
-                <a:latin typeface="Times New Roman" panose="02020603050405020304" pitchFamily="18" charset="0"/>
-                <a:ea typeface="NSimSun" panose="02010609030101010101" pitchFamily="49" charset="-122"/>
-                <a:cs typeface="Times New Roman" panose="02020603050405020304" pitchFamily="18" charset="0"/>
-              </a:rPr>
-              <a:t>;</a:t>
-            </a:r>
-          </a:p>
-          <a:p>
-            <a:pPr marL="400050" lvl="1" indent="0" algn="just">
-              <a:lnSpc>
-                <a:spcPct val="150000"/>
-              </a:lnSpc>
-              <a:buNone/>
-              <a:tabLst>
-                <a:tab pos="178435" algn="l"/>
-              </a:tabLst>
-            </a:pPr>
-            <a:r>
-              <a:rPr lang="ru-RU" sz="2200" kern="100" dirty="0">
-                <a:solidFill>
-                  <a:schemeClr val="tx2">
-                    <a:lumMod val="10000"/>
-                  </a:schemeClr>
-                </a:solidFill>
-                <a:effectLst/>
-                <a:latin typeface="Times New Roman" panose="02020603050405020304" pitchFamily="18" charset="0"/>
-                <a:ea typeface="NSimSun" panose="02010609030101010101" pitchFamily="49" charset="-122"/>
-                <a:cs typeface="Times New Roman" panose="02020603050405020304" pitchFamily="18" charset="0"/>
-              </a:rPr>
-              <a:t>Сформированы:</a:t>
-            </a:r>
-          </a:p>
-          <a:p>
-            <a:pPr lvl="1" indent="-342900" algn="just">
-              <a:lnSpc>
-                <a:spcPct val="150000"/>
-              </a:lnSpc>
-              <a:buClr>
-                <a:schemeClr val="bg1"/>
-              </a:buClr>
-              <a:buFont typeface="Symbol" panose="05050102010706020507" pitchFamily="18" charset="2"/>
-              <a:buChar char=""/>
-              <a:tabLst>
-                <a:tab pos="221615" algn="l"/>
-              </a:tabLst>
-            </a:pPr>
-            <a:r>
-              <a:rPr lang="ru-RU" sz="2200" kern="100" dirty="0">
-                <a:solidFill>
-                  <a:schemeClr val="bg1"/>
-                </a:solidFill>
-                <a:effectLst/>
-                <a:latin typeface="Times New Roman" panose="02020603050405020304" pitchFamily="18" charset="0"/>
-                <a:ea typeface="NSimSun" panose="02010609030101010101" pitchFamily="49" charset="-122"/>
-                <a:cs typeface="Times New Roman" panose="02020603050405020304" pitchFamily="18" charset="0"/>
-              </a:rPr>
-              <a:t>более</a:t>
-            </a:r>
-            <a:r>
-              <a:rPr lang="ru-RU" sz="2200" kern="100" dirty="0">
-                <a:solidFill>
-                  <a:srgbClr val="FF0000"/>
-                </a:solidFill>
-                <a:effectLst/>
-                <a:latin typeface="Times New Roman" panose="02020603050405020304" pitchFamily="18" charset="0"/>
-                <a:ea typeface="NSimSun" panose="02010609030101010101" pitchFamily="49" charset="-122"/>
-                <a:cs typeface="Times New Roman" panose="02020603050405020304" pitchFamily="18" charset="0"/>
-              </a:rPr>
-              <a:t> 2000 учебных групп;</a:t>
-            </a:r>
-          </a:p>
-          <a:p>
-            <a:pPr lvl="1" indent="-342900" algn="just">
-              <a:lnSpc>
-                <a:spcPct val="150000"/>
-              </a:lnSpc>
-              <a:buClr>
-                <a:schemeClr val="bg1"/>
-              </a:buClr>
-              <a:buFont typeface="Symbol" panose="05050102010706020507" pitchFamily="18" charset="2"/>
-              <a:buChar char=""/>
-              <a:tabLst>
-                <a:tab pos="221615" algn="l"/>
-              </a:tabLst>
-            </a:pPr>
-            <a:r>
-              <a:rPr lang="ru-RU" sz="2200" kern="100" dirty="0">
-                <a:solidFill>
-                  <a:schemeClr val="bg1"/>
-                </a:solidFill>
-                <a:latin typeface="Times New Roman" panose="02020603050405020304" pitchFamily="18" charset="0"/>
-                <a:ea typeface="NSimSun" panose="02010609030101010101" pitchFamily="49" charset="-122"/>
-                <a:cs typeface="Times New Roman" panose="02020603050405020304" pitchFamily="18" charset="0"/>
-              </a:rPr>
-              <a:t>более </a:t>
-            </a:r>
-            <a:r>
-              <a:rPr lang="ru-RU" sz="2200" kern="100" dirty="0">
-                <a:solidFill>
-                  <a:srgbClr val="FF0000"/>
-                </a:solidFill>
-                <a:effectLst/>
-                <a:latin typeface="Times New Roman" panose="02020603050405020304" pitchFamily="18" charset="0"/>
-                <a:ea typeface="NSimSun" panose="02010609030101010101" pitchFamily="49" charset="-122"/>
-                <a:cs typeface="Times New Roman" panose="02020603050405020304" pitchFamily="18" charset="0"/>
-              </a:rPr>
-              <a:t>200 конкурсных команд</a:t>
-            </a:r>
-            <a:r>
-              <a:rPr lang="ru-RU" sz="2200" kern="100" dirty="0">
-                <a:solidFill>
-                  <a:srgbClr val="FF0000"/>
-                </a:solidFill>
-                <a:latin typeface="Times New Roman" panose="02020603050405020304" pitchFamily="18" charset="0"/>
-                <a:ea typeface="NSimSun" panose="02010609030101010101" pitchFamily="49" charset="-122"/>
-                <a:cs typeface="Times New Roman" panose="02020603050405020304" pitchFamily="18" charset="0"/>
-              </a:rPr>
-              <a:t>.</a:t>
-            </a:r>
-          </a:p>
-          <a:p>
-            <a:pPr marL="114300" lvl="1" algn="just">
-              <a:lnSpc>
-                <a:spcPct val="150000"/>
-              </a:lnSpc>
-              <a:buClr>
-                <a:schemeClr val="tx1"/>
-              </a:buClr>
-              <a:tabLst>
-                <a:tab pos="221615" algn="l"/>
-              </a:tabLst>
-            </a:pPr>
-            <a:r>
-              <a:rPr lang="ru-RU" sz="2000" kern="100" dirty="0">
-                <a:solidFill>
-                  <a:schemeClr val="bg1">
-                    <a:lumMod val="95000"/>
-                    <a:lumOff val="5000"/>
-                  </a:schemeClr>
-                </a:solidFill>
-                <a:effectLst/>
-                <a:latin typeface="Times New Roman" panose="02020603050405020304" pitchFamily="18" charset="0"/>
-                <a:ea typeface="NSimSun" panose="02010609030101010101" pitchFamily="49" charset="-122"/>
-                <a:cs typeface="Times New Roman" panose="02020603050405020304" pitchFamily="18" charset="0"/>
-              </a:rPr>
-              <a:t>НЕАВТОМАТИЗИРОВАННЫЕ ПРОЦЕССЫ </a:t>
-            </a:r>
-            <a:r>
-              <a:rPr lang="ru-RU" sz="2000" kern="100" dirty="0">
-                <a:solidFill>
-                  <a:schemeClr val="bg1">
-                    <a:lumMod val="95000"/>
-                    <a:lumOff val="5000"/>
-                  </a:schemeClr>
-                </a:solidFill>
-                <a:latin typeface="Times New Roman" panose="02020603050405020304" pitchFamily="18" charset="0"/>
-                <a:ea typeface="NSimSun" panose="02010609030101010101" pitchFamily="49" charset="-122"/>
-                <a:cs typeface="Times New Roman" panose="02020603050405020304" pitchFamily="18" charset="0"/>
-              </a:rPr>
-              <a:t>+ БОЛЬШИЕ ОБЪЁМЫ ДАННЫХ =</a:t>
-            </a:r>
-            <a:r>
-              <a:rPr lang="en-US" sz="2000" kern="100" dirty="0">
-                <a:solidFill>
-                  <a:schemeClr val="bg1">
-                    <a:lumMod val="95000"/>
-                    <a:lumOff val="5000"/>
-                  </a:schemeClr>
-                </a:solidFill>
-                <a:latin typeface="Times New Roman" panose="02020603050405020304" pitchFamily="18" charset="0"/>
-                <a:ea typeface="NSimSun" panose="02010609030101010101" pitchFamily="49" charset="-122"/>
-                <a:cs typeface="Times New Roman" panose="02020603050405020304" pitchFamily="18" charset="0"/>
-              </a:rPr>
-              <a:t>&gt;</a:t>
-            </a:r>
-            <a:r>
-              <a:rPr lang="ru-RU" sz="2000" kern="100" dirty="0">
-                <a:solidFill>
-                  <a:schemeClr val="bg1">
-                    <a:lumMod val="95000"/>
-                    <a:lumOff val="5000"/>
-                  </a:schemeClr>
-                </a:solidFill>
-                <a:latin typeface="Times New Roman" panose="02020603050405020304" pitchFamily="18" charset="0"/>
-                <a:ea typeface="NSimSun" panose="02010609030101010101" pitchFamily="49" charset="-122"/>
-                <a:cs typeface="Times New Roman" panose="02020603050405020304" pitchFamily="18" charset="0"/>
-              </a:rPr>
-              <a:t> </a:t>
-            </a:r>
-            <a:r>
-              <a:rPr lang="ru-RU" sz="2000" b="1" i="1" kern="100" dirty="0">
-                <a:solidFill>
-                  <a:schemeClr val="bg1">
-                    <a:lumMod val="95000"/>
-                    <a:lumOff val="5000"/>
-                  </a:schemeClr>
-                </a:solidFill>
-                <a:latin typeface="Times New Roman" panose="02020603050405020304" pitchFamily="18" charset="0"/>
-                <a:ea typeface="NSimSun" panose="02010609030101010101" pitchFamily="49" charset="-122"/>
-                <a:cs typeface="Times New Roman" panose="02020603050405020304" pitchFamily="18" charset="0"/>
-              </a:rPr>
-              <a:t>СВЕРХУРОЧНАЯ РАБОТА</a:t>
-            </a:r>
-            <a:r>
-              <a:rPr lang="ru-RU" sz="2000" kern="100" dirty="0">
-                <a:solidFill>
-                  <a:schemeClr val="bg1">
-                    <a:lumMod val="95000"/>
-                    <a:lumOff val="5000"/>
-                  </a:schemeClr>
-                </a:solidFill>
-                <a:latin typeface="Times New Roman" panose="02020603050405020304" pitchFamily="18" charset="0"/>
-                <a:ea typeface="NSimSun" panose="02010609030101010101" pitchFamily="49" charset="-122"/>
-                <a:cs typeface="Times New Roman" panose="02020603050405020304" pitchFamily="18" charset="0"/>
-              </a:rPr>
-              <a:t> СОТРУДНИКОВ РШТ </a:t>
-            </a:r>
-            <a:r>
-              <a:rPr lang="ru-RU" sz="2000" b="1" kern="100" dirty="0">
-                <a:solidFill>
-                  <a:srgbClr val="FF0000"/>
-                </a:solidFill>
-                <a:latin typeface="Times New Roman" panose="02020603050405020304" pitchFamily="18" charset="0"/>
-                <a:ea typeface="NSimSun" panose="02010609030101010101" pitchFamily="49" charset="-122"/>
-                <a:cs typeface="Times New Roman" panose="02020603050405020304" pitchFamily="18" charset="0"/>
-              </a:rPr>
-              <a:t>(</a:t>
-            </a:r>
-            <a:r>
-              <a:rPr lang="en-US" sz="2000" b="1" kern="100" dirty="0">
-                <a:solidFill>
-                  <a:srgbClr val="FF0000"/>
-                </a:solidFill>
-                <a:latin typeface="Times New Roman" panose="02020603050405020304" pitchFamily="18" charset="0"/>
-                <a:ea typeface="NSimSun" panose="02010609030101010101" pitchFamily="49" charset="-122"/>
-                <a:cs typeface="Times New Roman" panose="02020603050405020304" pitchFamily="18" charset="0"/>
-              </a:rPr>
-              <a:t>~ 2400 </a:t>
-            </a:r>
-            <a:r>
-              <a:rPr lang="ru-RU" sz="2000" b="1" kern="100" dirty="0">
-                <a:solidFill>
-                  <a:srgbClr val="FF0000"/>
-                </a:solidFill>
-                <a:latin typeface="Times New Roman" panose="02020603050405020304" pitchFamily="18" charset="0"/>
-                <a:ea typeface="NSimSun" panose="02010609030101010101" pitchFamily="49" charset="-122"/>
-                <a:cs typeface="Times New Roman" panose="02020603050405020304" pitchFamily="18" charset="0"/>
-              </a:rPr>
-              <a:t>человеко-часов в год)</a:t>
-            </a:r>
-            <a:endParaRPr lang="ru-RU" sz="2000" b="1" kern="100" dirty="0">
-              <a:solidFill>
-                <a:srgbClr val="FF0000"/>
-              </a:solidFill>
-              <a:effectLst/>
-              <a:latin typeface="Times New Roman" panose="02020603050405020304" pitchFamily="18" charset="0"/>
-              <a:ea typeface="NSimSun" panose="02010609030101010101" pitchFamily="49" charset="-122"/>
-              <a:cs typeface="Times New Roman" panose="02020603050405020304" pitchFamily="18" charset="0"/>
-            </a:endParaRPr>
-          </a:p>
-          <a:p>
-            <a:pPr algn="ctr"/>
-            <a:endParaRPr lang="ru-RU" dirty="0"/>
           </a:p>
         </p:txBody>
       </p:sp>
@@ -17478,59 +20856,6 @@
                       </p:childTnLst>
                     </p:cTn>
                   </p:par>
-                  <p:par>
-                    <p:cTn id="137" fill="hold">
-                      <p:stCondLst>
-                        <p:cond delay="indefinite"/>
-                      </p:stCondLst>
-                      <p:childTnLst>
-                        <p:par>
-                          <p:cTn id="138" fill="hold">
-                            <p:stCondLst>
-                              <p:cond delay="0"/>
-                            </p:stCondLst>
-                            <p:childTnLst>
-                              <p:par>
-                                <p:cTn id="139" presetID="14" presetClass="entr" presetSubtype="10" fill="hold" grpId="0" nodeType="clickEffect">
-                                  <p:stCondLst>
-                                    <p:cond delay="0"/>
-                                  </p:stCondLst>
-                                  <p:childTnLst>
-                                    <p:set>
-                                      <p:cBhvr>
-                                        <p:cTn id="140" dur="1" fill="hold">
-                                          <p:stCondLst>
-                                            <p:cond delay="0"/>
-                                          </p:stCondLst>
-                                        </p:cTn>
-                                        <p:tgtEl>
-                                          <p:spTgt spid="62"/>
-                                        </p:tgtEl>
-                                        <p:attrNameLst>
-                                          <p:attrName>style.visibility</p:attrName>
-                                        </p:attrNameLst>
-                                      </p:cBhvr>
-                                      <p:to>
-                                        <p:strVal val="visible"/>
-                                      </p:to>
-                                    </p:set>
-                                    <p:animEffect transition="in" filter="randombar(horizontal)">
-                                      <p:cBhvr>
-                                        <p:cTn id="141" dur="500"/>
-                                        <p:tgtEl>
-                                          <p:spTgt spid="62"/>
-                                        </p:tgtEl>
-                                      </p:cBhvr>
-                                    </p:animEffect>
-                                  </p:childTnLst>
-                                </p:cTn>
-                              </p:par>
-                            </p:childTnLst>
-                          </p:cTn>
-                        </p:par>
-                      </p:childTnLst>
-                    </p:cTn>
-                  </p:par>
                 </p:childTnLst>
               </p:cTn>
               <p:prevCondLst>
@@ -17583,7 +20908,6 @@
       <p:bldP spid="58" grpId="0" animBg="1"/>
       <p:bldP spid="60" grpId="0" animBg="1"/>
       <p:bldP spid="61" grpId="0" animBg="1"/>
-      <p:bldP spid="62" grpId="0" animBg="1"/>
     </p:bldLst>
   </p:timing>
 </p:sld>
@@ -17799,7 +21123,7 @@
         </p:nvSpPr>
         <p:spPr>
           <a:xfrm>
-            <a:off x="451259" y="1571625"/>
+            <a:off x="468314" y="1548150"/>
             <a:ext cx="11125200" cy="4076700"/>
           </a:xfrm>
           <a:prstGeom prst="rect">
@@ -17907,7 +21231,7 @@
         </p:nvSpPr>
         <p:spPr>
           <a:xfrm>
-            <a:off x="10677337" y="3100347"/>
+            <a:off x="10847908" y="3100347"/>
             <a:ext cx="647888" cy="659945"/>
           </a:xfrm>
           <a:prstGeom prst="ellipse">
@@ -17961,7 +21285,7 @@
         </p:nvSpPr>
         <p:spPr>
           <a:xfrm>
-            <a:off x="10754049" y="3178802"/>
+            <a:off x="10923656" y="3178802"/>
             <a:ext cx="494464" cy="500395"/>
           </a:xfrm>
           <a:prstGeom prst="ellipse">
@@ -18015,7 +21339,7 @@
         </p:nvSpPr>
         <p:spPr>
           <a:xfrm>
-            <a:off x="3148236" y="3024520"/>
+            <a:off x="2913135" y="3034826"/>
             <a:ext cx="1825071" cy="823474"/>
           </a:xfrm>
           <a:prstGeom prst="roundRect">
@@ -18076,7 +21400,7 @@
         </p:nvSpPr>
         <p:spPr>
           <a:xfrm>
-            <a:off x="5292619" y="3017263"/>
+            <a:off x="5012857" y="3032394"/>
             <a:ext cx="1994006" cy="823474"/>
           </a:xfrm>
           <a:prstGeom prst="roundRect">
@@ -18137,7 +21461,7 @@
         </p:nvSpPr>
         <p:spPr>
           <a:xfrm>
-            <a:off x="1619250" y="3029963"/>
+            <a:off x="1473327" y="3029963"/>
             <a:ext cx="1209674" cy="823474"/>
           </a:xfrm>
           <a:prstGeom prst="roundRect">
@@ -18203,7 +21527,7 @@
         <p:spPr>
           <a:xfrm>
             <a:off x="1263613" y="3436257"/>
-            <a:ext cx="355637" cy="5443"/>
+            <a:ext cx="209714" cy="5443"/>
           </a:xfrm>
           <a:prstGeom prst="straightConnector1">
             <a:avLst/>
@@ -18244,9 +21568,9 @@
           <p:nvPr/>
         </p:nvCxnSpPr>
         <p:spPr>
-          <a:xfrm flipV="1">
-            <a:off x="2828924" y="3436257"/>
-            <a:ext cx="319312" cy="5443"/>
+          <a:xfrm>
+            <a:off x="2683001" y="3441700"/>
+            <a:ext cx="230134" cy="4863"/>
           </a:xfrm>
           <a:prstGeom prst="bentConnector3">
             <a:avLst/>
@@ -18288,8 +21612,8 @@
         </p:nvCxnSpPr>
         <p:spPr>
           <a:xfrm flipV="1">
-            <a:off x="4973307" y="3429000"/>
-            <a:ext cx="319312" cy="7257"/>
+            <a:off x="4738206" y="3444131"/>
+            <a:ext cx="274651" cy="2432"/>
           </a:xfrm>
           <a:prstGeom prst="bentConnector3">
             <a:avLst/>
@@ -18505,9 +21829,9 @@
           <p:nvPr/>
         </p:nvCxnSpPr>
         <p:spPr>
-          <a:xfrm>
-            <a:off x="7286625" y="3429000"/>
-            <a:ext cx="274651" cy="0"/>
+          <a:xfrm flipV="1">
+            <a:off x="7006863" y="3429000"/>
+            <a:ext cx="554413" cy="15131"/>
           </a:xfrm>
           <a:prstGeom prst="straightConnector1">
             <a:avLst/>
@@ -18631,7 +21955,7 @@
         <p:spPr>
           <a:xfrm>
             <a:off x="10677337" y="2507237"/>
-            <a:ext cx="323944" cy="593110"/>
+            <a:ext cx="494515" cy="593110"/>
           </a:xfrm>
           <a:prstGeom prst="bentConnector2">
             <a:avLst/>
@@ -18783,7 +22107,7 @@
         <p:spPr>
           <a:xfrm flipV="1">
             <a:off x="10677337" y="3760292"/>
-            <a:ext cx="323944" cy="1012448"/>
+            <a:ext cx="494515" cy="1012448"/>
           </a:xfrm>
           <a:prstGeom prst="bentConnector2">
             <a:avLst/>
@@ -18826,7 +22150,7 @@
         <p:spPr>
           <a:xfrm>
             <a:off x="8281356" y="3429000"/>
-            <a:ext cx="2395981" cy="1320"/>
+            <a:ext cx="2566552" cy="1320"/>
           </a:xfrm>
           <a:prstGeom prst="bentConnector3">
             <a:avLst>
@@ -18927,6 +22251,714 @@
               </a:rPr>
               <a:t>КУГ, журнал</a:t>
             </a:r>
+          </a:p>
+        </p:txBody>
+      </p:sp>
+      <p:sp>
+        <p:nvSpPr>
+          <p:cNvPr id="14" name="Прямоугольник 13">
+            <a:extLst>
+              <a:ext uri="{FF2B5EF4-FFF2-40B4-BE49-F238E27FC236}">
+                <a16:creationId xmlns:a16="http://schemas.microsoft.com/office/drawing/2014/main" id="{A1A0B9D8-8B23-4B9A-9384-FBFC2A90D9ED}"/>
+              </a:ext>
+            </a:extLst>
+          </p:cNvPr>
+          <p:cNvSpPr/>
+          <p:nvPr/>
+        </p:nvSpPr>
+        <p:spPr>
+          <a:xfrm>
+            <a:off x="7150539" y="1993900"/>
+            <a:ext cx="3615679" cy="3283857"/>
+          </a:xfrm>
+          <a:prstGeom prst="rect">
+            <a:avLst/>
+          </a:prstGeom>
+          <a:solidFill>
+            <a:schemeClr val="lt1">
+              <a:alpha val="0"/>
+            </a:schemeClr>
+          </a:solidFill>
+        </p:spPr>
+        <p:style>
+          <a:lnRef idx="2">
+            <a:schemeClr val="accent6"/>
+          </a:lnRef>
+          <a:fillRef idx="1">
+            <a:schemeClr val="lt1"/>
+          </a:fillRef>
+          <a:effectRef idx="0">
+            <a:schemeClr val="accent6"/>
+          </a:effectRef>
+          <a:fontRef idx="minor">
+            <a:schemeClr val="dk1"/>
+          </a:fontRef>
+        </p:style>
+        <p:txBody>
+          <a:bodyPr rtlCol="0" anchor="ctr"/>
+          <a:lstStyle/>
+          <a:p>
+            <a:pPr algn="ctr"/>
+            <a:endParaRPr lang="ru-RU"/>
+          </a:p>
+        </p:txBody>
+      </p:sp>
+      <p:sp>
+        <p:nvSpPr>
+          <p:cNvPr id="37" name="Прямоугольник 36">
+            <a:extLst>
+              <a:ext uri="{FF2B5EF4-FFF2-40B4-BE49-F238E27FC236}">
+                <a16:creationId xmlns:a16="http://schemas.microsoft.com/office/drawing/2014/main" id="{6A1FC96D-14B6-453E-AECB-AA088E07727D}"/>
+              </a:ext>
+            </a:extLst>
+          </p:cNvPr>
+          <p:cNvSpPr/>
+          <p:nvPr/>
+        </p:nvSpPr>
+        <p:spPr>
+          <a:xfrm>
+            <a:off x="2756629" y="2646461"/>
+            <a:ext cx="2127010" cy="1540767"/>
+          </a:xfrm>
+          <a:prstGeom prst="rect">
+            <a:avLst/>
+          </a:prstGeom>
+          <a:solidFill>
+            <a:schemeClr val="lt1">
+              <a:alpha val="0"/>
+            </a:schemeClr>
+          </a:solidFill>
+        </p:spPr>
+        <p:style>
+          <a:lnRef idx="2">
+            <a:schemeClr val="accent6"/>
+          </a:lnRef>
+          <a:fillRef idx="1">
+            <a:schemeClr val="lt1"/>
+          </a:fillRef>
+          <a:effectRef idx="0">
+            <a:schemeClr val="accent6"/>
+          </a:effectRef>
+          <a:fontRef idx="minor">
+            <a:schemeClr val="dk1"/>
+          </a:fontRef>
+        </p:style>
+        <p:txBody>
+          <a:bodyPr rtlCol="0" anchor="ctr"/>
+          <a:lstStyle/>
+          <a:p>
+            <a:pPr algn="ctr"/>
+            <a:endParaRPr lang="ru-RU"/>
+          </a:p>
+        </p:txBody>
+      </p:sp>
+      <p:sp>
+        <p:nvSpPr>
+          <p:cNvPr id="38" name="Прямоугольник: скругленные углы 37">
+            <a:extLst>
+              <a:ext uri="{FF2B5EF4-FFF2-40B4-BE49-F238E27FC236}">
+                <a16:creationId xmlns:a16="http://schemas.microsoft.com/office/drawing/2014/main" id="{37CA11B9-09CD-4006-8DE2-17DA1B2D5951}"/>
+              </a:ext>
+            </a:extLst>
+          </p:cNvPr>
+          <p:cNvSpPr/>
+          <p:nvPr/>
+        </p:nvSpPr>
+        <p:spPr>
+          <a:xfrm>
+            <a:off x="682433" y="672041"/>
+            <a:ext cx="10579276" cy="6008677"/>
+          </a:xfrm>
+          <a:prstGeom prst="roundRect">
+            <a:avLst/>
+          </a:prstGeom>
+          <a:solidFill>
+            <a:schemeClr val="tx1">
+              <a:lumMod val="75000"/>
+            </a:schemeClr>
+          </a:solidFill>
+          <a:ln w="127000">
+            <a:solidFill>
+              <a:srgbClr val="FF0000"/>
+            </a:solidFill>
+          </a:ln>
+        </p:spPr>
+        <p:style>
+          <a:lnRef idx="2">
+            <a:schemeClr val="accent1">
+              <a:shade val="15000"/>
+            </a:schemeClr>
+          </a:lnRef>
+          <a:fillRef idx="1">
+            <a:schemeClr val="accent1"/>
+          </a:fillRef>
+          <a:effectRef idx="0">
+            <a:schemeClr val="accent1"/>
+          </a:effectRef>
+          <a:fontRef idx="minor">
+            <a:schemeClr val="lt1"/>
+          </a:fontRef>
+        </p:style>
+        <p:txBody>
+          <a:bodyPr rtlCol="0" anchor="ctr"/>
+          <a:lstStyle/>
+          <a:p>
+            <a:pPr indent="0" algn="just">
+              <a:lnSpc>
+                <a:spcPct val="150000"/>
+              </a:lnSpc>
+              <a:buNone/>
+            </a:pPr>
+            <a:r>
+              <a:rPr lang="ru-RU" sz="2200" kern="100" dirty="0">
+                <a:solidFill>
+                  <a:schemeClr val="tx2">
+                    <a:lumMod val="10000"/>
+                  </a:schemeClr>
+                </a:solidFill>
+                <a:effectLst/>
+                <a:latin typeface="Times New Roman" panose="02020603050405020304" pitchFamily="18" charset="0"/>
+                <a:ea typeface="NSimSun" panose="02010609030101010101" pitchFamily="49" charset="-122"/>
+                <a:cs typeface="Times New Roman" panose="02020603050405020304" pitchFamily="18" charset="0"/>
+              </a:rPr>
+              <a:t>Со второй половины 2018 года по настоящий момент в «РШТ»:</a:t>
+            </a:r>
+          </a:p>
+          <a:p>
+            <a:pPr lvl="1" indent="-342900" algn="just">
+              <a:lnSpc>
+                <a:spcPct val="150000"/>
+              </a:lnSpc>
+              <a:buFont typeface="Symbol" panose="05050102010706020507" pitchFamily="18" charset="2"/>
+              <a:buChar char=""/>
+              <a:tabLst>
+                <a:tab pos="178435" algn="l"/>
+              </a:tabLst>
+            </a:pPr>
+            <a:r>
+              <a:rPr lang="ru-RU" sz="2200" kern="100" dirty="0">
+                <a:solidFill>
+                  <a:schemeClr val="tx2">
+                    <a:lumMod val="10000"/>
+                  </a:schemeClr>
+                </a:solidFill>
+                <a:effectLst/>
+                <a:latin typeface="Times New Roman" panose="02020603050405020304" pitchFamily="18" charset="0"/>
+                <a:ea typeface="NSimSun" panose="02010609030101010101" pitchFamily="49" charset="-122"/>
+                <a:cs typeface="Times New Roman" panose="02020603050405020304" pitchFamily="18" charset="0"/>
+              </a:rPr>
+              <a:t>было сформировано более </a:t>
+            </a:r>
+            <a:r>
+              <a:rPr lang="ru-RU" sz="2200" kern="100" dirty="0">
+                <a:solidFill>
+                  <a:srgbClr val="FF0000"/>
+                </a:solidFill>
+                <a:effectLst/>
+                <a:latin typeface="Times New Roman" panose="02020603050405020304" pitchFamily="18" charset="0"/>
+                <a:ea typeface="NSimSun" panose="02010609030101010101" pitchFamily="49" charset="-122"/>
+                <a:cs typeface="Times New Roman" panose="02020603050405020304" pitchFamily="18" charset="0"/>
+              </a:rPr>
+              <a:t>4000 приказов</a:t>
+            </a:r>
+            <a:r>
+              <a:rPr lang="ru-RU" sz="2200" kern="100" dirty="0">
+                <a:solidFill>
+                  <a:schemeClr val="tx2">
+                    <a:lumMod val="10000"/>
+                  </a:schemeClr>
+                </a:solidFill>
+                <a:effectLst/>
+                <a:latin typeface="Times New Roman" panose="02020603050405020304" pitchFamily="18" charset="0"/>
+                <a:ea typeface="NSimSun" panose="02010609030101010101" pitchFamily="49" charset="-122"/>
+                <a:cs typeface="Times New Roman" panose="02020603050405020304" pitchFamily="18" charset="0"/>
+              </a:rPr>
+              <a:t>;</a:t>
+            </a:r>
+          </a:p>
+          <a:p>
+            <a:pPr lvl="1" indent="-342900" algn="just">
+              <a:lnSpc>
+                <a:spcPct val="150000"/>
+              </a:lnSpc>
+              <a:buFont typeface="Symbol" panose="05050102010706020507" pitchFamily="18" charset="2"/>
+              <a:buChar char=""/>
+              <a:tabLst>
+                <a:tab pos="178435" algn="l"/>
+              </a:tabLst>
+            </a:pPr>
+            <a:r>
+              <a:rPr lang="ru-RU" sz="2200" kern="100" dirty="0">
+                <a:solidFill>
+                  <a:schemeClr val="tx2">
+                    <a:lumMod val="10000"/>
+                  </a:schemeClr>
+                </a:solidFill>
+                <a:latin typeface="Times New Roman" panose="02020603050405020304" pitchFamily="18" charset="0"/>
+                <a:ea typeface="NSimSun" panose="02010609030101010101" pitchFamily="49" charset="-122"/>
+                <a:cs typeface="Times New Roman" panose="02020603050405020304" pitchFamily="18" charset="0"/>
+              </a:rPr>
+              <a:t>обработано более </a:t>
+            </a:r>
+            <a:r>
+              <a:rPr lang="ru-RU" sz="2200" kern="100" dirty="0">
+                <a:solidFill>
+                  <a:srgbClr val="FF0000"/>
+                </a:solidFill>
+                <a:latin typeface="Times New Roman" panose="02020603050405020304" pitchFamily="18" charset="0"/>
+                <a:ea typeface="NSimSun" panose="02010609030101010101" pitchFamily="49" charset="-122"/>
+                <a:cs typeface="Times New Roman" panose="02020603050405020304" pitchFamily="18" charset="0"/>
+              </a:rPr>
+              <a:t>9000 документов</a:t>
+            </a:r>
+            <a:r>
+              <a:rPr lang="ru-RU" sz="2200" kern="100" dirty="0">
+                <a:solidFill>
+                  <a:schemeClr val="tx2">
+                    <a:lumMod val="10000"/>
+                  </a:schemeClr>
+                </a:solidFill>
+                <a:latin typeface="Times New Roman" panose="02020603050405020304" pitchFamily="18" charset="0"/>
+                <a:ea typeface="NSimSun" panose="02010609030101010101" pitchFamily="49" charset="-122"/>
+                <a:cs typeface="Times New Roman" panose="02020603050405020304" pitchFamily="18" charset="0"/>
+              </a:rPr>
+              <a:t>;</a:t>
+            </a:r>
+            <a:endParaRPr lang="ru-RU" sz="2200" kern="100" dirty="0">
+              <a:solidFill>
+                <a:schemeClr val="tx2">
+                  <a:lumMod val="10000"/>
+                </a:schemeClr>
+              </a:solidFill>
+              <a:effectLst/>
+              <a:latin typeface="Times New Roman" panose="02020603050405020304" pitchFamily="18" charset="0"/>
+              <a:ea typeface="NSimSun" panose="02010609030101010101" pitchFamily="49" charset="-122"/>
+              <a:cs typeface="Times New Roman" panose="02020603050405020304" pitchFamily="18" charset="0"/>
+            </a:endParaRPr>
+          </a:p>
+          <a:p>
+            <a:pPr lvl="1" indent="-342900" algn="just">
+              <a:lnSpc>
+                <a:spcPct val="150000"/>
+              </a:lnSpc>
+              <a:buFont typeface="Symbol" panose="05050102010706020507" pitchFamily="18" charset="2"/>
+              <a:buChar char=""/>
+              <a:tabLst>
+                <a:tab pos="178435" algn="l"/>
+              </a:tabLst>
+            </a:pPr>
+            <a:r>
+              <a:rPr lang="ru-RU" sz="2200" kern="100" dirty="0">
+                <a:solidFill>
+                  <a:schemeClr val="tx2">
+                    <a:lumMod val="10000"/>
+                  </a:schemeClr>
+                </a:solidFill>
+                <a:effectLst/>
+                <a:latin typeface="Times New Roman" panose="02020603050405020304" pitchFamily="18" charset="0"/>
+                <a:ea typeface="NSimSun" panose="02010609030101010101" pitchFamily="49" charset="-122"/>
+                <a:cs typeface="Times New Roman" panose="02020603050405020304" pitchFamily="18" charset="0"/>
+              </a:rPr>
+              <a:t>прошли обучение более </a:t>
+            </a:r>
+            <a:r>
+              <a:rPr lang="ru-RU" sz="2200" kern="100" dirty="0">
+                <a:solidFill>
+                  <a:srgbClr val="FF0000"/>
+                </a:solidFill>
+                <a:effectLst/>
+                <a:latin typeface="Times New Roman" panose="02020603050405020304" pitchFamily="18" charset="0"/>
+                <a:ea typeface="NSimSun" panose="02010609030101010101" pitchFamily="49" charset="-122"/>
+                <a:cs typeface="Times New Roman" panose="02020603050405020304" pitchFamily="18" charset="0"/>
+              </a:rPr>
+              <a:t>14000 учеников</a:t>
+            </a:r>
+            <a:r>
+              <a:rPr lang="ru-RU" sz="2200" kern="100" dirty="0">
+                <a:solidFill>
+                  <a:schemeClr val="tx2">
+                    <a:lumMod val="10000"/>
+                  </a:schemeClr>
+                </a:solidFill>
+                <a:effectLst/>
+                <a:latin typeface="Times New Roman" panose="02020603050405020304" pitchFamily="18" charset="0"/>
+                <a:ea typeface="NSimSun" panose="02010609030101010101" pitchFamily="49" charset="-122"/>
+                <a:cs typeface="Times New Roman" panose="02020603050405020304" pitchFamily="18" charset="0"/>
+              </a:rPr>
+              <a:t>;</a:t>
+            </a:r>
+          </a:p>
+          <a:p>
+            <a:pPr lvl="1" indent="-342900" algn="just">
+              <a:lnSpc>
+                <a:spcPct val="150000"/>
+              </a:lnSpc>
+              <a:buFont typeface="Symbol" panose="05050102010706020507" pitchFamily="18" charset="2"/>
+              <a:buChar char=""/>
+              <a:tabLst>
+                <a:tab pos="178435" algn="l"/>
+              </a:tabLst>
+            </a:pPr>
+            <a:r>
+              <a:rPr lang="ru-RU" sz="2200" kern="100" dirty="0">
+                <a:solidFill>
+                  <a:schemeClr val="tx2">
+                    <a:lumMod val="10000"/>
+                  </a:schemeClr>
+                </a:solidFill>
+                <a:effectLst/>
+                <a:latin typeface="Times New Roman" panose="02020603050405020304" pitchFamily="18" charset="0"/>
+                <a:ea typeface="NSimSun" panose="02010609030101010101" pitchFamily="49" charset="-122"/>
+                <a:cs typeface="Times New Roman" panose="02020603050405020304" pitchFamily="18" charset="0"/>
+              </a:rPr>
+              <a:t>обучающиеся были представлены на </a:t>
+            </a:r>
+            <a:r>
+              <a:rPr lang="ru-RU" sz="2200" kern="100" dirty="0">
+                <a:solidFill>
+                  <a:srgbClr val="FF0000"/>
+                </a:solidFill>
+                <a:effectLst/>
+                <a:latin typeface="Times New Roman" panose="02020603050405020304" pitchFamily="18" charset="0"/>
+                <a:ea typeface="NSimSun" panose="02010609030101010101" pitchFamily="49" charset="-122"/>
+                <a:cs typeface="Times New Roman" panose="02020603050405020304" pitchFamily="18" charset="0"/>
+              </a:rPr>
+              <a:t>657 мероприятиях </a:t>
+            </a:r>
+            <a:r>
+              <a:rPr lang="ru-RU" sz="2200" kern="100" dirty="0">
+                <a:solidFill>
+                  <a:schemeClr val="tx2">
+                    <a:lumMod val="10000"/>
+                  </a:schemeClr>
+                </a:solidFill>
+                <a:effectLst/>
+                <a:latin typeface="Times New Roman" panose="02020603050405020304" pitchFamily="18" charset="0"/>
+                <a:ea typeface="NSimSun" panose="02010609030101010101" pitchFamily="49" charset="-122"/>
+                <a:cs typeface="Times New Roman" panose="02020603050405020304" pitchFamily="18" charset="0"/>
+              </a:rPr>
+              <a:t>по всей России;</a:t>
+            </a:r>
+          </a:p>
+          <a:p>
+            <a:pPr lvl="1" indent="-342900" algn="just">
+              <a:lnSpc>
+                <a:spcPct val="150000"/>
+              </a:lnSpc>
+              <a:buFont typeface="Symbol" panose="05050102010706020507" pitchFamily="18" charset="2"/>
+              <a:buChar char=""/>
+              <a:tabLst>
+                <a:tab pos="178435" algn="l"/>
+              </a:tabLst>
+            </a:pPr>
+            <a:r>
+              <a:rPr lang="ru-RU" sz="2200" kern="100" dirty="0">
+                <a:solidFill>
+                  <a:schemeClr val="tx2">
+                    <a:lumMod val="10000"/>
+                  </a:schemeClr>
+                </a:solidFill>
+                <a:effectLst/>
+                <a:latin typeface="Times New Roman" panose="02020603050405020304" pitchFamily="18" charset="0"/>
+                <a:ea typeface="NSimSun" panose="02010609030101010101" pitchFamily="49" charset="-122"/>
+                <a:cs typeface="Times New Roman" panose="02020603050405020304" pitchFamily="18" charset="0"/>
+              </a:rPr>
+              <a:t>было получено более </a:t>
+            </a:r>
+            <a:r>
+              <a:rPr lang="ru-RU" sz="2200" kern="100" dirty="0">
+                <a:solidFill>
+                  <a:srgbClr val="FF0000"/>
+                </a:solidFill>
+                <a:effectLst/>
+                <a:latin typeface="Times New Roman" panose="02020603050405020304" pitchFamily="18" charset="0"/>
+                <a:ea typeface="NSimSun" panose="02010609030101010101" pitchFamily="49" charset="-122"/>
+                <a:cs typeface="Times New Roman" panose="02020603050405020304" pitchFamily="18" charset="0"/>
+              </a:rPr>
+              <a:t>10000 сертификат</a:t>
+            </a:r>
+            <a:r>
+              <a:rPr lang="ru-RU" sz="2200" kern="100" dirty="0">
+                <a:solidFill>
+                  <a:srgbClr val="FF0000"/>
+                </a:solidFill>
+                <a:latin typeface="Times New Roman" panose="02020603050405020304" pitchFamily="18" charset="0"/>
+                <a:ea typeface="NSimSun" panose="02010609030101010101" pitchFamily="49" charset="-122"/>
+                <a:cs typeface="Times New Roman" panose="02020603050405020304" pitchFamily="18" charset="0"/>
+              </a:rPr>
+              <a:t>ов</a:t>
+            </a:r>
+            <a:r>
+              <a:rPr lang="ru-RU" sz="2200" kern="100" dirty="0">
+                <a:solidFill>
+                  <a:schemeClr val="tx2">
+                    <a:lumMod val="10000"/>
+                  </a:schemeClr>
+                </a:solidFill>
+                <a:effectLst/>
+                <a:latin typeface="Times New Roman" panose="02020603050405020304" pitchFamily="18" charset="0"/>
+                <a:ea typeface="NSimSun" panose="02010609030101010101" pitchFamily="49" charset="-122"/>
+                <a:cs typeface="Times New Roman" panose="02020603050405020304" pitchFamily="18" charset="0"/>
+              </a:rPr>
+              <a:t>;</a:t>
+            </a:r>
+          </a:p>
+          <a:p>
+            <a:pPr marL="400050" lvl="1" indent="0" algn="just">
+              <a:lnSpc>
+                <a:spcPct val="150000"/>
+              </a:lnSpc>
+              <a:buNone/>
+              <a:tabLst>
+                <a:tab pos="178435" algn="l"/>
+              </a:tabLst>
+            </a:pPr>
+            <a:r>
+              <a:rPr lang="ru-RU" sz="2200" kern="100" dirty="0">
+                <a:solidFill>
+                  <a:schemeClr val="tx2">
+                    <a:lumMod val="10000"/>
+                  </a:schemeClr>
+                </a:solidFill>
+                <a:effectLst/>
+                <a:latin typeface="Times New Roman" panose="02020603050405020304" pitchFamily="18" charset="0"/>
+                <a:ea typeface="NSimSun" panose="02010609030101010101" pitchFamily="49" charset="-122"/>
+                <a:cs typeface="Times New Roman" panose="02020603050405020304" pitchFamily="18" charset="0"/>
+              </a:rPr>
+              <a:t>Сформированы:</a:t>
+            </a:r>
+          </a:p>
+          <a:p>
+            <a:pPr lvl="1" indent="-342900" algn="just">
+              <a:lnSpc>
+                <a:spcPct val="150000"/>
+              </a:lnSpc>
+              <a:buClr>
+                <a:schemeClr val="bg1"/>
+              </a:buClr>
+              <a:buFont typeface="Symbol" panose="05050102010706020507" pitchFamily="18" charset="2"/>
+              <a:buChar char=""/>
+              <a:tabLst>
+                <a:tab pos="221615" algn="l"/>
+              </a:tabLst>
+            </a:pPr>
+            <a:r>
+              <a:rPr lang="ru-RU" sz="2200" kern="100" dirty="0">
+                <a:solidFill>
+                  <a:schemeClr val="bg1"/>
+                </a:solidFill>
+                <a:effectLst/>
+                <a:latin typeface="Times New Roman" panose="02020603050405020304" pitchFamily="18" charset="0"/>
+                <a:ea typeface="NSimSun" panose="02010609030101010101" pitchFamily="49" charset="-122"/>
+                <a:cs typeface="Times New Roman" panose="02020603050405020304" pitchFamily="18" charset="0"/>
+              </a:rPr>
+              <a:t>более</a:t>
+            </a:r>
+            <a:r>
+              <a:rPr lang="ru-RU" sz="2200" kern="100" dirty="0">
+                <a:solidFill>
+                  <a:srgbClr val="FF0000"/>
+                </a:solidFill>
+                <a:effectLst/>
+                <a:latin typeface="Times New Roman" panose="02020603050405020304" pitchFamily="18" charset="0"/>
+                <a:ea typeface="NSimSun" panose="02010609030101010101" pitchFamily="49" charset="-122"/>
+                <a:cs typeface="Times New Roman" panose="02020603050405020304" pitchFamily="18" charset="0"/>
+              </a:rPr>
+              <a:t> 2000 учебных групп;</a:t>
+            </a:r>
+          </a:p>
+          <a:p>
+            <a:pPr lvl="1" indent="-342900" algn="just">
+              <a:lnSpc>
+                <a:spcPct val="150000"/>
+              </a:lnSpc>
+              <a:buClr>
+                <a:schemeClr val="bg1"/>
+              </a:buClr>
+              <a:buFont typeface="Symbol" panose="05050102010706020507" pitchFamily="18" charset="2"/>
+              <a:buChar char=""/>
+              <a:tabLst>
+                <a:tab pos="221615" algn="l"/>
+              </a:tabLst>
+            </a:pPr>
+            <a:r>
+              <a:rPr lang="ru-RU" sz="2200" kern="100" dirty="0">
+                <a:solidFill>
+                  <a:schemeClr val="bg1"/>
+                </a:solidFill>
+                <a:latin typeface="Times New Roman" panose="02020603050405020304" pitchFamily="18" charset="0"/>
+                <a:ea typeface="NSimSun" panose="02010609030101010101" pitchFamily="49" charset="-122"/>
+                <a:cs typeface="Times New Roman" panose="02020603050405020304" pitchFamily="18" charset="0"/>
+              </a:rPr>
+              <a:t>более </a:t>
+            </a:r>
+            <a:r>
+              <a:rPr lang="ru-RU" sz="2200" kern="100" dirty="0">
+                <a:solidFill>
+                  <a:srgbClr val="FF0000"/>
+                </a:solidFill>
+                <a:effectLst/>
+                <a:latin typeface="Times New Roman" panose="02020603050405020304" pitchFamily="18" charset="0"/>
+                <a:ea typeface="NSimSun" panose="02010609030101010101" pitchFamily="49" charset="-122"/>
+                <a:cs typeface="Times New Roman" panose="02020603050405020304" pitchFamily="18" charset="0"/>
+              </a:rPr>
+              <a:t>200 конкурсных команд</a:t>
+            </a:r>
+            <a:r>
+              <a:rPr lang="ru-RU" sz="2200" kern="100" dirty="0">
+                <a:solidFill>
+                  <a:srgbClr val="FF0000"/>
+                </a:solidFill>
+                <a:latin typeface="Times New Roman" panose="02020603050405020304" pitchFamily="18" charset="0"/>
+                <a:ea typeface="NSimSun" panose="02010609030101010101" pitchFamily="49" charset="-122"/>
+                <a:cs typeface="Times New Roman" panose="02020603050405020304" pitchFamily="18" charset="0"/>
+              </a:rPr>
+              <a:t>.</a:t>
+            </a:r>
+          </a:p>
+          <a:p>
+            <a:pPr marL="114300" lvl="1" algn="just">
+              <a:lnSpc>
+                <a:spcPct val="150000"/>
+              </a:lnSpc>
+              <a:buClr>
+                <a:schemeClr val="tx1"/>
+              </a:buClr>
+              <a:tabLst>
+                <a:tab pos="221615" algn="l"/>
+              </a:tabLst>
+            </a:pPr>
+            <a:r>
+              <a:rPr lang="ru-RU" sz="2000" kern="100" dirty="0">
+                <a:solidFill>
+                  <a:schemeClr val="bg1">
+                    <a:lumMod val="95000"/>
+                    <a:lumOff val="5000"/>
+                  </a:schemeClr>
+                </a:solidFill>
+                <a:effectLst/>
+                <a:latin typeface="Times New Roman" panose="02020603050405020304" pitchFamily="18" charset="0"/>
+                <a:ea typeface="NSimSun" panose="02010609030101010101" pitchFamily="49" charset="-122"/>
+                <a:cs typeface="Times New Roman" panose="02020603050405020304" pitchFamily="18" charset="0"/>
+              </a:rPr>
+              <a:t>НЕАВТОМАТИЗИРОВАННЫЕ ПРОЦЕССЫ </a:t>
+            </a:r>
+            <a:r>
+              <a:rPr lang="ru-RU" sz="2000" kern="100" dirty="0">
+                <a:solidFill>
+                  <a:schemeClr val="bg1">
+                    <a:lumMod val="95000"/>
+                    <a:lumOff val="5000"/>
+                  </a:schemeClr>
+                </a:solidFill>
+                <a:latin typeface="Times New Roman" panose="02020603050405020304" pitchFamily="18" charset="0"/>
+                <a:ea typeface="NSimSun" panose="02010609030101010101" pitchFamily="49" charset="-122"/>
+                <a:cs typeface="Times New Roman" panose="02020603050405020304" pitchFamily="18" charset="0"/>
+              </a:rPr>
+              <a:t>+ БОЛЬШИЕ ОБЪЁМЫ ДАННЫХ =</a:t>
+            </a:r>
+            <a:r>
+              <a:rPr lang="en-US" sz="2000" kern="100" dirty="0">
+                <a:solidFill>
+                  <a:schemeClr val="bg1">
+                    <a:lumMod val="95000"/>
+                    <a:lumOff val="5000"/>
+                  </a:schemeClr>
+                </a:solidFill>
+                <a:latin typeface="Times New Roman" panose="02020603050405020304" pitchFamily="18" charset="0"/>
+                <a:ea typeface="NSimSun" panose="02010609030101010101" pitchFamily="49" charset="-122"/>
+                <a:cs typeface="Times New Roman" panose="02020603050405020304" pitchFamily="18" charset="0"/>
+              </a:rPr>
+              <a:t>&gt;</a:t>
+            </a:r>
+            <a:r>
+              <a:rPr lang="ru-RU" sz="2000" kern="100" dirty="0">
+                <a:solidFill>
+                  <a:schemeClr val="bg1">
+                    <a:lumMod val="95000"/>
+                    <a:lumOff val="5000"/>
+                  </a:schemeClr>
+                </a:solidFill>
+                <a:latin typeface="Times New Roman" panose="02020603050405020304" pitchFamily="18" charset="0"/>
+                <a:ea typeface="NSimSun" panose="02010609030101010101" pitchFamily="49" charset="-122"/>
+                <a:cs typeface="Times New Roman" panose="02020603050405020304" pitchFamily="18" charset="0"/>
+              </a:rPr>
+              <a:t> </a:t>
+            </a:r>
+            <a:r>
+              <a:rPr lang="ru-RU" sz="2000" b="1" i="1" kern="100" dirty="0">
+                <a:solidFill>
+                  <a:schemeClr val="bg1">
+                    <a:lumMod val="95000"/>
+                    <a:lumOff val="5000"/>
+                  </a:schemeClr>
+                </a:solidFill>
+                <a:latin typeface="Times New Roman" panose="02020603050405020304" pitchFamily="18" charset="0"/>
+                <a:ea typeface="NSimSun" panose="02010609030101010101" pitchFamily="49" charset="-122"/>
+                <a:cs typeface="Times New Roman" panose="02020603050405020304" pitchFamily="18" charset="0"/>
+              </a:rPr>
+              <a:t>СВЕРХУРОЧНАЯ РАБОТА</a:t>
+            </a:r>
+            <a:r>
+              <a:rPr lang="ru-RU" sz="2000" kern="100" dirty="0">
+                <a:solidFill>
+                  <a:schemeClr val="bg1">
+                    <a:lumMod val="95000"/>
+                    <a:lumOff val="5000"/>
+                  </a:schemeClr>
+                </a:solidFill>
+                <a:latin typeface="Times New Roman" panose="02020603050405020304" pitchFamily="18" charset="0"/>
+                <a:ea typeface="NSimSun" panose="02010609030101010101" pitchFamily="49" charset="-122"/>
+                <a:cs typeface="Times New Roman" panose="02020603050405020304" pitchFamily="18" charset="0"/>
+              </a:rPr>
+              <a:t> СОТРУДНИКОВ РШТ </a:t>
+            </a:r>
+            <a:r>
+              <a:rPr lang="ru-RU" sz="2000" b="1" kern="100" dirty="0">
+                <a:solidFill>
+                  <a:srgbClr val="FF0000"/>
+                </a:solidFill>
+                <a:latin typeface="Times New Roman" panose="02020603050405020304" pitchFamily="18" charset="0"/>
+                <a:ea typeface="NSimSun" panose="02010609030101010101" pitchFamily="49" charset="-122"/>
+                <a:cs typeface="Times New Roman" panose="02020603050405020304" pitchFamily="18" charset="0"/>
+              </a:rPr>
+              <a:t>(</a:t>
+            </a:r>
+            <a:r>
+              <a:rPr lang="en-US" sz="2000" b="1" kern="100" dirty="0">
+                <a:solidFill>
+                  <a:srgbClr val="FF0000"/>
+                </a:solidFill>
+                <a:latin typeface="Times New Roman" panose="02020603050405020304" pitchFamily="18" charset="0"/>
+                <a:ea typeface="NSimSun" panose="02010609030101010101" pitchFamily="49" charset="-122"/>
+                <a:cs typeface="Times New Roman" panose="02020603050405020304" pitchFamily="18" charset="0"/>
+              </a:rPr>
+              <a:t>~ 2400 </a:t>
+            </a:r>
+            <a:r>
+              <a:rPr lang="ru-RU" sz="2000" b="1" kern="100" dirty="0">
+                <a:solidFill>
+                  <a:srgbClr val="FF0000"/>
+                </a:solidFill>
+                <a:latin typeface="Times New Roman" panose="02020603050405020304" pitchFamily="18" charset="0"/>
+                <a:ea typeface="NSimSun" panose="02010609030101010101" pitchFamily="49" charset="-122"/>
+                <a:cs typeface="Times New Roman" panose="02020603050405020304" pitchFamily="18" charset="0"/>
+              </a:rPr>
+              <a:t>человеко-часов в год)</a:t>
+            </a:r>
+            <a:endParaRPr lang="ru-RU" sz="2000" b="1" kern="100" dirty="0">
+              <a:solidFill>
+                <a:srgbClr val="FF0000"/>
+              </a:solidFill>
+              <a:effectLst/>
+              <a:latin typeface="Times New Roman" panose="02020603050405020304" pitchFamily="18" charset="0"/>
+              <a:ea typeface="NSimSun" panose="02010609030101010101" pitchFamily="49" charset="-122"/>
+              <a:cs typeface="Times New Roman" panose="02020603050405020304" pitchFamily="18" charset="0"/>
+            </a:endParaRPr>
+          </a:p>
+          <a:p>
+            <a:pPr algn="ctr"/>
+            <a:endParaRPr lang="ru-RU" dirty="0"/>
           </a:p>
         </p:txBody>
       </p:sp>
@@ -18952,6 +22984,92 @@
       </p:transition>
     </mc:Fallback>
   </mc:AlternateContent>
+  <p:timing>
+    <p:tnLst>
+      <p:par>
+        <p:cTn id="1" dur="indefinite" restart="never" nodeType="tmRoot">
+          <p:childTnLst>
+            <p:seq concurrent="1" nextAc="seek">
+              <p:cTn id="2" dur="indefinite" nodeType="mainSeq">
+                <p:childTnLst>
+                  <p:par>
+                    <p:cTn id="3" fill="hold">
+                      <p:stCondLst>
+                        <p:cond delay="indefinite"/>
+                      </p:stCondLst>
+                      <p:childTnLst>
+                        <p:par>
+                          <p:cTn id="4" fill="hold">
+                            <p:stCondLst>
+                              <p:cond delay="0"/>
+                            </p:stCondLst>
+                            <p:childTnLst>
+                              <p:par>
+                                <p:cTn id="5" presetID="14" presetClass="entr" presetSubtype="10" fill="hold" grpId="0" nodeType="clickEffect">
+                                  <p:stCondLst>
+                                    <p:cond delay="0"/>
+                                  </p:stCondLst>
+                                  <p:childTnLst>
+                                    <p:set>
+                                      <p:cBhvr>
+                                        <p:cTn id="6" dur="1" fill="hold">
+                                          <p:stCondLst>
+                                            <p:cond delay="0"/>
+                                          </p:stCondLst>
+                                        </p:cTn>
+                                        <p:tgtEl>
+                                          <p:spTgt spid="38"/>
+                                        </p:tgtEl>
+                                        <p:attrNameLst>
+                                          <p:attrName>style.visibility</p:attrName>
+                                        </p:attrNameLst>
+                                      </p:cBhvr>
+                                      <p:to>
+                                        <p:strVal val="visible"/>
+                                      </p:to>
+                                    </p:set>
+                                    <p:animEffect transition="in" filter="randombar(horizontal)">
+                                      <p:cBhvr>
+                                        <p:cTn id="7" dur="500"/>
+                                        <p:tgtEl>
+                                          <p:spTgt spid="38"/>
+                                        </p:tgtEl>
+                                      </p:cBhvr>
+                                    </p:animEffect>
+                                  </p:childTnLst>
+                                </p:cTn>
+                              </p:par>
+                            </p:childTnLst>
+                          </p:cTn>
+                        </p:par>
+                      </p:childTnLst>
+                    </p:cTn>
+                  </p:par>
+                </p:childTnLst>
+              </p:cTn>
+              <p:prevCondLst>
+                <p:cond evt="onPrev" delay="0">
+                  <p:tgtEl>
+                    <p:sldTgt/>
+                  </p:tgtEl>
+                </p:cond>
+              </p:prevCondLst>
+              <p:nextCondLst>
+                <p:cond evt="onNext" delay="0">
+                  <p:tgtEl>
+                    <p:sldTgt/>
+                  </p:tgtEl>
+                </p:cond>
+              </p:nextCondLst>
+            </p:seq>
+          </p:childTnLst>
+        </p:cTn>
+      </p:par>
+    </p:tnLst>
+    <p:bldLst>
+      <p:bldP spid="38" grpId="0" animBg="1"/>
+    </p:bldLst>
+  </p:timing>
 </p:sld>
 </file>
 
@@ -20710,7 +24828,7 @@
         </p:nvSpPr>
         <p:spPr>
           <a:xfrm>
-            <a:off x="2173156" y="3100348"/>
+            <a:off x="5606275" y="3117664"/>
             <a:ext cx="1789244" cy="648072"/>
           </a:xfrm>
           <a:prstGeom prst="roundRect">
@@ -20919,49 +25037,6 @@
           </a:p>
         </p:txBody>
       </p:sp>
-      <p:cxnSp>
-        <p:nvCxnSpPr>
-          <p:cNvPr id="21" name="Соединитель: уступ 20">
-            <a:extLst>
-              <a:ext uri="{FF2B5EF4-FFF2-40B4-BE49-F238E27FC236}">
-                <a16:creationId xmlns:a16="http://schemas.microsoft.com/office/drawing/2014/main" id="{490A7FFB-9055-53F1-AB4E-38DF73C640F1}"/>
-              </a:ext>
-            </a:extLst>
-          </p:cNvPr>
-          <p:cNvCxnSpPr>
-            <a:cxnSpLocks/>
-            <a:stCxn id="17" idx="6"/>
-            <a:endCxn id="10" idx="1"/>
-          </p:cNvCxnSpPr>
-          <p:nvPr/>
-        </p:nvCxnSpPr>
-        <p:spPr>
-          <a:xfrm>
-            <a:off x="1660972" y="3422021"/>
-            <a:ext cx="512184" cy="2363"/>
-          </a:xfrm>
-          <a:prstGeom prst="bentConnector3">
-            <a:avLst/>
-          </a:prstGeom>
-          <a:ln>
-            <a:tailEnd type="triangle"/>
-          </a:ln>
-        </p:spPr>
-        <p:style>
-          <a:lnRef idx="1">
-            <a:schemeClr val="dk1"/>
-          </a:lnRef>
-          <a:fillRef idx="0">
-            <a:schemeClr val="dk1"/>
-          </a:fillRef>
-          <a:effectRef idx="0">
-            <a:schemeClr val="dk1"/>
-          </a:effectRef>
-          <a:fontRef idx="minor">
-            <a:schemeClr val="tx1"/>
-          </a:fontRef>
-        </p:style>
-      </p:cxnSp>
       <p:sp>
         <p:nvSpPr>
           <p:cNvPr id="43" name="Прямоугольник: скругленные углы 42">
@@ -20976,7 +25051,7 @@
         </p:nvSpPr>
         <p:spPr>
           <a:xfrm>
-            <a:off x="4882485" y="3010285"/>
+            <a:off x="2714955" y="3029963"/>
             <a:ext cx="1926867" cy="823474"/>
           </a:xfrm>
           <a:prstGeom prst="roundRect">
@@ -21018,7 +25093,7 @@
                   <a:schemeClr val="bg1"/>
                 </a:solidFill>
               </a:rPr>
-              <a:t>Выбор типа генерируемого документа</a:t>
+              <a:t>Выбор шаблона</a:t>
             </a:r>
           </a:p>
         </p:txBody>
@@ -21037,7 +25112,7 @@
         </p:nvSpPr>
         <p:spPr>
           <a:xfrm>
-            <a:off x="7969608" y="3017263"/>
+            <a:off x="7969608" y="3029963"/>
             <a:ext cx="1926867" cy="823474"/>
           </a:xfrm>
           <a:prstGeom prst="roundRect">
@@ -21086,26 +25161,22 @@
       </p:sp>
       <p:cxnSp>
         <p:nvCxnSpPr>
-          <p:cNvPr id="48" name="Прямая со стрелкой 47">
+          <p:cNvPr id="61" name="Соединитель: уступ 60">
             <a:extLst>
               <a:ext uri="{FF2B5EF4-FFF2-40B4-BE49-F238E27FC236}">
-                <a16:creationId xmlns:a16="http://schemas.microsoft.com/office/drawing/2014/main" id="{799DE4B2-3507-6C2F-D97A-C674EED86B8A}"/>
+                <a16:creationId xmlns:a16="http://schemas.microsoft.com/office/drawing/2014/main" id="{579DFCD6-16FB-5482-2CC1-E9D2CA1AD268}"/>
               </a:ext>
             </a:extLst>
           </p:cNvPr>
-          <p:cNvCxnSpPr>
-            <a:cxnSpLocks/>
-            <a:stCxn id="10" idx="3"/>
-            <a:endCxn id="43" idx="1"/>
-          </p:cNvCxnSpPr>
+          <p:cNvCxnSpPr/>
           <p:nvPr/>
         </p:nvCxnSpPr>
         <p:spPr>
-          <a:xfrm flipV="1">
-            <a:off x="3962400" y="3422022"/>
-            <a:ext cx="920085" cy="2362"/>
-          </a:xfrm>
-          <a:prstGeom prst="straightConnector1">
+          <a:xfrm>
+            <a:off x="9896475" y="3429000"/>
+            <a:ext cx="778822" cy="12700"/>
+          </a:xfrm>
+          <a:prstGeom prst="bentConnector3">
             <a:avLst/>
           </a:prstGeom>
           <a:ln>
@@ -21129,26 +25200,24 @@
       </p:cxnSp>
       <p:cxnSp>
         <p:nvCxnSpPr>
-          <p:cNvPr id="50" name="Соединитель: уступ 49">
+          <p:cNvPr id="13" name="Прямая со стрелкой 12">
             <a:extLst>
               <a:ext uri="{FF2B5EF4-FFF2-40B4-BE49-F238E27FC236}">
-                <a16:creationId xmlns:a16="http://schemas.microsoft.com/office/drawing/2014/main" id="{267A537D-E855-3D80-5D3A-734D76BBAFFB}"/>
+                <a16:creationId xmlns:a16="http://schemas.microsoft.com/office/drawing/2014/main" id="{168F7A10-6123-48DF-8E40-24CF58BD1D1C}"/>
               </a:ext>
             </a:extLst>
           </p:cNvPr>
           <p:cNvCxnSpPr>
-            <a:cxnSpLocks/>
-            <a:stCxn id="43" idx="3"/>
-            <a:endCxn id="45" idx="1"/>
+            <a:stCxn id="17" idx="6"/>
           </p:cNvCxnSpPr>
           <p:nvPr/>
         </p:nvCxnSpPr>
         <p:spPr>
           <a:xfrm>
-            <a:off x="6809352" y="3422022"/>
-            <a:ext cx="1160256" cy="6978"/>
-          </a:xfrm>
-          <a:prstGeom prst="bentConnector3">
+            <a:off x="1660972" y="3422021"/>
+            <a:ext cx="1009218" cy="0"/>
+          </a:xfrm>
+          <a:prstGeom prst="straightConnector1">
             <a:avLst/>
           </a:prstGeom>
           <a:ln>
@@ -21172,22 +25241,25 @@
       </p:cxnSp>
       <p:cxnSp>
         <p:nvCxnSpPr>
-          <p:cNvPr id="61" name="Соединитель: уступ 60">
+          <p:cNvPr id="15" name="Прямая со стрелкой 14">
             <a:extLst>
               <a:ext uri="{FF2B5EF4-FFF2-40B4-BE49-F238E27FC236}">
-                <a16:creationId xmlns:a16="http://schemas.microsoft.com/office/drawing/2014/main" id="{579DFCD6-16FB-5482-2CC1-E9D2CA1AD268}"/>
+                <a16:creationId xmlns:a16="http://schemas.microsoft.com/office/drawing/2014/main" id="{41C41650-2243-4EA0-A112-596FE9E8A1E0}"/>
               </a:ext>
             </a:extLst>
           </p:cNvPr>
-          <p:cNvCxnSpPr/>
+          <p:cNvCxnSpPr>
+            <a:stCxn id="43" idx="3"/>
+            <a:endCxn id="10" idx="1"/>
+          </p:cNvCxnSpPr>
           <p:nvPr/>
         </p:nvCxnSpPr>
         <p:spPr>
           <a:xfrm>
-            <a:off x="9896475" y="3429000"/>
-            <a:ext cx="778822" cy="12700"/>
-          </a:xfrm>
-          <a:prstGeom prst="bentConnector3">
+            <a:off x="4641822" y="3441700"/>
+            <a:ext cx="964453" cy="0"/>
+          </a:xfrm>
+          <a:prstGeom prst="straightConnector1">
             <a:avLst/>
           </a:prstGeom>
           <a:ln>
@@ -21209,6 +25281,132 @@
           </a:fontRef>
         </p:style>
       </p:cxnSp>
+      <p:cxnSp>
+        <p:nvCxnSpPr>
+          <p:cNvPr id="20" name="Соединитель: уступ 19">
+            <a:extLst>
+              <a:ext uri="{FF2B5EF4-FFF2-40B4-BE49-F238E27FC236}">
+                <a16:creationId xmlns:a16="http://schemas.microsoft.com/office/drawing/2014/main" id="{5CA212ED-F900-4599-886D-31F05FC5D9BA}"/>
+              </a:ext>
+            </a:extLst>
+          </p:cNvPr>
+          <p:cNvCxnSpPr>
+            <a:stCxn id="10" idx="3"/>
+            <a:endCxn id="45" idx="1"/>
+          </p:cNvCxnSpPr>
+          <p:nvPr/>
+        </p:nvCxnSpPr>
+        <p:spPr>
+          <a:xfrm>
+            <a:off x="7395519" y="3441700"/>
+            <a:ext cx="574089" cy="12700"/>
+          </a:xfrm>
+          <a:prstGeom prst="bentConnector3">
+            <a:avLst/>
+          </a:prstGeom>
+          <a:ln>
+            <a:tailEnd type="triangle"/>
+          </a:ln>
+        </p:spPr>
+        <p:style>
+          <a:lnRef idx="1">
+            <a:schemeClr val="dk1"/>
+          </a:lnRef>
+          <a:fillRef idx="0">
+            <a:schemeClr val="dk1"/>
+          </a:fillRef>
+          <a:effectRef idx="0">
+            <a:schemeClr val="dk1"/>
+          </a:effectRef>
+          <a:fontRef idx="minor">
+            <a:schemeClr val="tx1"/>
+          </a:fontRef>
+        </p:style>
+      </p:cxnSp>
+      <p:pic>
+        <p:nvPicPr>
+          <p:cNvPr id="23" name="Рисунок 22">
+            <a:extLst>
+              <a:ext uri="{FF2B5EF4-FFF2-40B4-BE49-F238E27FC236}">
+                <a16:creationId xmlns:a16="http://schemas.microsoft.com/office/drawing/2014/main" id="{ED599866-D609-4198-917D-92239EF29303}"/>
+              </a:ext>
+            </a:extLst>
+          </p:cNvPr>
+          <p:cNvPicPr>
+            <a:picLocks noChangeAspect="1"/>
+          </p:cNvPicPr>
+          <p:nvPr/>
+        </p:nvPicPr>
+        <p:blipFill>
+          <a:blip r:embed="rId3"/>
+          <a:stretch>
+            <a:fillRect/>
+          </a:stretch>
+        </p:blipFill>
+        <p:spPr>
+          <a:xfrm>
+            <a:off x="585809" y="1326521"/>
+            <a:ext cx="11107039" cy="4191000"/>
+          </a:xfrm>
+          <a:prstGeom prst="rect">
+            <a:avLst/>
+          </a:prstGeom>
+        </p:spPr>
+      </p:pic>
+      <p:sp>
+        <p:nvSpPr>
+          <p:cNvPr id="30" name="Прямоугольник 29">
+            <a:extLst>
+              <a:ext uri="{FF2B5EF4-FFF2-40B4-BE49-F238E27FC236}">
+                <a16:creationId xmlns:a16="http://schemas.microsoft.com/office/drawing/2014/main" id="{A1FE7264-D86C-4A40-BFDB-282932032350}"/>
+              </a:ext>
+            </a:extLst>
+          </p:cNvPr>
+          <p:cNvSpPr/>
+          <p:nvPr/>
+        </p:nvSpPr>
+        <p:spPr>
+          <a:xfrm>
+            <a:off x="5172074" y="2828927"/>
+            <a:ext cx="5043489" cy="1314448"/>
+          </a:xfrm>
+          <a:prstGeom prst="rect">
+            <a:avLst/>
+          </a:prstGeom>
+          <a:solidFill>
+            <a:srgbClr val="00B050">
+              <a:alpha val="0"/>
+            </a:srgbClr>
+          </a:solidFill>
+          <a:ln>
+            <a:solidFill>
+              <a:srgbClr val="00B050"/>
+            </a:solidFill>
+          </a:ln>
+        </p:spPr>
+        <p:style>
+          <a:lnRef idx="2">
+            <a:schemeClr val="accent6"/>
+          </a:lnRef>
+          <a:fillRef idx="1">
+            <a:schemeClr val="lt1"/>
+          </a:fillRef>
+          <a:effectRef idx="0">
+            <a:schemeClr val="accent6"/>
+          </a:effectRef>
+          <a:fontRef idx="minor">
+            <a:schemeClr val="dk1"/>
+          </a:fontRef>
+        </p:style>
+        <p:txBody>
+          <a:bodyPr rtlCol="0" anchor="ctr"/>
+          <a:lstStyle/>
+          <a:p>
+            <a:pPr algn="ctr"/>
+            <a:endParaRPr lang="ru-RU"/>
+          </a:p>
+        </p:txBody>
+      </p:sp>
     </p:spTree>
     <p:extLst>
       <p:ext uri="{BB962C8B-B14F-4D97-AF65-F5344CB8AC3E}">
@@ -21231,6 +25429,137 @@
       </p:transition>
     </mc:Fallback>
   </mc:AlternateContent>
+  <p:timing>
+    <p:tnLst>
+      <p:par>
+        <p:cTn id="1" dur="indefinite" restart="never" nodeType="tmRoot">
+          <p:childTnLst>
+            <p:seq concurrent="1" nextAc="seek">
+              <p:cTn id="2" dur="indefinite" nodeType="mainSeq">
+                <p:childTnLst>
+                  <p:par>
+                    <p:cTn id="3" fill="hold">
+                      <p:stCondLst>
+                        <p:cond delay="indefinite"/>
+                      </p:stCondLst>
+                      <p:childTnLst>
+                        <p:par>
+                          <p:cTn id="4" fill="hold">
+                            <p:stCondLst>
+                              <p:cond delay="0"/>
+                            </p:stCondLst>
+                            <p:childTnLst>
+                              <p:par>
+                                <p:cTn id="5" presetID="10" presetClass="exit" presetSubtype="0" fill="hold" nodeType="clickEffect">
+                                  <p:stCondLst>
+                                    <p:cond delay="0"/>
+                                  </p:stCondLst>
+                                  <p:childTnLst>
+                                    <p:animEffect transition="out" filter="fade">
+                                      <p:cBhvr>
+                                        <p:cTn id="6" dur="500"/>
+                                        <p:tgtEl>
+                                          <p:spTgt spid="23"/>
+                                        </p:tgtEl>
+                                      </p:cBhvr>
+                                    </p:animEffect>
+                                    <p:set>
+                                      <p:cBhvr>
+                                        <p:cTn id="7" dur="1" fill="hold">
+                                          <p:stCondLst>
+                                            <p:cond delay="499"/>
+                                          </p:stCondLst>
+                                        </p:cTn>
+                                        <p:tgtEl>
+                                          <p:spTgt spid="23"/>
+                                        </p:tgtEl>
+                                        <p:attrNameLst>
+                                          <p:attrName>style.visibility</p:attrName>
+                                        </p:attrNameLst>
+                                      </p:cBhvr>
+                                      <p:to>
+                                        <p:strVal val="hidden"/>
+                                      </p:to>
+                                    </p:set>
+                                  </p:childTnLst>
+                                </p:cTn>
+                              </p:par>
+                            </p:childTnLst>
+                          </p:cTn>
+                        </p:par>
+                      </p:childTnLst>
+                    </p:cTn>
+                  </p:par>
+                  <p:par>
+                    <p:cTn id="8" fill="hold">
+                      <p:stCondLst>
+                        <p:cond delay="indefinite"/>
+                      </p:stCondLst>
+                      <p:childTnLst>
+                        <p:par>
+                          <p:cTn id="9" fill="hold">
+                            <p:stCondLst>
+                              <p:cond delay="0"/>
+                            </p:stCondLst>
+                            <p:childTnLst>
+                              <p:par>
+                                <p:cTn id="10" presetID="1" presetClass="entr" presetSubtype="0" fill="hold" grpId="0" nodeType="clickEffect">
+                                  <p:stCondLst>
+                                    <p:cond delay="0"/>
+                                  </p:stCondLst>
+                                  <p:childTnLst>
+                                    <p:set>
+                                      <p:cBhvr>
+                                        <p:cTn id="11" dur="1" fill="hold">
+                                          <p:stCondLst>
+                                            <p:cond delay="0"/>
+                                          </p:stCondLst>
+                                        </p:cTn>
+                                        <p:tgtEl>
+                                          <p:spTgt spid="30"/>
+                                        </p:tgtEl>
+                                        <p:attrNameLst>
+                                          <p:attrName>style.visibility</p:attrName>
+                                        </p:attrNameLst>
+                                      </p:cBhvr>
+                                      <p:to>
+                                        <p:strVal val="visible"/>
+                                      </p:to>
+                                    </p:set>
+                                  </p:childTnLst>
+                                </p:cTn>
+                              </p:par>
+                            </p:childTnLst>
+                          </p:cTn>
+                        </p:par>
+                      </p:childTnLst>
+                    </p:cTn>
+                  </p:par>
+                </p:childTnLst>
+              </p:cTn>
+              <p:prevCondLst>
+                <p:cond evt="onPrev" delay="0">
+                  <p:tgtEl>
+                    <p:sldTgt/>
+                  </p:tgtEl>
+                </p:cond>
+              </p:prevCondLst>
+              <p:nextCondLst>
+                <p:cond evt="onNext" delay="0">
+                  <p:tgtEl>
+                    <p:sldTgt/>
+                  </p:tgtEl>
+                </p:cond>
+              </p:nextCondLst>
+            </p:seq>
+          </p:childTnLst>
+        </p:cTn>
+      </p:par>
+    </p:tnLst>
+    <p:bldLst>
+      <p:bldP spid="30" grpId="0" animBg="1"/>
+    </p:bldLst>
+  </p:timing>
 </p:sld>
 </file>
 
@@ -23599,10 +27928,10 @@
       </p:sp>
       <p:cxnSp>
         <p:nvCxnSpPr>
-          <p:cNvPr id="35" name="Прямая со стрелкой 34">
+          <p:cNvPr id="38" name="Прямая со стрелкой 37">
             <a:extLst>
               <a:ext uri="{FF2B5EF4-FFF2-40B4-BE49-F238E27FC236}">
-                <a16:creationId xmlns:a16="http://schemas.microsoft.com/office/drawing/2014/main" id="{9C8ACC16-79E3-004E-4FD8-987D7F40402D}"/>
+                <a16:creationId xmlns:a16="http://schemas.microsoft.com/office/drawing/2014/main" id="{818BF89A-7334-D2AF-2527-41A86945672A}"/>
               </a:ext>
             </a:extLst>
           </p:cNvPr>
@@ -23613,51 +27942,7 @@
         </p:nvCxnSpPr>
         <p:spPr>
           <a:xfrm flipV="1">
-            <a:off x="4730621" y="4406744"/>
-            <a:ext cx="0" cy="2443166"/>
-          </a:xfrm>
-          <a:prstGeom prst="straightConnector1">
-            <a:avLst/>
-          </a:prstGeom>
-          <a:ln>
-            <a:solidFill>
-              <a:srgbClr val="FFFF00"/>
-            </a:solidFill>
-            <a:tailEnd type="triangle"/>
-          </a:ln>
-        </p:spPr>
-        <p:style>
-          <a:lnRef idx="1">
-            <a:schemeClr val="accent1"/>
-          </a:lnRef>
-          <a:fillRef idx="0">
-            <a:schemeClr val="accent1"/>
-          </a:fillRef>
-          <a:effectRef idx="0">
-            <a:schemeClr val="accent1"/>
-          </a:effectRef>
-          <a:fontRef idx="minor">
-            <a:schemeClr val="tx1"/>
-          </a:fontRef>
-        </p:style>
-      </p:cxnSp>
-      <p:cxnSp>
-        <p:nvCxnSpPr>
-          <p:cNvPr id="38" name="Прямая со стрелкой 37">
-            <a:extLst>
-              <a:ext uri="{FF2B5EF4-FFF2-40B4-BE49-F238E27FC236}">
-                <a16:creationId xmlns:a16="http://schemas.microsoft.com/office/drawing/2014/main" id="{818BF89A-7334-D2AF-2527-41A86945672A}"/>
-              </a:ext>
-            </a:extLst>
-          </p:cNvPr>
-          <p:cNvCxnSpPr>
-            <a:cxnSpLocks/>
-          </p:cNvCxnSpPr>
-          <p:nvPr/>
-        </p:nvCxnSpPr>
-        <p:spPr>
-          <a:xfrm flipV="1">
-            <a:off x="6234873" y="4406744"/>
+            <a:off x="5020436" y="4444473"/>
             <a:ext cx="0" cy="2443166"/>
           </a:xfrm>
           <a:prstGeom prst="straightConnector1">
@@ -23731,10 +28016,10 @@
       </p:cxnSp>
       <p:sp>
         <p:nvSpPr>
-          <p:cNvPr id="41" name="TextBox 40">
+          <p:cNvPr id="44" name="TextBox 43">
             <a:extLst>
               <a:ext uri="{FF2B5EF4-FFF2-40B4-BE49-F238E27FC236}">
-                <a16:creationId xmlns:a16="http://schemas.microsoft.com/office/drawing/2014/main" id="{4AD7F920-4894-D1ED-0DE2-2E85357FB19D}"/>
+                <a16:creationId xmlns:a16="http://schemas.microsoft.com/office/drawing/2014/main" id="{568C2125-9A72-0492-A140-360676A922B9}"/>
               </a:ext>
             </a:extLst>
           </p:cNvPr>
@@ -23743,7 +28028,7 @@
         </p:nvSpPr>
         <p:spPr>
           <a:xfrm rot="16200000">
-            <a:off x="3983864" y="5478503"/>
+            <a:off x="6799542" y="5478503"/>
             <a:ext cx="1148740" cy="369332"/>
           </a:xfrm>
           <a:prstGeom prst="rect">
@@ -23759,17 +28044,17 @@
           <a:p>
             <a:r>
               <a:rPr lang="ru-RU" dirty="0"/>
-              <a:t>Директор</a:t>
-            </a:r>
-          </a:p>
-        </p:txBody>
-      </p:sp>
-      <p:sp>
-        <p:nvSpPr>
-          <p:cNvPr id="43" name="TextBox 42">
+              <a:t>Педагоги</a:t>
+            </a:r>
+          </a:p>
+        </p:txBody>
+      </p:sp>
+      <p:sp>
+        <p:nvSpPr>
+          <p:cNvPr id="34" name="TextBox 33">
             <a:extLst>
               <a:ext uri="{FF2B5EF4-FFF2-40B4-BE49-F238E27FC236}">
-                <a16:creationId xmlns:a16="http://schemas.microsoft.com/office/drawing/2014/main" id="{6ECF7C3C-172F-5E84-F0E3-78824330383F}"/>
+                <a16:creationId xmlns:a16="http://schemas.microsoft.com/office/drawing/2014/main" id="{EE15F7A5-B379-4C8C-92A3-2CC5D3C07CFB}"/>
               </a:ext>
             </a:extLst>
           </p:cNvPr>
@@ -23778,8 +28063,8 @@
         </p:nvSpPr>
         <p:spPr>
           <a:xfrm rot="16200000">
-            <a:off x="4641285" y="5256322"/>
-            <a:ext cx="2817844" cy="369332"/>
+            <a:off x="3932616" y="5478502"/>
+            <a:ext cx="1793066" cy="369332"/>
           </a:xfrm>
           <a:prstGeom prst="rect">
             <a:avLst/>
@@ -23794,42 +28079,7 @@
           <a:p>
             <a:r>
               <a:rPr lang="ru-RU" dirty="0"/>
-              <a:t>Руководители отделов</a:t>
-            </a:r>
-          </a:p>
-        </p:txBody>
-      </p:sp>
-      <p:sp>
-        <p:nvSpPr>
-          <p:cNvPr id="44" name="TextBox 43">
-            <a:extLst>
-              <a:ext uri="{FF2B5EF4-FFF2-40B4-BE49-F238E27FC236}">
-                <a16:creationId xmlns:a16="http://schemas.microsoft.com/office/drawing/2014/main" id="{568C2125-9A72-0492-A140-360676A922B9}"/>
-              </a:ext>
-            </a:extLst>
-          </p:cNvPr>
-          <p:cNvSpPr txBox="1"/>
-          <p:nvPr/>
-        </p:nvSpPr>
-        <p:spPr>
-          <a:xfrm rot="16200000">
-            <a:off x="6799542" y="5478503"/>
-            <a:ext cx="1148740" cy="369332"/>
-          </a:xfrm>
-          <a:prstGeom prst="rect">
-            <a:avLst/>
-          </a:prstGeom>
-          <a:noFill/>
-        </p:spPr>
-        <p:txBody>
-          <a:bodyPr wrap="square" rtlCol="0">
-            <a:spAutoFit/>
-          </a:bodyPr>
-          <a:lstStyle/>
-          <a:p>
-            <a:r>
-              <a:rPr lang="ru-RU" dirty="0"/>
-              <a:t>Педагоги</a:t>
+              <a:t>Администратор</a:t>
             </a:r>
           </a:p>
         </p:txBody>

--- a/Дипломная работа/Консультации Хоменко/Презентация v3.0.pptx
+++ b/Дипломная работа/Консультации Хоменко/Презентация v3.0.pptx
@@ -21123,7 +21123,7 @@
         </p:nvSpPr>
         <p:spPr>
           <a:xfrm>
-            <a:off x="468314" y="1548150"/>
+            <a:off x="451259" y="1536904"/>
             <a:ext cx="11125200" cy="4076700"/>
           </a:xfrm>
           <a:prstGeom prst="rect">
@@ -21339,8 +21339,8 @@
         </p:nvSpPr>
         <p:spPr>
           <a:xfrm>
-            <a:off x="2913135" y="3034826"/>
-            <a:ext cx="1825071" cy="823474"/>
+            <a:off x="2691137" y="3034826"/>
+            <a:ext cx="1808035" cy="823474"/>
           </a:xfrm>
           <a:prstGeom prst="roundRect">
             <a:avLst/>
@@ -21400,8 +21400,8 @@
         </p:nvSpPr>
         <p:spPr>
           <a:xfrm>
-            <a:off x="5012857" y="3032394"/>
-            <a:ext cx="1994006" cy="823474"/>
+            <a:off x="4696618" y="2670372"/>
+            <a:ext cx="1226102" cy="1545578"/>
           </a:xfrm>
           <a:prstGeom prst="roundRect">
             <a:avLst/>
@@ -21461,8 +21461,8 @@
         </p:nvSpPr>
         <p:spPr>
           <a:xfrm>
-            <a:off x="1473327" y="3029963"/>
-            <a:ext cx="1209674" cy="823474"/>
+            <a:off x="1392763" y="3029962"/>
+            <a:ext cx="1135231" cy="825905"/>
           </a:xfrm>
           <a:prstGeom prst="roundRect">
             <a:avLst/>
@@ -21527,7 +21527,7 @@
         <p:spPr>
           <a:xfrm>
             <a:off x="1263613" y="3436257"/>
-            <a:ext cx="209714" cy="5443"/>
+            <a:ext cx="129150" cy="6658"/>
           </a:xfrm>
           <a:prstGeom prst="straightConnector1">
             <a:avLst/>
@@ -21569,8 +21569,8 @@
         </p:nvCxnSpPr>
         <p:spPr>
           <a:xfrm>
-            <a:off x="2683001" y="3441700"/>
-            <a:ext cx="230134" cy="4863"/>
+            <a:off x="2527994" y="3442915"/>
+            <a:ext cx="163143" cy="3648"/>
           </a:xfrm>
           <a:prstGeom prst="bentConnector3">
             <a:avLst/>
@@ -21612,8 +21612,8 @@
         </p:nvCxnSpPr>
         <p:spPr>
           <a:xfrm flipV="1">
-            <a:off x="4738206" y="3444131"/>
-            <a:ext cx="274651" cy="2432"/>
+            <a:off x="4499172" y="3443161"/>
+            <a:ext cx="197446" cy="3402"/>
           </a:xfrm>
           <a:prstGeom prst="bentConnector3">
             <a:avLst/>
@@ -21651,7 +21651,7 @@
         </p:nvSpPr>
         <p:spPr>
           <a:xfrm>
-            <a:off x="7561276" y="3068960"/>
+            <a:off x="7720130" y="3068959"/>
             <a:ext cx="720080" cy="720080"/>
           </a:xfrm>
           <a:prstGeom prst="diamond">
@@ -21705,7 +21705,7 @@
         </p:nvSpPr>
         <p:spPr>
           <a:xfrm>
-            <a:off x="7733761" y="3220233"/>
+            <a:off x="7878210" y="3220156"/>
             <a:ext cx="403920" cy="432048"/>
           </a:xfrm>
           <a:prstGeom prst="mathMultiply">
@@ -21815,48 +21815,6 @@
       </p:sp>
       <p:cxnSp>
         <p:nvCxnSpPr>
-          <p:cNvPr id="57" name="Прямая со стрелкой 56">
-            <a:extLst>
-              <a:ext uri="{FF2B5EF4-FFF2-40B4-BE49-F238E27FC236}">
-                <a16:creationId xmlns:a16="http://schemas.microsoft.com/office/drawing/2014/main" id="{53F2F5E3-5851-F193-748F-99C846E0F283}"/>
-              </a:ext>
-            </a:extLst>
-          </p:cNvPr>
-          <p:cNvCxnSpPr>
-            <a:stCxn id="10" idx="3"/>
-            <a:endCxn id="27" idx="1"/>
-          </p:cNvCxnSpPr>
-          <p:nvPr/>
-        </p:nvCxnSpPr>
-        <p:spPr>
-          <a:xfrm flipV="1">
-            <a:off x="7006863" y="3429000"/>
-            <a:ext cx="554413" cy="15131"/>
-          </a:xfrm>
-          <a:prstGeom prst="straightConnector1">
-            <a:avLst/>
-          </a:prstGeom>
-          <a:ln>
-            <a:tailEnd type="triangle"/>
-          </a:ln>
-        </p:spPr>
-        <p:style>
-          <a:lnRef idx="1">
-            <a:schemeClr val="dk1"/>
-          </a:lnRef>
-          <a:fillRef idx="0">
-            <a:schemeClr val="dk1"/>
-          </a:fillRef>
-          <a:effectRef idx="0">
-            <a:schemeClr val="dk1"/>
-          </a:effectRef>
-          <a:fontRef idx="minor">
-            <a:schemeClr val="tx1"/>
-          </a:fontRef>
-        </p:style>
-      </p:cxnSp>
-      <p:cxnSp>
-        <p:nvCxnSpPr>
           <p:cNvPr id="62" name="Соединитель: уступ 61">
             <a:extLst>
               <a:ext uri="{FF2B5EF4-FFF2-40B4-BE49-F238E27FC236}">
@@ -21872,8 +21830,8 @@
         </p:nvCxnSpPr>
         <p:spPr>
           <a:xfrm rot="5400000" flipH="1" flipV="1">
-            <a:off x="7885084" y="2543470"/>
-            <a:ext cx="561723" cy="489259"/>
+            <a:off x="7964511" y="2622896"/>
+            <a:ext cx="561722" cy="330405"/>
           </a:xfrm>
           <a:prstGeom prst="bentConnector2">
             <a:avLst/>
@@ -22063,8 +22021,8 @@
         </p:nvCxnSpPr>
         <p:spPr>
           <a:xfrm rot="16200000" flipH="1">
-            <a:off x="7674095" y="4036260"/>
-            <a:ext cx="983700" cy="489259"/>
+            <a:off x="7753522" y="4115686"/>
+            <a:ext cx="983701" cy="330405"/>
           </a:xfrm>
           <a:prstGeom prst="bentConnector2">
             <a:avLst/>
@@ -22149,8 +22107,8 @@
         </p:nvCxnSpPr>
         <p:spPr>
           <a:xfrm>
-            <a:off x="8281356" y="3429000"/>
-            <a:ext cx="2566552" cy="1320"/>
+            <a:off x="8440210" y="3428999"/>
+            <a:ext cx="2407698" cy="1321"/>
           </a:xfrm>
           <a:prstGeom prst="bentConnector3">
             <a:avLst>
@@ -22268,8 +22226,8 @@
         </p:nvSpPr>
         <p:spPr>
           <a:xfrm>
-            <a:off x="7150539" y="1993900"/>
-            <a:ext cx="3615679" cy="3283857"/>
+            <a:off x="6032757" y="2010275"/>
+            <a:ext cx="4770002" cy="3283857"/>
           </a:xfrm>
           <a:prstGeom prst="rect">
             <a:avLst/>
@@ -22317,8 +22275,8 @@
         </p:nvSpPr>
         <p:spPr>
           <a:xfrm>
-            <a:off x="2756629" y="2646461"/>
-            <a:ext cx="2127010" cy="1540767"/>
+            <a:off x="2568537" y="2798634"/>
+            <a:ext cx="2017821" cy="1306365"/>
           </a:xfrm>
           <a:prstGeom prst="rect">
             <a:avLst/>
@@ -22354,10 +22312,10 @@
       </p:sp>
       <p:sp>
         <p:nvSpPr>
-          <p:cNvPr id="38" name="Прямоугольник: скругленные углы 37">
+          <p:cNvPr id="44" name="Прямоугольник: скругленные углы 43">
             <a:extLst>
               <a:ext uri="{FF2B5EF4-FFF2-40B4-BE49-F238E27FC236}">
-                <a16:creationId xmlns:a16="http://schemas.microsoft.com/office/drawing/2014/main" id="{37CA11B9-09CD-4006-8DE2-17DA1B2D5951}"/>
+                <a16:creationId xmlns:a16="http://schemas.microsoft.com/office/drawing/2014/main" id="{4F6ADD92-855B-47AB-BB9C-2F67DD2E2969}"/>
               </a:ext>
             </a:extLst>
           </p:cNvPr>
@@ -22366,7 +22324,154 @@
         </p:nvSpPr>
         <p:spPr>
           <a:xfrm>
-            <a:off x="682433" y="672041"/>
+            <a:off x="6142794" y="2663391"/>
+            <a:ext cx="1422545" cy="1545578"/>
+          </a:xfrm>
+          <a:prstGeom prst="roundRect">
+            <a:avLst/>
+          </a:prstGeom>
+          <a:solidFill>
+            <a:schemeClr val="tx1"/>
+          </a:solidFill>
+          <a:ln>
+            <a:solidFill>
+              <a:schemeClr val="bg1"/>
+            </a:solidFill>
+          </a:ln>
+        </p:spPr>
+        <p:style>
+          <a:lnRef idx="2">
+            <a:schemeClr val="accent1">
+              <a:shade val="15000"/>
+            </a:schemeClr>
+          </a:lnRef>
+          <a:fillRef idx="1">
+            <a:schemeClr val="accent1"/>
+          </a:fillRef>
+          <a:effectRef idx="0">
+            <a:schemeClr val="accent1"/>
+          </a:effectRef>
+          <a:fontRef idx="minor">
+            <a:schemeClr val="lt1"/>
+          </a:fontRef>
+        </p:style>
+        <p:txBody>
+          <a:bodyPr rtlCol="0" anchor="ctr"/>
+          <a:lstStyle/>
+          <a:p>
+            <a:pPr algn="ctr"/>
+            <a:r>
+              <a:rPr lang="ru-RU" dirty="0">
+                <a:solidFill>
+                  <a:schemeClr val="bg1"/>
+                </a:solidFill>
+              </a:rPr>
+              <a:t>Ручной подбор номера документа</a:t>
+            </a:r>
+          </a:p>
+        </p:txBody>
+      </p:sp>
+      <p:cxnSp>
+        <p:nvCxnSpPr>
+          <p:cNvPr id="52" name="Прямая со стрелкой 51">
+            <a:extLst>
+              <a:ext uri="{FF2B5EF4-FFF2-40B4-BE49-F238E27FC236}">
+                <a16:creationId xmlns:a16="http://schemas.microsoft.com/office/drawing/2014/main" id="{F0BCBFC6-3AB7-4408-8B27-F3BF9B1ADF43}"/>
+              </a:ext>
+            </a:extLst>
+          </p:cNvPr>
+          <p:cNvCxnSpPr>
+            <a:cxnSpLocks/>
+            <a:stCxn id="10" idx="3"/>
+            <a:endCxn id="44" idx="1"/>
+          </p:cNvCxnSpPr>
+          <p:nvPr/>
+        </p:nvCxnSpPr>
+        <p:spPr>
+          <a:xfrm flipV="1">
+            <a:off x="5922720" y="3436180"/>
+            <a:ext cx="220074" cy="6981"/>
+          </a:xfrm>
+          <a:prstGeom prst="straightConnector1">
+            <a:avLst/>
+          </a:prstGeom>
+          <a:ln>
+            <a:tailEnd type="triangle"/>
+          </a:ln>
+        </p:spPr>
+        <p:style>
+          <a:lnRef idx="1">
+            <a:schemeClr val="dk1"/>
+          </a:lnRef>
+          <a:fillRef idx="0">
+            <a:schemeClr val="dk1"/>
+          </a:fillRef>
+          <a:effectRef idx="0">
+            <a:schemeClr val="dk1"/>
+          </a:effectRef>
+          <a:fontRef idx="minor">
+            <a:schemeClr val="tx1"/>
+          </a:fontRef>
+        </p:style>
+      </p:cxnSp>
+      <p:cxnSp>
+        <p:nvCxnSpPr>
+          <p:cNvPr id="54" name="Соединитель: уступ 53">
+            <a:extLst>
+              <a:ext uri="{FF2B5EF4-FFF2-40B4-BE49-F238E27FC236}">
+                <a16:creationId xmlns:a16="http://schemas.microsoft.com/office/drawing/2014/main" id="{F07E9220-FE51-4302-90CE-FACAC9AD6C47}"/>
+              </a:ext>
+            </a:extLst>
+          </p:cNvPr>
+          <p:cNvCxnSpPr>
+            <a:cxnSpLocks/>
+            <a:stCxn id="44" idx="3"/>
+            <a:endCxn id="27" idx="1"/>
+          </p:cNvCxnSpPr>
+          <p:nvPr/>
+        </p:nvCxnSpPr>
+        <p:spPr>
+          <a:xfrm flipV="1">
+            <a:off x="7565339" y="3428999"/>
+            <a:ext cx="154791" cy="7181"/>
+          </a:xfrm>
+          <a:prstGeom prst="bentConnector3">
+            <a:avLst/>
+          </a:prstGeom>
+          <a:ln>
+            <a:tailEnd type="triangle"/>
+          </a:ln>
+        </p:spPr>
+        <p:style>
+          <a:lnRef idx="1">
+            <a:schemeClr val="dk1"/>
+          </a:lnRef>
+          <a:fillRef idx="0">
+            <a:schemeClr val="dk1"/>
+          </a:fillRef>
+          <a:effectRef idx="0">
+            <a:schemeClr val="dk1"/>
+          </a:effectRef>
+          <a:fontRef idx="minor">
+            <a:schemeClr val="tx1"/>
+          </a:fontRef>
+        </p:style>
+      </p:cxnSp>
+      <p:sp>
+        <p:nvSpPr>
+          <p:cNvPr id="69" name="Прямоугольник: скругленные углы 68">
+            <a:extLst>
+              <a:ext uri="{FF2B5EF4-FFF2-40B4-BE49-F238E27FC236}">
+                <a16:creationId xmlns:a16="http://schemas.microsoft.com/office/drawing/2014/main" id="{F8E5C729-55B5-4BCB-9A8A-D1452F12A522}"/>
+              </a:ext>
+            </a:extLst>
+          </p:cNvPr>
+          <p:cNvSpPr/>
+          <p:nvPr/>
+        </p:nvSpPr>
+        <p:spPr>
+          <a:xfrm>
+            <a:off x="773880" y="674858"/>
             <a:ext cx="10579276" cy="6008677"/>
           </a:xfrm>
           <a:prstGeom prst="roundRect">
@@ -23018,7 +23123,7 @@
                                           </p:stCondLst>
                                         </p:cTn>
                                         <p:tgtEl>
-                                          <p:spTgt spid="38"/>
+                                          <p:spTgt spid="69"/>
                                         </p:tgtEl>
                                         <p:attrNameLst>
                                           <p:attrName>style.visibility</p:attrName>
@@ -23032,7 +23137,7 @@
                                       <p:cBhvr>
                                         <p:cTn id="7" dur="500"/>
                                         <p:tgtEl>
-                                          <p:spTgt spid="38"/>
+                                          <p:spTgt spid="69"/>
                                         </p:tgtEl>
                                       </p:cBhvr>
                                     </p:animEffect>
@@ -23067,7 +23172,7 @@
       </p:par>
     </p:tnLst>
     <p:bldLst>
-      <p:bldP spid="38" grpId="0" animBg="1"/>
+      <p:bldP spid="69" grpId="0" animBg="1"/>
     </p:bldLst>
   </p:timing>
 </p:sld>
@@ -25323,36 +25428,6 @@
           </a:fontRef>
         </p:style>
       </p:cxnSp>
-      <p:pic>
-        <p:nvPicPr>
-          <p:cNvPr id="23" name="Рисунок 22">
-            <a:extLst>
-              <a:ext uri="{FF2B5EF4-FFF2-40B4-BE49-F238E27FC236}">
-                <a16:creationId xmlns:a16="http://schemas.microsoft.com/office/drawing/2014/main" id="{ED599866-D609-4198-917D-92239EF29303}"/>
-              </a:ext>
-            </a:extLst>
-          </p:cNvPr>
-          <p:cNvPicPr>
-            <a:picLocks noChangeAspect="1"/>
-          </p:cNvPicPr>
-          <p:nvPr/>
-        </p:nvPicPr>
-        <p:blipFill>
-          <a:blip r:embed="rId3"/>
-          <a:stretch>
-            <a:fillRect/>
-          </a:stretch>
-        </p:blipFill>
-        <p:spPr>
-          <a:xfrm>
-            <a:off x="585809" y="1326521"/>
-            <a:ext cx="11107039" cy="4191000"/>
-          </a:xfrm>
-          <a:prstGeom prst="rect">
-            <a:avLst/>
-          </a:prstGeom>
-        </p:spPr>
-      </p:pic>
       <p:sp>
         <p:nvSpPr>
           <p:cNvPr id="30" name="Прямоугольник 29">
@@ -25407,6 +25482,36 @@
           </a:p>
         </p:txBody>
       </p:sp>
+      <p:pic>
+        <p:nvPicPr>
+          <p:cNvPr id="2" name="Рисунок 1">
+            <a:extLst>
+              <a:ext uri="{FF2B5EF4-FFF2-40B4-BE49-F238E27FC236}">
+                <a16:creationId xmlns:a16="http://schemas.microsoft.com/office/drawing/2014/main" id="{E917735D-A2C6-43CE-A19B-EA9B8D1A999B}"/>
+              </a:ext>
+            </a:extLst>
+          </p:cNvPr>
+          <p:cNvPicPr>
+            <a:picLocks noChangeAspect="1"/>
+          </p:cNvPicPr>
+          <p:nvPr/>
+        </p:nvPicPr>
+        <p:blipFill>
+          <a:blip r:embed="rId3"/>
+          <a:stretch>
+            <a:fillRect/>
+          </a:stretch>
+        </p:blipFill>
+        <p:spPr>
+          <a:xfrm>
+            <a:off x="576929" y="1333501"/>
+            <a:ext cx="11104998" cy="4191000"/>
+          </a:xfrm>
+          <a:prstGeom prst="rect">
+            <a:avLst/>
+          </a:prstGeom>
+        </p:spPr>
+      </p:pic>
     </p:spTree>
     <p:extLst>
       <p:ext uri="{BB962C8B-B14F-4D97-AF65-F5344CB8AC3E}">
@@ -25450,67 +25555,14 @@
                             </p:stCondLst>
                             <p:childTnLst>
                               <p:par>
-                                <p:cTn id="5" presetID="10" presetClass="exit" presetSubtype="0" fill="hold" nodeType="clickEffect">
-                                  <p:stCondLst>
-                                    <p:cond delay="0"/>
-                                  </p:stCondLst>
-                                  <p:childTnLst>
-                                    <p:animEffect transition="out" filter="fade">
-                                      <p:cBhvr>
-                                        <p:cTn id="6" dur="500"/>
-                                        <p:tgtEl>
-                                          <p:spTgt spid="23"/>
-                                        </p:tgtEl>
-                                      </p:cBhvr>
-                                    </p:animEffect>
-                                    <p:set>
-                                      <p:cBhvr>
-                                        <p:cTn id="7" dur="1" fill="hold">
-                                          <p:stCondLst>
-                                            <p:cond delay="499"/>
-                                          </p:stCondLst>
-                                        </p:cTn>
-                                        <p:tgtEl>
-                                          <p:spTgt spid="23"/>
-                                        </p:tgtEl>
-                                        <p:attrNameLst>
-                                          <p:attrName>style.visibility</p:attrName>
-                                        </p:attrNameLst>
-                                      </p:cBhvr>
-                                      <p:to>
-                                        <p:strVal val="hidden"/>
-                                      </p:to>
-                                    </p:set>
-                                  </p:childTnLst>
-                                </p:cTn>
-                              </p:par>
-                            </p:childTnLst>
-                          </p:cTn>
-                        </p:par>
-                      </p:childTnLst>
-                    </p:cTn>
-                  </p:par>
-                  <p:par>
-                    <p:cTn id="8" fill="hold">
-                      <p:stCondLst>
-                        <p:cond delay="indefinite"/>
-                      </p:stCondLst>
-                      <p:childTnLst>
-                        <p:par>
-                          <p:cTn id="9" fill="hold">
-                            <p:stCondLst>
-                              <p:cond delay="0"/>
-                            </p:stCondLst>
-                            <p:childTnLst>
-                              <p:par>
-                                <p:cTn id="10" presetID="1" presetClass="entr" presetSubtype="0" fill="hold" grpId="0" nodeType="clickEffect">
+                                <p:cTn id="5" presetID="1" presetClass="entr" presetSubtype="0" fill="hold" grpId="0" nodeType="clickEffect">
                                   <p:stCondLst>
                                     <p:cond delay="0"/>
                                   </p:stCondLst>
                                   <p:childTnLst>
                                     <p:set>
                                       <p:cBhvr>
-                                        <p:cTn id="11" dur="1" fill="hold">
+                                        <p:cTn id="6" dur="1" fill="hold">
                                           <p:stCondLst>
                                             <p:cond delay="0"/>
                                           </p:stCondLst>
@@ -25524,6 +25576,59 @@
                                       </p:cBhvr>
                                       <p:to>
                                         <p:strVal val="visible"/>
+                                      </p:to>
+                                    </p:set>
+                                  </p:childTnLst>
+                                </p:cTn>
+                              </p:par>
+                            </p:childTnLst>
+                          </p:cTn>
+                        </p:par>
+                      </p:childTnLst>
+                    </p:cTn>
+                  </p:par>
+                  <p:par>
+                    <p:cTn id="7" fill="hold">
+                      <p:stCondLst>
+                        <p:cond delay="indefinite"/>
+                      </p:stCondLst>
+                      <p:childTnLst>
+                        <p:par>
+                          <p:cTn id="8" fill="hold">
+                            <p:stCondLst>
+                              <p:cond delay="0"/>
+                            </p:stCondLst>
+                            <p:childTnLst>
+                              <p:par>
+                                <p:cTn id="9" presetID="10" presetClass="exit" presetSubtype="0" fill="hold" nodeType="clickEffect">
+                                  <p:stCondLst>
+                                    <p:cond delay="0"/>
+                                  </p:stCondLst>
+                                  <p:childTnLst>
+                                    <p:animEffect transition="out" filter="fade">
+                                      <p:cBhvr>
+                                        <p:cTn id="10" dur="500"/>
+                                        <p:tgtEl>
+                                          <p:spTgt spid="2"/>
+                                        </p:tgtEl>
+                                      </p:cBhvr>
+                                    </p:animEffect>
+                                    <p:set>
+                                      <p:cBhvr>
+                                        <p:cTn id="11" dur="1" fill="hold">
+                                          <p:stCondLst>
+                                            <p:cond delay="499"/>
+                                          </p:stCondLst>
+                                        </p:cTn>
+                                        <p:tgtEl>
+                                          <p:spTgt spid="2"/>
+                                        </p:tgtEl>
+                                        <p:attrNameLst>
+                                          <p:attrName>style.visibility</p:attrName>
+                                        </p:attrNameLst>
+                                      </p:cBhvr>
+                                      <p:to>
+                                        <p:strVal val="hidden"/>
                                       </p:to>
                                     </p:set>
                                   </p:childTnLst>
